--- a/05. ASP.NET Web API/Entwicklung einer Schnittstelle mit ASP.NET Web API.pptx
+++ b/05. ASP.NET Web API/Entwicklung einer Schnittstelle mit ASP.NET Web API.pptx
@@ -5,23 +5,25 @@
     <p:sldMasterId id="2147484690" r:id="rId1"/>
   </p:sldMasterIdLst>
   <p:notesMasterIdLst>
-    <p:notesMasterId r:id="rId13"/>
+    <p:notesMasterId r:id="rId15"/>
   </p:notesMasterIdLst>
   <p:handoutMasterIdLst>
-    <p:handoutMasterId r:id="rId14"/>
+    <p:handoutMasterId r:id="rId16"/>
   </p:handoutMasterIdLst>
   <p:sldIdLst>
     <p:sldId id="332" r:id="rId2"/>
-    <p:sldId id="299" r:id="rId3"/>
-    <p:sldId id="361" r:id="rId4"/>
-    <p:sldId id="362" r:id="rId5"/>
-    <p:sldId id="394" r:id="rId6"/>
-    <p:sldId id="395" r:id="rId7"/>
-    <p:sldId id="396" r:id="rId8"/>
-    <p:sldId id="398" r:id="rId9"/>
-    <p:sldId id="397" r:id="rId10"/>
-    <p:sldId id="393" r:id="rId11"/>
-    <p:sldId id="290" r:id="rId12"/>
+    <p:sldId id="399" r:id="rId3"/>
+    <p:sldId id="299" r:id="rId4"/>
+    <p:sldId id="361" r:id="rId5"/>
+    <p:sldId id="362" r:id="rId6"/>
+    <p:sldId id="394" r:id="rId7"/>
+    <p:sldId id="395" r:id="rId8"/>
+    <p:sldId id="396" r:id="rId9"/>
+    <p:sldId id="398" r:id="rId10"/>
+    <p:sldId id="397" r:id="rId11"/>
+    <p:sldId id="393" r:id="rId12"/>
+    <p:sldId id="400" r:id="rId13"/>
+    <p:sldId id="290" r:id="rId14"/>
   </p:sldIdLst>
   <p:sldSz cx="12190413" cy="6859588"/>
   <p:notesSz cx="7099300" cy="10234613"/>
@@ -306,7 +308,7 @@
               <a:pPr>
                 <a:defRPr/>
               </a:pPr>
-              <a:t>29.09.2015</a:t>
+              <a:t>24.02.2017</a:t>
             </a:fld>
             <a:endParaRPr lang="de-DE" dirty="0"/>
           </a:p>
@@ -505,7 +507,7 @@
               <a:pPr>
                 <a:defRPr/>
               </a:pPr>
-              <a:t>2015-09-29</a:t>
+              <a:t>2017-02-24</a:t>
             </a:fld>
             <a:endParaRPr lang="sv-SE"/>
           </a:p>
@@ -931,7 +933,7 @@
     </p:spTree>
     <p:extLst>
       <p:ext uri="{BB962C8B-B14F-4D97-AF65-F5344CB8AC3E}">
-        <p14:creationId xmlns:p14="http://schemas.microsoft.com/office/powerpoint/2010/main" val="2144204826"/>
+        <p14:creationId xmlns:p14="http://schemas.microsoft.com/office/powerpoint/2010/main" val="4070939276"/>
       </p:ext>
     </p:extLst>
   </p:cSld>
@@ -960,6 +962,116 @@
       </p:grpSpPr>
       <p:sp>
         <p:nvSpPr>
+          <p:cNvPr id="28674" name="Folienbildplatzhalter 1"/>
+          <p:cNvSpPr>
+            <a:spLocks noGrp="1" noRot="1" noChangeAspect="1" noTextEdit="1"/>
+          </p:cNvSpPr>
+          <p:nvPr>
+            <p:ph type="sldImg"/>
+          </p:nvPr>
+        </p:nvSpPr>
+        <p:spPr bwMode="auto">
+          <a:xfrm>
+            <a:off x="139700" y="768350"/>
+            <a:ext cx="6819900" cy="3836988"/>
+          </a:xfrm>
+          <a:noFill/>
+          <a:ln>
+            <a:solidFill>
+              <a:srgbClr val="000000"/>
+            </a:solidFill>
+            <a:miter lim="800000"/>
+            <a:headEnd/>
+            <a:tailEnd/>
+          </a:ln>
+        </p:spPr>
+      </p:sp>
+      <p:sp>
+        <p:nvSpPr>
+          <p:cNvPr id="28675" name="Notizenplatzhalter 2"/>
+          <p:cNvSpPr>
+            <a:spLocks noGrp="1"/>
+          </p:cNvSpPr>
+          <p:nvPr>
+            <p:ph type="body" idx="1"/>
+          </p:nvPr>
+        </p:nvSpPr>
+        <p:spPr bwMode="auto">
+          <a:noFill/>
+        </p:spPr>
+        <p:txBody>
+          <a:bodyPr wrap="square" numCol="1" anchor="t" anchorCtr="0" compatLnSpc="1">
+            <a:prstTxWarp prst="textNoShape">
+              <a:avLst/>
+            </a:prstTxWarp>
+          </a:bodyPr>
+          <a:lstStyle/>
+          <a:p>
+            <a:endParaRPr lang="de-DE" dirty="0" smtClean="0"/>
+          </a:p>
+        </p:txBody>
+      </p:sp>
+      <p:sp>
+        <p:nvSpPr>
+          <p:cNvPr id="4" name="Foliennummernplatzhalter 3"/>
+          <p:cNvSpPr>
+            <a:spLocks noGrp="1"/>
+          </p:cNvSpPr>
+          <p:nvPr>
+            <p:ph type="sldNum" sz="quarter" idx="5"/>
+          </p:nvPr>
+        </p:nvSpPr>
+        <p:spPr/>
+        <p:txBody>
+          <a:bodyPr/>
+          <a:lstStyle/>
+          <a:p>
+            <a:pPr>
+              <a:defRPr/>
+            </a:pPr>
+            <a:fld id="{55AE93FB-93AC-4F27-ACAF-F1F038C932EA}" type="slidenum">
+              <a:rPr lang="sv-SE" smtClean="0"/>
+              <a:pPr>
+                <a:defRPr/>
+              </a:pPr>
+              <a:t>3</a:t>
+            </a:fld>
+            <a:endParaRPr lang="sv-SE"/>
+          </a:p>
+        </p:txBody>
+      </p:sp>
+    </p:spTree>
+    <p:extLst>
+      <p:ext uri="{BB962C8B-B14F-4D97-AF65-F5344CB8AC3E}">
+        <p14:creationId xmlns:p14="http://schemas.microsoft.com/office/powerpoint/2010/main" val="2144204826"/>
+      </p:ext>
+    </p:extLst>
+  </p:cSld>
+  <p:clrMapOvr>
+    <a:masterClrMapping/>
+  </p:clrMapOvr>
+</p:notes>
+</file>
+
+<file path=ppt/notesSlides/notesSlide3.xml><?xml version="1.0" encoding="utf-8"?>
+<p:notes xmlns:a="http://schemas.openxmlformats.org/drawingml/2006/main" xmlns:r="http://schemas.openxmlformats.org/officeDocument/2006/relationships" xmlns:p="http://schemas.openxmlformats.org/presentationml/2006/main">
+  <p:cSld>
+    <p:spTree>
+      <p:nvGrpSpPr>
+        <p:cNvPr id="1" name=""/>
+        <p:cNvGrpSpPr/>
+        <p:nvPr/>
+      </p:nvGrpSpPr>
+      <p:grpSpPr>
+        <a:xfrm>
+          <a:off x="0" y="0"/>
+          <a:ext cx="0" cy="0"/>
+          <a:chOff x="0" y="0"/>
+          <a:chExt cx="0" cy="0"/>
+        </a:xfrm>
+      </p:grpSpPr>
+      <p:sp>
+        <p:nvSpPr>
           <p:cNvPr id="2" name="Slide Image Placeholder 1"/>
           <p:cNvSpPr>
             <a:spLocks noGrp="1" noRot="1" noChangeAspect="1"/>
@@ -1086,7 +1198,7 @@
             <a:fld id="{0E250944-C459-49FA-BBE9-2A0996DD63D5}" type="slidenum">
               <a:rPr lang="en-US" smtClean="0"/>
               <a:pPr/>
-              <a:t>5</a:t>
+              <a:t>6</a:t>
             </a:fld>
             <a:endParaRPr lang="en-US"/>
           </a:p>
@@ -1219,7 +1331,7 @@
 </p:notes>
 </file>
 
-<file path=ppt/notesSlides/notesSlide3.xml><?xml version="1.0" encoding="utf-8"?>
+<file path=ppt/notesSlides/notesSlide4.xml><?xml version="1.0" encoding="utf-8"?>
 <p:notes xmlns:a="http://schemas.openxmlformats.org/drawingml/2006/main" xmlns:r="http://schemas.openxmlformats.org/officeDocument/2006/relationships" xmlns:p="http://schemas.openxmlformats.org/presentationml/2006/main">
   <p:cSld>
     <p:spTree>
@@ -1417,7 +1529,7 @@
             <a:fld id="{0E250944-C459-49FA-BBE9-2A0996DD63D5}" type="slidenum">
               <a:rPr lang="en-US" smtClean="0"/>
               <a:pPr/>
-              <a:t>6</a:t>
+              <a:t>7</a:t>
             </a:fld>
             <a:endParaRPr lang="en-US"/>
           </a:p>
@@ -1550,7 +1662,7 @@
 </p:notes>
 </file>
 
-<file path=ppt/notesSlides/notesSlide4.xml><?xml version="1.0" encoding="utf-8"?>
+<file path=ppt/notesSlides/notesSlide5.xml><?xml version="1.0" encoding="utf-8"?>
 <p:notes xmlns:a="http://schemas.openxmlformats.org/drawingml/2006/main" xmlns:r="http://schemas.openxmlformats.org/officeDocument/2006/relationships" xmlns:p="http://schemas.openxmlformats.org/presentationml/2006/main">
   <p:cSld>
     <p:spTree>
@@ -1630,7 +1742,7 @@
             <a:fld id="{0E250944-C459-49FA-BBE9-2A0996DD63D5}" type="slidenum">
               <a:rPr lang="en-US" smtClean="0"/>
               <a:pPr/>
-              <a:t>7</a:t>
+              <a:t>8</a:t>
             </a:fld>
             <a:endParaRPr lang="en-US"/>
           </a:p>
@@ -1763,7 +1875,7 @@
 </p:notes>
 </file>
 
-<file path=ppt/notesSlides/notesSlide5.xml><?xml version="1.0" encoding="utf-8"?>
+<file path=ppt/notesSlides/notesSlide6.xml><?xml version="1.0" encoding="utf-8"?>
 <p:notes xmlns:a="http://schemas.openxmlformats.org/drawingml/2006/main" xmlns:r="http://schemas.openxmlformats.org/officeDocument/2006/relationships" xmlns:p="http://schemas.openxmlformats.org/presentationml/2006/main">
   <p:cSld>
     <p:spTree>
@@ -1908,7 +2020,7 @@
             <a:fld id="{0E250944-C459-49FA-BBE9-2A0996DD63D5}" type="slidenum">
               <a:rPr lang="en-US" smtClean="0"/>
               <a:pPr/>
-              <a:t>9</a:t>
+              <a:t>10</a:t>
             </a:fld>
             <a:endParaRPr lang="en-US"/>
           </a:p>
@@ -2041,7 +2153,7 @@
 </p:notes>
 </file>
 
-<file path=ppt/notesSlides/notesSlide6.xml><?xml version="1.0" encoding="utf-8"?>
+<file path=ppt/notesSlides/notesSlide7.xml><?xml version="1.0" encoding="utf-8"?>
 <p:notes xmlns:a="http://schemas.openxmlformats.org/drawingml/2006/main" xmlns:r="http://schemas.openxmlformats.org/officeDocument/2006/relationships" xmlns:p="http://schemas.openxmlformats.org/presentationml/2006/main">
   <p:cSld>
     <p:spTree>
@@ -2060,6 +2172,96 @@
       </p:grpSpPr>
       <p:sp>
         <p:nvSpPr>
+          <p:cNvPr id="2" name="Folienbildplatzhalter 1"/>
+          <p:cNvSpPr>
+            <a:spLocks noGrp="1" noRot="1" noChangeAspect="1"/>
+          </p:cNvSpPr>
+          <p:nvPr>
+            <p:ph type="sldImg"/>
+          </p:nvPr>
+        </p:nvSpPr>
+        <p:spPr/>
+      </p:sp>
+      <p:sp>
+        <p:nvSpPr>
+          <p:cNvPr id="3" name="Notizenplatzhalter 2"/>
+          <p:cNvSpPr>
+            <a:spLocks noGrp="1"/>
+          </p:cNvSpPr>
+          <p:nvPr>
+            <p:ph type="body" idx="1"/>
+          </p:nvPr>
+        </p:nvSpPr>
+        <p:spPr/>
+        <p:txBody>
+          <a:bodyPr/>
+          <a:lstStyle/>
+          <a:p>
+            <a:endParaRPr lang="de-DE" dirty="0"/>
+          </a:p>
+        </p:txBody>
+      </p:sp>
+      <p:sp>
+        <p:nvSpPr>
+          <p:cNvPr id="4" name="Foliennummernplatzhalter 3"/>
+          <p:cNvSpPr>
+            <a:spLocks noGrp="1"/>
+          </p:cNvSpPr>
+          <p:nvPr>
+            <p:ph type="sldNum" sz="quarter" idx="10"/>
+          </p:nvPr>
+        </p:nvSpPr>
+        <p:spPr/>
+        <p:txBody>
+          <a:bodyPr/>
+          <a:lstStyle/>
+          <a:p>
+            <a:pPr>
+              <a:defRPr/>
+            </a:pPr>
+            <a:fld id="{9FD97EF8-451C-4BD4-A577-78C919C344DB}" type="slidenum">
+              <a:rPr lang="sv-SE" smtClean="0"/>
+              <a:pPr>
+                <a:defRPr/>
+              </a:pPr>
+              <a:t>12</a:t>
+            </a:fld>
+            <a:endParaRPr lang="sv-SE"/>
+          </a:p>
+        </p:txBody>
+      </p:sp>
+    </p:spTree>
+    <p:extLst>
+      <p:ext uri="{BB962C8B-B14F-4D97-AF65-F5344CB8AC3E}">
+        <p14:creationId xmlns:p14="http://schemas.microsoft.com/office/powerpoint/2010/main" val="177084759"/>
+      </p:ext>
+    </p:extLst>
+  </p:cSld>
+  <p:clrMapOvr>
+    <a:masterClrMapping/>
+  </p:clrMapOvr>
+</p:notes>
+</file>
+
+<file path=ppt/notesSlides/notesSlide8.xml><?xml version="1.0" encoding="utf-8"?>
+<p:notes xmlns:a="http://schemas.openxmlformats.org/drawingml/2006/main" xmlns:r="http://schemas.openxmlformats.org/officeDocument/2006/relationships" xmlns:p="http://schemas.openxmlformats.org/presentationml/2006/main">
+  <p:cSld>
+    <p:spTree>
+      <p:nvGrpSpPr>
+        <p:cNvPr id="1" name=""/>
+        <p:cNvGrpSpPr/>
+        <p:nvPr/>
+      </p:nvGrpSpPr>
+      <p:grpSpPr>
+        <a:xfrm>
+          <a:off x="0" y="0"/>
+          <a:ext cx="0" cy="0"/>
+          <a:chOff x="0" y="0"/>
+          <a:chExt cx="0" cy="0"/>
+        </a:xfrm>
+      </p:grpSpPr>
+      <p:sp>
+        <p:nvSpPr>
           <p:cNvPr id="35842" name="Folienbildplatzhalter 1"/>
           <p:cNvSpPr>
             <a:spLocks noGrp="1" noRot="1" noChangeAspect="1" noTextEdit="1"/>
@@ -2132,7 +2334,7 @@
               <a:pPr>
                 <a:defRPr/>
               </a:pPr>
-              <a:t>11</a:t>
+              <a:t>13</a:t>
             </a:fld>
             <a:endParaRPr lang="sv-SE"/>
           </a:p>
@@ -5810,7 +6012,7 @@
       </p:grpSpPr>
       <p:sp>
         <p:nvSpPr>
-          <p:cNvPr id="6" name="Titel 5"/>
+          <p:cNvPr id="2" name="Title 1"/>
           <p:cNvSpPr>
             <a:spLocks noGrp="1"/>
           </p:cNvSpPr>
@@ -5824,21 +6026,32 @@
           <a:lstStyle/>
           <a:p>
             <a:r>
-              <a:rPr lang="de-DE" dirty="0" smtClean="0"/>
-              <a:t>HANDS-ON</a:t>
-            </a:r>
-            <a:endParaRPr lang="de-DE" dirty="0"/>
-          </a:p>
-        </p:txBody>
-      </p:sp>
-      <p:sp>
-        <p:nvSpPr>
-          <p:cNvPr id="7" name="Untertitel 6"/>
+              <a:rPr lang="en-US" dirty="0" err="1"/>
+              <a:t>Routen</a:t>
+            </a:r>
+            <a:r>
+              <a:rPr lang="en-US" dirty="0"/>
+              <a:t> und Controller in </a:t>
+            </a:r>
+            <a:r>
+              <a:rPr lang="en-US" dirty="0" err="1"/>
+              <a:t>einer</a:t>
+            </a:r>
+            <a:r>
+              <a:rPr lang="en-US" dirty="0"/>
+              <a:t> Web API</a:t>
+            </a:r>
+          </a:p>
+        </p:txBody>
+      </p:sp>
+      <p:sp>
+        <p:nvSpPr>
+          <p:cNvPr id="3" name="Content Placeholder 2"/>
           <p:cNvSpPr>
             <a:spLocks noGrp="1"/>
           </p:cNvSpPr>
           <p:nvPr>
-            <p:ph type="subTitle" idx="1"/>
+            <p:ph sz="quarter" idx="10"/>
           </p:nvPr>
         </p:nvSpPr>
         <p:spPr/>
@@ -5847,37 +6060,212 @@
           <a:lstStyle/>
           <a:p>
             <a:r>
-              <a:rPr lang="de-DE" dirty="0" smtClean="0"/>
-              <a:t>05</a:t>
-            </a:r>
-            <a:r>
-              <a:rPr lang="de-DE" dirty="0"/>
-              <a:t>. Entwicklung einer Schnittstelle mit ASP.NET Web API</a:t>
-            </a:r>
-            <a:endParaRPr lang="de-DE" dirty="0"/>
-          </a:p>
-        </p:txBody>
-      </p:sp>
-      <p:sp>
-        <p:nvSpPr>
-          <p:cNvPr id="4" name="Foliennummernplatzhalter 3"/>
-          <p:cNvSpPr>
-            <a:spLocks noGrp="1"/>
-          </p:cNvSpPr>
-          <p:nvPr>
-            <p:ph type="sldNum" sz="quarter" idx="10"/>
-          </p:nvPr>
-        </p:nvSpPr>
-        <p:spPr/>
-        <p:txBody>
-          <a:bodyPr/>
-          <a:lstStyle/>
-          <a:p>
-            <a:fld id="{8F35CB8A-22DD-4279-9E9E-A49CDB5FBE56}" type="slidenum">
-              <a:rPr lang="en-US" smtClean="0"/>
-              <a:pPr/>
-              <a:t>10</a:t>
-            </a:fld>
+              <a:rPr lang="en-US" dirty="0" smtClean="0"/>
+              <a:t>ASP.NET </a:t>
+            </a:r>
+            <a:r>
+              <a:rPr lang="en-US" dirty="0" err="1" smtClean="0"/>
+              <a:t>fügt</a:t>
+            </a:r>
+            <a:r>
+              <a:rPr lang="en-US" dirty="0" smtClean="0"/>
+              <a:t> </a:t>
+            </a:r>
+            <a:r>
+              <a:rPr lang="en-US" dirty="0" err="1" smtClean="0"/>
+              <a:t>eine</a:t>
+            </a:r>
+            <a:r>
+              <a:rPr lang="en-US" dirty="0"/>
+              <a:t> </a:t>
+            </a:r>
+            <a:r>
+              <a:rPr lang="en-US" dirty="0" smtClean="0"/>
+              <a:t>Default-Route </a:t>
+            </a:r>
+            <a:r>
+              <a:rPr lang="en-US" dirty="0" err="1" smtClean="0"/>
+              <a:t>hinzu</a:t>
+            </a:r>
+            <a:endParaRPr lang="en-US" dirty="0"/>
+          </a:p>
+          <a:p>
+            <a:pPr lvl="2"/>
+            <a:r>
+              <a:rPr lang="en-US" dirty="0" err="1" smtClean="0"/>
+              <a:t>Ordnet</a:t>
+            </a:r>
+            <a:r>
+              <a:rPr lang="en-US" dirty="0" smtClean="0"/>
+              <a:t> </a:t>
+            </a:r>
+            <a:r>
+              <a:rPr lang="en-US" dirty="0" err="1" smtClean="0"/>
+              <a:t>eine</a:t>
+            </a:r>
+            <a:r>
+              <a:rPr lang="en-US" dirty="0" smtClean="0"/>
+              <a:t> </a:t>
+            </a:r>
+            <a:r>
+              <a:rPr lang="en-US" dirty="0" err="1" smtClean="0"/>
+              <a:t>Url</a:t>
+            </a:r>
+            <a:r>
+              <a:rPr lang="en-US" dirty="0" smtClean="0"/>
+              <a:t> </a:t>
+            </a:r>
+            <a:r>
+              <a:rPr lang="en-US" dirty="0" err="1" smtClean="0"/>
+              <a:t>einem</a:t>
+            </a:r>
+            <a:r>
+              <a:rPr lang="en-US" dirty="0" smtClean="0"/>
+              <a:t> Controller </a:t>
+            </a:r>
+            <a:r>
+              <a:rPr lang="en-US" dirty="0" err="1" smtClean="0"/>
+              <a:t>zu</a:t>
+            </a:r>
+            <a:endParaRPr lang="en-US" dirty="0"/>
+          </a:p>
+          <a:p>
+            <a:r>
+              <a:rPr lang="en-US" dirty="0" smtClean="0"/>
+              <a:t>Die </a:t>
+            </a:r>
+            <a:r>
+              <a:rPr lang="en-US" dirty="0" err="1"/>
+              <a:t>WebApiConfig</a:t>
+            </a:r>
+            <a:r>
+              <a:rPr lang="en-US" dirty="0"/>
+              <a:t> </a:t>
+            </a:r>
+            <a:r>
+              <a:rPr lang="en-US" dirty="0" err="1" smtClean="0"/>
+              <a:t>Klasse</a:t>
+            </a:r>
+            <a:r>
+              <a:rPr lang="en-US" dirty="0" smtClean="0"/>
+              <a:t> </a:t>
+            </a:r>
+            <a:r>
+              <a:rPr lang="en-US" dirty="0" err="1" smtClean="0"/>
+              <a:t>lässt</a:t>
+            </a:r>
+            <a:r>
+              <a:rPr lang="en-US" dirty="0" smtClean="0"/>
+              <a:t> </a:t>
+            </a:r>
+            <a:r>
+              <a:rPr lang="en-US" dirty="0" err="1" smtClean="0"/>
+              <a:t>sich</a:t>
+            </a:r>
+            <a:r>
+              <a:rPr lang="en-US" dirty="0" smtClean="0"/>
+              <a:t> </a:t>
+            </a:r>
+            <a:r>
+              <a:rPr lang="en-US" dirty="0" err="1" smtClean="0"/>
+              <a:t>nutzen</a:t>
+            </a:r>
+            <a:r>
+              <a:rPr lang="en-US" dirty="0" smtClean="0"/>
+              <a:t> um</a:t>
+            </a:r>
+            <a:endParaRPr lang="en-US" dirty="0"/>
+          </a:p>
+          <a:p>
+            <a:pPr lvl="2"/>
+            <a:r>
+              <a:rPr lang="en-US" dirty="0" smtClean="0"/>
+              <a:t>Das Routing </a:t>
+            </a:r>
+            <a:r>
+              <a:rPr lang="en-US" dirty="0" err="1" smtClean="0"/>
+              <a:t>zu</a:t>
+            </a:r>
+            <a:r>
+              <a:rPr lang="en-US" dirty="0" smtClean="0"/>
+              <a:t> </a:t>
+            </a:r>
+            <a:r>
+              <a:rPr lang="en-US" dirty="0" err="1" smtClean="0"/>
+              <a:t>beeinflussen</a:t>
+            </a:r>
+            <a:endParaRPr lang="en-US" dirty="0"/>
+          </a:p>
+          <a:p>
+            <a:pPr lvl="2"/>
+            <a:r>
+              <a:rPr lang="en-US" dirty="0" err="1" smtClean="0"/>
+              <a:t>Verschiedene</a:t>
+            </a:r>
+            <a:r>
+              <a:rPr lang="en-US" dirty="0" smtClean="0"/>
+              <a:t> </a:t>
+            </a:r>
+            <a:r>
+              <a:rPr lang="en-US" dirty="0" err="1" smtClean="0"/>
+              <a:t>Versionen</a:t>
+            </a:r>
+            <a:r>
+              <a:rPr lang="en-US" dirty="0" smtClean="0"/>
+              <a:t> </a:t>
+            </a:r>
+            <a:r>
+              <a:rPr lang="en-US" dirty="0" err="1" smtClean="0"/>
+              <a:t>einer</a:t>
+            </a:r>
+            <a:r>
+              <a:rPr lang="en-US" dirty="0" smtClean="0"/>
+              <a:t> </a:t>
+            </a:r>
+            <a:r>
+              <a:rPr lang="en-US" dirty="0" err="1" smtClean="0"/>
+              <a:t>Api</a:t>
+            </a:r>
+            <a:r>
+              <a:rPr lang="en-US" dirty="0" smtClean="0"/>
+              <a:t> </a:t>
+            </a:r>
+            <a:r>
+              <a:rPr lang="en-US" dirty="0" err="1" smtClean="0"/>
+              <a:t>innerhalb</a:t>
+            </a:r>
+            <a:r>
+              <a:rPr lang="en-US" dirty="0" smtClean="0"/>
+              <a:t> des </a:t>
+            </a:r>
+            <a:r>
+              <a:rPr lang="en-US" dirty="0" err="1" smtClean="0"/>
+              <a:t>selbsten</a:t>
+            </a:r>
+            <a:r>
+              <a:rPr lang="en-US" dirty="0" smtClean="0"/>
+              <a:t> </a:t>
+            </a:r>
+            <a:r>
+              <a:rPr lang="en-US" dirty="0" err="1" smtClean="0"/>
+              <a:t>Projektes</a:t>
+            </a:r>
+            <a:r>
+              <a:rPr lang="en-US" dirty="0" smtClean="0"/>
+              <a:t> </a:t>
+            </a:r>
+            <a:r>
+              <a:rPr lang="en-US" dirty="0" err="1" smtClean="0"/>
+              <a:t>zu</a:t>
+            </a:r>
+            <a:r>
+              <a:rPr lang="en-US" dirty="0" smtClean="0"/>
+              <a:t> </a:t>
+            </a:r>
+            <a:r>
+              <a:rPr lang="en-US" dirty="0" err="1" smtClean="0"/>
+              <a:t>haben</a:t>
+            </a:r>
             <a:endParaRPr lang="en-US" dirty="0"/>
           </a:p>
         </p:txBody>
@@ -5885,7 +6273,7 @@
     </p:spTree>
     <p:extLst>
       <p:ext uri="{BB962C8B-B14F-4D97-AF65-F5344CB8AC3E}">
-        <p14:creationId xmlns:p14="http://schemas.microsoft.com/office/powerpoint/2010/main" val="1662466920"/>
+        <p14:creationId xmlns:p14="http://schemas.microsoft.com/office/powerpoint/2010/main" val="3916868022"/>
       </p:ext>
     </p:extLst>
   </p:cSld>
@@ -5914,6 +6302,322 @@
       </p:grpSpPr>
       <p:sp>
         <p:nvSpPr>
+          <p:cNvPr id="6" name="Titel 5"/>
+          <p:cNvSpPr>
+            <a:spLocks noGrp="1"/>
+          </p:cNvSpPr>
+          <p:nvPr>
+            <p:ph type="title"/>
+          </p:nvPr>
+        </p:nvSpPr>
+        <p:spPr/>
+        <p:txBody>
+          <a:bodyPr/>
+          <a:lstStyle/>
+          <a:p>
+            <a:r>
+              <a:rPr lang="de-DE" dirty="0" smtClean="0"/>
+              <a:t>HANDS-ON</a:t>
+            </a:r>
+            <a:endParaRPr lang="de-DE" dirty="0"/>
+          </a:p>
+        </p:txBody>
+      </p:sp>
+      <p:sp>
+        <p:nvSpPr>
+          <p:cNvPr id="7" name="Untertitel 6"/>
+          <p:cNvSpPr>
+            <a:spLocks noGrp="1"/>
+          </p:cNvSpPr>
+          <p:nvPr>
+            <p:ph type="subTitle" idx="1"/>
+          </p:nvPr>
+        </p:nvSpPr>
+        <p:spPr/>
+        <p:txBody>
+          <a:bodyPr/>
+          <a:lstStyle/>
+          <a:p>
+            <a:r>
+              <a:rPr lang="de-DE" dirty="0" smtClean="0"/>
+              <a:t>05</a:t>
+            </a:r>
+            <a:r>
+              <a:rPr lang="de-DE" dirty="0"/>
+              <a:t>. Entwicklung einer Schnittstelle mit ASP.NET Web API</a:t>
+            </a:r>
+          </a:p>
+        </p:txBody>
+      </p:sp>
+      <p:sp>
+        <p:nvSpPr>
+          <p:cNvPr id="4" name="Foliennummernplatzhalter 3"/>
+          <p:cNvSpPr>
+            <a:spLocks noGrp="1"/>
+          </p:cNvSpPr>
+          <p:nvPr>
+            <p:ph type="sldNum" sz="quarter" idx="10"/>
+          </p:nvPr>
+        </p:nvSpPr>
+        <p:spPr/>
+        <p:txBody>
+          <a:bodyPr/>
+          <a:lstStyle/>
+          <a:p>
+            <a:fld id="{8F35CB8A-22DD-4279-9E9E-A49CDB5FBE56}" type="slidenum">
+              <a:rPr lang="en-US" smtClean="0"/>
+              <a:pPr/>
+              <a:t>11</a:t>
+            </a:fld>
+            <a:endParaRPr lang="en-US" dirty="0"/>
+          </a:p>
+        </p:txBody>
+      </p:sp>
+    </p:spTree>
+    <p:extLst>
+      <p:ext uri="{BB962C8B-B14F-4D97-AF65-F5344CB8AC3E}">
+        <p14:creationId xmlns:p14="http://schemas.microsoft.com/office/powerpoint/2010/main" val="1662466920"/>
+      </p:ext>
+    </p:extLst>
+  </p:cSld>
+  <p:clrMapOvr>
+    <a:masterClrMapping/>
+  </p:clrMapOvr>
+</p:sld>
+</file>
+
+<file path=ppt/slides/slide12.xml><?xml version="1.0" encoding="utf-8"?>
+<p:sld xmlns:a="http://schemas.openxmlformats.org/drawingml/2006/main" xmlns:r="http://schemas.openxmlformats.org/officeDocument/2006/relationships" xmlns:p="http://schemas.openxmlformats.org/presentationml/2006/main">
+  <p:cSld>
+    <p:spTree>
+      <p:nvGrpSpPr>
+        <p:cNvPr id="1" name=""/>
+        <p:cNvGrpSpPr/>
+        <p:nvPr/>
+      </p:nvGrpSpPr>
+      <p:grpSpPr>
+        <a:xfrm>
+          <a:off x="0" y="0"/>
+          <a:ext cx="0" cy="0"/>
+          <a:chOff x="0" y="0"/>
+          <a:chExt cx="0" cy="0"/>
+        </a:xfrm>
+      </p:grpSpPr>
+      <p:sp>
+        <p:nvSpPr>
+          <p:cNvPr id="2" name="Titel 1"/>
+          <p:cNvSpPr>
+            <a:spLocks noGrp="1"/>
+          </p:cNvSpPr>
+          <p:nvPr>
+            <p:ph type="title"/>
+          </p:nvPr>
+        </p:nvSpPr>
+        <p:spPr/>
+        <p:txBody>
+          <a:bodyPr/>
+          <a:lstStyle/>
+          <a:p>
+            <a:pPr>
+              <a:lnSpc>
+                <a:spcPct val="150000"/>
+              </a:lnSpc>
+            </a:pPr>
+            <a:r>
+              <a:rPr lang="de-DE" smtClean="0"/>
+              <a:t>Veröffentlichen </a:t>
+            </a:r>
+            <a:r>
+              <a:rPr lang="de-DE" dirty="0"/>
+              <a:t>der API in Microsoft Azure</a:t>
+            </a:r>
+          </a:p>
+        </p:txBody>
+      </p:sp>
+      <p:sp>
+        <p:nvSpPr>
+          <p:cNvPr id="3" name="Inhaltsplatzhalter 2"/>
+          <p:cNvSpPr>
+            <a:spLocks noGrp="1"/>
+          </p:cNvSpPr>
+          <p:nvPr>
+            <p:ph idx="1"/>
+          </p:nvPr>
+        </p:nvSpPr>
+        <p:spPr/>
+        <p:txBody>
+          <a:bodyPr/>
+          <a:lstStyle/>
+          <a:p>
+            <a:pPr>
+              <a:lnSpc>
+                <a:spcPct val="150000"/>
+              </a:lnSpc>
+            </a:pPr>
+            <a:r>
+              <a:rPr lang="de-DE" altLang="de-DE" dirty="0" smtClean="0"/>
+              <a:t>Microsofts Cloud Plattform</a:t>
+            </a:r>
+          </a:p>
+          <a:p>
+            <a:pPr>
+              <a:lnSpc>
+                <a:spcPct val="150000"/>
+              </a:lnSpc>
+            </a:pPr>
+            <a:r>
+              <a:rPr lang="de-DE" altLang="de-DE" dirty="0" smtClean="0"/>
+              <a:t>Veröffentlichung der MVC-Webanwendung und der API</a:t>
+            </a:r>
+          </a:p>
+          <a:p>
+            <a:pPr>
+              <a:lnSpc>
+                <a:spcPct val="150000"/>
+              </a:lnSpc>
+            </a:pPr>
+            <a:endParaRPr lang="de-DE" altLang="de-DE" dirty="0" smtClean="0"/>
+          </a:p>
+          <a:p>
+            <a:pPr>
+              <a:lnSpc>
+                <a:spcPct val="150000"/>
+              </a:lnSpc>
+            </a:pPr>
+            <a:r>
+              <a:rPr lang="de-DE" altLang="de-DE" dirty="0" smtClean="0"/>
+              <a:t>Adresse Webanwendung:</a:t>
+            </a:r>
+          </a:p>
+          <a:p>
+            <a:pPr lvl="1">
+              <a:lnSpc>
+                <a:spcPct val="150000"/>
+              </a:lnSpc>
+            </a:pPr>
+            <a:r>
+              <a:rPr lang="de-DE" altLang="de-DE" b="1" dirty="0" smtClean="0"/>
+              <a:t>http://acando-workshop.azurewebsites.net</a:t>
+            </a:r>
+            <a:endParaRPr lang="de-DE" altLang="de-DE" b="1" dirty="0"/>
+          </a:p>
+          <a:p>
+            <a:pPr>
+              <a:lnSpc>
+                <a:spcPct val="150000"/>
+              </a:lnSpc>
+            </a:pPr>
+            <a:r>
+              <a:rPr lang="de-DE" altLang="de-DE" dirty="0" smtClean="0"/>
+              <a:t>Adresse API:</a:t>
+            </a:r>
+          </a:p>
+          <a:p>
+            <a:pPr lvl="1">
+              <a:lnSpc>
+                <a:spcPct val="150000"/>
+              </a:lnSpc>
+            </a:pPr>
+            <a:r>
+              <a:rPr lang="de-DE" altLang="de-DE" b="1" dirty="0" smtClean="0"/>
+              <a:t>http://acando-workshop.azurewebsites.net/api</a:t>
+            </a:r>
+          </a:p>
+        </p:txBody>
+      </p:sp>
+      <p:sp>
+        <p:nvSpPr>
+          <p:cNvPr id="4" name="Foliennummernplatzhalter 3"/>
+          <p:cNvSpPr>
+            <a:spLocks noGrp="1"/>
+          </p:cNvSpPr>
+          <p:nvPr>
+            <p:ph type="sldNum" sz="quarter" idx="12"/>
+          </p:nvPr>
+        </p:nvSpPr>
+        <p:spPr/>
+        <p:txBody>
+          <a:bodyPr/>
+          <a:lstStyle/>
+          <a:p>
+            <a:fld id="{8F35CB8A-22DD-4279-9E9E-A49CDB5FBE56}" type="slidenum">
+              <a:rPr lang="en-US" smtClean="0"/>
+              <a:pPr/>
+              <a:t>12</a:t>
+            </a:fld>
+            <a:endParaRPr lang="en-US"/>
+          </a:p>
+        </p:txBody>
+      </p:sp>
+      <p:pic>
+        <p:nvPicPr>
+          <p:cNvPr id="5" name="Grafik 4"/>
+          <p:cNvPicPr>
+            <a:picLocks noChangeAspect="1"/>
+          </p:cNvPicPr>
+          <p:nvPr/>
+        </p:nvPicPr>
+        <p:blipFill>
+          <a:blip r:embed="rId3">
+            <a:extLst>
+              <a:ext uri="{28A0092B-C50C-407E-A947-70E740481C1C}">
+                <a14:useLocalDpi xmlns:a14="http://schemas.microsoft.com/office/drawing/2010/main" val="0"/>
+              </a:ext>
+            </a:extLst>
+          </a:blip>
+          <a:stretch>
+            <a:fillRect/>
+          </a:stretch>
+        </p:blipFill>
+        <p:spPr>
+          <a:xfrm>
+            <a:off x="7723630" y="2613182"/>
+            <a:ext cx="3879485" cy="1096169"/>
+          </a:xfrm>
+          <a:prstGeom prst="rect">
+            <a:avLst/>
+          </a:prstGeom>
+        </p:spPr>
+      </p:pic>
+    </p:spTree>
+    <p:extLst>
+      <p:ext uri="{BB962C8B-B14F-4D97-AF65-F5344CB8AC3E}">
+        <p14:creationId xmlns:p14="http://schemas.microsoft.com/office/powerpoint/2010/main" val="3872784317"/>
+      </p:ext>
+    </p:extLst>
+  </p:cSld>
+  <p:clrMapOvr>
+    <a:masterClrMapping/>
+  </p:clrMapOvr>
+  <p:timing>
+    <p:tnLst>
+      <p:par>
+        <p:cTn id="1" dur="indefinite" restart="never" nodeType="tmRoot"/>
+      </p:par>
+    </p:tnLst>
+  </p:timing>
+</p:sld>
+</file>
+
+<file path=ppt/slides/slide13.xml><?xml version="1.0" encoding="utf-8"?>
+<p:sld xmlns:a="http://schemas.openxmlformats.org/drawingml/2006/main" xmlns:r="http://schemas.openxmlformats.org/officeDocument/2006/relationships" xmlns:p="http://schemas.openxmlformats.org/presentationml/2006/main">
+  <p:cSld>
+    <p:spTree>
+      <p:nvGrpSpPr>
+        <p:cNvPr id="1" name=""/>
+        <p:cNvGrpSpPr/>
+        <p:nvPr/>
+      </p:nvGrpSpPr>
+      <p:grpSpPr>
+        <a:xfrm>
+          <a:off x="0" y="0"/>
+          <a:ext cx="0" cy="0"/>
+          <a:chOff x="0" y="0"/>
+          <a:chExt cx="0" cy="0"/>
+        </a:xfrm>
+      </p:grpSpPr>
+      <p:sp>
+        <p:nvSpPr>
           <p:cNvPr id="12" name="Foliennummernplatzhalter 11"/>
           <p:cNvSpPr>
             <a:spLocks noGrp="1"/>
@@ -5935,7 +6639,7 @@
               <a:pPr>
                 <a:defRPr/>
               </a:pPr>
-              <a:t>11</a:t>
+              <a:t>13</a:t>
             </a:fld>
             <a:endParaRPr lang="sv-SE" dirty="0"/>
           </a:p>
@@ -5991,7 +6695,7 @@
             <a:pPr eaLnBrk="1" hangingPunct="1"/>
             <a:r>
               <a:rPr lang="de-DE" dirty="0" smtClean="0"/>
-              <a:t>Kursinhalte</a:t>
+              <a:t>Module Tag 2</a:t>
             </a:r>
           </a:p>
         </p:txBody>
@@ -6034,7 +6738,685 @@
           <p:nvPr>
             <p:extLst>
               <p:ext uri="{D42A27DB-BD31-4B8C-83A1-F6EECF244321}">
-                <p14:modId xmlns:p14="http://schemas.microsoft.com/office/powerpoint/2010/main" val="793772818"/>
+                <p14:modId xmlns:p14="http://schemas.microsoft.com/office/powerpoint/2010/main" val="3449025469"/>
+              </p:ext>
+            </p:extLst>
+          </p:nvPr>
+        </p:nvGraphicFramePr>
+        <p:xfrm>
+          <a:off x="587297" y="1444713"/>
+          <a:ext cx="11015817" cy="3889287"/>
+        </p:xfrm>
+        <a:graphic>
+          <a:graphicData uri="http://schemas.openxmlformats.org/drawingml/2006/table">
+            <a:tbl>
+              <a:tblPr firstRow="1" bandRow="1">
+                <a:tableStyleId>{B301B821-A1FF-4177-AEE7-76D212191A09}</a:tableStyleId>
+              </a:tblPr>
+              <a:tblGrid>
+                <a:gridCol w="2319194">
+                  <a:extLst>
+                    <a:ext uri="{9D8B030D-6E8A-4147-A177-3AD203B41FA5}">
+                      <a16:colId xmlns:a16="http://schemas.microsoft.com/office/drawing/2014/main" val="20000"/>
+                    </a:ext>
+                  </a:extLst>
+                </a:gridCol>
+                <a:gridCol w="8696623">
+                  <a:extLst>
+                    <a:ext uri="{9D8B030D-6E8A-4147-A177-3AD203B41FA5}">
+                      <a16:colId xmlns:a16="http://schemas.microsoft.com/office/drawing/2014/main" val="20001"/>
+                    </a:ext>
+                  </a:extLst>
+                </a:gridCol>
+              </a:tblGrid>
+              <a:tr h="460287">
+                <a:tc gridSpan="2">
+                  <a:txBody>
+                    <a:bodyPr/>
+                    <a:lstStyle/>
+                    <a:p>
+                      <a:pPr marL="0" marR="0" indent="0" algn="l" defTabSz="914332" rtl="0" eaLnBrk="1" fontAlgn="auto" latinLnBrk="0" hangingPunct="1">
+                        <a:lnSpc>
+                          <a:spcPct val="100000"/>
+                        </a:lnSpc>
+                        <a:spcBef>
+                          <a:spcPts val="0"/>
+                        </a:spcBef>
+                        <a:spcAft>
+                          <a:spcPts val="0"/>
+                        </a:spcAft>
+                        <a:buClrTx/>
+                        <a:buSzTx/>
+                        <a:buFontTx/>
+                        <a:buNone/>
+                        <a:tabLst/>
+                        <a:defRPr/>
+                      </a:pPr>
+                      <a:r>
+                        <a:rPr lang="de-DE" b="1" dirty="0" smtClean="0">
+                          <a:solidFill>
+                            <a:schemeClr val="tx1"/>
+                          </a:solidFill>
+                        </a:rPr>
+                        <a:t>.NET Jump Start: Tag 2</a:t>
+                      </a:r>
+                    </a:p>
+                  </a:txBody>
+                  <a:tcPr/>
+                </a:tc>
+                <a:tc hMerge="1">
+                  <a:txBody>
+                    <a:bodyPr/>
+                    <a:lstStyle/>
+                    <a:p>
+                      <a:endParaRPr lang="de-DE" dirty="0"/>
+                    </a:p>
+                  </a:txBody>
+                  <a:tcPr/>
+                </a:tc>
+                <a:extLst>
+                  <a:ext uri="{0D108BD9-81ED-4DB2-BD59-A6C34878D82A}">
+                    <a16:rowId xmlns:a16="http://schemas.microsoft.com/office/drawing/2014/main" val="10000"/>
+                  </a:ext>
+                </a:extLst>
+              </a:tr>
+              <a:tr h="370840">
+                <a:tc>
+                  <a:txBody>
+                    <a:bodyPr/>
+                    <a:lstStyle/>
+                    <a:p>
+                      <a:r>
+                        <a:rPr lang="de-DE" dirty="0" smtClean="0"/>
+                        <a:t>09:00 – 10:15</a:t>
+                      </a:r>
+                      <a:endParaRPr lang="de-DE" dirty="0"/>
+                    </a:p>
+                  </a:txBody>
+                  <a:tcPr/>
+                </a:tc>
+                <a:tc>
+                  <a:txBody>
+                    <a:bodyPr/>
+                    <a:lstStyle/>
+                    <a:p>
+                      <a:r>
+                        <a:rPr lang="de-DE" b="0" dirty="0" smtClean="0"/>
+                        <a:t>05 | ASP.NET Web API </a:t>
+                      </a:r>
+                      <a:r>
+                        <a:rPr lang="de-DE" b="0" baseline="0" dirty="0" smtClean="0"/>
+                        <a:t>+ </a:t>
+                      </a:r>
+                      <a:r>
+                        <a:rPr lang="de-DE" b="0" dirty="0" smtClean="0"/>
+                        <a:t>Hands-On</a:t>
+                      </a:r>
+                    </a:p>
+                  </a:txBody>
+                  <a:tcPr/>
+                </a:tc>
+                <a:extLst>
+                  <a:ext uri="{0D108BD9-81ED-4DB2-BD59-A6C34878D82A}">
+                    <a16:rowId xmlns:a16="http://schemas.microsoft.com/office/drawing/2014/main" val="10006"/>
+                  </a:ext>
+                </a:extLst>
+              </a:tr>
+              <a:tr h="370840">
+                <a:tc>
+                  <a:txBody>
+                    <a:bodyPr/>
+                    <a:lstStyle/>
+                    <a:p>
+                      <a:r>
+                        <a:rPr lang="de-DE" dirty="0" smtClean="0"/>
+                        <a:t>10:15 – 11:45</a:t>
+                      </a:r>
+                      <a:endParaRPr lang="de-DE" dirty="0"/>
+                    </a:p>
+                  </a:txBody>
+                  <a:tcPr/>
+                </a:tc>
+                <a:tc>
+                  <a:txBody>
+                    <a:bodyPr/>
+                    <a:lstStyle/>
+                    <a:p>
+                      <a:pPr marL="0" marR="0" lvl="0" indent="0" algn="l" defTabSz="914332" rtl="0" eaLnBrk="1" fontAlgn="auto" latinLnBrk="0" hangingPunct="1">
+                        <a:lnSpc>
+                          <a:spcPct val="100000"/>
+                        </a:lnSpc>
+                        <a:spcBef>
+                          <a:spcPts val="0"/>
+                        </a:spcBef>
+                        <a:spcAft>
+                          <a:spcPts val="0"/>
+                        </a:spcAft>
+                        <a:buClrTx/>
+                        <a:buSzTx/>
+                        <a:buFontTx/>
+                        <a:buNone/>
+                        <a:tabLst/>
+                        <a:defRPr/>
+                      </a:pPr>
+                      <a:r>
+                        <a:rPr lang="de-DE" b="0" dirty="0" smtClean="0"/>
+                        <a:t>06 | Einführung in die </a:t>
+                      </a:r>
+                      <a:r>
+                        <a:rPr lang="de-DE" b="0" baseline="0" dirty="0" smtClean="0"/>
+                        <a:t>universelle Windows-Plattform + Hands On</a:t>
+                      </a:r>
+                      <a:endParaRPr lang="de-DE" b="0" dirty="0" smtClean="0"/>
+                    </a:p>
+                  </a:txBody>
+                  <a:tcPr/>
+                </a:tc>
+                <a:extLst>
+                  <a:ext uri="{0D108BD9-81ED-4DB2-BD59-A6C34878D82A}">
+                    <a16:rowId xmlns:a16="http://schemas.microsoft.com/office/drawing/2014/main" val="10007"/>
+                  </a:ext>
+                </a:extLst>
+              </a:tr>
+              <a:tr h="370840">
+                <a:tc>
+                  <a:txBody>
+                    <a:bodyPr/>
+                    <a:lstStyle/>
+                    <a:p>
+                      <a:r>
+                        <a:rPr lang="de-DE" dirty="0" smtClean="0"/>
+                        <a:t>11:45 – 12:30</a:t>
+                      </a:r>
+                      <a:endParaRPr lang="de-DE" dirty="0"/>
+                    </a:p>
+                  </a:txBody>
+                  <a:tcPr/>
+                </a:tc>
+                <a:tc>
+                  <a:txBody>
+                    <a:bodyPr/>
+                    <a:lstStyle/>
+                    <a:p>
+                      <a:pPr marL="0" marR="0" lvl="0" indent="0" algn="l" defTabSz="914332" rtl="0" eaLnBrk="1" fontAlgn="auto" latinLnBrk="0" hangingPunct="1">
+                        <a:lnSpc>
+                          <a:spcPct val="100000"/>
+                        </a:lnSpc>
+                        <a:spcBef>
+                          <a:spcPts val="0"/>
+                        </a:spcBef>
+                        <a:spcAft>
+                          <a:spcPts val="0"/>
+                        </a:spcAft>
+                        <a:buClrTx/>
+                        <a:buSzTx/>
+                        <a:buFontTx/>
+                        <a:buNone/>
+                        <a:tabLst/>
+                        <a:defRPr/>
+                      </a:pPr>
+                      <a:r>
+                        <a:rPr lang="de-DE" b="0" dirty="0" smtClean="0"/>
+                        <a:t>06 | Grundlagen MVVM</a:t>
+                      </a:r>
+                    </a:p>
+                  </a:txBody>
+                  <a:tcPr/>
+                </a:tc>
+                <a:extLst>
+                  <a:ext uri="{0D108BD9-81ED-4DB2-BD59-A6C34878D82A}">
+                    <a16:rowId xmlns:a16="http://schemas.microsoft.com/office/drawing/2014/main" val="2660125841"/>
+                  </a:ext>
+                </a:extLst>
+              </a:tr>
+              <a:tr h="370840">
+                <a:tc>
+                  <a:txBody>
+                    <a:bodyPr/>
+                    <a:lstStyle/>
+                    <a:p>
+                      <a:pPr marL="0" marR="0" indent="0" algn="l" defTabSz="914332" rtl="0" eaLnBrk="1" fontAlgn="auto" latinLnBrk="0" hangingPunct="1">
+                        <a:lnSpc>
+                          <a:spcPct val="100000"/>
+                        </a:lnSpc>
+                        <a:spcBef>
+                          <a:spcPts val="0"/>
+                        </a:spcBef>
+                        <a:spcAft>
+                          <a:spcPts val="0"/>
+                        </a:spcAft>
+                        <a:buClrTx/>
+                        <a:buSzTx/>
+                        <a:buFontTx/>
+                        <a:buNone/>
+                        <a:tabLst/>
+                        <a:defRPr/>
+                      </a:pPr>
+                      <a:r>
+                        <a:rPr lang="de-DE" dirty="0" smtClean="0"/>
+                        <a:t>12:30 –</a:t>
+                      </a:r>
+                      <a:r>
+                        <a:rPr lang="de-DE" baseline="0" dirty="0" smtClean="0"/>
+                        <a:t> </a:t>
+                      </a:r>
+                      <a:r>
+                        <a:rPr lang="de-DE" dirty="0" smtClean="0"/>
+                        <a:t>14:00</a:t>
+                      </a:r>
+                    </a:p>
+                  </a:txBody>
+                  <a:tcPr/>
+                </a:tc>
+                <a:tc>
+                  <a:txBody>
+                    <a:bodyPr/>
+                    <a:lstStyle/>
+                    <a:p>
+                      <a:pPr algn="ctr"/>
+                      <a:r>
+                        <a:rPr lang="de-DE" b="0" dirty="0" smtClean="0"/>
+                        <a:t>- Mittagspause-</a:t>
+                      </a:r>
+                      <a:endParaRPr lang="de-DE" b="0" dirty="0"/>
+                    </a:p>
+                  </a:txBody>
+                  <a:tcPr/>
+                </a:tc>
+                <a:extLst>
+                  <a:ext uri="{0D108BD9-81ED-4DB2-BD59-A6C34878D82A}">
+                    <a16:rowId xmlns:a16="http://schemas.microsoft.com/office/drawing/2014/main" val="3567531962"/>
+                  </a:ext>
+                </a:extLst>
+              </a:tr>
+              <a:tr h="370840">
+                <a:tc>
+                  <a:txBody>
+                    <a:bodyPr/>
+                    <a:lstStyle/>
+                    <a:p>
+                      <a:r>
+                        <a:rPr lang="de-DE" dirty="0" smtClean="0"/>
+                        <a:t>14:00</a:t>
+                      </a:r>
+                      <a:r>
+                        <a:rPr lang="de-DE" baseline="0" dirty="0" smtClean="0"/>
+                        <a:t> – 15:00</a:t>
+                      </a:r>
+                      <a:endParaRPr lang="de-DE" dirty="0"/>
+                    </a:p>
+                  </a:txBody>
+                  <a:tcPr/>
+                </a:tc>
+                <a:tc>
+                  <a:txBody>
+                    <a:bodyPr/>
+                    <a:lstStyle/>
+                    <a:p>
+                      <a:pPr marL="0" marR="0" lvl="0" indent="0" algn="l" defTabSz="914332" rtl="0" eaLnBrk="1" fontAlgn="auto" latinLnBrk="0" hangingPunct="1">
+                        <a:lnSpc>
+                          <a:spcPct val="100000"/>
+                        </a:lnSpc>
+                        <a:spcBef>
+                          <a:spcPts val="0"/>
+                        </a:spcBef>
+                        <a:spcAft>
+                          <a:spcPts val="0"/>
+                        </a:spcAft>
+                        <a:buClrTx/>
+                        <a:buSzTx/>
+                        <a:buFontTx/>
+                        <a:buNone/>
+                        <a:tabLst/>
+                        <a:defRPr/>
+                      </a:pPr>
+                      <a:r>
+                        <a:rPr lang="de-DE" b="0" dirty="0" smtClean="0"/>
+                        <a:t>06 | MVVM Hands On</a:t>
+                      </a:r>
+                    </a:p>
+                  </a:txBody>
+                  <a:tcPr/>
+                </a:tc>
+                <a:extLst>
+                  <a:ext uri="{0D108BD9-81ED-4DB2-BD59-A6C34878D82A}">
+                    <a16:rowId xmlns:a16="http://schemas.microsoft.com/office/drawing/2014/main" val="4064030496"/>
+                  </a:ext>
+                </a:extLst>
+              </a:tr>
+              <a:tr h="370840">
+                <a:tc>
+                  <a:txBody>
+                    <a:bodyPr/>
+                    <a:lstStyle/>
+                    <a:p>
+                      <a:r>
+                        <a:rPr lang="de-DE" dirty="0" smtClean="0"/>
+                        <a:t>15:00 – 15:30</a:t>
+                      </a:r>
+                      <a:endParaRPr lang="de-DE" dirty="0"/>
+                    </a:p>
+                  </a:txBody>
+                  <a:tcPr/>
+                </a:tc>
+                <a:tc>
+                  <a:txBody>
+                    <a:bodyPr/>
+                    <a:lstStyle/>
+                    <a:p>
+                      <a:pPr marL="0" marR="0" lvl="0" indent="0" algn="l" defTabSz="914332" rtl="0" eaLnBrk="1" fontAlgn="auto" latinLnBrk="0" hangingPunct="1">
+                        <a:lnSpc>
+                          <a:spcPct val="100000"/>
+                        </a:lnSpc>
+                        <a:spcBef>
+                          <a:spcPts val="0"/>
+                        </a:spcBef>
+                        <a:spcAft>
+                          <a:spcPts val="0"/>
+                        </a:spcAft>
+                        <a:buClrTx/>
+                        <a:buSzTx/>
+                        <a:buFontTx/>
+                        <a:buNone/>
+                        <a:tabLst/>
+                        <a:defRPr/>
+                      </a:pPr>
+                      <a:r>
+                        <a:rPr lang="de-DE" b="0" dirty="0" smtClean="0"/>
+                        <a:t>06</a:t>
+                      </a:r>
+                      <a:r>
+                        <a:rPr lang="de-DE" b="0" baseline="0" dirty="0" smtClean="0"/>
+                        <a:t> | API Integration + Windows APIs</a:t>
+                      </a:r>
+                      <a:endParaRPr lang="de-DE" b="0" dirty="0" smtClean="0"/>
+                    </a:p>
+                  </a:txBody>
+                  <a:tcPr/>
+                </a:tc>
+                <a:extLst>
+                  <a:ext uri="{0D108BD9-81ED-4DB2-BD59-A6C34878D82A}">
+                    <a16:rowId xmlns:a16="http://schemas.microsoft.com/office/drawing/2014/main" val="4167368212"/>
+                  </a:ext>
+                </a:extLst>
+              </a:tr>
+              <a:tr h="370840">
+                <a:tc>
+                  <a:txBody>
+                    <a:bodyPr/>
+                    <a:lstStyle/>
+                    <a:p>
+                      <a:r>
+                        <a:rPr lang="de-DE" dirty="0" smtClean="0"/>
+                        <a:t>15:30 – 15:45</a:t>
+                      </a:r>
+                      <a:endParaRPr lang="de-DE" dirty="0"/>
+                    </a:p>
+                  </a:txBody>
+                  <a:tcPr/>
+                </a:tc>
+                <a:tc>
+                  <a:txBody>
+                    <a:bodyPr/>
+                    <a:lstStyle/>
+                    <a:p>
+                      <a:pPr marL="0" marR="0" lvl="0" indent="0" algn="ctr" defTabSz="914332" rtl="0" eaLnBrk="1" fontAlgn="auto" latinLnBrk="0" hangingPunct="1">
+                        <a:lnSpc>
+                          <a:spcPct val="100000"/>
+                        </a:lnSpc>
+                        <a:spcBef>
+                          <a:spcPts val="0"/>
+                        </a:spcBef>
+                        <a:spcAft>
+                          <a:spcPts val="0"/>
+                        </a:spcAft>
+                        <a:buClrTx/>
+                        <a:buSzTx/>
+                        <a:buFontTx/>
+                        <a:buNone/>
+                        <a:tabLst/>
+                        <a:defRPr/>
+                      </a:pPr>
+                      <a:r>
+                        <a:rPr lang="de-DE" b="0" dirty="0" smtClean="0"/>
+                        <a:t>- Kaffeepause</a:t>
+                      </a:r>
+                      <a:r>
+                        <a:rPr lang="de-DE" b="0" baseline="0" dirty="0" smtClean="0"/>
+                        <a:t> -</a:t>
+                      </a:r>
+                      <a:endParaRPr lang="de-DE" b="0" dirty="0" smtClean="0"/>
+                    </a:p>
+                  </a:txBody>
+                  <a:tcPr/>
+                </a:tc>
+                <a:extLst>
+                  <a:ext uri="{0D108BD9-81ED-4DB2-BD59-A6C34878D82A}">
+                    <a16:rowId xmlns:a16="http://schemas.microsoft.com/office/drawing/2014/main" val="3606254907"/>
+                  </a:ext>
+                </a:extLst>
+              </a:tr>
+              <a:tr h="370840">
+                <a:tc>
+                  <a:txBody>
+                    <a:bodyPr/>
+                    <a:lstStyle/>
+                    <a:p>
+                      <a:r>
+                        <a:rPr lang="de-DE" dirty="0" smtClean="0"/>
+                        <a:t>15:45 – 17:00</a:t>
+                      </a:r>
+                      <a:endParaRPr lang="de-DE" dirty="0"/>
+                    </a:p>
+                  </a:txBody>
+                  <a:tcPr/>
+                </a:tc>
+                <a:tc>
+                  <a:txBody>
+                    <a:bodyPr/>
+                    <a:lstStyle/>
+                    <a:p>
+                      <a:pPr marL="0" marR="0" lvl="0" indent="0" algn="l" defTabSz="914332" rtl="0" eaLnBrk="1" fontAlgn="auto" latinLnBrk="0" hangingPunct="1">
+                        <a:lnSpc>
+                          <a:spcPct val="100000"/>
+                        </a:lnSpc>
+                        <a:spcBef>
+                          <a:spcPts val="0"/>
+                        </a:spcBef>
+                        <a:spcAft>
+                          <a:spcPts val="0"/>
+                        </a:spcAft>
+                        <a:buClrTx/>
+                        <a:buSzTx/>
+                        <a:buFontTx/>
+                        <a:buNone/>
+                        <a:tabLst/>
+                        <a:defRPr/>
+                      </a:pPr>
+                      <a:r>
+                        <a:rPr lang="de-DE" b="0" dirty="0" smtClean="0"/>
+                        <a:t>06 | API Integration + File Open</a:t>
+                      </a:r>
+                      <a:r>
+                        <a:rPr lang="de-DE" b="0" baseline="0" dirty="0" smtClean="0"/>
+                        <a:t> </a:t>
+                      </a:r>
+                      <a:r>
+                        <a:rPr lang="de-DE" b="0" baseline="0" dirty="0" err="1" smtClean="0"/>
+                        <a:t>Picker</a:t>
+                      </a:r>
+                      <a:r>
+                        <a:rPr lang="de-DE" b="0" dirty="0" smtClean="0"/>
+                        <a:t> Hands On</a:t>
+                      </a:r>
+                    </a:p>
+                  </a:txBody>
+                  <a:tcPr/>
+                </a:tc>
+                <a:extLst>
+                  <a:ext uri="{0D108BD9-81ED-4DB2-BD59-A6C34878D82A}">
+                    <a16:rowId xmlns:a16="http://schemas.microsoft.com/office/drawing/2014/main" val="3271482868"/>
+                  </a:ext>
+                </a:extLst>
+              </a:tr>
+              <a:tr h="370840">
+                <a:tc>
+                  <a:txBody>
+                    <a:bodyPr/>
+                    <a:lstStyle/>
+                    <a:p>
+                      <a:r>
+                        <a:rPr lang="de-DE" dirty="0" smtClean="0"/>
+                        <a:t>17:00</a:t>
+                      </a:r>
+                      <a:r>
+                        <a:rPr lang="de-DE" baseline="0" dirty="0" smtClean="0"/>
+                        <a:t> – 17:30</a:t>
+                      </a:r>
+                      <a:endParaRPr lang="de-DE" dirty="0"/>
+                    </a:p>
+                  </a:txBody>
+                  <a:tcPr/>
+                </a:tc>
+                <a:tc>
+                  <a:txBody>
+                    <a:bodyPr/>
+                    <a:lstStyle/>
+                    <a:p>
+                      <a:pPr marL="0" marR="0" lvl="0" indent="0" algn="l" defTabSz="914332" rtl="0" eaLnBrk="1" fontAlgn="auto" latinLnBrk="0" hangingPunct="1">
+                        <a:lnSpc>
+                          <a:spcPct val="100000"/>
+                        </a:lnSpc>
+                        <a:spcBef>
+                          <a:spcPts val="0"/>
+                        </a:spcBef>
+                        <a:spcAft>
+                          <a:spcPts val="0"/>
+                        </a:spcAft>
+                        <a:buClrTx/>
+                        <a:buSzTx/>
+                        <a:buFontTx/>
+                        <a:buNone/>
+                        <a:tabLst/>
+                        <a:defRPr/>
+                      </a:pPr>
+                      <a:r>
+                        <a:rPr lang="de-DE" b="0" dirty="0" smtClean="0"/>
+                        <a:t>Abschluss</a:t>
+                      </a:r>
+                    </a:p>
+                  </a:txBody>
+                  <a:tcPr/>
+                </a:tc>
+                <a:extLst>
+                  <a:ext uri="{0D108BD9-81ED-4DB2-BD59-A6C34878D82A}">
+                    <a16:rowId xmlns:a16="http://schemas.microsoft.com/office/drawing/2014/main" val="2393524191"/>
+                  </a:ext>
+                </a:extLst>
+              </a:tr>
+            </a:tbl>
+          </a:graphicData>
+        </a:graphic>
+      </p:graphicFrame>
+    </p:spTree>
+    <p:extLst>
+      <p:ext uri="{BB962C8B-B14F-4D97-AF65-F5344CB8AC3E}">
+        <p14:creationId xmlns:p14="http://schemas.microsoft.com/office/powerpoint/2010/main" val="3230949814"/>
+      </p:ext>
+    </p:extLst>
+  </p:cSld>
+  <p:clrMapOvr>
+    <a:masterClrMapping/>
+  </p:clrMapOvr>
+  <p:timing>
+    <p:tnLst>
+      <p:par>
+        <p:cTn id="1" dur="indefinite" restart="never" nodeType="tmRoot"/>
+      </p:par>
+    </p:tnLst>
+  </p:timing>
+</p:sld>
+</file>
+
+<file path=ppt/slides/slide3.xml><?xml version="1.0" encoding="utf-8"?>
+<p:sld xmlns:a="http://schemas.openxmlformats.org/drawingml/2006/main" xmlns:r="http://schemas.openxmlformats.org/officeDocument/2006/relationships" xmlns:p="http://schemas.openxmlformats.org/presentationml/2006/main">
+  <p:cSld>
+    <p:spTree>
+      <p:nvGrpSpPr>
+        <p:cNvPr id="1" name=""/>
+        <p:cNvGrpSpPr/>
+        <p:nvPr/>
+      </p:nvGrpSpPr>
+      <p:grpSpPr>
+        <a:xfrm>
+          <a:off x="0" y="0"/>
+          <a:ext cx="0" cy="0"/>
+          <a:chOff x="0" y="0"/>
+          <a:chExt cx="0" cy="0"/>
+        </a:xfrm>
+      </p:grpSpPr>
+      <p:sp>
+        <p:nvSpPr>
+          <p:cNvPr id="15362" name="Titel 1"/>
+          <p:cNvSpPr>
+            <a:spLocks noGrp="1"/>
+          </p:cNvSpPr>
+          <p:nvPr>
+            <p:ph type="title"/>
+          </p:nvPr>
+        </p:nvSpPr>
+        <p:spPr/>
+        <p:txBody>
+          <a:bodyPr/>
+          <a:lstStyle/>
+          <a:p>
+            <a:pPr eaLnBrk="1" hangingPunct="1"/>
+            <a:r>
+              <a:rPr lang="de-DE" dirty="0" smtClean="0"/>
+              <a:t>Kursinhalte</a:t>
+            </a:r>
+          </a:p>
+        </p:txBody>
+      </p:sp>
+      <p:sp>
+        <p:nvSpPr>
+          <p:cNvPr id="11" name="Foliennummernplatzhalter 10"/>
+          <p:cNvSpPr>
+            <a:spLocks noGrp="1"/>
+          </p:cNvSpPr>
+          <p:nvPr>
+            <p:ph type="sldNum" sz="quarter" idx="12"/>
+          </p:nvPr>
+        </p:nvSpPr>
+        <p:spPr/>
+        <p:txBody>
+          <a:bodyPr/>
+          <a:lstStyle/>
+          <a:p>
+            <a:pPr>
+              <a:defRPr/>
+            </a:pPr>
+            <a:fld id="{167059F5-D541-4CCE-9C94-CDD37FCFF25E}" type="slidenum">
+              <a:rPr lang="sv-SE" smtClean="0"/>
+              <a:pPr>
+                <a:defRPr/>
+              </a:pPr>
+              <a:t>3</a:t>
+            </a:fld>
+            <a:endParaRPr lang="sv-SE" dirty="0"/>
+          </a:p>
+        </p:txBody>
+      </p:sp>
+      <p:graphicFrame>
+        <p:nvGraphicFramePr>
+          <p:cNvPr id="3" name="Tabelle 2"/>
+          <p:cNvGraphicFramePr>
+            <a:graphicFrameLocks noGrp="1"/>
+          </p:cNvGraphicFramePr>
+          <p:nvPr>
+            <p:extLst>
+              <p:ext uri="{D42A27DB-BD31-4B8C-83A1-F6EECF244321}">
+                <p14:modId xmlns:p14="http://schemas.microsoft.com/office/powerpoint/2010/main" val="539427628"/>
               </p:ext>
             </p:extLst>
           </p:nvPr>
@@ -6050,8 +7432,20 @@
                 <a:tableStyleId>{B301B821-A1FF-4177-AEE7-76D212191A09}</a:tableStyleId>
               </a:tblPr>
               <a:tblGrid>
-                <a:gridCol w="1357132"/>
-                <a:gridCol w="7571045"/>
+                <a:gridCol w="1357132">
+                  <a:extLst>
+                    <a:ext uri="{9D8B030D-6E8A-4147-A177-3AD203B41FA5}">
+                      <a16:colId xmlns:a16="http://schemas.microsoft.com/office/drawing/2014/main" val="20000"/>
+                    </a:ext>
+                  </a:extLst>
+                </a:gridCol>
+                <a:gridCol w="7571045">
+                  <a:extLst>
+                    <a:ext uri="{9D8B030D-6E8A-4147-A177-3AD203B41FA5}">
+                      <a16:colId xmlns:a16="http://schemas.microsoft.com/office/drawing/2014/main" val="20001"/>
+                    </a:ext>
+                  </a:extLst>
+                </a:gridCol>
               </a:tblGrid>
               <a:tr h="460287">
                 <a:tc gridSpan="2">
@@ -6098,6 +7492,11 @@
                   </a:txBody>
                   <a:tcPr/>
                 </a:tc>
+                <a:extLst>
+                  <a:ext uri="{0D108BD9-81ED-4DB2-BD59-A6C34878D82A}">
+                    <a16:rowId xmlns:a16="http://schemas.microsoft.com/office/drawing/2014/main" val="10000"/>
+                  </a:ext>
+                </a:extLst>
               </a:tr>
               <a:tr h="370840">
                 <a:tc>
@@ -6128,6 +7527,11 @@
                   </a:txBody>
                   <a:tcPr/>
                 </a:tc>
+                <a:extLst>
+                  <a:ext uri="{0D108BD9-81ED-4DB2-BD59-A6C34878D82A}">
+                    <a16:rowId xmlns:a16="http://schemas.microsoft.com/office/drawing/2014/main" val="10001"/>
+                  </a:ext>
+                </a:extLst>
               </a:tr>
               <a:tr h="370840">
                 <a:tc>
@@ -6154,6 +7558,11 @@
                   </a:txBody>
                   <a:tcPr/>
                 </a:tc>
+                <a:extLst>
+                  <a:ext uri="{0D108BD9-81ED-4DB2-BD59-A6C34878D82A}">
+                    <a16:rowId xmlns:a16="http://schemas.microsoft.com/office/drawing/2014/main" val="10002"/>
+                  </a:ext>
+                </a:extLst>
               </a:tr>
               <a:tr h="370840">
                 <a:tc>
@@ -6180,6 +7589,11 @@
                   </a:txBody>
                   <a:tcPr/>
                 </a:tc>
+                <a:extLst>
+                  <a:ext uri="{0D108BD9-81ED-4DB2-BD59-A6C34878D82A}">
+                    <a16:rowId xmlns:a16="http://schemas.microsoft.com/office/drawing/2014/main" val="10003"/>
+                  </a:ext>
+                </a:extLst>
               </a:tr>
               <a:tr h="370840">
                 <a:tc>
@@ -6187,10 +7601,6 @@
                     <a:bodyPr/>
                     <a:lstStyle/>
                     <a:p>
-                      <a:r>
-                        <a:rPr lang="de-DE" dirty="0" smtClean="0"/>
-                        <a:t>Tag 2</a:t>
-                      </a:r>
                       <a:endParaRPr lang="de-DE" dirty="0"/>
                     </a:p>
                   </a:txBody>
@@ -6210,6 +7620,11 @@
                   </a:txBody>
                   <a:tcPr/>
                 </a:tc>
+                <a:extLst>
+                  <a:ext uri="{0D108BD9-81ED-4DB2-BD59-A6C34878D82A}">
+                    <a16:rowId xmlns:a16="http://schemas.microsoft.com/office/drawing/2014/main" val="10004"/>
+                  </a:ext>
+                </a:extLst>
               </a:tr>
               <a:tr h="370840">
                 <a:tc>
@@ -6217,7 +7632,27 @@
                     <a:bodyPr/>
                     <a:lstStyle/>
                     <a:p>
-                      <a:endParaRPr lang="de-DE" b="1" dirty="0"/>
+                      <a:pPr marL="0" marR="0" lvl="0" indent="0" algn="l" defTabSz="914332" rtl="0" eaLnBrk="1" fontAlgn="auto" latinLnBrk="0" hangingPunct="1">
+                        <a:lnSpc>
+                          <a:spcPct val="100000"/>
+                        </a:lnSpc>
+                        <a:spcBef>
+                          <a:spcPts val="0"/>
+                        </a:spcBef>
+                        <a:spcAft>
+                          <a:spcPts val="0"/>
+                        </a:spcAft>
+                        <a:buClrTx/>
+                        <a:buSzTx/>
+                        <a:buFontTx/>
+                        <a:buNone/>
+                        <a:tabLst/>
+                        <a:defRPr/>
+                      </a:pPr>
+                      <a:r>
+                        <a:rPr lang="de-DE" smtClean="0"/>
+                        <a:t>Tag 2</a:t>
+                      </a:r>
                     </a:p>
                   </a:txBody>
                   <a:tcPr/>
@@ -6240,6 +7675,11 @@
                   </a:txBody>
                   <a:tcPr/>
                 </a:tc>
+                <a:extLst>
+                  <a:ext uri="{0D108BD9-81ED-4DB2-BD59-A6C34878D82A}">
+                    <a16:rowId xmlns:a16="http://schemas.microsoft.com/office/drawing/2014/main" val="10005"/>
+                  </a:ext>
+                </a:extLst>
               </a:tr>
               <a:tr h="370840">
                 <a:tc>
@@ -6247,10 +7687,6 @@
                     <a:bodyPr/>
                     <a:lstStyle/>
                     <a:p>
-                      <a:r>
-                        <a:rPr lang="de-DE" dirty="0" smtClean="0"/>
-                        <a:t>Tag 3</a:t>
-                      </a:r>
                       <a:endParaRPr lang="de-DE" dirty="0"/>
                     </a:p>
                   </a:txBody>
@@ -6267,134 +7703,24 @@
                       </a:r>
                       <a:r>
                         <a:rPr lang="de-DE" b="0" baseline="0" dirty="0" smtClean="0"/>
-                        <a:t> | Entwicklung einer App für Windows Phone</a:t>
+                        <a:t> | Entwicklung einer App für die universelle Windows Plattform</a:t>
                       </a:r>
                       <a:endParaRPr lang="de-DE" b="0" dirty="0"/>
                     </a:p>
                   </a:txBody>
                   <a:tcPr/>
                 </a:tc>
+                <a:extLst>
+                  <a:ext uri="{0D108BD9-81ED-4DB2-BD59-A6C34878D82A}">
+                    <a16:rowId xmlns:a16="http://schemas.microsoft.com/office/drawing/2014/main" val="10006"/>
+                  </a:ext>
+                </a:extLst>
               </a:tr>
             </a:tbl>
           </a:graphicData>
         </a:graphic>
       </p:graphicFrame>
     </p:spTree>
-  </p:cSld>
-  <p:clrMapOvr>
-    <a:masterClrMapping/>
-  </p:clrMapOvr>
-  <p:timing>
-    <p:tnLst>
-      <p:par>
-        <p:cTn id="1" dur="indefinite" restart="never" nodeType="tmRoot"/>
-      </p:par>
-    </p:tnLst>
-  </p:timing>
-</p:sld>
-</file>
-
-<file path=ppt/slides/slide3.xml><?xml version="1.0" encoding="utf-8"?>
-<p:sld xmlns:a="http://schemas.openxmlformats.org/drawingml/2006/main" xmlns:r="http://schemas.openxmlformats.org/officeDocument/2006/relationships" xmlns:p="http://schemas.openxmlformats.org/presentationml/2006/main">
-  <p:cSld>
-    <p:spTree>
-      <p:nvGrpSpPr>
-        <p:cNvPr id="1" name=""/>
-        <p:cNvGrpSpPr/>
-        <p:nvPr/>
-      </p:nvGrpSpPr>
-      <p:grpSpPr>
-        <a:xfrm>
-          <a:off x="0" y="0"/>
-          <a:ext cx="0" cy="0"/>
-          <a:chOff x="0" y="0"/>
-          <a:chExt cx="0" cy="0"/>
-        </a:xfrm>
-      </p:grpSpPr>
-      <p:sp>
-        <p:nvSpPr>
-          <p:cNvPr id="2" name="Titel 1"/>
-          <p:cNvSpPr>
-            <a:spLocks noGrp="1"/>
-          </p:cNvSpPr>
-          <p:nvPr>
-            <p:ph type="ctrTitle"/>
-          </p:nvPr>
-        </p:nvSpPr>
-        <p:spPr/>
-        <p:txBody>
-          <a:bodyPr/>
-          <a:lstStyle/>
-          <a:p>
-            <a:r>
-              <a:rPr lang="de-DE" dirty="0" smtClean="0"/>
-              <a:t>05 </a:t>
-            </a:r>
-            <a:r>
-              <a:rPr lang="de-DE" dirty="0" smtClean="0"/>
-              <a:t>| Entwicklung </a:t>
-            </a:r>
-            <a:r>
-              <a:rPr lang="de-DE" dirty="0"/>
-              <a:t>einer Schnittstelle mit ASP.NET Web API</a:t>
-            </a:r>
-            <a:endParaRPr lang="de-DE" dirty="0"/>
-          </a:p>
-        </p:txBody>
-      </p:sp>
-      <p:sp>
-        <p:nvSpPr>
-          <p:cNvPr id="4" name="Untertitel 3"/>
-          <p:cNvSpPr>
-            <a:spLocks noGrp="1"/>
-          </p:cNvSpPr>
-          <p:nvPr>
-            <p:ph type="subTitle" idx="1"/>
-          </p:nvPr>
-        </p:nvSpPr>
-        <p:spPr/>
-        <p:txBody>
-          <a:bodyPr/>
-          <a:lstStyle/>
-          <a:p>
-            <a:r>
-              <a:rPr lang="de-DE" dirty="0" smtClean="0"/>
-              <a:t>Felix Radzanowski</a:t>
-            </a:r>
-            <a:endParaRPr lang="de-DE" dirty="0"/>
-          </a:p>
-        </p:txBody>
-      </p:sp>
-      <p:pic>
-        <p:nvPicPr>
-          <p:cNvPr id="6" name="Grafik 5"/>
-          <p:cNvPicPr>
-            <a:picLocks noChangeAspect="1"/>
-          </p:cNvPicPr>
-          <p:nvPr/>
-        </p:nvPicPr>
-        <p:blipFill>
-          <a:blip r:embed="rId2"/>
-          <a:stretch>
-            <a:fillRect/>
-          </a:stretch>
-        </p:blipFill>
-        <p:spPr>
-          <a:xfrm>
-            <a:off x="2311553" y="1455531"/>
-            <a:ext cx="8939542" cy="5292817"/>
-          </a:xfrm>
-          <a:prstGeom prst="rect">
-            <a:avLst/>
-          </a:prstGeom>
-        </p:spPr>
-      </p:pic>
-    </p:spTree>
-    <p:extLst>
-      <p:ext uri="{BB962C8B-B14F-4D97-AF65-F5344CB8AC3E}">
-        <p14:creationId xmlns:p14="http://schemas.microsoft.com/office/powerpoint/2010/main" val="3075312266"/>
-      </p:ext>
-    </p:extLst>
   </p:cSld>
   <p:clrMapOvr>
     <a:masterClrMapping/>
@@ -6428,40 +7754,43 @@
       </p:grpSpPr>
       <p:sp>
         <p:nvSpPr>
-          <p:cNvPr id="6" name="Titel 1"/>
+          <p:cNvPr id="2" name="Titel 1"/>
           <p:cNvSpPr>
             <a:spLocks noGrp="1"/>
           </p:cNvSpPr>
           <p:nvPr>
-            <p:ph type="title"/>
-          </p:nvPr>
-        </p:nvSpPr>
-        <p:spPr/>
+            <p:ph type="ctrTitle"/>
+          </p:nvPr>
+        </p:nvSpPr>
+        <p:spPr>
+          <a:xfrm>
+            <a:off x="587299" y="584335"/>
+            <a:ext cx="7804226" cy="757413"/>
+          </a:xfrm>
+        </p:spPr>
         <p:txBody>
           <a:bodyPr/>
           <a:lstStyle/>
           <a:p>
-            <a:pPr>
-              <a:lnSpc>
-                <a:spcPct val="150000"/>
-              </a:lnSpc>
-            </a:pPr>
             <a:r>
               <a:rPr lang="de-DE" dirty="0" smtClean="0"/>
-              <a:t>Agenda</a:t>
-            </a:r>
-            <a:endParaRPr lang="de-DE" dirty="0"/>
-          </a:p>
-        </p:txBody>
-      </p:sp>
-      <p:sp>
-        <p:nvSpPr>
-          <p:cNvPr id="5" name="Inhaltsplatzhalter 4"/>
+              <a:t>05 | Entwicklung </a:t>
+            </a:r>
+            <a:r>
+              <a:rPr lang="de-DE" dirty="0"/>
+              <a:t>einer Schnittstelle mit ASP.NET Web API</a:t>
+            </a:r>
+          </a:p>
+        </p:txBody>
+      </p:sp>
+      <p:sp>
+        <p:nvSpPr>
+          <p:cNvPr id="4" name="Untertitel 3"/>
           <p:cNvSpPr>
             <a:spLocks noGrp="1"/>
           </p:cNvSpPr>
           <p:nvPr>
-            <p:ph idx="1"/>
+            <p:ph type="subTitle" idx="1"/>
           </p:nvPr>
         </p:nvSpPr>
         <p:spPr/>
@@ -6470,137 +7799,41 @@
           <a:lstStyle/>
           <a:p>
             <a:r>
-              <a:rPr lang="en-US" dirty="0"/>
-              <a:t>Was </a:t>
-            </a:r>
-            <a:r>
-              <a:rPr lang="en-US" dirty="0" err="1"/>
-              <a:t>ist</a:t>
-            </a:r>
-            <a:r>
-              <a:rPr lang="en-US" dirty="0"/>
-              <a:t> </a:t>
-            </a:r>
-            <a:r>
-              <a:rPr lang="en-US" dirty="0" err="1"/>
-              <a:t>eine</a:t>
-            </a:r>
-            <a:r>
-              <a:rPr lang="en-US" dirty="0"/>
-              <a:t> </a:t>
-            </a:r>
-            <a:r>
-              <a:rPr lang="en-US" dirty="0" err="1"/>
-              <a:t>Wep</a:t>
-            </a:r>
-            <a:r>
-              <a:rPr lang="en-US" dirty="0"/>
-              <a:t> API?
-Routing
-</a:t>
-            </a:r>
-            <a:r>
-              <a:rPr lang="en-US" dirty="0" err="1"/>
-              <a:t>Eine</a:t>
-            </a:r>
-            <a:r>
-              <a:rPr lang="en-US" dirty="0"/>
-              <a:t> Web API </a:t>
-            </a:r>
-            <a:r>
-              <a:rPr lang="en-US" dirty="0" err="1"/>
-              <a:t>für</a:t>
-            </a:r>
-            <a:r>
-              <a:rPr lang="en-US" dirty="0"/>
-              <a:t> </a:t>
-            </a:r>
-            <a:r>
-              <a:rPr lang="en-US" dirty="0" err="1"/>
-              <a:t>eine</a:t>
-            </a:r>
-            <a:r>
-              <a:rPr lang="en-US" dirty="0"/>
-              <a:t> MVC </a:t>
-            </a:r>
-            <a:r>
-              <a:rPr lang="en-US" dirty="0" err="1"/>
-              <a:t>Anwendung</a:t>
-            </a:r>
-            <a:r>
-              <a:rPr lang="en-US" dirty="0"/>
-              <a:t> </a:t>
-            </a:r>
-            <a:r>
-              <a:rPr lang="en-US" dirty="0" err="1"/>
-              <a:t>erstellen</a:t>
-            </a:r>
-            <a:r>
-              <a:rPr lang="en-US" dirty="0"/>
-              <a:t>
-RESTful Services
-Data Return Formats
-</a:t>
-            </a:r>
-            <a:r>
-              <a:rPr lang="en-US" dirty="0" err="1"/>
-              <a:t>Routen</a:t>
-            </a:r>
-            <a:r>
-              <a:rPr lang="en-US" dirty="0"/>
-              <a:t> und Controller in </a:t>
-            </a:r>
-            <a:r>
-              <a:rPr lang="en-US" dirty="0" err="1"/>
-              <a:t>einer</a:t>
-            </a:r>
-            <a:r>
-              <a:rPr lang="en-US" dirty="0"/>
-              <a:t> Web API
-Demonstration: </a:t>
-            </a:r>
-            <a:r>
-              <a:rPr lang="en-US" dirty="0" err="1"/>
-              <a:t>Testen</a:t>
-            </a:r>
-            <a:r>
-              <a:rPr lang="en-US" dirty="0"/>
-              <a:t> von Web APIs </a:t>
-            </a:r>
-            <a:r>
-              <a:rPr lang="en-US" dirty="0" err="1"/>
-              <a:t>mit</a:t>
-            </a:r>
-            <a:r>
-              <a:rPr lang="en-US" dirty="0"/>
-              <a:t> </a:t>
-            </a:r>
-            <a:r>
-              <a:rPr lang="en-US" dirty="0" err="1"/>
-              <a:t>Hilfe</a:t>
-            </a:r>
-            <a:r>
-              <a:rPr lang="en-US" dirty="0"/>
-              <a:t> von </a:t>
-            </a:r>
-            <a:r>
-              <a:rPr lang="en-US" dirty="0" smtClean="0"/>
-              <a:t>Postman</a:t>
-            </a:r>
-          </a:p>
-          <a:p>
-            <a:r>
-              <a:rPr lang="en-US" dirty="0" smtClean="0"/>
-              <a:t>Hands-On</a:t>
-            </a:r>
-            <a:endParaRPr lang="en-US" dirty="0"/>
-          </a:p>
-        </p:txBody>
-      </p:sp>
+              <a:rPr lang="de-DE" dirty="0" smtClean="0"/>
+              <a:t>Daniel Beckmann</a:t>
+            </a:r>
+            <a:endParaRPr lang="de-DE" dirty="0"/>
+          </a:p>
+        </p:txBody>
+      </p:sp>
+      <p:pic>
+        <p:nvPicPr>
+          <p:cNvPr id="6" name="Grafik 5"/>
+          <p:cNvPicPr>
+            <a:picLocks noChangeAspect="1"/>
+          </p:cNvPicPr>
+          <p:nvPr/>
+        </p:nvPicPr>
+        <p:blipFill>
+          <a:blip r:embed="rId2"/>
+          <a:stretch>
+            <a:fillRect/>
+          </a:stretch>
+        </p:blipFill>
+        <p:spPr>
+          <a:xfrm>
+            <a:off x="587299" y="1962668"/>
+            <a:ext cx="7472533" cy="4424248"/>
+          </a:xfrm>
+          <a:prstGeom prst="rect">
+            <a:avLst/>
+          </a:prstGeom>
+        </p:spPr>
+      </p:pic>
     </p:spTree>
     <p:extLst>
       <p:ext uri="{BB962C8B-B14F-4D97-AF65-F5344CB8AC3E}">
-        <p14:creationId xmlns:p14="http://schemas.microsoft.com/office/powerpoint/2010/main" val="1756005580"/>
+        <p14:creationId xmlns:p14="http://schemas.microsoft.com/office/powerpoint/2010/main" val="3075312266"/>
       </p:ext>
     </p:extLst>
   </p:cSld>
@@ -6636,7 +7869,7 @@
       </p:grpSpPr>
       <p:sp>
         <p:nvSpPr>
-          <p:cNvPr id="2" name="Title 1"/>
+          <p:cNvPr id="6" name="Titel 1"/>
           <p:cNvSpPr>
             <a:spLocks noGrp="1"/>
           </p:cNvSpPr>
@@ -6649,38 +7882,27 @@
           <a:bodyPr/>
           <a:lstStyle/>
           <a:p>
-            <a:r>
-              <a:rPr lang="en-US" dirty="0" smtClean="0"/>
-              <a:t>Was </a:t>
-            </a:r>
-            <a:r>
-              <a:rPr lang="en-US" dirty="0" err="1" smtClean="0"/>
-              <a:t>ist</a:t>
-            </a:r>
-            <a:r>
-              <a:rPr lang="en-US" dirty="0" smtClean="0"/>
-              <a:t> </a:t>
-            </a:r>
-            <a:r>
-              <a:rPr lang="en-US" dirty="0" err="1" smtClean="0"/>
-              <a:t>eine</a:t>
-            </a:r>
-            <a:r>
-              <a:rPr lang="en-US" dirty="0" smtClean="0"/>
-              <a:t> Web API</a:t>
-            </a:r>
-            <a:endParaRPr lang="en-US" dirty="0"/>
-          </a:p>
-        </p:txBody>
-      </p:sp>
-      <p:sp>
-        <p:nvSpPr>
-          <p:cNvPr id="3" name="Content Placeholder 2"/>
+            <a:pPr>
+              <a:lnSpc>
+                <a:spcPct val="150000"/>
+              </a:lnSpc>
+            </a:pPr>
+            <a:r>
+              <a:rPr lang="de-DE" dirty="0" smtClean="0"/>
+              <a:t>Agenda</a:t>
+            </a:r>
+            <a:endParaRPr lang="de-DE" dirty="0"/>
+          </a:p>
+        </p:txBody>
+      </p:sp>
+      <p:sp>
+        <p:nvSpPr>
+          <p:cNvPr id="5" name="Inhaltsplatzhalter 4"/>
           <p:cNvSpPr>
             <a:spLocks noGrp="1"/>
           </p:cNvSpPr>
           <p:nvPr>
-            <p:ph sz="quarter" idx="10"/>
+            <p:ph idx="1"/>
           </p:nvPr>
         </p:nvSpPr>
         <p:spPr/>
@@ -6689,201 +7911,128 @@
           <a:lstStyle/>
           <a:p>
             <a:r>
-              <a:rPr lang="en-US" dirty="0" err="1" smtClean="0"/>
-              <a:t>Hilft</a:t>
-            </a:r>
-            <a:r>
-              <a:rPr lang="en-US" dirty="0" smtClean="0"/>
-              <a:t> </a:t>
-            </a:r>
-            <a:r>
-              <a:rPr lang="en-US" dirty="0" err="1" smtClean="0"/>
-              <a:t>dabei</a:t>
-            </a:r>
-            <a:r>
-              <a:rPr lang="en-US" dirty="0" smtClean="0"/>
-              <a:t>, APIs </a:t>
-            </a:r>
-            <a:r>
-              <a:rPr lang="en-US" dirty="0" err="1" smtClean="0"/>
-              <a:t>im</a:t>
-            </a:r>
-            <a:r>
-              <a:rPr lang="en-US" dirty="0" smtClean="0"/>
-              <a:t> </a:t>
-            </a:r>
-            <a:r>
-              <a:rPr lang="en-US" dirty="0" smtClean="0"/>
-              <a:t>REST-style </a:t>
-            </a:r>
-            <a:r>
-              <a:rPr lang="en-US" dirty="0" err="1" smtClean="0"/>
-              <a:t>zu</a:t>
-            </a:r>
-            <a:r>
-              <a:rPr lang="en-US" dirty="0" smtClean="0"/>
-              <a:t> </a:t>
-            </a:r>
-            <a:r>
-              <a:rPr lang="en-US" dirty="0" err="1" smtClean="0"/>
-              <a:t>erstellen</a:t>
-            </a:r>
-            <a:endParaRPr lang="en-US" dirty="0"/>
-          </a:p>
-          <a:p>
-            <a:r>
-              <a:rPr lang="en-US" dirty="0" err="1" smtClean="0"/>
-              <a:t>Erlaubt</a:t>
-            </a:r>
-            <a:r>
-              <a:rPr lang="en-US" dirty="0" smtClean="0"/>
-              <a:t> </a:t>
-            </a:r>
-            <a:r>
-              <a:rPr lang="en-US" dirty="0" err="1" smtClean="0"/>
-              <a:t>es</a:t>
-            </a:r>
-            <a:r>
-              <a:rPr lang="en-US" dirty="0" smtClean="0"/>
-              <a:t> </a:t>
-            </a:r>
-            <a:r>
-              <a:rPr lang="en-US" dirty="0" err="1" smtClean="0"/>
-              <a:t>externen</a:t>
-            </a:r>
-            <a:r>
-              <a:rPr lang="en-US" dirty="0" smtClean="0"/>
-              <a:t> </a:t>
-            </a:r>
-            <a:r>
-              <a:rPr lang="en-US" dirty="0" err="1" smtClean="0"/>
-              <a:t>Systemen</a:t>
-            </a:r>
-            <a:r>
-              <a:rPr lang="en-US" dirty="0" smtClean="0"/>
-              <a:t> die </a:t>
-            </a:r>
-            <a:r>
-              <a:rPr lang="en-US" dirty="0" err="1" smtClean="0"/>
-              <a:t>bestehende</a:t>
-            </a:r>
-            <a:r>
-              <a:rPr lang="en-US" dirty="0" smtClean="0"/>
-              <a:t> Business-</a:t>
-            </a:r>
-            <a:r>
-              <a:rPr lang="en-US" dirty="0" err="1" smtClean="0"/>
-              <a:t>Logik</a:t>
-            </a:r>
-            <a:r>
-              <a:rPr lang="en-US" dirty="0" smtClean="0"/>
-              <a:t> </a:t>
-            </a:r>
-            <a:r>
-              <a:rPr lang="en-US" dirty="0" err="1" smtClean="0"/>
-              <a:t>innerhalb</a:t>
-            </a:r>
-            <a:r>
-              <a:rPr lang="en-US" dirty="0" smtClean="0"/>
-              <a:t> der </a:t>
-            </a:r>
-            <a:r>
-              <a:rPr lang="en-US" dirty="0" err="1" smtClean="0"/>
-              <a:t>eigenen</a:t>
-            </a:r>
-            <a:r>
-              <a:rPr lang="en-US" dirty="0" smtClean="0"/>
-              <a:t> </a:t>
-            </a:r>
-            <a:r>
-              <a:rPr lang="en-US" dirty="0" err="1" smtClean="0"/>
-              <a:t>Anwendung</a:t>
-            </a:r>
-            <a:r>
-              <a:rPr lang="en-US" dirty="0" smtClean="0"/>
-              <a:t> </a:t>
-            </a:r>
-            <a:r>
-              <a:rPr lang="en-US" dirty="0" err="1" smtClean="0"/>
-              <a:t>zu</a:t>
-            </a:r>
-            <a:r>
-              <a:rPr lang="en-US" dirty="0" smtClean="0"/>
-              <a:t> </a:t>
-            </a:r>
-            <a:r>
-              <a:rPr lang="en-US" dirty="0" err="1" smtClean="0"/>
-              <a:t>benutzen</a:t>
-            </a:r>
-            <a:endParaRPr lang="en-US" dirty="0"/>
-          </a:p>
-          <a:p>
-            <a:r>
-              <a:rPr lang="en-US" dirty="0" smtClean="0"/>
-              <a:t>In Requests </a:t>
-            </a:r>
-            <a:r>
-              <a:rPr lang="en-US" dirty="0" err="1" smtClean="0"/>
-              <a:t>wird</a:t>
-            </a:r>
-            <a:r>
-              <a:rPr lang="en-US" dirty="0" smtClean="0"/>
-              <a:t> die URL </a:t>
-            </a:r>
-            <a:r>
-              <a:rPr lang="en-US" dirty="0" err="1" smtClean="0"/>
-              <a:t>zur</a:t>
-            </a:r>
-            <a:r>
-              <a:rPr lang="en-US" dirty="0" smtClean="0"/>
-              <a:t> </a:t>
-            </a:r>
-            <a:r>
-              <a:rPr lang="en-US" dirty="0" err="1" smtClean="0"/>
-              <a:t>Auswertung</a:t>
-            </a:r>
-            <a:r>
-              <a:rPr lang="en-US" dirty="0" smtClean="0"/>
-              <a:t> von </a:t>
-            </a:r>
-            <a:r>
-              <a:rPr lang="en-US" dirty="0" err="1" smtClean="0"/>
-              <a:t>Parametern</a:t>
-            </a:r>
-            <a:r>
-              <a:rPr lang="en-US" dirty="0" smtClean="0"/>
-              <a:t> </a:t>
-            </a:r>
-            <a:r>
-              <a:rPr lang="en-US" dirty="0" err="1" smtClean="0"/>
-              <a:t>genutzt</a:t>
-            </a:r>
-            <a:endParaRPr lang="en-US" dirty="0"/>
-          </a:p>
-          <a:p>
-            <a:r>
-              <a:rPr lang="en-US" dirty="0" smtClean="0"/>
-              <a:t>Ideal </a:t>
-            </a:r>
-            <a:r>
-              <a:rPr lang="en-US" dirty="0" err="1" smtClean="0"/>
-              <a:t>für</a:t>
-            </a:r>
-            <a:r>
-              <a:rPr lang="en-US" dirty="0" smtClean="0"/>
-              <a:t> die Integration von </a:t>
-            </a:r>
-            <a:r>
-              <a:rPr lang="en-US" dirty="0" err="1" smtClean="0"/>
-              <a:t>mobilen</a:t>
+              <a:rPr lang="en-US" dirty="0"/>
+              <a:t>Was </a:t>
+            </a:r>
+            <a:r>
+              <a:rPr lang="en-US" dirty="0" err="1"/>
+              <a:t>ist</a:t>
             </a:r>
             <a:r>
               <a:rPr lang="en-US" dirty="0"/>
               <a:t> </a:t>
             </a:r>
             <a:r>
-              <a:rPr lang="en-US" dirty="0" err="1" smtClean="0"/>
-              <a:t>Plattformen</a:t>
+              <a:rPr lang="en-US" dirty="0" err="1"/>
+              <a:t>eine</a:t>
+            </a:r>
+            <a:r>
+              <a:rPr lang="en-US" dirty="0"/>
+              <a:t> </a:t>
+            </a:r>
+            <a:r>
+              <a:rPr lang="en-US" dirty="0" err="1"/>
+              <a:t>Wep</a:t>
+            </a:r>
+            <a:r>
+              <a:rPr lang="en-US" dirty="0"/>
+              <a:t> API?
+Routing
+</a:t>
+            </a:r>
+            <a:r>
+              <a:rPr lang="en-US" dirty="0" err="1"/>
+              <a:t>Eine</a:t>
+            </a:r>
+            <a:r>
+              <a:rPr lang="en-US" dirty="0"/>
+              <a:t> Web API </a:t>
+            </a:r>
+            <a:r>
+              <a:rPr lang="en-US" dirty="0" err="1"/>
+              <a:t>für</a:t>
+            </a:r>
+            <a:r>
+              <a:rPr lang="en-US" dirty="0"/>
+              <a:t> </a:t>
+            </a:r>
+            <a:r>
+              <a:rPr lang="en-US" dirty="0" err="1"/>
+              <a:t>eine</a:t>
+            </a:r>
+            <a:r>
+              <a:rPr lang="en-US" dirty="0"/>
+              <a:t> MVC </a:t>
+            </a:r>
+            <a:r>
+              <a:rPr lang="en-US" dirty="0" err="1"/>
+              <a:t>Anwendung</a:t>
+            </a:r>
+            <a:r>
+              <a:rPr lang="en-US" dirty="0"/>
+              <a:t> </a:t>
+            </a:r>
+            <a:r>
+              <a:rPr lang="en-US" dirty="0" err="1"/>
+              <a:t>erstellen</a:t>
+            </a:r>
+            <a:r>
+              <a:rPr lang="en-US" dirty="0"/>
+              <a:t>
+RESTful Services
+Data Return Formats
+</a:t>
+            </a:r>
+            <a:r>
+              <a:rPr lang="en-US" dirty="0" err="1"/>
+              <a:t>Routen</a:t>
+            </a:r>
+            <a:r>
+              <a:rPr lang="en-US" dirty="0"/>
+              <a:t> und Controller in </a:t>
+            </a:r>
+            <a:r>
+              <a:rPr lang="en-US" dirty="0" err="1"/>
+              <a:t>einer</a:t>
+            </a:r>
+            <a:r>
+              <a:rPr lang="en-US" dirty="0"/>
+              <a:t> Web API
+Demonstration: </a:t>
+            </a:r>
+            <a:r>
+              <a:rPr lang="en-US" dirty="0" err="1"/>
+              <a:t>Testen</a:t>
+            </a:r>
+            <a:r>
+              <a:rPr lang="en-US" dirty="0"/>
+              <a:t> von Web APIs </a:t>
+            </a:r>
+            <a:r>
+              <a:rPr lang="en-US" dirty="0" err="1"/>
+              <a:t>mit</a:t>
+            </a:r>
+            <a:r>
+              <a:rPr lang="en-US" dirty="0"/>
+              <a:t> </a:t>
+            </a:r>
+            <a:r>
+              <a:rPr lang="en-US" dirty="0" err="1"/>
+              <a:t>Hilfe</a:t>
+            </a:r>
+            <a:r>
+              <a:rPr lang="en-US" dirty="0"/>
+              <a:t> von </a:t>
+            </a:r>
+            <a:r>
+              <a:rPr lang="en-US" dirty="0" smtClean="0"/>
+              <a:t>Postman</a:t>
+            </a:r>
+          </a:p>
+          <a:p>
+            <a:r>
+              <a:rPr lang="en-US" dirty="0" smtClean="0"/>
+              <a:t>Hands-On</a:t>
             </a:r>
             <a:endParaRPr lang="en-US" dirty="0"/>
           </a:p>
@@ -6892,13 +8041,20 @@
     </p:spTree>
     <p:extLst>
       <p:ext uri="{BB962C8B-B14F-4D97-AF65-F5344CB8AC3E}">
-        <p14:creationId xmlns:p14="http://schemas.microsoft.com/office/powerpoint/2010/main" val="3569285654"/>
+        <p14:creationId xmlns:p14="http://schemas.microsoft.com/office/powerpoint/2010/main" val="1756005580"/>
       </p:ext>
     </p:extLst>
   </p:cSld>
   <p:clrMapOvr>
     <a:masterClrMapping/>
   </p:clrMapOvr>
+  <p:timing>
+    <p:tnLst>
+      <p:par>
+        <p:cTn id="1" dur="indefinite" restart="never" nodeType="tmRoot"/>
+      </p:par>
+    </p:tnLst>
+  </p:timing>
 </p:sld>
 </file>
 
@@ -6936,7 +8092,23 @@
           <a:p>
             <a:r>
               <a:rPr lang="en-US" dirty="0" smtClean="0"/>
-              <a:t>Routing</a:t>
+              <a:t>Was </a:t>
+            </a:r>
+            <a:r>
+              <a:rPr lang="en-US" dirty="0" err="1" smtClean="0"/>
+              <a:t>ist</a:t>
+            </a:r>
+            <a:r>
+              <a:rPr lang="en-US" dirty="0" smtClean="0"/>
+              <a:t> </a:t>
+            </a:r>
+            <a:r>
+              <a:rPr lang="en-US" dirty="0" err="1" smtClean="0"/>
+              <a:t>eine</a:t>
+            </a:r>
+            <a:r>
+              <a:rPr lang="en-US" dirty="0" smtClean="0"/>
+              <a:t> Web API</a:t>
             </a:r>
             <a:endParaRPr lang="en-US" dirty="0"/>
           </a:p>
@@ -6958,8 +8130,28 @@
           <a:lstStyle/>
           <a:p>
             <a:r>
-              <a:rPr lang="en-US" dirty="0" smtClean="0"/>
-              <a:t>Um Web API Requests </a:t>
+              <a:rPr lang="en-US" dirty="0" err="1" smtClean="0"/>
+              <a:t>Hilft</a:t>
+            </a:r>
+            <a:r>
+              <a:rPr lang="en-US" dirty="0" smtClean="0"/>
+              <a:t> </a:t>
+            </a:r>
+            <a:r>
+              <a:rPr lang="en-US" dirty="0" err="1" smtClean="0"/>
+              <a:t>dabei</a:t>
+            </a:r>
+            <a:r>
+              <a:rPr lang="en-US" dirty="0" smtClean="0"/>
+              <a:t>, APIs </a:t>
+            </a:r>
+            <a:r>
+              <a:rPr lang="en-US" dirty="0" err="1" smtClean="0"/>
+              <a:t>im</a:t>
+            </a:r>
+            <a:r>
+              <a:rPr lang="en-US" dirty="0" smtClean="0"/>
+              <a:t> REST-style </a:t>
             </a:r>
             <a:r>
               <a:rPr lang="en-US" dirty="0" err="1" smtClean="0"/>
@@ -6971,15 +8163,14 @@
             </a:r>
             <a:r>
               <a:rPr lang="en-US" dirty="0" err="1" smtClean="0"/>
-              <a:t>verarbeiten</a:t>
-            </a:r>
-            <a:r>
-              <a:rPr lang="en-US" dirty="0" smtClean="0"/>
-              <a:t>, </a:t>
-            </a:r>
-            <a:r>
-              <a:rPr lang="en-US" dirty="0" err="1" smtClean="0"/>
-              <a:t>lassen</a:t>
+              <a:t>erstellen</a:t>
+            </a:r>
+            <a:endParaRPr lang="en-US" dirty="0"/>
+          </a:p>
+          <a:p>
+            <a:r>
+              <a:rPr lang="en-US" dirty="0" err="1" smtClean="0"/>
+              <a:t>Erlaubt</a:t>
             </a:r>
             <a:r>
               <a:rPr lang="en-US" dirty="0" smtClean="0"/>
@@ -6987,30 +8178,7 @@
             </a:r>
             <a:r>
               <a:rPr lang="en-US" dirty="0" err="1" smtClean="0"/>
-              <a:t>sich</a:t>
-            </a:r>
-            <a:r>
-              <a:rPr lang="en-US" dirty="0" smtClean="0"/>
-              <a:t> Controller-</a:t>
-            </a:r>
-            <a:r>
-              <a:rPr lang="en-US" dirty="0" err="1" smtClean="0"/>
-              <a:t>Namen</a:t>
-            </a:r>
-            <a:r>
-              <a:rPr lang="en-US" dirty="0" smtClean="0"/>
-              <a:t> und Naming Conventions </a:t>
-            </a:r>
-            <a:r>
-              <a:rPr lang="en-US" dirty="0" err="1" smtClean="0"/>
-              <a:t>nutzen</a:t>
-            </a:r>
-            <a:endParaRPr lang="en-US" dirty="0" smtClean="0"/>
-          </a:p>
-          <a:p>
-            <a:r>
-              <a:rPr lang="en-US" dirty="0" err="1" smtClean="0"/>
-              <a:t>Alternativ</a:t>
+              <a:t>es</a:t>
             </a:r>
             <a:r>
               <a:rPr lang="en-US" dirty="0" smtClean="0"/>
@@ -7018,7 +8186,7 @@
             </a:r>
             <a:r>
               <a:rPr lang="en-US" dirty="0" err="1" smtClean="0"/>
-              <a:t>lässt</a:t>
+              <a:t>externen</a:t>
             </a:r>
             <a:r>
               <a:rPr lang="en-US" dirty="0" smtClean="0"/>
@@ -7026,15 +8194,23 @@
             </a:r>
             <a:r>
               <a:rPr lang="en-US" dirty="0" err="1" smtClean="0"/>
-              <a:t>sich</a:t>
-            </a:r>
-            <a:r>
-              <a:rPr lang="en-US" dirty="0" smtClean="0"/>
-              <a:t> das Mapping </a:t>
-            </a:r>
-            <a:r>
-              <a:rPr lang="en-US" dirty="0" err="1" smtClean="0"/>
-              <a:t>auch</a:t>
+              <a:t>Systemen</a:t>
+            </a:r>
+            <a:r>
+              <a:rPr lang="en-US" dirty="0" smtClean="0"/>
+              <a:t> die </a:t>
+            </a:r>
+            <a:r>
+              <a:rPr lang="en-US" dirty="0" err="1" smtClean="0"/>
+              <a:t>bestehende</a:t>
+            </a:r>
+            <a:r>
+              <a:rPr lang="en-US" dirty="0" smtClean="0"/>
+              <a:t> Business-</a:t>
+            </a:r>
+            <a:r>
+              <a:rPr lang="en-US" dirty="0" err="1" smtClean="0"/>
+              <a:t>Logik</a:t>
             </a:r>
             <a:r>
               <a:rPr lang="en-US" dirty="0" smtClean="0"/>
@@ -7042,7 +8218,15 @@
             </a:r>
             <a:r>
               <a:rPr lang="en-US" dirty="0" err="1" smtClean="0"/>
-              <a:t>über</a:t>
+              <a:t>innerhalb</a:t>
+            </a:r>
+            <a:r>
+              <a:rPr lang="en-US" dirty="0" smtClean="0"/>
+              <a:t> der </a:t>
+            </a:r>
+            <a:r>
+              <a:rPr lang="en-US" dirty="0" err="1" smtClean="0"/>
+              <a:t>eigenen</a:t>
             </a:r>
             <a:r>
               <a:rPr lang="en-US" dirty="0" smtClean="0"/>
@@ -7050,103 +8234,93 @@
             </a:r>
             <a:r>
               <a:rPr lang="en-US" dirty="0" err="1" smtClean="0"/>
-              <a:t>folgende</a:t>
-            </a:r>
-            <a:r>
-              <a:rPr lang="en-US" dirty="0" smtClean="0"/>
-              <a:t> Attribute </a:t>
-            </a:r>
-            <a:r>
-              <a:rPr lang="en-US" dirty="0" err="1" smtClean="0"/>
-              <a:t>beeinflussen</a:t>
-            </a:r>
-            <a:r>
-              <a:rPr lang="en-US" dirty="0" smtClean="0"/>
-              <a:t>:</a:t>
+              <a:t>Anwendung</a:t>
+            </a:r>
+            <a:r>
+              <a:rPr lang="en-US" dirty="0" smtClean="0"/>
+              <a:t> </a:t>
+            </a:r>
+            <a:r>
+              <a:rPr lang="en-US" dirty="0" err="1" smtClean="0"/>
+              <a:t>zu</a:t>
+            </a:r>
+            <a:r>
+              <a:rPr lang="en-US" dirty="0" smtClean="0"/>
+              <a:t> </a:t>
+            </a:r>
+            <a:r>
+              <a:rPr lang="en-US" dirty="0" err="1" smtClean="0"/>
+              <a:t>benutzen</a:t>
             </a:r>
             <a:endParaRPr lang="en-US" dirty="0"/>
           </a:p>
           <a:p>
-            <a:pPr lvl="1"/>
-            <a:r>
-              <a:rPr lang="en-US" dirty="0" smtClean="0"/>
-              <a:t>Die </a:t>
-            </a:r>
-            <a:r>
-              <a:rPr lang="en-US" b="1" dirty="0" err="1" smtClean="0"/>
-              <a:t>HttpGet</a:t>
+            <a:r>
+              <a:rPr lang="en-US" dirty="0" smtClean="0"/>
+              <a:t>In Requests </a:t>
+            </a:r>
+            <a:r>
+              <a:rPr lang="en-US" dirty="0" err="1" smtClean="0"/>
+              <a:t>wird</a:t>
+            </a:r>
+            <a:r>
+              <a:rPr lang="en-US" dirty="0" smtClean="0"/>
+              <a:t> die URL </a:t>
+            </a:r>
+            <a:r>
+              <a:rPr lang="en-US" dirty="0" err="1" smtClean="0"/>
+              <a:t>zur</a:t>
+            </a:r>
+            <a:r>
+              <a:rPr lang="en-US" dirty="0" smtClean="0"/>
+              <a:t> </a:t>
+            </a:r>
+            <a:r>
+              <a:rPr lang="en-US" dirty="0" err="1" smtClean="0"/>
+              <a:t>Auswertung</a:t>
+            </a:r>
+            <a:r>
+              <a:rPr lang="en-US" dirty="0" smtClean="0"/>
+              <a:t> von </a:t>
+            </a:r>
+            <a:r>
+              <a:rPr lang="en-US" dirty="0" err="1" smtClean="0"/>
+              <a:t>Parametern</a:t>
+            </a:r>
+            <a:r>
+              <a:rPr lang="en-US" dirty="0" smtClean="0"/>
+              <a:t> </a:t>
+            </a:r>
+            <a:r>
+              <a:rPr lang="en-US" dirty="0" err="1" smtClean="0"/>
+              <a:t>genutzt</a:t>
+            </a:r>
+            <a:endParaRPr lang="en-US" dirty="0"/>
+          </a:p>
+          <a:p>
+            <a:r>
+              <a:rPr lang="en-US" dirty="0" smtClean="0"/>
+              <a:t>Ideal </a:t>
+            </a:r>
+            <a:r>
+              <a:rPr lang="en-US" dirty="0" err="1" smtClean="0"/>
+              <a:t>für</a:t>
+            </a:r>
+            <a:r>
+              <a:rPr lang="en-US" dirty="0" smtClean="0"/>
+              <a:t> die Integration von </a:t>
+            </a:r>
+            <a:r>
+              <a:rPr lang="en-US" dirty="0" err="1" smtClean="0"/>
+              <a:t>mobilen</a:t>
             </a:r>
             <a:r>
               <a:rPr lang="en-US" dirty="0"/>
-              <a:t>, </a:t>
-            </a:r>
-            <a:r>
-              <a:rPr lang="en-US" b="1" dirty="0" err="1"/>
-              <a:t>HttpPut</a:t>
-            </a:r>
-            <a:r>
-              <a:rPr lang="en-US" dirty="0"/>
-              <a:t>, </a:t>
-            </a:r>
-            <a:r>
-              <a:rPr lang="en-US" b="1" dirty="0" err="1"/>
-              <a:t>HttpPost</a:t>
-            </a:r>
-            <a:r>
-              <a:rPr lang="en-US" dirty="0"/>
-              <a:t>, </a:t>
-            </a:r>
-            <a:r>
-              <a:rPr lang="en-US" dirty="0" err="1" smtClean="0"/>
-              <a:t>oder</a:t>
-            </a:r>
-            <a:r>
-              <a:rPr lang="en-US" dirty="0" smtClean="0"/>
               <a:t> </a:t>
             </a:r>
             <a:r>
-              <a:rPr lang="en-US" b="1" dirty="0" err="1" smtClean="0"/>
-              <a:t>HttpDelete</a:t>
-            </a:r>
-            <a:r>
-              <a:rPr lang="en-US" dirty="0" smtClean="0"/>
-              <a:t> Attribute</a:t>
-            </a:r>
-            <a:endParaRPr lang="en-US" dirty="0"/>
-          </a:p>
-          <a:p>
-            <a:pPr lvl="1"/>
-            <a:r>
-              <a:rPr lang="en-US" dirty="0" smtClean="0"/>
-              <a:t>Das </a:t>
-            </a:r>
-            <a:r>
-              <a:rPr lang="en-US" b="1" dirty="0" smtClean="0"/>
-              <a:t>Route </a:t>
-            </a:r>
-            <a:r>
-              <a:rPr lang="en-US" dirty="0" err="1" smtClean="0"/>
-              <a:t>Attribut</a:t>
-            </a:r>
-            <a:endParaRPr lang="en-US" dirty="0"/>
-          </a:p>
-          <a:p>
-            <a:pPr lvl="1"/>
-            <a:r>
-              <a:rPr lang="en-US" dirty="0" smtClean="0"/>
-              <a:t>Das </a:t>
-            </a:r>
-            <a:r>
-              <a:rPr lang="en-US" b="1" dirty="0" err="1" smtClean="0"/>
-              <a:t>ActionName</a:t>
-            </a:r>
-            <a:r>
-              <a:rPr lang="en-US" dirty="0" smtClean="0"/>
-              <a:t> </a:t>
-            </a:r>
-            <a:r>
-              <a:rPr lang="en-US" dirty="0" err="1" smtClean="0"/>
-              <a:t>Attribut</a:t>
+              <a:rPr lang="en-US" dirty="0" err="1" smtClean="0"/>
+              <a:t>Plattformen</a:t>
             </a:r>
             <a:endParaRPr lang="en-US" dirty="0"/>
           </a:p>
@@ -7155,7 +8329,7 @@
     </p:spTree>
     <p:extLst>
       <p:ext uri="{BB962C8B-B14F-4D97-AF65-F5344CB8AC3E}">
-        <p14:creationId xmlns:p14="http://schemas.microsoft.com/office/powerpoint/2010/main" val="2505954915"/>
+        <p14:creationId xmlns:p14="http://schemas.microsoft.com/office/powerpoint/2010/main" val="3569285654"/>
       </p:ext>
     </p:extLst>
   </p:cSld>
@@ -7198,6 +8372,269 @@
           <a:lstStyle/>
           <a:p>
             <a:r>
+              <a:rPr lang="en-US" dirty="0" smtClean="0"/>
+              <a:t>Routing</a:t>
+            </a:r>
+            <a:endParaRPr lang="en-US" dirty="0"/>
+          </a:p>
+        </p:txBody>
+      </p:sp>
+      <p:sp>
+        <p:nvSpPr>
+          <p:cNvPr id="3" name="Content Placeholder 2"/>
+          <p:cNvSpPr>
+            <a:spLocks noGrp="1"/>
+          </p:cNvSpPr>
+          <p:nvPr>
+            <p:ph sz="quarter" idx="10"/>
+          </p:nvPr>
+        </p:nvSpPr>
+        <p:spPr/>
+        <p:txBody>
+          <a:bodyPr/>
+          <a:lstStyle/>
+          <a:p>
+            <a:r>
+              <a:rPr lang="en-US" dirty="0" smtClean="0"/>
+              <a:t>Um Web API Requests </a:t>
+            </a:r>
+            <a:r>
+              <a:rPr lang="en-US" dirty="0" err="1" smtClean="0"/>
+              <a:t>zu</a:t>
+            </a:r>
+            <a:r>
+              <a:rPr lang="en-US" dirty="0" smtClean="0"/>
+              <a:t> </a:t>
+            </a:r>
+            <a:r>
+              <a:rPr lang="en-US" dirty="0" err="1" smtClean="0"/>
+              <a:t>verarbeiten</a:t>
+            </a:r>
+            <a:r>
+              <a:rPr lang="en-US" dirty="0" smtClean="0"/>
+              <a:t>, </a:t>
+            </a:r>
+            <a:r>
+              <a:rPr lang="en-US" dirty="0" err="1" smtClean="0"/>
+              <a:t>lassen</a:t>
+            </a:r>
+            <a:r>
+              <a:rPr lang="en-US" dirty="0" smtClean="0"/>
+              <a:t> </a:t>
+            </a:r>
+            <a:r>
+              <a:rPr lang="en-US" dirty="0" err="1" smtClean="0"/>
+              <a:t>sich</a:t>
+            </a:r>
+            <a:r>
+              <a:rPr lang="en-US" dirty="0" smtClean="0"/>
+              <a:t> Controller-</a:t>
+            </a:r>
+            <a:r>
+              <a:rPr lang="en-US" dirty="0" err="1" smtClean="0"/>
+              <a:t>Namen</a:t>
+            </a:r>
+            <a:r>
+              <a:rPr lang="en-US" dirty="0" smtClean="0"/>
+              <a:t> und Naming Conventions </a:t>
+            </a:r>
+            <a:r>
+              <a:rPr lang="en-US" dirty="0" err="1" smtClean="0"/>
+              <a:t>nutzen</a:t>
+            </a:r>
+            <a:endParaRPr lang="en-US" dirty="0" smtClean="0"/>
+          </a:p>
+          <a:p>
+            <a:r>
+              <a:rPr lang="en-US" dirty="0" err="1" smtClean="0"/>
+              <a:t>Alternativ</a:t>
+            </a:r>
+            <a:r>
+              <a:rPr lang="en-US" dirty="0" smtClean="0"/>
+              <a:t> </a:t>
+            </a:r>
+            <a:r>
+              <a:rPr lang="en-US" dirty="0" err="1" smtClean="0"/>
+              <a:t>lässt</a:t>
+            </a:r>
+            <a:r>
+              <a:rPr lang="en-US" dirty="0" smtClean="0"/>
+              <a:t> </a:t>
+            </a:r>
+            <a:r>
+              <a:rPr lang="en-US" dirty="0" err="1" smtClean="0"/>
+              <a:t>sich</a:t>
+            </a:r>
+            <a:r>
+              <a:rPr lang="en-US" dirty="0" smtClean="0"/>
+              <a:t> das Mapping </a:t>
+            </a:r>
+            <a:r>
+              <a:rPr lang="en-US" dirty="0" err="1" smtClean="0"/>
+              <a:t>auch</a:t>
+            </a:r>
+            <a:r>
+              <a:rPr lang="en-US" dirty="0" smtClean="0"/>
+              <a:t> </a:t>
+            </a:r>
+            <a:r>
+              <a:rPr lang="en-US" dirty="0" err="1" smtClean="0"/>
+              <a:t>über</a:t>
+            </a:r>
+            <a:r>
+              <a:rPr lang="en-US" dirty="0" smtClean="0"/>
+              <a:t> </a:t>
+            </a:r>
+            <a:r>
+              <a:rPr lang="en-US" dirty="0" err="1" smtClean="0"/>
+              <a:t>folgende</a:t>
+            </a:r>
+            <a:r>
+              <a:rPr lang="en-US" dirty="0" smtClean="0"/>
+              <a:t> Attribute </a:t>
+            </a:r>
+            <a:r>
+              <a:rPr lang="en-US" dirty="0" err="1" smtClean="0"/>
+              <a:t>beeinflussen</a:t>
+            </a:r>
+            <a:r>
+              <a:rPr lang="en-US" dirty="0" smtClean="0"/>
+              <a:t>:</a:t>
+            </a:r>
+            <a:endParaRPr lang="en-US" dirty="0"/>
+          </a:p>
+          <a:p>
+            <a:pPr lvl="1"/>
+            <a:r>
+              <a:rPr lang="en-US" dirty="0" smtClean="0"/>
+              <a:t>Die </a:t>
+            </a:r>
+            <a:r>
+              <a:rPr lang="en-US" b="1" dirty="0" err="1" smtClean="0"/>
+              <a:t>HttpGet</a:t>
+            </a:r>
+            <a:r>
+              <a:rPr lang="en-US" dirty="0"/>
+              <a:t>, </a:t>
+            </a:r>
+            <a:r>
+              <a:rPr lang="en-US" b="1" dirty="0" err="1"/>
+              <a:t>HttpPut</a:t>
+            </a:r>
+            <a:r>
+              <a:rPr lang="en-US" dirty="0"/>
+              <a:t>, </a:t>
+            </a:r>
+            <a:r>
+              <a:rPr lang="en-US" b="1" dirty="0" err="1"/>
+              <a:t>HttpPost</a:t>
+            </a:r>
+            <a:r>
+              <a:rPr lang="en-US" dirty="0"/>
+              <a:t>, </a:t>
+            </a:r>
+            <a:r>
+              <a:rPr lang="en-US" dirty="0" err="1" smtClean="0"/>
+              <a:t>oder</a:t>
+            </a:r>
+            <a:r>
+              <a:rPr lang="en-US" dirty="0" smtClean="0"/>
+              <a:t> </a:t>
+            </a:r>
+            <a:r>
+              <a:rPr lang="en-US" b="1" dirty="0" err="1" smtClean="0"/>
+              <a:t>HttpDelete</a:t>
+            </a:r>
+            <a:r>
+              <a:rPr lang="en-US" dirty="0" smtClean="0"/>
+              <a:t> Attribute</a:t>
+            </a:r>
+            <a:endParaRPr lang="en-US" dirty="0"/>
+          </a:p>
+          <a:p>
+            <a:pPr lvl="1"/>
+            <a:r>
+              <a:rPr lang="en-US" dirty="0" smtClean="0"/>
+              <a:t>Das </a:t>
+            </a:r>
+            <a:r>
+              <a:rPr lang="en-US" b="1" dirty="0" smtClean="0"/>
+              <a:t>Route </a:t>
+            </a:r>
+            <a:r>
+              <a:rPr lang="en-US" dirty="0" err="1" smtClean="0"/>
+              <a:t>Attribut</a:t>
+            </a:r>
+            <a:endParaRPr lang="en-US" dirty="0"/>
+          </a:p>
+          <a:p>
+            <a:pPr lvl="1"/>
+            <a:r>
+              <a:rPr lang="en-US" dirty="0" smtClean="0"/>
+              <a:t>Das </a:t>
+            </a:r>
+            <a:r>
+              <a:rPr lang="en-US" b="1" dirty="0" err="1" smtClean="0"/>
+              <a:t>ActionName</a:t>
+            </a:r>
+            <a:r>
+              <a:rPr lang="en-US" dirty="0" smtClean="0"/>
+              <a:t> </a:t>
+            </a:r>
+            <a:r>
+              <a:rPr lang="en-US" dirty="0" err="1" smtClean="0"/>
+              <a:t>Attribut</a:t>
+            </a:r>
+            <a:endParaRPr lang="en-US" dirty="0"/>
+          </a:p>
+        </p:txBody>
+      </p:sp>
+    </p:spTree>
+    <p:extLst>
+      <p:ext uri="{BB962C8B-B14F-4D97-AF65-F5344CB8AC3E}">
+        <p14:creationId xmlns:p14="http://schemas.microsoft.com/office/powerpoint/2010/main" val="2505954915"/>
+      </p:ext>
+    </p:extLst>
+  </p:cSld>
+  <p:clrMapOvr>
+    <a:masterClrMapping/>
+  </p:clrMapOvr>
+</p:sld>
+</file>
+
+<file path=ppt/slides/slide8.xml><?xml version="1.0" encoding="utf-8"?>
+<p:sld xmlns:a="http://schemas.openxmlformats.org/drawingml/2006/main" xmlns:r="http://schemas.openxmlformats.org/officeDocument/2006/relationships" xmlns:p="http://schemas.openxmlformats.org/presentationml/2006/main">
+  <p:cSld>
+    <p:spTree>
+      <p:nvGrpSpPr>
+        <p:cNvPr id="1" name=""/>
+        <p:cNvGrpSpPr/>
+        <p:nvPr/>
+      </p:nvGrpSpPr>
+      <p:grpSpPr>
+        <a:xfrm>
+          <a:off x="0" y="0"/>
+          <a:ext cx="0" cy="0"/>
+          <a:chOff x="0" y="0"/>
+          <a:chExt cx="0" cy="0"/>
+        </a:xfrm>
+      </p:grpSpPr>
+      <p:sp>
+        <p:nvSpPr>
+          <p:cNvPr id="2" name="Title 1"/>
+          <p:cNvSpPr>
+            <a:spLocks noGrp="1"/>
+          </p:cNvSpPr>
+          <p:nvPr>
+            <p:ph type="title"/>
+          </p:nvPr>
+        </p:nvSpPr>
+        <p:spPr/>
+        <p:txBody>
+          <a:bodyPr/>
+          <a:lstStyle/>
+          <a:p>
+            <a:r>
               <a:rPr lang="en-US" smtClean="0"/>
               <a:t>RESTful Services</a:t>
             </a:r>
@@ -7524,7 +8961,7 @@
 </p:sld>
 </file>
 
-<file path=ppt/slides/slide8.xml><?xml version="1.0" encoding="utf-8"?>
+<file path=ppt/slides/slide9.xml><?xml version="1.0" encoding="utf-8"?>
 <p:sld xmlns:a="http://schemas.openxmlformats.org/drawingml/2006/main" xmlns:r="http://schemas.openxmlformats.org/officeDocument/2006/relationships" xmlns:p="http://schemas.openxmlformats.org/presentationml/2006/main">
   <p:cSld>
     <p:spTree>
@@ -7632,297 +9069,6 @@
     <p:extLst>
       <p:ext uri="{BB962C8B-B14F-4D97-AF65-F5344CB8AC3E}">
         <p14:creationId xmlns:p14="http://schemas.microsoft.com/office/powerpoint/2010/main" val="2861017408"/>
-      </p:ext>
-    </p:extLst>
-  </p:cSld>
-  <p:clrMapOvr>
-    <a:masterClrMapping/>
-  </p:clrMapOvr>
-</p:sld>
-</file>
-
-<file path=ppt/slides/slide9.xml><?xml version="1.0" encoding="utf-8"?>
-<p:sld xmlns:a="http://schemas.openxmlformats.org/drawingml/2006/main" xmlns:r="http://schemas.openxmlformats.org/officeDocument/2006/relationships" xmlns:p="http://schemas.openxmlformats.org/presentationml/2006/main">
-  <p:cSld>
-    <p:spTree>
-      <p:nvGrpSpPr>
-        <p:cNvPr id="1" name=""/>
-        <p:cNvGrpSpPr/>
-        <p:nvPr/>
-      </p:nvGrpSpPr>
-      <p:grpSpPr>
-        <a:xfrm>
-          <a:off x="0" y="0"/>
-          <a:ext cx="0" cy="0"/>
-          <a:chOff x="0" y="0"/>
-          <a:chExt cx="0" cy="0"/>
-        </a:xfrm>
-      </p:grpSpPr>
-      <p:sp>
-        <p:nvSpPr>
-          <p:cNvPr id="2" name="Title 1"/>
-          <p:cNvSpPr>
-            <a:spLocks noGrp="1"/>
-          </p:cNvSpPr>
-          <p:nvPr>
-            <p:ph type="title"/>
-          </p:nvPr>
-        </p:nvSpPr>
-        <p:spPr/>
-        <p:txBody>
-          <a:bodyPr/>
-          <a:lstStyle/>
-          <a:p>
-            <a:r>
-              <a:rPr lang="en-US" dirty="0" err="1"/>
-              <a:t>Routen</a:t>
-            </a:r>
-            <a:r>
-              <a:rPr lang="en-US" dirty="0"/>
-              <a:t> und Controller in </a:t>
-            </a:r>
-            <a:r>
-              <a:rPr lang="en-US" dirty="0" err="1"/>
-              <a:t>einer</a:t>
-            </a:r>
-            <a:r>
-              <a:rPr lang="en-US" dirty="0"/>
-              <a:t> Web API</a:t>
-            </a:r>
-            <a:endParaRPr lang="en-US" dirty="0"/>
-          </a:p>
-        </p:txBody>
-      </p:sp>
-      <p:sp>
-        <p:nvSpPr>
-          <p:cNvPr id="3" name="Content Placeholder 2"/>
-          <p:cNvSpPr>
-            <a:spLocks noGrp="1"/>
-          </p:cNvSpPr>
-          <p:nvPr>
-            <p:ph sz="quarter" idx="10"/>
-          </p:nvPr>
-        </p:nvSpPr>
-        <p:spPr/>
-        <p:txBody>
-          <a:bodyPr/>
-          <a:lstStyle/>
-          <a:p>
-            <a:r>
-              <a:rPr lang="en-US" dirty="0" smtClean="0"/>
-              <a:t>ASP.NET </a:t>
-            </a:r>
-            <a:r>
-              <a:rPr lang="en-US" dirty="0" err="1" smtClean="0"/>
-              <a:t>fügt</a:t>
-            </a:r>
-            <a:r>
-              <a:rPr lang="en-US" dirty="0" smtClean="0"/>
-              <a:t> </a:t>
-            </a:r>
-            <a:r>
-              <a:rPr lang="en-US" dirty="0" err="1" smtClean="0"/>
-              <a:t>eine</a:t>
-            </a:r>
-            <a:r>
-              <a:rPr lang="en-US" dirty="0"/>
-              <a:t> </a:t>
-            </a:r>
-            <a:r>
-              <a:rPr lang="en-US" dirty="0" smtClean="0"/>
-              <a:t>Default-Route </a:t>
-            </a:r>
-            <a:r>
-              <a:rPr lang="en-US" dirty="0" err="1" smtClean="0"/>
-              <a:t>hinzu</a:t>
-            </a:r>
-            <a:endParaRPr lang="en-US" dirty="0"/>
-          </a:p>
-          <a:p>
-            <a:pPr lvl="2"/>
-            <a:r>
-              <a:rPr lang="en-US" dirty="0" err="1" smtClean="0"/>
-              <a:t>Ordnet</a:t>
-            </a:r>
-            <a:r>
-              <a:rPr lang="en-US" dirty="0" smtClean="0"/>
-              <a:t> </a:t>
-            </a:r>
-            <a:r>
-              <a:rPr lang="en-US" dirty="0" err="1" smtClean="0"/>
-              <a:t>eine</a:t>
-            </a:r>
-            <a:r>
-              <a:rPr lang="en-US" dirty="0" smtClean="0"/>
-              <a:t> </a:t>
-            </a:r>
-            <a:r>
-              <a:rPr lang="en-US" dirty="0" err="1" smtClean="0"/>
-              <a:t>Url</a:t>
-            </a:r>
-            <a:r>
-              <a:rPr lang="en-US" dirty="0" smtClean="0"/>
-              <a:t> </a:t>
-            </a:r>
-            <a:r>
-              <a:rPr lang="en-US" dirty="0" err="1" smtClean="0"/>
-              <a:t>einem</a:t>
-            </a:r>
-            <a:r>
-              <a:rPr lang="en-US" dirty="0" smtClean="0"/>
-              <a:t> Controller </a:t>
-            </a:r>
-            <a:r>
-              <a:rPr lang="en-US" dirty="0" err="1" smtClean="0"/>
-              <a:t>zu</a:t>
-            </a:r>
-            <a:endParaRPr lang="en-US" dirty="0"/>
-          </a:p>
-          <a:p>
-            <a:r>
-              <a:rPr lang="en-US" dirty="0" smtClean="0"/>
-              <a:t>Die </a:t>
-            </a:r>
-            <a:r>
-              <a:rPr lang="en-US" dirty="0" err="1"/>
-              <a:t>WebApiConfig</a:t>
-            </a:r>
-            <a:r>
-              <a:rPr lang="en-US" dirty="0"/>
-              <a:t> </a:t>
-            </a:r>
-            <a:r>
-              <a:rPr lang="en-US" dirty="0" err="1" smtClean="0"/>
-              <a:t>Klasse</a:t>
-            </a:r>
-            <a:r>
-              <a:rPr lang="en-US" dirty="0" smtClean="0"/>
-              <a:t> </a:t>
-            </a:r>
-            <a:r>
-              <a:rPr lang="en-US" dirty="0" err="1" smtClean="0"/>
-              <a:t>lässt</a:t>
-            </a:r>
-            <a:r>
-              <a:rPr lang="en-US" dirty="0" smtClean="0"/>
-              <a:t> </a:t>
-            </a:r>
-            <a:r>
-              <a:rPr lang="en-US" dirty="0" err="1" smtClean="0"/>
-              <a:t>sich</a:t>
-            </a:r>
-            <a:r>
-              <a:rPr lang="en-US" dirty="0" smtClean="0"/>
-              <a:t> </a:t>
-            </a:r>
-            <a:r>
-              <a:rPr lang="en-US" dirty="0" err="1" smtClean="0"/>
-              <a:t>nutzen</a:t>
-            </a:r>
-            <a:r>
-              <a:rPr lang="en-US" dirty="0" smtClean="0"/>
-              <a:t> um</a:t>
-            </a:r>
-            <a:endParaRPr lang="en-US" dirty="0"/>
-          </a:p>
-          <a:p>
-            <a:pPr lvl="2"/>
-            <a:r>
-              <a:rPr lang="en-US" dirty="0" smtClean="0"/>
-              <a:t>Das Routing </a:t>
-            </a:r>
-            <a:r>
-              <a:rPr lang="en-US" dirty="0" err="1" smtClean="0"/>
-              <a:t>zu</a:t>
-            </a:r>
-            <a:r>
-              <a:rPr lang="en-US" dirty="0" smtClean="0"/>
-              <a:t> </a:t>
-            </a:r>
-            <a:r>
-              <a:rPr lang="en-US" dirty="0" err="1" smtClean="0"/>
-              <a:t>beeinflussen</a:t>
-            </a:r>
-            <a:endParaRPr lang="en-US" dirty="0"/>
-          </a:p>
-          <a:p>
-            <a:pPr lvl="2"/>
-            <a:r>
-              <a:rPr lang="en-US" dirty="0" err="1" smtClean="0"/>
-              <a:t>Verschiedene</a:t>
-            </a:r>
-            <a:r>
-              <a:rPr lang="en-US" dirty="0" smtClean="0"/>
-              <a:t> </a:t>
-            </a:r>
-            <a:r>
-              <a:rPr lang="en-US" dirty="0" err="1" smtClean="0"/>
-              <a:t>Versionen</a:t>
-            </a:r>
-            <a:r>
-              <a:rPr lang="en-US" dirty="0" smtClean="0"/>
-              <a:t> </a:t>
-            </a:r>
-            <a:r>
-              <a:rPr lang="en-US" dirty="0" err="1" smtClean="0"/>
-              <a:t>einer</a:t>
-            </a:r>
-            <a:r>
-              <a:rPr lang="en-US" dirty="0" smtClean="0"/>
-              <a:t> </a:t>
-            </a:r>
-            <a:r>
-              <a:rPr lang="en-US" dirty="0" err="1" smtClean="0"/>
-              <a:t>Api</a:t>
-            </a:r>
-            <a:r>
-              <a:rPr lang="en-US" dirty="0" smtClean="0"/>
-              <a:t> </a:t>
-            </a:r>
-            <a:r>
-              <a:rPr lang="en-US" dirty="0" err="1" smtClean="0"/>
-              <a:t>innerhalb</a:t>
-            </a:r>
-            <a:r>
-              <a:rPr lang="en-US" dirty="0" smtClean="0"/>
-              <a:t> des </a:t>
-            </a:r>
-            <a:r>
-              <a:rPr lang="en-US" dirty="0" err="1" smtClean="0"/>
-              <a:t>selbsten</a:t>
-            </a:r>
-            <a:r>
-              <a:rPr lang="en-US" dirty="0" smtClean="0"/>
-              <a:t> </a:t>
-            </a:r>
-            <a:r>
-              <a:rPr lang="en-US" dirty="0" err="1" smtClean="0"/>
-              <a:t>Projektes</a:t>
-            </a:r>
-            <a:r>
-              <a:rPr lang="en-US" dirty="0" smtClean="0"/>
-              <a:t> </a:t>
-            </a:r>
-            <a:r>
-              <a:rPr lang="en-US" dirty="0" err="1" smtClean="0"/>
-              <a:t>zu</a:t>
-            </a:r>
-            <a:r>
-              <a:rPr lang="en-US" dirty="0" smtClean="0"/>
-              <a:t> </a:t>
-            </a:r>
-            <a:r>
-              <a:rPr lang="en-US" dirty="0" err="1" smtClean="0"/>
-              <a:t>haben</a:t>
-            </a:r>
-            <a:endParaRPr lang="en-US" dirty="0"/>
-          </a:p>
-        </p:txBody>
-      </p:sp>
-    </p:spTree>
-    <p:extLst>
-      <p:ext uri="{BB962C8B-B14F-4D97-AF65-F5344CB8AC3E}">
-        <p14:creationId xmlns:p14="http://schemas.microsoft.com/office/powerpoint/2010/main" val="3916868022"/>
       </p:ext>
     </p:extLst>
   </p:cSld>

--- a/05. ASP.NET Web API/Entwicklung einer Schnittstelle mit ASP.NET Web API.pptx
+++ b/05. ASP.NET Web API/Entwicklung einer Schnittstelle mit ASP.NET Web API.pptx
@@ -17,9 +17,9 @@
     <p:sldId id="361" r:id="rId5"/>
     <p:sldId id="362" r:id="rId6"/>
     <p:sldId id="394" r:id="rId7"/>
-    <p:sldId id="395" r:id="rId8"/>
-    <p:sldId id="396" r:id="rId9"/>
-    <p:sldId id="398" r:id="rId10"/>
+    <p:sldId id="396" r:id="rId8"/>
+    <p:sldId id="398" r:id="rId9"/>
+    <p:sldId id="395" r:id="rId10"/>
     <p:sldId id="397" r:id="rId11"/>
     <p:sldId id="393" r:id="rId12"/>
     <p:sldId id="400" r:id="rId13"/>
@@ -308,7 +308,7 @@
               <a:pPr>
                 <a:defRPr/>
               </a:pPr>
-              <a:t>24.02.2017</a:t>
+              <a:t>03.03.2017</a:t>
             </a:fld>
             <a:endParaRPr lang="de-DE" dirty="0"/>
           </a:p>
@@ -507,7 +507,7 @@
               <a:pPr>
                 <a:defRPr/>
               </a:pPr>
-              <a:t>2017-02-24</a:t>
+              <a:t>2017-03-03</a:t>
             </a:fld>
             <a:endParaRPr lang="sv-SE"/>
           </a:p>
@@ -1387,126 +1387,8 @@
           </a:bodyPr>
           <a:lstStyle/>
           <a:p>
-            <a:pPr>
-              <a:lnSpc>
-                <a:spcPct val="115000"/>
-              </a:lnSpc>
-              <a:spcAft>
-                <a:spcPts val="1000"/>
-              </a:spcAft>
-            </a:pPr>
-            <a:r>
-              <a:rPr lang="en-US" sz="1000" b="1">
-                <a:latin typeface="Arial"/>
-                <a:ea typeface="Calibri"/>
-                <a:cs typeface="Times New Roman"/>
-              </a:rPr>
-              <a:t>Question</a:t>
-            </a:r>
-            <a:r>
-              <a:rPr lang="en-US" sz="1000">
-                <a:latin typeface="Arial"/>
-                <a:ea typeface="Calibri"/>
-                <a:cs typeface="Times New Roman"/>
-              </a:rPr>
-              <a:t>: What is the purpose of using the HTTP attributes?</a:t>
-            </a:r>
-          </a:p>
-          <a:p>
-            <a:pPr>
-              <a:lnSpc>
-                <a:spcPct val="115000"/>
-              </a:lnSpc>
-              <a:spcAft>
-                <a:spcPts val="1000"/>
-              </a:spcAft>
-            </a:pPr>
-            <a:r>
-              <a:rPr lang="en-US" sz="1000" b="1">
-                <a:latin typeface="Arial"/>
-                <a:ea typeface="Calibri"/>
-                <a:cs typeface="Times New Roman"/>
-              </a:rPr>
-              <a:t>Answer</a:t>
-            </a:r>
-            <a:r>
-              <a:rPr lang="en-US" sz="1000">
-                <a:latin typeface="Arial"/>
-                <a:ea typeface="Calibri"/>
-                <a:cs typeface="Times New Roman"/>
-              </a:rPr>
-              <a:t>: The attributes help control the routing and mapping between HTTP requests and action functions in the MVC controller.</a:t>
-            </a:r>
-          </a:p>
-          <a:p>
-            <a:pPr>
-              <a:lnSpc>
-                <a:spcPct val="115000"/>
-              </a:lnSpc>
-              <a:spcAft>
-                <a:spcPts val="1000"/>
-              </a:spcAft>
-            </a:pPr>
-            <a:r>
-              <a:rPr lang="en-US" sz="1000" smtClean="0">
-                <a:latin typeface="Arial"/>
-                <a:ea typeface="Times New Roman"/>
-                <a:cs typeface="Times New Roman"/>
-              </a:rPr>
-              <a:t>You can describe how you can combine the attributes together. For example, you can use </a:t>
-            </a:r>
-            <a:r>
-              <a:rPr lang="en-US" sz="1000" b="1" smtClean="0">
-                <a:latin typeface="Arial"/>
-                <a:ea typeface="Times New Roman"/>
-                <a:cs typeface="Times New Roman"/>
-              </a:rPr>
-              <a:t>HttpGet</a:t>
-            </a:r>
-            <a:r>
-              <a:rPr lang="en-US" sz="1000" smtClean="0">
-                <a:latin typeface="Arial"/>
-                <a:ea typeface="Times New Roman"/>
-                <a:cs typeface="Times New Roman"/>
-              </a:rPr>
-              <a:t> together with </a:t>
-            </a:r>
-            <a:r>
-              <a:rPr lang="en-US" sz="1000" b="1" smtClean="0">
-                <a:latin typeface="Arial"/>
-                <a:ea typeface="Times New Roman"/>
-                <a:cs typeface="Times New Roman"/>
-              </a:rPr>
-              <a:t>ActionName</a:t>
-            </a:r>
-            <a:r>
-              <a:rPr lang="en-US" sz="1000" smtClean="0">
-                <a:latin typeface="Arial"/>
-                <a:ea typeface="Times New Roman"/>
-                <a:cs typeface="Times New Roman"/>
-              </a:rPr>
-              <a:t> to map the action to the </a:t>
-            </a:r>
-            <a:r>
-              <a:rPr lang="en-US" sz="1000" b="1" smtClean="0">
-                <a:latin typeface="Arial"/>
-                <a:ea typeface="Times New Roman"/>
-                <a:cs typeface="Times New Roman"/>
-              </a:rPr>
-              <a:t>GET</a:t>
-            </a:r>
-            <a:r>
-              <a:rPr lang="en-US" sz="1000" smtClean="0">
-                <a:latin typeface="Arial"/>
-                <a:ea typeface="Times New Roman"/>
-                <a:cs typeface="Times New Roman"/>
-              </a:rPr>
-              <a:t> method by using the specified action name.</a:t>
-            </a:r>
             <a:endParaRPr lang="en-US" sz="1000">
               <a:latin typeface="Arial"/>
-              <a:ea typeface="Times New Roman"/>
-              <a:cs typeface="Times New Roman"/>
             </a:endParaRPr>
           </a:p>
         </p:txBody>
@@ -1652,7 +1534,7 @@
     </p:spTree>
     <p:extLst>
       <p:ext uri="{BB962C8B-B14F-4D97-AF65-F5344CB8AC3E}">
-        <p14:creationId xmlns:p14="http://schemas.microsoft.com/office/powerpoint/2010/main" val="4116615703"/>
+        <p14:creationId xmlns:p14="http://schemas.microsoft.com/office/powerpoint/2010/main" val="3915841606"/>
       </p:ext>
     </p:extLst>
   </p:cSld>
@@ -1718,8 +1600,126 @@
           </a:bodyPr>
           <a:lstStyle/>
           <a:p>
+            <a:pPr>
+              <a:lnSpc>
+                <a:spcPct val="115000"/>
+              </a:lnSpc>
+              <a:spcAft>
+                <a:spcPts val="1000"/>
+              </a:spcAft>
+            </a:pPr>
+            <a:r>
+              <a:rPr lang="en-US" sz="1000" b="1">
+                <a:latin typeface="Arial"/>
+                <a:ea typeface="Calibri"/>
+                <a:cs typeface="Times New Roman"/>
+              </a:rPr>
+              <a:t>Question</a:t>
+            </a:r>
+            <a:r>
+              <a:rPr lang="en-US" sz="1000">
+                <a:latin typeface="Arial"/>
+                <a:ea typeface="Calibri"/>
+                <a:cs typeface="Times New Roman"/>
+              </a:rPr>
+              <a:t>: What is the purpose of using the HTTP attributes?</a:t>
+            </a:r>
+          </a:p>
+          <a:p>
+            <a:pPr>
+              <a:lnSpc>
+                <a:spcPct val="115000"/>
+              </a:lnSpc>
+              <a:spcAft>
+                <a:spcPts val="1000"/>
+              </a:spcAft>
+            </a:pPr>
+            <a:r>
+              <a:rPr lang="en-US" sz="1000" b="1">
+                <a:latin typeface="Arial"/>
+                <a:ea typeface="Calibri"/>
+                <a:cs typeface="Times New Roman"/>
+              </a:rPr>
+              <a:t>Answer</a:t>
+            </a:r>
+            <a:r>
+              <a:rPr lang="en-US" sz="1000">
+                <a:latin typeface="Arial"/>
+                <a:ea typeface="Calibri"/>
+                <a:cs typeface="Times New Roman"/>
+              </a:rPr>
+              <a:t>: The attributes help control the routing and mapping between HTTP requests and action functions in the MVC controller.</a:t>
+            </a:r>
+          </a:p>
+          <a:p>
+            <a:pPr>
+              <a:lnSpc>
+                <a:spcPct val="115000"/>
+              </a:lnSpc>
+              <a:spcAft>
+                <a:spcPts val="1000"/>
+              </a:spcAft>
+            </a:pPr>
+            <a:r>
+              <a:rPr lang="en-US" sz="1000" smtClean="0">
+                <a:latin typeface="Arial"/>
+                <a:ea typeface="Times New Roman"/>
+                <a:cs typeface="Times New Roman"/>
+              </a:rPr>
+              <a:t>You can describe how you can combine the attributes together. For example, you can use </a:t>
+            </a:r>
+            <a:r>
+              <a:rPr lang="en-US" sz="1000" b="1" smtClean="0">
+                <a:latin typeface="Arial"/>
+                <a:ea typeface="Times New Roman"/>
+                <a:cs typeface="Times New Roman"/>
+              </a:rPr>
+              <a:t>HttpGet</a:t>
+            </a:r>
+            <a:r>
+              <a:rPr lang="en-US" sz="1000" smtClean="0">
+                <a:latin typeface="Arial"/>
+                <a:ea typeface="Times New Roman"/>
+                <a:cs typeface="Times New Roman"/>
+              </a:rPr>
+              <a:t> together with </a:t>
+            </a:r>
+            <a:r>
+              <a:rPr lang="en-US" sz="1000" b="1" smtClean="0">
+                <a:latin typeface="Arial"/>
+                <a:ea typeface="Times New Roman"/>
+                <a:cs typeface="Times New Roman"/>
+              </a:rPr>
+              <a:t>ActionName</a:t>
+            </a:r>
+            <a:r>
+              <a:rPr lang="en-US" sz="1000" smtClean="0">
+                <a:latin typeface="Arial"/>
+                <a:ea typeface="Times New Roman"/>
+                <a:cs typeface="Times New Roman"/>
+              </a:rPr>
+              <a:t> to map the action to the </a:t>
+            </a:r>
+            <a:r>
+              <a:rPr lang="en-US" sz="1000" b="1" smtClean="0">
+                <a:latin typeface="Arial"/>
+                <a:ea typeface="Times New Roman"/>
+                <a:cs typeface="Times New Roman"/>
+              </a:rPr>
+              <a:t>GET</a:t>
+            </a:r>
+            <a:r>
+              <a:rPr lang="en-US" sz="1000" smtClean="0">
+                <a:latin typeface="Arial"/>
+                <a:ea typeface="Times New Roman"/>
+                <a:cs typeface="Times New Roman"/>
+              </a:rPr>
+              <a:t> method by using the specified action name.</a:t>
+            </a:r>
             <a:endParaRPr lang="en-US" sz="1000">
               <a:latin typeface="Arial"/>
+              <a:ea typeface="Times New Roman"/>
+              <a:cs typeface="Times New Roman"/>
             </a:endParaRPr>
           </a:p>
         </p:txBody>
@@ -1742,7 +1742,7 @@
             <a:fld id="{0E250944-C459-49FA-BBE9-2A0996DD63D5}" type="slidenum">
               <a:rPr lang="en-US" smtClean="0"/>
               <a:pPr/>
-              <a:t>8</a:t>
+              <a:t>9</a:t>
             </a:fld>
             <a:endParaRPr lang="en-US"/>
           </a:p>
@@ -1865,7 +1865,7 @@
     </p:spTree>
     <p:extLst>
       <p:ext uri="{BB962C8B-B14F-4D97-AF65-F5344CB8AC3E}">
-        <p14:creationId xmlns:p14="http://schemas.microsoft.com/office/powerpoint/2010/main" val="3915841606"/>
+        <p14:creationId xmlns:p14="http://schemas.microsoft.com/office/powerpoint/2010/main" val="4116615703"/>
       </p:ext>
     </p:extLst>
   </p:cSld>
@@ -6738,7 +6738,7 @@
           <p:nvPr>
             <p:extLst>
               <p:ext uri="{D42A27DB-BD31-4B8C-83A1-F6EECF244321}">
-                <p14:modId xmlns:p14="http://schemas.microsoft.com/office/powerpoint/2010/main" val="3449025469"/>
+                <p14:modId xmlns:p14="http://schemas.microsoft.com/office/powerpoint/2010/main" val="3342809751"/>
               </p:ext>
             </p:extLst>
           </p:nvPr>
@@ -7204,7 +7204,7 @@
                     <a:p>
                       <a:r>
                         <a:rPr lang="de-DE" dirty="0" smtClean="0"/>
-                        <a:t>15:45 – 17:00</a:t>
+                        <a:t>15:45 – 16:45</a:t>
                       </a:r>
                       <a:endParaRPr lang="de-DE" dirty="0"/>
                     </a:p>
@@ -7267,11 +7267,11 @@
                     <a:p>
                       <a:r>
                         <a:rPr lang="de-DE" dirty="0" smtClean="0"/>
-                        <a:t>17:00</a:t>
+                        <a:t>16:45</a:t>
                       </a:r>
                       <a:r>
                         <a:rPr lang="de-DE" baseline="0" dirty="0" smtClean="0"/>
-                        <a:t> – 17:30</a:t>
+                        <a:t> – 17:15</a:t>
                       </a:r>
                       <a:endParaRPr lang="de-DE" dirty="0"/>
                     </a:p>
@@ -7806,30 +7806,6 @@
           </a:p>
         </p:txBody>
       </p:sp>
-      <p:pic>
-        <p:nvPicPr>
-          <p:cNvPr id="6" name="Grafik 5"/>
-          <p:cNvPicPr>
-            <a:picLocks noChangeAspect="1"/>
-          </p:cNvPicPr>
-          <p:nvPr/>
-        </p:nvPicPr>
-        <p:blipFill>
-          <a:blip r:embed="rId2"/>
-          <a:stretch>
-            <a:fillRect/>
-          </a:stretch>
-        </p:blipFill>
-        <p:spPr>
-          <a:xfrm>
-            <a:off x="587299" y="1962668"/>
-            <a:ext cx="7472533" cy="4424248"/>
-          </a:xfrm>
-          <a:prstGeom prst="rect">
-            <a:avLst/>
-          </a:prstGeom>
-        </p:spPr>
-      </p:pic>
     </p:spTree>
     <p:extLst>
       <p:ext uri="{BB962C8B-B14F-4D97-AF65-F5344CB8AC3E}">
@@ -7931,12 +7907,12 @@
               <a:t> </a:t>
             </a:r>
             <a:r>
-              <a:rPr lang="en-US" dirty="0" err="1"/>
-              <a:t>Wep</a:t>
+              <a:rPr lang="en-US" dirty="0" smtClean="0"/>
+              <a:t>Web </a:t>
             </a:r>
             <a:r>
               <a:rPr lang="en-US" dirty="0"/>
-              <a:t> API?
+              <a:t>API?
 Routing
 </a:t>
             </a:r>
@@ -8372,269 +8348,6 @@
           <a:lstStyle/>
           <a:p>
             <a:r>
-              <a:rPr lang="en-US" dirty="0" smtClean="0"/>
-              <a:t>Routing</a:t>
-            </a:r>
-            <a:endParaRPr lang="en-US" dirty="0"/>
-          </a:p>
-        </p:txBody>
-      </p:sp>
-      <p:sp>
-        <p:nvSpPr>
-          <p:cNvPr id="3" name="Content Placeholder 2"/>
-          <p:cNvSpPr>
-            <a:spLocks noGrp="1"/>
-          </p:cNvSpPr>
-          <p:nvPr>
-            <p:ph sz="quarter" idx="10"/>
-          </p:nvPr>
-        </p:nvSpPr>
-        <p:spPr/>
-        <p:txBody>
-          <a:bodyPr/>
-          <a:lstStyle/>
-          <a:p>
-            <a:r>
-              <a:rPr lang="en-US" dirty="0" smtClean="0"/>
-              <a:t>Um Web API Requests </a:t>
-            </a:r>
-            <a:r>
-              <a:rPr lang="en-US" dirty="0" err="1" smtClean="0"/>
-              <a:t>zu</a:t>
-            </a:r>
-            <a:r>
-              <a:rPr lang="en-US" dirty="0" smtClean="0"/>
-              <a:t> </a:t>
-            </a:r>
-            <a:r>
-              <a:rPr lang="en-US" dirty="0" err="1" smtClean="0"/>
-              <a:t>verarbeiten</a:t>
-            </a:r>
-            <a:r>
-              <a:rPr lang="en-US" dirty="0" smtClean="0"/>
-              <a:t>, </a:t>
-            </a:r>
-            <a:r>
-              <a:rPr lang="en-US" dirty="0" err="1" smtClean="0"/>
-              <a:t>lassen</a:t>
-            </a:r>
-            <a:r>
-              <a:rPr lang="en-US" dirty="0" smtClean="0"/>
-              <a:t> </a:t>
-            </a:r>
-            <a:r>
-              <a:rPr lang="en-US" dirty="0" err="1" smtClean="0"/>
-              <a:t>sich</a:t>
-            </a:r>
-            <a:r>
-              <a:rPr lang="en-US" dirty="0" smtClean="0"/>
-              <a:t> Controller-</a:t>
-            </a:r>
-            <a:r>
-              <a:rPr lang="en-US" dirty="0" err="1" smtClean="0"/>
-              <a:t>Namen</a:t>
-            </a:r>
-            <a:r>
-              <a:rPr lang="en-US" dirty="0" smtClean="0"/>
-              <a:t> und Naming Conventions </a:t>
-            </a:r>
-            <a:r>
-              <a:rPr lang="en-US" dirty="0" err="1" smtClean="0"/>
-              <a:t>nutzen</a:t>
-            </a:r>
-            <a:endParaRPr lang="en-US" dirty="0" smtClean="0"/>
-          </a:p>
-          <a:p>
-            <a:r>
-              <a:rPr lang="en-US" dirty="0" err="1" smtClean="0"/>
-              <a:t>Alternativ</a:t>
-            </a:r>
-            <a:r>
-              <a:rPr lang="en-US" dirty="0" smtClean="0"/>
-              <a:t> </a:t>
-            </a:r>
-            <a:r>
-              <a:rPr lang="en-US" dirty="0" err="1" smtClean="0"/>
-              <a:t>lässt</a:t>
-            </a:r>
-            <a:r>
-              <a:rPr lang="en-US" dirty="0" smtClean="0"/>
-              <a:t> </a:t>
-            </a:r>
-            <a:r>
-              <a:rPr lang="en-US" dirty="0" err="1" smtClean="0"/>
-              <a:t>sich</a:t>
-            </a:r>
-            <a:r>
-              <a:rPr lang="en-US" dirty="0" smtClean="0"/>
-              <a:t> das Mapping </a:t>
-            </a:r>
-            <a:r>
-              <a:rPr lang="en-US" dirty="0" err="1" smtClean="0"/>
-              <a:t>auch</a:t>
-            </a:r>
-            <a:r>
-              <a:rPr lang="en-US" dirty="0" smtClean="0"/>
-              <a:t> </a:t>
-            </a:r>
-            <a:r>
-              <a:rPr lang="en-US" dirty="0" err="1" smtClean="0"/>
-              <a:t>über</a:t>
-            </a:r>
-            <a:r>
-              <a:rPr lang="en-US" dirty="0" smtClean="0"/>
-              <a:t> </a:t>
-            </a:r>
-            <a:r>
-              <a:rPr lang="en-US" dirty="0" err="1" smtClean="0"/>
-              <a:t>folgende</a:t>
-            </a:r>
-            <a:r>
-              <a:rPr lang="en-US" dirty="0" smtClean="0"/>
-              <a:t> Attribute </a:t>
-            </a:r>
-            <a:r>
-              <a:rPr lang="en-US" dirty="0" err="1" smtClean="0"/>
-              <a:t>beeinflussen</a:t>
-            </a:r>
-            <a:r>
-              <a:rPr lang="en-US" dirty="0" smtClean="0"/>
-              <a:t>:</a:t>
-            </a:r>
-            <a:endParaRPr lang="en-US" dirty="0"/>
-          </a:p>
-          <a:p>
-            <a:pPr lvl="1"/>
-            <a:r>
-              <a:rPr lang="en-US" dirty="0" smtClean="0"/>
-              <a:t>Die </a:t>
-            </a:r>
-            <a:r>
-              <a:rPr lang="en-US" b="1" dirty="0" err="1" smtClean="0"/>
-              <a:t>HttpGet</a:t>
-            </a:r>
-            <a:r>
-              <a:rPr lang="en-US" dirty="0"/>
-              <a:t>, </a:t>
-            </a:r>
-            <a:r>
-              <a:rPr lang="en-US" b="1" dirty="0" err="1"/>
-              <a:t>HttpPut</a:t>
-            </a:r>
-            <a:r>
-              <a:rPr lang="en-US" dirty="0"/>
-              <a:t>, </a:t>
-            </a:r>
-            <a:r>
-              <a:rPr lang="en-US" b="1" dirty="0" err="1"/>
-              <a:t>HttpPost</a:t>
-            </a:r>
-            <a:r>
-              <a:rPr lang="en-US" dirty="0"/>
-              <a:t>, </a:t>
-            </a:r>
-            <a:r>
-              <a:rPr lang="en-US" dirty="0" err="1" smtClean="0"/>
-              <a:t>oder</a:t>
-            </a:r>
-            <a:r>
-              <a:rPr lang="en-US" dirty="0" smtClean="0"/>
-              <a:t> </a:t>
-            </a:r>
-            <a:r>
-              <a:rPr lang="en-US" b="1" dirty="0" err="1" smtClean="0"/>
-              <a:t>HttpDelete</a:t>
-            </a:r>
-            <a:r>
-              <a:rPr lang="en-US" dirty="0" smtClean="0"/>
-              <a:t> Attribute</a:t>
-            </a:r>
-            <a:endParaRPr lang="en-US" dirty="0"/>
-          </a:p>
-          <a:p>
-            <a:pPr lvl="1"/>
-            <a:r>
-              <a:rPr lang="en-US" dirty="0" smtClean="0"/>
-              <a:t>Das </a:t>
-            </a:r>
-            <a:r>
-              <a:rPr lang="en-US" b="1" dirty="0" smtClean="0"/>
-              <a:t>Route </a:t>
-            </a:r>
-            <a:r>
-              <a:rPr lang="en-US" dirty="0" err="1" smtClean="0"/>
-              <a:t>Attribut</a:t>
-            </a:r>
-            <a:endParaRPr lang="en-US" dirty="0"/>
-          </a:p>
-          <a:p>
-            <a:pPr lvl="1"/>
-            <a:r>
-              <a:rPr lang="en-US" dirty="0" smtClean="0"/>
-              <a:t>Das </a:t>
-            </a:r>
-            <a:r>
-              <a:rPr lang="en-US" b="1" dirty="0" err="1" smtClean="0"/>
-              <a:t>ActionName</a:t>
-            </a:r>
-            <a:r>
-              <a:rPr lang="en-US" dirty="0" smtClean="0"/>
-              <a:t> </a:t>
-            </a:r>
-            <a:r>
-              <a:rPr lang="en-US" dirty="0" err="1" smtClean="0"/>
-              <a:t>Attribut</a:t>
-            </a:r>
-            <a:endParaRPr lang="en-US" dirty="0"/>
-          </a:p>
-        </p:txBody>
-      </p:sp>
-    </p:spTree>
-    <p:extLst>
-      <p:ext uri="{BB962C8B-B14F-4D97-AF65-F5344CB8AC3E}">
-        <p14:creationId xmlns:p14="http://schemas.microsoft.com/office/powerpoint/2010/main" val="2505954915"/>
-      </p:ext>
-    </p:extLst>
-  </p:cSld>
-  <p:clrMapOvr>
-    <a:masterClrMapping/>
-  </p:clrMapOvr>
-</p:sld>
-</file>
-
-<file path=ppt/slides/slide8.xml><?xml version="1.0" encoding="utf-8"?>
-<p:sld xmlns:a="http://schemas.openxmlformats.org/drawingml/2006/main" xmlns:r="http://schemas.openxmlformats.org/officeDocument/2006/relationships" xmlns:p="http://schemas.openxmlformats.org/presentationml/2006/main">
-  <p:cSld>
-    <p:spTree>
-      <p:nvGrpSpPr>
-        <p:cNvPr id="1" name=""/>
-        <p:cNvGrpSpPr/>
-        <p:nvPr/>
-      </p:nvGrpSpPr>
-      <p:grpSpPr>
-        <a:xfrm>
-          <a:off x="0" y="0"/>
-          <a:ext cx="0" cy="0"/>
-          <a:chOff x="0" y="0"/>
-          <a:chExt cx="0" cy="0"/>
-        </a:xfrm>
-      </p:grpSpPr>
-      <p:sp>
-        <p:nvSpPr>
-          <p:cNvPr id="2" name="Title 1"/>
-          <p:cNvSpPr>
-            <a:spLocks noGrp="1"/>
-          </p:cNvSpPr>
-          <p:nvPr>
-            <p:ph type="title"/>
-          </p:nvPr>
-        </p:nvSpPr>
-        <p:spPr/>
-        <p:txBody>
-          <a:bodyPr/>
-          <a:lstStyle/>
-          <a:p>
-            <a:r>
               <a:rPr lang="en-US" smtClean="0"/>
               <a:t>RESTful Services</a:t>
             </a:r>
@@ -8961,7 +8674,7 @@
 </p:sld>
 </file>
 
-<file path=ppt/slides/slide9.xml><?xml version="1.0" encoding="utf-8"?>
+<file path=ppt/slides/slide8.xml><?xml version="1.0" encoding="utf-8"?>
 <p:sld xmlns:a="http://schemas.openxmlformats.org/drawingml/2006/main" xmlns:r="http://schemas.openxmlformats.org/officeDocument/2006/relationships" xmlns:p="http://schemas.openxmlformats.org/presentationml/2006/main">
   <p:cSld>
     <p:spTree>
@@ -9069,6 +8782,269 @@
     <p:extLst>
       <p:ext uri="{BB962C8B-B14F-4D97-AF65-F5344CB8AC3E}">
         <p14:creationId xmlns:p14="http://schemas.microsoft.com/office/powerpoint/2010/main" val="2861017408"/>
+      </p:ext>
+    </p:extLst>
+  </p:cSld>
+  <p:clrMapOvr>
+    <a:masterClrMapping/>
+  </p:clrMapOvr>
+</p:sld>
+</file>
+
+<file path=ppt/slides/slide9.xml><?xml version="1.0" encoding="utf-8"?>
+<p:sld xmlns:a="http://schemas.openxmlformats.org/drawingml/2006/main" xmlns:r="http://schemas.openxmlformats.org/officeDocument/2006/relationships" xmlns:p="http://schemas.openxmlformats.org/presentationml/2006/main">
+  <p:cSld>
+    <p:spTree>
+      <p:nvGrpSpPr>
+        <p:cNvPr id="1" name=""/>
+        <p:cNvGrpSpPr/>
+        <p:nvPr/>
+      </p:nvGrpSpPr>
+      <p:grpSpPr>
+        <a:xfrm>
+          <a:off x="0" y="0"/>
+          <a:ext cx="0" cy="0"/>
+          <a:chOff x="0" y="0"/>
+          <a:chExt cx="0" cy="0"/>
+        </a:xfrm>
+      </p:grpSpPr>
+      <p:sp>
+        <p:nvSpPr>
+          <p:cNvPr id="2" name="Title 1"/>
+          <p:cNvSpPr>
+            <a:spLocks noGrp="1"/>
+          </p:cNvSpPr>
+          <p:nvPr>
+            <p:ph type="title"/>
+          </p:nvPr>
+        </p:nvSpPr>
+        <p:spPr/>
+        <p:txBody>
+          <a:bodyPr/>
+          <a:lstStyle/>
+          <a:p>
+            <a:r>
+              <a:rPr lang="en-US" dirty="0" smtClean="0"/>
+              <a:t>Routing</a:t>
+            </a:r>
+            <a:endParaRPr lang="en-US" dirty="0"/>
+          </a:p>
+        </p:txBody>
+      </p:sp>
+      <p:sp>
+        <p:nvSpPr>
+          <p:cNvPr id="3" name="Content Placeholder 2"/>
+          <p:cNvSpPr>
+            <a:spLocks noGrp="1"/>
+          </p:cNvSpPr>
+          <p:nvPr>
+            <p:ph sz="quarter" idx="10"/>
+          </p:nvPr>
+        </p:nvSpPr>
+        <p:spPr/>
+        <p:txBody>
+          <a:bodyPr/>
+          <a:lstStyle/>
+          <a:p>
+            <a:r>
+              <a:rPr lang="en-US" dirty="0" smtClean="0"/>
+              <a:t>Um Web API Requests </a:t>
+            </a:r>
+            <a:r>
+              <a:rPr lang="en-US" dirty="0" err="1" smtClean="0"/>
+              <a:t>zu</a:t>
+            </a:r>
+            <a:r>
+              <a:rPr lang="en-US" dirty="0" smtClean="0"/>
+              <a:t> </a:t>
+            </a:r>
+            <a:r>
+              <a:rPr lang="en-US" dirty="0" err="1" smtClean="0"/>
+              <a:t>verarbeiten</a:t>
+            </a:r>
+            <a:r>
+              <a:rPr lang="en-US" dirty="0" smtClean="0"/>
+              <a:t>, </a:t>
+            </a:r>
+            <a:r>
+              <a:rPr lang="en-US" dirty="0" err="1" smtClean="0"/>
+              <a:t>lassen</a:t>
+            </a:r>
+            <a:r>
+              <a:rPr lang="en-US" dirty="0" smtClean="0"/>
+              <a:t> </a:t>
+            </a:r>
+            <a:r>
+              <a:rPr lang="en-US" dirty="0" err="1" smtClean="0"/>
+              <a:t>sich</a:t>
+            </a:r>
+            <a:r>
+              <a:rPr lang="en-US" dirty="0" smtClean="0"/>
+              <a:t> Controller-</a:t>
+            </a:r>
+            <a:r>
+              <a:rPr lang="en-US" dirty="0" err="1" smtClean="0"/>
+              <a:t>Namen</a:t>
+            </a:r>
+            <a:r>
+              <a:rPr lang="en-US" dirty="0" smtClean="0"/>
+              <a:t> und Naming Conventions </a:t>
+            </a:r>
+            <a:r>
+              <a:rPr lang="en-US" dirty="0" err="1" smtClean="0"/>
+              <a:t>nutzen</a:t>
+            </a:r>
+            <a:endParaRPr lang="en-US" dirty="0" smtClean="0"/>
+          </a:p>
+          <a:p>
+            <a:r>
+              <a:rPr lang="en-US" dirty="0" err="1" smtClean="0"/>
+              <a:t>Alternativ</a:t>
+            </a:r>
+            <a:r>
+              <a:rPr lang="en-US" dirty="0" smtClean="0"/>
+              <a:t> </a:t>
+            </a:r>
+            <a:r>
+              <a:rPr lang="en-US" dirty="0" err="1" smtClean="0"/>
+              <a:t>lässt</a:t>
+            </a:r>
+            <a:r>
+              <a:rPr lang="en-US" dirty="0" smtClean="0"/>
+              <a:t> </a:t>
+            </a:r>
+            <a:r>
+              <a:rPr lang="en-US" dirty="0" err="1" smtClean="0"/>
+              <a:t>sich</a:t>
+            </a:r>
+            <a:r>
+              <a:rPr lang="en-US" dirty="0" smtClean="0"/>
+              <a:t> das Mapping </a:t>
+            </a:r>
+            <a:r>
+              <a:rPr lang="en-US" dirty="0" err="1" smtClean="0"/>
+              <a:t>auch</a:t>
+            </a:r>
+            <a:r>
+              <a:rPr lang="en-US" dirty="0" smtClean="0"/>
+              <a:t> </a:t>
+            </a:r>
+            <a:r>
+              <a:rPr lang="en-US" dirty="0" err="1" smtClean="0"/>
+              <a:t>über</a:t>
+            </a:r>
+            <a:r>
+              <a:rPr lang="en-US" dirty="0" smtClean="0"/>
+              <a:t> </a:t>
+            </a:r>
+            <a:r>
+              <a:rPr lang="en-US" dirty="0" err="1" smtClean="0"/>
+              <a:t>folgende</a:t>
+            </a:r>
+            <a:r>
+              <a:rPr lang="en-US" dirty="0" smtClean="0"/>
+              <a:t> Attribute </a:t>
+            </a:r>
+            <a:r>
+              <a:rPr lang="en-US" dirty="0" err="1" smtClean="0"/>
+              <a:t>beeinflussen</a:t>
+            </a:r>
+            <a:r>
+              <a:rPr lang="en-US" dirty="0" smtClean="0"/>
+              <a:t>:</a:t>
+            </a:r>
+            <a:endParaRPr lang="en-US" dirty="0"/>
+          </a:p>
+          <a:p>
+            <a:pPr lvl="1"/>
+            <a:r>
+              <a:rPr lang="en-US" dirty="0" smtClean="0"/>
+              <a:t>Die </a:t>
+            </a:r>
+            <a:r>
+              <a:rPr lang="en-US" b="1" dirty="0" err="1" smtClean="0"/>
+              <a:t>HttpGet</a:t>
+            </a:r>
+            <a:r>
+              <a:rPr lang="en-US" dirty="0"/>
+              <a:t>, </a:t>
+            </a:r>
+            <a:r>
+              <a:rPr lang="en-US" b="1" dirty="0" err="1"/>
+              <a:t>HttpPut</a:t>
+            </a:r>
+            <a:r>
+              <a:rPr lang="en-US" dirty="0"/>
+              <a:t>, </a:t>
+            </a:r>
+            <a:r>
+              <a:rPr lang="en-US" b="1" dirty="0" err="1"/>
+              <a:t>HttpPost</a:t>
+            </a:r>
+            <a:r>
+              <a:rPr lang="en-US" dirty="0"/>
+              <a:t>, </a:t>
+            </a:r>
+            <a:r>
+              <a:rPr lang="en-US" dirty="0" err="1" smtClean="0"/>
+              <a:t>oder</a:t>
+            </a:r>
+            <a:r>
+              <a:rPr lang="en-US" dirty="0" smtClean="0"/>
+              <a:t> </a:t>
+            </a:r>
+            <a:r>
+              <a:rPr lang="en-US" b="1" dirty="0" err="1" smtClean="0"/>
+              <a:t>HttpDelete</a:t>
+            </a:r>
+            <a:r>
+              <a:rPr lang="en-US" dirty="0" smtClean="0"/>
+              <a:t> Attribute</a:t>
+            </a:r>
+            <a:endParaRPr lang="en-US" dirty="0"/>
+          </a:p>
+          <a:p>
+            <a:pPr lvl="1"/>
+            <a:r>
+              <a:rPr lang="en-US" dirty="0" smtClean="0"/>
+              <a:t>Das </a:t>
+            </a:r>
+            <a:r>
+              <a:rPr lang="en-US" b="1" dirty="0" smtClean="0"/>
+              <a:t>Route </a:t>
+            </a:r>
+            <a:r>
+              <a:rPr lang="en-US" dirty="0" err="1" smtClean="0"/>
+              <a:t>Attribut</a:t>
+            </a:r>
+            <a:endParaRPr lang="en-US" dirty="0"/>
+          </a:p>
+          <a:p>
+            <a:pPr lvl="1"/>
+            <a:r>
+              <a:rPr lang="en-US" dirty="0" smtClean="0"/>
+              <a:t>Das </a:t>
+            </a:r>
+            <a:r>
+              <a:rPr lang="en-US" b="1" dirty="0" err="1" smtClean="0"/>
+              <a:t>ActionName</a:t>
+            </a:r>
+            <a:r>
+              <a:rPr lang="en-US" dirty="0" smtClean="0"/>
+              <a:t> </a:t>
+            </a:r>
+            <a:r>
+              <a:rPr lang="en-US" dirty="0" err="1" smtClean="0"/>
+              <a:t>Attribut</a:t>
+            </a:r>
+            <a:endParaRPr lang="en-US" dirty="0"/>
+          </a:p>
+        </p:txBody>
+      </p:sp>
+    </p:spTree>
+    <p:extLst>
+      <p:ext uri="{BB962C8B-B14F-4D97-AF65-F5344CB8AC3E}">
+        <p14:creationId xmlns:p14="http://schemas.microsoft.com/office/powerpoint/2010/main" val="2505954915"/>
       </p:ext>
     </p:extLst>
   </p:cSld>

--- a/05. ASP.NET Web API/Entwicklung einer Schnittstelle mit ASP.NET Web API.pptx
+++ b/05. ASP.NET Web API/Entwicklung einer Schnittstelle mit ASP.NET Web API.pptx
@@ -20,7 +20,7 @@
     <p:sldId id="396" r:id="rId8"/>
     <p:sldId id="398" r:id="rId9"/>
     <p:sldId id="395" r:id="rId10"/>
-    <p:sldId id="397" r:id="rId11"/>
+    <p:sldId id="401" r:id="rId11"/>
     <p:sldId id="393" r:id="rId12"/>
     <p:sldId id="400" r:id="rId13"/>
     <p:sldId id="290" r:id="rId14"/>
@@ -308,7 +308,7 @@
               <a:pPr>
                 <a:defRPr/>
               </a:pPr>
-              <a:t>03.03.2017</a:t>
+              <a:t>23.08.2017</a:t>
             </a:fld>
             <a:endParaRPr lang="de-DE" dirty="0"/>
           </a:p>
@@ -507,7 +507,7 @@
               <a:pPr>
                 <a:defRPr/>
               </a:pPr>
-              <a:t>2017-03-03</a:t>
+              <a:t>2017-08-23</a:t>
             </a:fld>
             <a:endParaRPr lang="sv-SE"/>
           </a:p>
@@ -1117,66 +1117,11 @@
                 <a:spcPts val="1000"/>
               </a:spcAft>
             </a:pPr>
-            <a:r>
-              <a:rPr lang="en-US" sz="1000" b="1" dirty="0">
-                <a:latin typeface="Arial"/>
-                <a:ea typeface="Calibri"/>
-                <a:cs typeface="Times New Roman"/>
-              </a:rPr>
-              <a:t>Question</a:t>
-            </a:r>
-            <a:r>
-              <a:rPr lang="en-US" sz="1000" dirty="0">
-                <a:latin typeface="Arial"/>
-                <a:ea typeface="Calibri"/>
-                <a:cs typeface="Times New Roman"/>
-              </a:rPr>
-              <a:t>: What is the key benefit of using REST with Web APIs?</a:t>
-            </a:r>
-          </a:p>
-          <a:p>
-            <a:pPr>
-              <a:lnSpc>
-                <a:spcPct val="115000"/>
-              </a:lnSpc>
-              <a:spcAft>
-                <a:spcPts val="1000"/>
-              </a:spcAft>
-            </a:pPr>
-            <a:r>
-              <a:rPr lang="en-US" sz="1000" b="1" dirty="0">
-                <a:latin typeface="Arial"/>
-                <a:ea typeface="Calibri"/>
-                <a:cs typeface="Times New Roman"/>
-              </a:rPr>
-              <a:t>Answer</a:t>
-            </a:r>
-            <a:r>
-              <a:rPr lang="en-US" sz="1000" dirty="0">
-                <a:latin typeface="Arial"/>
-                <a:ea typeface="Calibri"/>
-                <a:cs typeface="Times New Roman"/>
-              </a:rPr>
-              <a:t>: REST helps minimize data transfers between the client system and the server, thereby making it ideal for mobile applications. Web API provides the framework for developers to build API access with a lot less effort</a:t>
-            </a:r>
-          </a:p>
-          <a:p>
-            <a:pPr>
-              <a:lnSpc>
-                <a:spcPct val="115000"/>
-              </a:lnSpc>
-              <a:spcAft>
-                <a:spcPts val="1000"/>
-              </a:spcAft>
-            </a:pPr>
-            <a:r>
-              <a:rPr lang="en-US" sz="1000" dirty="0">
-                <a:latin typeface="Arial"/>
-                <a:ea typeface="Calibri"/>
-                <a:cs typeface="Times New Roman"/>
-              </a:rPr>
-              <a:t>Developers can use REST for interactions between server and mobile applications. For applications that require complex interactions, developers can use Windows Communication Foundation (WCF), instead of REST, because WCF supports additional functionalities such as sending attachments.</a:t>
-            </a:r>
+            <a:endParaRPr lang="en-US" sz="1000" dirty="0">
+              <a:latin typeface="Arial"/>
+              <a:ea typeface="Calibri"/>
+              <a:cs typeface="Times New Roman"/>
+            </a:endParaRPr>
           </a:p>
         </p:txBody>
       </p:sp>
@@ -1608,115 +1553,7 @@
                 <a:spcPts val="1000"/>
               </a:spcAft>
             </a:pPr>
-            <a:r>
-              <a:rPr lang="en-US" sz="1000" b="1">
-                <a:latin typeface="Arial"/>
-                <a:ea typeface="Calibri"/>
-                <a:cs typeface="Times New Roman"/>
-              </a:rPr>
-              <a:t>Question</a:t>
-            </a:r>
-            <a:r>
-              <a:rPr lang="en-US" sz="1000">
-                <a:latin typeface="Arial"/>
-                <a:ea typeface="Calibri"/>
-                <a:cs typeface="Times New Roman"/>
-              </a:rPr>
-              <a:t>: What is the purpose of using the HTTP attributes?</a:t>
-            </a:r>
-          </a:p>
-          <a:p>
-            <a:pPr>
-              <a:lnSpc>
-                <a:spcPct val="115000"/>
-              </a:lnSpc>
-              <a:spcAft>
-                <a:spcPts val="1000"/>
-              </a:spcAft>
-            </a:pPr>
-            <a:r>
-              <a:rPr lang="en-US" sz="1000" b="1">
-                <a:latin typeface="Arial"/>
-                <a:ea typeface="Calibri"/>
-                <a:cs typeface="Times New Roman"/>
-              </a:rPr>
-              <a:t>Answer</a:t>
-            </a:r>
-            <a:r>
-              <a:rPr lang="en-US" sz="1000">
-                <a:latin typeface="Arial"/>
-                <a:ea typeface="Calibri"/>
-                <a:cs typeface="Times New Roman"/>
-              </a:rPr>
-              <a:t>: The attributes help control the routing and mapping between HTTP requests and action functions in the MVC controller.</a:t>
-            </a:r>
-          </a:p>
-          <a:p>
-            <a:pPr>
-              <a:lnSpc>
-                <a:spcPct val="115000"/>
-              </a:lnSpc>
-              <a:spcAft>
-                <a:spcPts val="1000"/>
-              </a:spcAft>
-            </a:pPr>
-            <a:r>
-              <a:rPr lang="en-US" sz="1000" smtClean="0">
-                <a:latin typeface="Arial"/>
-                <a:ea typeface="Times New Roman"/>
-                <a:cs typeface="Times New Roman"/>
-              </a:rPr>
-              <a:t>You can describe how you can combine the attributes together. For example, you can use </a:t>
-            </a:r>
-            <a:r>
-              <a:rPr lang="en-US" sz="1000" b="1" smtClean="0">
-                <a:latin typeface="Arial"/>
-                <a:ea typeface="Times New Roman"/>
-                <a:cs typeface="Times New Roman"/>
-              </a:rPr>
-              <a:t>HttpGet</a:t>
-            </a:r>
-            <a:r>
-              <a:rPr lang="en-US" sz="1000" smtClean="0">
-                <a:latin typeface="Arial"/>
-                <a:ea typeface="Times New Roman"/>
-                <a:cs typeface="Times New Roman"/>
-              </a:rPr>
-              <a:t> together with </a:t>
-            </a:r>
-            <a:r>
-              <a:rPr lang="en-US" sz="1000" b="1" smtClean="0">
-                <a:latin typeface="Arial"/>
-                <a:ea typeface="Times New Roman"/>
-                <a:cs typeface="Times New Roman"/>
-              </a:rPr>
-              <a:t>ActionName</a:t>
-            </a:r>
-            <a:r>
-              <a:rPr lang="en-US" sz="1000" smtClean="0">
-                <a:latin typeface="Arial"/>
-                <a:ea typeface="Times New Roman"/>
-                <a:cs typeface="Times New Roman"/>
-              </a:rPr>
-              <a:t> to map the action to the </a:t>
-            </a:r>
-            <a:r>
-              <a:rPr lang="en-US" sz="1000" b="1" smtClean="0">
-                <a:latin typeface="Arial"/>
-                <a:ea typeface="Times New Roman"/>
-                <a:cs typeface="Times New Roman"/>
-              </a:rPr>
-              <a:t>GET</a:t>
-            </a:r>
-            <a:r>
-              <a:rPr lang="en-US" sz="1000" smtClean="0">
-                <a:latin typeface="Arial"/>
-                <a:ea typeface="Times New Roman"/>
-                <a:cs typeface="Times New Roman"/>
-              </a:rPr>
-              <a:t> method by using the specified action name.</a:t>
-            </a:r>
-            <a:endParaRPr lang="en-US" sz="1000">
+            <a:endParaRPr lang="en-US" sz="1000" dirty="0">
               <a:latin typeface="Arial"/>
               <a:ea typeface="Times New Roman"/>
               <a:cs typeface="Times New Roman"/>
@@ -1939,66 +1776,11 @@
                 <a:spcPts val="1000"/>
               </a:spcAft>
             </a:pPr>
-            <a:r>
-              <a:rPr lang="en-US" sz="1000" b="1">
-                <a:latin typeface="Arial"/>
-                <a:ea typeface="Calibri"/>
-                <a:cs typeface="Times New Roman"/>
-              </a:rPr>
-              <a:t>Question</a:t>
-            </a:r>
-            <a:r>
-              <a:rPr lang="en-US" sz="1000">
-                <a:latin typeface="Arial"/>
-                <a:ea typeface="Calibri"/>
-                <a:cs typeface="Times New Roman"/>
-              </a:rPr>
-              <a:t>: What is the key benefit of using the routing map?</a:t>
-            </a:r>
-          </a:p>
-          <a:p>
-            <a:pPr>
-              <a:lnSpc>
-                <a:spcPct val="115000"/>
-              </a:lnSpc>
-              <a:spcAft>
-                <a:spcPts val="1000"/>
-              </a:spcAft>
-            </a:pPr>
-            <a:r>
-              <a:rPr lang="en-US" sz="1000" b="1">
-                <a:latin typeface="Arial"/>
-                <a:ea typeface="Calibri"/>
-                <a:cs typeface="Times New Roman"/>
-              </a:rPr>
-              <a:t>Answer</a:t>
-            </a:r>
-            <a:r>
-              <a:rPr lang="en-US" sz="1000">
-                <a:latin typeface="Arial"/>
-                <a:ea typeface="Calibri"/>
-                <a:cs typeface="Times New Roman"/>
-              </a:rPr>
-              <a:t>: The routing map enables you to map the action functions to the HTTP method and URL combination.</a:t>
-            </a:r>
-          </a:p>
-          <a:p>
-            <a:pPr>
-              <a:lnSpc>
-                <a:spcPct val="115000"/>
-              </a:lnSpc>
-              <a:spcAft>
-                <a:spcPts val="1000"/>
-              </a:spcAft>
-            </a:pPr>
-            <a:r>
-              <a:rPr lang="en-US" sz="1000">
-                <a:latin typeface="Arial"/>
-                <a:ea typeface="Calibri"/>
-                <a:cs typeface="Times New Roman"/>
-              </a:rPr>
-              <a:t>You can provide some real-world examples on how developers modify the routing table, when they include multiple versions of the API. But, this is often not required in most applications.</a:t>
-            </a:r>
+            <a:endParaRPr lang="en-US" sz="1000" dirty="0">
+              <a:latin typeface="Arial"/>
+              <a:ea typeface="Times New Roman"/>
+              <a:cs typeface="Times New Roman"/>
+            </a:endParaRPr>
           </a:p>
         </p:txBody>
       </p:sp>
@@ -2143,7 +1925,7 @@
     </p:spTree>
     <p:extLst>
       <p:ext uri="{BB962C8B-B14F-4D97-AF65-F5344CB8AC3E}">
-        <p14:creationId xmlns:p14="http://schemas.microsoft.com/office/powerpoint/2010/main" val="3769584604"/>
+        <p14:creationId xmlns:p14="http://schemas.microsoft.com/office/powerpoint/2010/main" val="4011492239"/>
       </p:ext>
     </p:extLst>
   </p:cSld>
@@ -6026,21 +5808,22 @@
           <a:lstStyle/>
           <a:p>
             <a:r>
-              <a:rPr lang="en-US" dirty="0" err="1"/>
-              <a:t>Routen</a:t>
-            </a:r>
-            <a:r>
-              <a:rPr lang="en-US" dirty="0"/>
-              <a:t> und Controller in </a:t>
-            </a:r>
-            <a:r>
-              <a:rPr lang="en-US" dirty="0" err="1"/>
-              <a:t>einer</a:t>
-            </a:r>
-            <a:r>
-              <a:rPr lang="en-US" dirty="0"/>
-              <a:t> Web API</a:t>
-            </a:r>
+              <a:rPr lang="en-US" dirty="0" smtClean="0"/>
+              <a:t>2.1 ASP.NET Web </a:t>
+            </a:r>
+            <a:r>
+              <a:rPr lang="en-US" dirty="0" err="1" smtClean="0"/>
+              <a:t>Api</a:t>
+            </a:r>
+            <a:r>
+              <a:rPr lang="en-US" dirty="0" smtClean="0"/>
+              <a:t>: Controller und </a:t>
+            </a:r>
+            <a:r>
+              <a:rPr lang="en-US" dirty="0" smtClean="0"/>
+              <a:t>Routing</a:t>
+            </a:r>
+            <a:endParaRPr lang="en-US" dirty="0"/>
           </a:p>
         </p:txBody>
       </p:sp>
@@ -6054,18 +5837,23 @@
             <p:ph sz="quarter" idx="10"/>
           </p:nvPr>
         </p:nvSpPr>
-        <p:spPr/>
+        <p:spPr>
+          <a:xfrm>
+            <a:off x="379364" y="1388547"/>
+            <a:ext cx="6383588" cy="5291613"/>
+          </a:xfrm>
+        </p:spPr>
         <p:txBody>
           <a:bodyPr/>
           <a:lstStyle/>
           <a:p>
             <a:r>
               <a:rPr lang="en-US" dirty="0" smtClean="0"/>
-              <a:t>ASP.NET </a:t>
+              <a:t>Framework </a:t>
             </a:r>
             <a:r>
               <a:rPr lang="en-US" dirty="0" err="1" smtClean="0"/>
-              <a:t>fügt</a:t>
+              <a:t>zum</a:t>
             </a:r>
             <a:r>
               <a:rPr lang="en-US" dirty="0" smtClean="0"/>
@@ -6073,27 +5861,17 @@
             </a:r>
             <a:r>
               <a:rPr lang="en-US" dirty="0" err="1" smtClean="0"/>
-              <a:t>eine</a:t>
-            </a:r>
-            <a:r>
-              <a:rPr lang="en-US" dirty="0"/>
-              <a:t> </a:t>
+              <a:t>Entwickeln</a:t>
             </a:r>
             <a:r>
               <a:rPr lang="en-US" dirty="0" smtClean="0"/>
-              <a:t>Default-Route </a:t>
-            </a:r>
+              <a:t> von REST APIs</a:t>
+            </a:r>
+          </a:p>
+          <a:p>
             <a:r>
               <a:rPr lang="en-US" dirty="0" err="1" smtClean="0"/>
-              <a:t>hinzu</a:t>
-            </a:r>
-            <a:endParaRPr lang="en-US" dirty="0"/>
-          </a:p>
-          <a:p>
-            <a:pPr lvl="2"/>
-            <a:r>
-              <a:rPr lang="en-US" dirty="0" err="1" smtClean="0"/>
-              <a:t>Ordnet</a:t>
+              <a:t>ApiController</a:t>
             </a:r>
             <a:r>
               <a:rPr lang="en-US" dirty="0" smtClean="0"/>
@@ -6101,7 +5879,65 @@
             </a:r>
             <a:r>
               <a:rPr lang="en-US" dirty="0" err="1" smtClean="0"/>
-              <a:t>eine</a:t>
+              <a:t>verarbeiten</a:t>
+            </a:r>
+            <a:r>
+              <a:rPr lang="en-US" dirty="0" smtClean="0"/>
+              <a:t> REST Requests </a:t>
+            </a:r>
+            <a:br>
+              <a:rPr lang="en-US" dirty="0" smtClean="0"/>
+            </a:br>
+            <a:r>
+              <a:rPr lang="en-US" sz="1600" dirty="0" smtClean="0"/>
+              <a:t>(</a:t>
+            </a:r>
+            <a:r>
+              <a:rPr lang="en-US" sz="1600" dirty="0" err="1" smtClean="0"/>
+              <a:t>ähnlich</a:t>
+            </a:r>
+            <a:r>
+              <a:rPr lang="en-US" sz="1600" dirty="0" smtClean="0"/>
+              <a:t> </a:t>
+            </a:r>
+            <a:r>
+              <a:rPr lang="en-US" sz="1600" dirty="0" err="1" smtClean="0"/>
+              <a:t>zu</a:t>
+            </a:r>
+            <a:r>
+              <a:rPr lang="en-US" sz="1600" dirty="0" smtClean="0"/>
+              <a:t> MVC </a:t>
+            </a:r>
+            <a:r>
+              <a:rPr lang="en-US" sz="1600" dirty="0" err="1" smtClean="0"/>
+              <a:t>Controllern</a:t>
+            </a:r>
+            <a:r>
+              <a:rPr lang="en-US" sz="1600" dirty="0" smtClean="0"/>
+              <a:t>)</a:t>
+            </a:r>
+            <a:endParaRPr lang="en-US" dirty="0" smtClean="0"/>
+          </a:p>
+          <a:p>
+            <a:r>
+              <a:rPr lang="en-US" dirty="0" err="1" smtClean="0"/>
+              <a:t>Für</a:t>
+            </a:r>
+            <a:r>
+              <a:rPr lang="en-US" dirty="0" smtClean="0"/>
+              <a:t> die </a:t>
+            </a:r>
+            <a:r>
+              <a:rPr lang="en-US" dirty="0" err="1" smtClean="0"/>
+              <a:t>Ansteuerung</a:t>
+            </a:r>
+            <a:r>
+              <a:rPr lang="en-US" dirty="0" smtClean="0"/>
+              <a:t> der </a:t>
+            </a:r>
+            <a:r>
+              <a:rPr lang="en-US" dirty="0" err="1" smtClean="0"/>
+              <a:t>Methoden</a:t>
             </a:r>
             <a:r>
               <a:rPr lang="en-US" dirty="0" smtClean="0"/>
@@ -6109,7 +5945,7 @@
             </a:r>
             <a:r>
               <a:rPr lang="en-US" dirty="0" err="1" smtClean="0"/>
-              <a:t>Url</a:t>
+              <a:t>werden</a:t>
             </a:r>
             <a:r>
               <a:rPr lang="en-US" dirty="0" smtClean="0"/>
@@ -6117,34 +5953,7 @@
             </a:r>
             <a:r>
               <a:rPr lang="en-US" dirty="0" err="1" smtClean="0"/>
-              <a:t>einem</a:t>
-            </a:r>
-            <a:r>
-              <a:rPr lang="en-US" dirty="0" smtClean="0"/>
-              <a:t> Controller </a:t>
-            </a:r>
-            <a:r>
-              <a:rPr lang="en-US" dirty="0" err="1" smtClean="0"/>
-              <a:t>zu</a:t>
-            </a:r>
-            <a:endParaRPr lang="en-US" dirty="0"/>
-          </a:p>
-          <a:p>
-            <a:r>
-              <a:rPr lang="en-US" dirty="0" smtClean="0"/>
-              <a:t>Die </a:t>
-            </a:r>
-            <a:r>
-              <a:rPr lang="en-US" dirty="0" err="1"/>
-              <a:t>WebApiConfig</a:t>
-            </a:r>
-            <a:r>
-              <a:rPr lang="en-US" dirty="0"/>
-              <a:t> </a:t>
-            </a:r>
-            <a:r>
-              <a:rPr lang="en-US" dirty="0" err="1" smtClean="0"/>
-              <a:t>Klasse</a:t>
+              <a:t>Routen</a:t>
             </a:r>
             <a:r>
               <a:rPr lang="en-US" dirty="0" smtClean="0"/>
@@ -6152,128 +5961,751 @@
             </a:r>
             <a:r>
               <a:rPr lang="en-US" dirty="0" err="1" smtClean="0"/>
-              <a:t>lässt</a:t>
-            </a:r>
-            <a:r>
-              <a:rPr lang="en-US" dirty="0" smtClean="0"/>
+              <a:t>benötigt</a:t>
+            </a:r>
+            <a:endParaRPr lang="en-US" dirty="0" smtClean="0"/>
+          </a:p>
+          <a:p>
+            <a:pPr lvl="1"/>
+            <a:r>
+              <a:rPr lang="en-US" dirty="0" smtClean="0">
+                <a:solidFill>
+                  <a:schemeClr val="accent3"/>
+                </a:solidFill>
+              </a:rPr>
+              <a:t>Convention based Routing</a:t>
+            </a:r>
+          </a:p>
+          <a:p>
+            <a:pPr lvl="1"/>
+            <a:r>
+              <a:rPr lang="en-US" dirty="0" smtClean="0">
+                <a:solidFill>
+                  <a:schemeClr val="accent3"/>
+                </a:solidFill>
+              </a:rPr>
+              <a:t>Attribute based Routing</a:t>
+            </a:r>
+          </a:p>
+          <a:p>
+            <a:pPr lvl="1"/>
+            <a:r>
+              <a:rPr lang="en-US" dirty="0" err="1" smtClean="0">
+                <a:solidFill>
+                  <a:schemeClr val="accent3"/>
+                </a:solidFill>
+              </a:rPr>
+              <a:t>WebApiConfig</a:t>
+            </a:r>
+            <a:endParaRPr lang="en-US" dirty="0" smtClean="0">
+              <a:solidFill>
+                <a:schemeClr val="accent3"/>
+              </a:solidFill>
+            </a:endParaRPr>
+          </a:p>
+          <a:p>
+            <a:pPr lvl="1"/>
+            <a:endParaRPr lang="en-US" dirty="0">
+              <a:solidFill>
+                <a:schemeClr val="accent3"/>
+              </a:solidFill>
+            </a:endParaRPr>
+          </a:p>
+        </p:txBody>
+      </p:sp>
+      <p:sp>
+        <p:nvSpPr>
+          <p:cNvPr id="5" name="Rechteck 4"/>
+          <p:cNvSpPr/>
+          <p:nvPr/>
+        </p:nvSpPr>
+        <p:spPr>
+          <a:xfrm>
+            <a:off x="7395250" y="1700557"/>
+            <a:ext cx="4795163" cy="1200329"/>
+          </a:xfrm>
+          <a:prstGeom prst="rect">
+            <a:avLst/>
+          </a:prstGeom>
+        </p:spPr>
+        <p:txBody>
+          <a:bodyPr wrap="square">
+            <a:spAutoFit/>
+          </a:bodyPr>
+          <a:lstStyle/>
+          <a:p>
+            <a:r>
+              <a:rPr lang="de-DE" sz="1200" dirty="0" err="1">
+                <a:solidFill>
+                  <a:srgbClr val="0000FF"/>
+                </a:solidFill>
+                <a:latin typeface="Consolas" panose="020B0609020204030204" pitchFamily="49" charset="0"/>
+              </a:rPr>
+              <a:t>public</a:t>
+            </a:r>
+            <a:r>
+              <a:rPr lang="de-DE" sz="1200" dirty="0">
+                <a:solidFill>
+                  <a:srgbClr val="000000"/>
+                </a:solidFill>
+                <a:latin typeface="Consolas" panose="020B0609020204030204" pitchFamily="49" charset="0"/>
+              </a:rPr>
               <a:t> </a:t>
             </a:r>
             <a:r>
-              <a:rPr lang="en-US" dirty="0" err="1" smtClean="0"/>
-              <a:t>sich</a:t>
-            </a:r>
-            <a:r>
-              <a:rPr lang="en-US" dirty="0" smtClean="0"/>
+              <a:rPr lang="de-DE" sz="1200" dirty="0" err="1">
+                <a:solidFill>
+                  <a:srgbClr val="2B91AF"/>
+                </a:solidFill>
+                <a:latin typeface="Consolas" panose="020B0609020204030204" pitchFamily="49" charset="0"/>
+              </a:rPr>
+              <a:t>IEnumerable</a:t>
+            </a:r>
+            <a:r>
+              <a:rPr lang="de-DE" sz="1200" dirty="0">
+                <a:solidFill>
+                  <a:srgbClr val="000000"/>
+                </a:solidFill>
+                <a:latin typeface="Consolas" panose="020B0609020204030204" pitchFamily="49" charset="0"/>
+              </a:rPr>
+              <a:t>&lt;</a:t>
+            </a:r>
+            <a:r>
+              <a:rPr lang="de-DE" sz="1200" dirty="0" err="1">
+                <a:solidFill>
+                  <a:srgbClr val="2B91AF"/>
+                </a:solidFill>
+                <a:latin typeface="Consolas" panose="020B0609020204030204" pitchFamily="49" charset="0"/>
+              </a:rPr>
+              <a:t>PostDto</a:t>
+            </a:r>
+            <a:r>
+              <a:rPr lang="de-DE" sz="1200" dirty="0">
+                <a:solidFill>
+                  <a:srgbClr val="000000"/>
+                </a:solidFill>
+                <a:latin typeface="Consolas" panose="020B0609020204030204" pitchFamily="49" charset="0"/>
+              </a:rPr>
+              <a:t>&gt; </a:t>
+            </a:r>
+            <a:r>
+              <a:rPr lang="de-DE" sz="1200" dirty="0" err="1">
+                <a:solidFill>
+                  <a:srgbClr val="000000"/>
+                </a:solidFill>
+                <a:latin typeface="Consolas" panose="020B0609020204030204" pitchFamily="49" charset="0"/>
+              </a:rPr>
+              <a:t>Get</a:t>
+            </a:r>
+            <a:r>
+              <a:rPr lang="de-DE" sz="1200" dirty="0">
+                <a:solidFill>
+                  <a:srgbClr val="000000"/>
+                </a:solidFill>
+                <a:latin typeface="Consolas" panose="020B0609020204030204" pitchFamily="49" charset="0"/>
+              </a:rPr>
+              <a:t>()</a:t>
+            </a:r>
+          </a:p>
+          <a:p>
+            <a:r>
+              <a:rPr lang="de-DE" sz="1200" dirty="0">
+                <a:solidFill>
+                  <a:srgbClr val="000000"/>
+                </a:solidFill>
+                <a:latin typeface="Consolas" panose="020B0609020204030204" pitchFamily="49" charset="0"/>
+              </a:rPr>
+              <a:t>{</a:t>
+            </a:r>
+          </a:p>
+          <a:p>
+            <a:r>
+              <a:rPr lang="de-DE" sz="1200" dirty="0">
+                <a:solidFill>
+                  <a:srgbClr val="000000"/>
+                </a:solidFill>
+                <a:latin typeface="Consolas" panose="020B0609020204030204" pitchFamily="49" charset="0"/>
+              </a:rPr>
+              <a:t>    </a:t>
+            </a:r>
+            <a:r>
+              <a:rPr lang="de-DE" sz="1200" dirty="0" err="1">
+                <a:solidFill>
+                  <a:srgbClr val="0000FF"/>
+                </a:solidFill>
+                <a:latin typeface="Consolas" panose="020B0609020204030204" pitchFamily="49" charset="0"/>
+              </a:rPr>
+              <a:t>return</a:t>
+            </a:r>
+            <a:r>
+              <a:rPr lang="de-DE" sz="1200" dirty="0">
+                <a:solidFill>
+                  <a:srgbClr val="000000"/>
+                </a:solidFill>
+                <a:latin typeface="Consolas" panose="020B0609020204030204" pitchFamily="49" charset="0"/>
+              </a:rPr>
               <a:t> </a:t>
             </a:r>
             <a:r>
-              <a:rPr lang="en-US" dirty="0" err="1" smtClean="0"/>
-              <a:t>nutzen</a:t>
-            </a:r>
-            <a:r>
-              <a:rPr lang="en-US" dirty="0" smtClean="0"/>
-              <a:t> um</a:t>
-            </a:r>
-            <a:endParaRPr lang="en-US" dirty="0"/>
-          </a:p>
-          <a:p>
-            <a:pPr lvl="2"/>
-            <a:r>
-              <a:rPr lang="en-US" dirty="0" smtClean="0"/>
-              <a:t>Das Routing </a:t>
-            </a:r>
-            <a:r>
-              <a:rPr lang="en-US" dirty="0" err="1" smtClean="0"/>
-              <a:t>zu</a:t>
-            </a:r>
-            <a:r>
-              <a:rPr lang="en-US" dirty="0" smtClean="0"/>
+              <a:rPr lang="de-DE" sz="1200" dirty="0" err="1" smtClean="0">
+                <a:solidFill>
+                  <a:srgbClr val="0000FF"/>
+                </a:solidFill>
+                <a:latin typeface="Consolas" panose="020B0609020204030204" pitchFamily="49" charset="0"/>
+              </a:rPr>
+              <a:t>this</a:t>
+            </a:r>
+            <a:r>
+              <a:rPr lang="de-DE" sz="1200" dirty="0" err="1" smtClean="0">
+                <a:solidFill>
+                  <a:srgbClr val="000000"/>
+                </a:solidFill>
+                <a:latin typeface="Consolas" panose="020B0609020204030204" pitchFamily="49" charset="0"/>
+              </a:rPr>
+              <a:t>.db.Posts</a:t>
+            </a:r>
+            <a:endParaRPr lang="de-DE" sz="1200" dirty="0" smtClean="0">
+              <a:solidFill>
+                <a:srgbClr val="000000"/>
+              </a:solidFill>
+              <a:latin typeface="Consolas" panose="020B0609020204030204" pitchFamily="49" charset="0"/>
+            </a:endParaRPr>
+          </a:p>
+          <a:p>
+            <a:r>
+              <a:rPr lang="de-DE" sz="1200" dirty="0">
+                <a:solidFill>
+                  <a:srgbClr val="000000"/>
+                </a:solidFill>
+                <a:latin typeface="Consolas" panose="020B0609020204030204" pitchFamily="49" charset="0"/>
+              </a:rPr>
               <a:t> </a:t>
             </a:r>
             <a:r>
-              <a:rPr lang="en-US" dirty="0" err="1" smtClean="0"/>
-              <a:t>beeinflussen</a:t>
-            </a:r>
-            <a:endParaRPr lang="en-US" dirty="0"/>
-          </a:p>
-          <a:p>
-            <a:pPr lvl="2"/>
-            <a:r>
-              <a:rPr lang="en-US" dirty="0" err="1" smtClean="0"/>
-              <a:t>Verschiedene</a:t>
-            </a:r>
-            <a:r>
-              <a:rPr lang="en-US" dirty="0" smtClean="0"/>
+              <a:rPr lang="de-DE" sz="1200" dirty="0" smtClean="0">
+                <a:solidFill>
+                  <a:srgbClr val="000000"/>
+                </a:solidFill>
+                <a:latin typeface="Consolas" panose="020B0609020204030204" pitchFamily="49" charset="0"/>
+              </a:rPr>
+              <a:t>                 .</a:t>
+            </a:r>
+            <a:r>
+              <a:rPr lang="de-DE" sz="1200" dirty="0" err="1">
+                <a:solidFill>
+                  <a:srgbClr val="000000"/>
+                </a:solidFill>
+                <a:latin typeface="Consolas" panose="020B0609020204030204" pitchFamily="49" charset="0"/>
+              </a:rPr>
+              <a:t>ToList</a:t>
+            </a:r>
+            <a:r>
+              <a:rPr lang="de-DE" sz="1200" dirty="0" smtClean="0">
+                <a:solidFill>
+                  <a:srgbClr val="000000"/>
+                </a:solidFill>
+                <a:latin typeface="Consolas" panose="020B0609020204030204" pitchFamily="49" charset="0"/>
+              </a:rPr>
+              <a:t>()</a:t>
+            </a:r>
+          </a:p>
+          <a:p>
+            <a:r>
+              <a:rPr lang="de-DE" sz="1200" dirty="0">
+                <a:solidFill>
+                  <a:srgbClr val="000000"/>
+                </a:solidFill>
+                <a:latin typeface="Consolas" panose="020B0609020204030204" pitchFamily="49" charset="0"/>
+              </a:rPr>
               <a:t> </a:t>
             </a:r>
             <a:r>
-              <a:rPr lang="en-US" dirty="0" err="1" smtClean="0"/>
-              <a:t>Versionen</a:t>
-            </a:r>
-            <a:r>
-              <a:rPr lang="en-US" dirty="0" smtClean="0"/>
+              <a:rPr lang="de-DE" sz="1200" dirty="0" smtClean="0">
+                <a:solidFill>
+                  <a:srgbClr val="000000"/>
+                </a:solidFill>
+                <a:latin typeface="Consolas" panose="020B0609020204030204" pitchFamily="49" charset="0"/>
+              </a:rPr>
+              <a:t>                 .</a:t>
+            </a:r>
+            <a:r>
+              <a:rPr lang="de-DE" sz="1200" dirty="0">
+                <a:solidFill>
+                  <a:srgbClr val="000000"/>
+                </a:solidFill>
+                <a:latin typeface="Consolas" panose="020B0609020204030204" pitchFamily="49" charset="0"/>
+              </a:rPr>
+              <a:t>Select(p =&gt; </a:t>
+            </a:r>
+            <a:r>
+              <a:rPr lang="de-DE" sz="1200" dirty="0" err="1">
+                <a:solidFill>
+                  <a:srgbClr val="2B91AF"/>
+                </a:solidFill>
+                <a:latin typeface="Consolas" panose="020B0609020204030204" pitchFamily="49" charset="0"/>
+              </a:rPr>
+              <a:t>PostDto</a:t>
+            </a:r>
+            <a:r>
+              <a:rPr lang="de-DE" sz="1200" dirty="0" err="1">
+                <a:solidFill>
+                  <a:srgbClr val="000000"/>
+                </a:solidFill>
+                <a:latin typeface="Consolas" panose="020B0609020204030204" pitchFamily="49" charset="0"/>
+              </a:rPr>
+              <a:t>.Map</a:t>
+            </a:r>
+            <a:r>
+              <a:rPr lang="de-DE" sz="1200" dirty="0">
+                <a:solidFill>
+                  <a:srgbClr val="000000"/>
+                </a:solidFill>
+                <a:latin typeface="Consolas" panose="020B0609020204030204" pitchFamily="49" charset="0"/>
+              </a:rPr>
+              <a:t>(p));</a:t>
+            </a:r>
+          </a:p>
+          <a:p>
+            <a:r>
+              <a:rPr lang="de-DE" sz="1200" dirty="0">
+                <a:solidFill>
+                  <a:srgbClr val="000000"/>
+                </a:solidFill>
+                <a:latin typeface="Consolas" panose="020B0609020204030204" pitchFamily="49" charset="0"/>
+              </a:rPr>
+              <a:t>}</a:t>
+            </a:r>
+            <a:endParaRPr lang="de-DE" sz="1200" dirty="0"/>
+          </a:p>
+        </p:txBody>
+      </p:sp>
+      <p:sp>
+        <p:nvSpPr>
+          <p:cNvPr id="9" name="Rechteck 8"/>
+          <p:cNvSpPr/>
+          <p:nvPr/>
+        </p:nvSpPr>
+        <p:spPr>
+          <a:xfrm>
+            <a:off x="7395250" y="3249523"/>
+            <a:ext cx="6092825" cy="1569660"/>
+          </a:xfrm>
+          <a:prstGeom prst="rect">
+            <a:avLst/>
+          </a:prstGeom>
+        </p:spPr>
+        <p:txBody>
+          <a:bodyPr>
+            <a:spAutoFit/>
+          </a:bodyPr>
+          <a:lstStyle/>
+          <a:p>
+            <a:r>
+              <a:rPr lang="de-DE" sz="1200" dirty="0">
+                <a:solidFill>
+                  <a:srgbClr val="000000"/>
+                </a:solidFill>
+                <a:latin typeface="Consolas" panose="020B0609020204030204" pitchFamily="49" charset="0"/>
+              </a:rPr>
+              <a:t>[</a:t>
+            </a:r>
+            <a:r>
+              <a:rPr lang="de-DE" sz="1200" dirty="0">
+                <a:solidFill>
+                  <a:srgbClr val="2B91AF"/>
+                </a:solidFill>
+                <a:latin typeface="Consolas" panose="020B0609020204030204" pitchFamily="49" charset="0"/>
+              </a:rPr>
+              <a:t>Route</a:t>
+            </a:r>
+            <a:r>
+              <a:rPr lang="de-DE" sz="1200" dirty="0">
+                <a:solidFill>
+                  <a:srgbClr val="000000"/>
+                </a:solidFill>
+                <a:latin typeface="Consolas" panose="020B0609020204030204" pitchFamily="49" charset="0"/>
+              </a:rPr>
+              <a:t>(</a:t>
+            </a:r>
+            <a:r>
+              <a:rPr lang="de-DE" sz="1200" dirty="0">
+                <a:solidFill>
+                  <a:srgbClr val="A31515"/>
+                </a:solidFill>
+                <a:latin typeface="Consolas" panose="020B0609020204030204" pitchFamily="49" charset="0"/>
+              </a:rPr>
+              <a:t>"</a:t>
+            </a:r>
+            <a:r>
+              <a:rPr lang="de-DE" sz="1200" dirty="0" err="1">
+                <a:solidFill>
+                  <a:srgbClr val="A31515"/>
+                </a:solidFill>
+                <a:latin typeface="Consolas" panose="020B0609020204030204" pitchFamily="49" charset="0"/>
+              </a:rPr>
+              <a:t>api</a:t>
+            </a:r>
+            <a:r>
+              <a:rPr lang="de-DE" sz="1200" dirty="0">
+                <a:solidFill>
+                  <a:srgbClr val="A31515"/>
+                </a:solidFill>
+                <a:latin typeface="Consolas" panose="020B0609020204030204" pitchFamily="49" charset="0"/>
+              </a:rPr>
+              <a:t>/</a:t>
+            </a:r>
+            <a:r>
+              <a:rPr lang="de-DE" sz="1200" dirty="0" err="1">
+                <a:solidFill>
+                  <a:srgbClr val="A31515"/>
+                </a:solidFill>
+                <a:latin typeface="Consolas" panose="020B0609020204030204" pitchFamily="49" charset="0"/>
+              </a:rPr>
+              <a:t>posts</a:t>
+            </a:r>
+            <a:r>
+              <a:rPr lang="de-DE" sz="1200" dirty="0">
+                <a:solidFill>
+                  <a:srgbClr val="A31515"/>
+                </a:solidFill>
+                <a:latin typeface="Consolas" panose="020B0609020204030204" pitchFamily="49" charset="0"/>
+              </a:rPr>
+              <a:t>/</a:t>
+            </a:r>
+            <a:r>
+              <a:rPr lang="de-DE" sz="1200" dirty="0" err="1">
+                <a:solidFill>
+                  <a:srgbClr val="A31515"/>
+                </a:solidFill>
+                <a:latin typeface="Consolas" panose="020B0609020204030204" pitchFamily="49" charset="0"/>
+              </a:rPr>
+              <a:t>latest</a:t>
+            </a:r>
+            <a:r>
+              <a:rPr lang="de-DE" sz="1200" dirty="0">
+                <a:solidFill>
+                  <a:srgbClr val="A31515"/>
+                </a:solidFill>
+                <a:latin typeface="Consolas" panose="020B0609020204030204" pitchFamily="49" charset="0"/>
+              </a:rPr>
+              <a:t>"</a:t>
+            </a:r>
+            <a:r>
+              <a:rPr lang="de-DE" sz="1200" dirty="0">
+                <a:solidFill>
+                  <a:srgbClr val="000000"/>
+                </a:solidFill>
+                <a:latin typeface="Consolas" panose="020B0609020204030204" pitchFamily="49" charset="0"/>
+              </a:rPr>
+              <a:t>)]</a:t>
+            </a:r>
+          </a:p>
+          <a:p>
+            <a:r>
+              <a:rPr lang="de-DE" sz="1200" dirty="0" err="1">
+                <a:solidFill>
+                  <a:srgbClr val="0000FF"/>
+                </a:solidFill>
+                <a:latin typeface="Consolas" panose="020B0609020204030204" pitchFamily="49" charset="0"/>
+              </a:rPr>
+              <a:t>public</a:t>
+            </a:r>
+            <a:r>
+              <a:rPr lang="de-DE" sz="1200" dirty="0">
+                <a:solidFill>
+                  <a:srgbClr val="000000"/>
+                </a:solidFill>
+                <a:latin typeface="Consolas" panose="020B0609020204030204" pitchFamily="49" charset="0"/>
+              </a:rPr>
               <a:t> </a:t>
             </a:r>
             <a:r>
-              <a:rPr lang="en-US" dirty="0" err="1" smtClean="0"/>
-              <a:t>einer</a:t>
-            </a:r>
-            <a:r>
-              <a:rPr lang="en-US" dirty="0" smtClean="0"/>
+              <a:rPr lang="de-DE" sz="1200" dirty="0" err="1">
+                <a:solidFill>
+                  <a:srgbClr val="2B91AF"/>
+                </a:solidFill>
+                <a:latin typeface="Consolas" panose="020B0609020204030204" pitchFamily="49" charset="0"/>
+              </a:rPr>
+              <a:t>IEnumerable</a:t>
+            </a:r>
+            <a:r>
+              <a:rPr lang="de-DE" sz="1200" dirty="0">
+                <a:solidFill>
+                  <a:srgbClr val="000000"/>
+                </a:solidFill>
+                <a:latin typeface="Consolas" panose="020B0609020204030204" pitchFamily="49" charset="0"/>
+              </a:rPr>
+              <a:t>&lt;</a:t>
+            </a:r>
+            <a:r>
+              <a:rPr lang="de-DE" sz="1200" dirty="0" err="1">
+                <a:solidFill>
+                  <a:srgbClr val="2B91AF"/>
+                </a:solidFill>
+                <a:latin typeface="Consolas" panose="020B0609020204030204" pitchFamily="49" charset="0"/>
+              </a:rPr>
+              <a:t>PostDto</a:t>
+            </a:r>
+            <a:r>
+              <a:rPr lang="de-DE" sz="1200" dirty="0">
+                <a:solidFill>
+                  <a:srgbClr val="000000"/>
+                </a:solidFill>
+                <a:latin typeface="Consolas" panose="020B0609020204030204" pitchFamily="49" charset="0"/>
+              </a:rPr>
+              <a:t>&gt; </a:t>
+            </a:r>
+            <a:r>
+              <a:rPr lang="de-DE" sz="1200" dirty="0" err="1">
+                <a:solidFill>
+                  <a:srgbClr val="000000"/>
+                </a:solidFill>
+                <a:latin typeface="Consolas" panose="020B0609020204030204" pitchFamily="49" charset="0"/>
+              </a:rPr>
+              <a:t>GetLatest</a:t>
+            </a:r>
+            <a:r>
+              <a:rPr lang="de-DE" sz="1200" dirty="0">
+                <a:solidFill>
+                  <a:srgbClr val="000000"/>
+                </a:solidFill>
+                <a:latin typeface="Consolas" panose="020B0609020204030204" pitchFamily="49" charset="0"/>
+              </a:rPr>
+              <a:t>()</a:t>
+            </a:r>
+          </a:p>
+          <a:p>
+            <a:r>
+              <a:rPr lang="de-DE" sz="1200" dirty="0">
+                <a:solidFill>
+                  <a:srgbClr val="000000"/>
+                </a:solidFill>
+                <a:latin typeface="Consolas" panose="020B0609020204030204" pitchFamily="49" charset="0"/>
+              </a:rPr>
+              <a:t>{</a:t>
+            </a:r>
+          </a:p>
+          <a:p>
+            <a:r>
+              <a:rPr lang="de-DE" sz="1200" dirty="0">
+                <a:solidFill>
+                  <a:srgbClr val="000000"/>
+                </a:solidFill>
+                <a:latin typeface="Consolas" panose="020B0609020204030204" pitchFamily="49" charset="0"/>
+              </a:rPr>
+              <a:t>    </a:t>
+            </a:r>
+            <a:r>
+              <a:rPr lang="de-DE" sz="1200" dirty="0" err="1">
+                <a:solidFill>
+                  <a:srgbClr val="0000FF"/>
+                </a:solidFill>
+                <a:latin typeface="Consolas" panose="020B0609020204030204" pitchFamily="49" charset="0"/>
+              </a:rPr>
+              <a:t>return</a:t>
+            </a:r>
+            <a:r>
+              <a:rPr lang="de-DE" sz="1200" dirty="0">
+                <a:solidFill>
+                  <a:srgbClr val="000000"/>
+                </a:solidFill>
+                <a:latin typeface="Consolas" panose="020B0609020204030204" pitchFamily="49" charset="0"/>
+              </a:rPr>
               <a:t> </a:t>
             </a:r>
             <a:r>
-              <a:rPr lang="en-US" dirty="0" err="1" smtClean="0"/>
-              <a:t>Api</a:t>
-            </a:r>
-            <a:r>
-              <a:rPr lang="en-US" dirty="0" smtClean="0"/>
+              <a:rPr lang="de-DE" sz="1200" dirty="0" err="1" smtClean="0">
+                <a:solidFill>
+                  <a:srgbClr val="0000FF"/>
+                </a:solidFill>
+                <a:latin typeface="Consolas" panose="020B0609020204030204" pitchFamily="49" charset="0"/>
+              </a:rPr>
+              <a:t>this</a:t>
+            </a:r>
+            <a:r>
+              <a:rPr lang="de-DE" sz="1200" dirty="0" err="1" smtClean="0">
+                <a:solidFill>
+                  <a:srgbClr val="000000"/>
+                </a:solidFill>
+                <a:latin typeface="Consolas" panose="020B0609020204030204" pitchFamily="49" charset="0"/>
+              </a:rPr>
+              <a:t>.db.Posts</a:t>
+            </a:r>
+            <a:endParaRPr lang="de-DE" sz="1200" dirty="0" smtClean="0">
+              <a:solidFill>
+                <a:srgbClr val="000000"/>
+              </a:solidFill>
+              <a:latin typeface="Consolas" panose="020B0609020204030204" pitchFamily="49" charset="0"/>
+            </a:endParaRPr>
+          </a:p>
+          <a:p>
+            <a:r>
+              <a:rPr lang="de-DE" sz="1200" dirty="0">
+                <a:solidFill>
+                  <a:srgbClr val="000000"/>
+                </a:solidFill>
+                <a:latin typeface="Consolas" panose="020B0609020204030204" pitchFamily="49" charset="0"/>
+              </a:rPr>
               <a:t> </a:t>
             </a:r>
             <a:r>
-              <a:rPr lang="en-US" dirty="0" err="1" smtClean="0"/>
-              <a:t>innerhalb</a:t>
-            </a:r>
-            <a:r>
-              <a:rPr lang="en-US" dirty="0" smtClean="0"/>
-              <a:t> des </a:t>
-            </a:r>
-            <a:r>
-              <a:rPr lang="en-US" dirty="0" err="1" smtClean="0"/>
-              <a:t>selbsten</a:t>
-            </a:r>
-            <a:r>
-              <a:rPr lang="en-US" dirty="0" smtClean="0"/>
+              <a:rPr lang="de-DE" sz="1200" dirty="0" smtClean="0">
+                <a:solidFill>
+                  <a:srgbClr val="000000"/>
+                </a:solidFill>
+                <a:latin typeface="Consolas" panose="020B0609020204030204" pitchFamily="49" charset="0"/>
+              </a:rPr>
+              <a:t>                 .</a:t>
+            </a:r>
+            <a:r>
+              <a:rPr lang="de-DE" sz="1200" dirty="0" err="1" smtClean="0">
+                <a:solidFill>
+                  <a:srgbClr val="000000"/>
+                </a:solidFill>
+                <a:latin typeface="Consolas" panose="020B0609020204030204" pitchFamily="49" charset="0"/>
+              </a:rPr>
+              <a:t>OrderByDescending</a:t>
+            </a:r>
+            <a:r>
+              <a:rPr lang="de-DE" sz="1200" dirty="0" smtClean="0">
+                <a:solidFill>
+                  <a:srgbClr val="000000"/>
+                </a:solidFill>
+                <a:latin typeface="Consolas" panose="020B0609020204030204" pitchFamily="49" charset="0"/>
+              </a:rPr>
+              <a:t>(o </a:t>
+            </a:r>
+            <a:r>
+              <a:rPr lang="de-DE" sz="1200" dirty="0">
+                <a:solidFill>
+                  <a:srgbClr val="000000"/>
+                </a:solidFill>
+                <a:latin typeface="Consolas" panose="020B0609020204030204" pitchFamily="49" charset="0"/>
+              </a:rPr>
+              <a:t>=&gt; </a:t>
+            </a:r>
+            <a:r>
+              <a:rPr lang="de-DE" sz="1200" dirty="0" err="1">
+                <a:solidFill>
+                  <a:srgbClr val="000000"/>
+                </a:solidFill>
+                <a:latin typeface="Consolas" panose="020B0609020204030204" pitchFamily="49" charset="0"/>
+              </a:rPr>
+              <a:t>o.Created</a:t>
+            </a:r>
+            <a:r>
+              <a:rPr lang="de-DE" sz="1200" dirty="0" smtClean="0">
+                <a:solidFill>
+                  <a:srgbClr val="000000"/>
+                </a:solidFill>
+                <a:latin typeface="Consolas" panose="020B0609020204030204" pitchFamily="49" charset="0"/>
+              </a:rPr>
+              <a:t>)</a:t>
+            </a:r>
+          </a:p>
+          <a:p>
+            <a:r>
+              <a:rPr lang="de-DE" sz="1200" dirty="0" smtClean="0">
+                <a:solidFill>
+                  <a:srgbClr val="000000"/>
+                </a:solidFill>
+                <a:latin typeface="Consolas" panose="020B0609020204030204" pitchFamily="49" charset="0"/>
+              </a:rPr>
+              <a:t>                  .</a:t>
+            </a:r>
+            <a:r>
+              <a:rPr lang="de-DE" sz="1200" dirty="0" err="1">
+                <a:solidFill>
+                  <a:srgbClr val="000000"/>
+                </a:solidFill>
+                <a:latin typeface="Consolas" panose="020B0609020204030204" pitchFamily="49" charset="0"/>
+              </a:rPr>
+              <a:t>ToList</a:t>
+            </a:r>
+            <a:r>
+              <a:rPr lang="de-DE" sz="1200" dirty="0" smtClean="0">
+                <a:solidFill>
+                  <a:srgbClr val="000000"/>
+                </a:solidFill>
+                <a:latin typeface="Consolas" panose="020B0609020204030204" pitchFamily="49" charset="0"/>
+              </a:rPr>
+              <a:t>()</a:t>
+            </a:r>
+          </a:p>
+          <a:p>
+            <a:r>
+              <a:rPr lang="de-DE" sz="1200" dirty="0">
+                <a:solidFill>
+                  <a:srgbClr val="000000"/>
+                </a:solidFill>
+                <a:latin typeface="Consolas" panose="020B0609020204030204" pitchFamily="49" charset="0"/>
+              </a:rPr>
               <a:t> </a:t>
             </a:r>
             <a:r>
-              <a:rPr lang="en-US" dirty="0" err="1" smtClean="0"/>
-              <a:t>Projektes</a:t>
-            </a:r>
-            <a:r>
-              <a:rPr lang="en-US" dirty="0" smtClean="0"/>
-              <a:t> </a:t>
-            </a:r>
-            <a:r>
-              <a:rPr lang="en-US" dirty="0" err="1" smtClean="0"/>
-              <a:t>zu</a:t>
-            </a:r>
-            <a:r>
-              <a:rPr lang="en-US" dirty="0" smtClean="0"/>
-              <a:t> </a:t>
-            </a:r>
-            <a:r>
-              <a:rPr lang="en-US" dirty="0" err="1" smtClean="0"/>
-              <a:t>haben</a:t>
-            </a:r>
-            <a:endParaRPr lang="en-US" dirty="0"/>
+              <a:rPr lang="de-DE" sz="1200" dirty="0" smtClean="0">
+                <a:solidFill>
+                  <a:srgbClr val="000000"/>
+                </a:solidFill>
+                <a:latin typeface="Consolas" panose="020B0609020204030204" pitchFamily="49" charset="0"/>
+              </a:rPr>
+              <a:t>                 .</a:t>
+            </a:r>
+            <a:r>
+              <a:rPr lang="de-DE" sz="1200" dirty="0">
+                <a:solidFill>
+                  <a:srgbClr val="000000"/>
+                </a:solidFill>
+                <a:latin typeface="Consolas" panose="020B0609020204030204" pitchFamily="49" charset="0"/>
+              </a:rPr>
+              <a:t>Select(p =&gt; </a:t>
+            </a:r>
+            <a:r>
+              <a:rPr lang="de-DE" sz="1200" dirty="0" err="1">
+                <a:solidFill>
+                  <a:srgbClr val="2B91AF"/>
+                </a:solidFill>
+                <a:latin typeface="Consolas" panose="020B0609020204030204" pitchFamily="49" charset="0"/>
+              </a:rPr>
+              <a:t>PostDto</a:t>
+            </a:r>
+            <a:r>
+              <a:rPr lang="de-DE" sz="1200" dirty="0" err="1">
+                <a:solidFill>
+                  <a:srgbClr val="000000"/>
+                </a:solidFill>
+                <a:latin typeface="Consolas" panose="020B0609020204030204" pitchFamily="49" charset="0"/>
+              </a:rPr>
+              <a:t>.Map</a:t>
+            </a:r>
+            <a:r>
+              <a:rPr lang="de-DE" sz="1200" dirty="0">
+                <a:solidFill>
+                  <a:srgbClr val="000000"/>
+                </a:solidFill>
+                <a:latin typeface="Consolas" panose="020B0609020204030204" pitchFamily="49" charset="0"/>
+              </a:rPr>
+              <a:t>(p));</a:t>
+            </a:r>
+          </a:p>
+          <a:p>
+            <a:r>
+              <a:rPr lang="de-DE" sz="1200" dirty="0">
+                <a:solidFill>
+                  <a:srgbClr val="000000"/>
+                </a:solidFill>
+                <a:latin typeface="Consolas" panose="020B0609020204030204" pitchFamily="49" charset="0"/>
+              </a:rPr>
+              <a:t>}</a:t>
+            </a:r>
+            <a:endParaRPr lang="de-DE" sz="1200" dirty="0"/>
           </a:p>
         </p:txBody>
       </p:sp>
     </p:spTree>
     <p:extLst>
       <p:ext uri="{BB962C8B-B14F-4D97-AF65-F5344CB8AC3E}">
-        <p14:creationId xmlns:p14="http://schemas.microsoft.com/office/powerpoint/2010/main" val="3916868022"/>
+        <p14:creationId xmlns:p14="http://schemas.microsoft.com/office/powerpoint/2010/main" val="200086261"/>
       </p:ext>
     </p:extLst>
   </p:cSld>
@@ -6339,11 +6771,11 @@
           <a:lstStyle/>
           <a:p>
             <a:r>
-              <a:rPr lang="de-DE" dirty="0" smtClean="0"/>
+              <a:rPr lang="de-DE" sz="4800" dirty="0" smtClean="0"/>
               <a:t>05</a:t>
             </a:r>
             <a:r>
-              <a:rPr lang="de-DE" dirty="0"/>
+              <a:rPr lang="de-DE" sz="4800" dirty="0"/>
               <a:t>. Entwicklung einer Schnittstelle mit ASP.NET Web API</a:t>
             </a:r>
           </a:p>
@@ -7886,126 +8318,93 @@
           <a:bodyPr/>
           <a:lstStyle/>
           <a:p>
-            <a:r>
-              <a:rPr lang="en-US" dirty="0"/>
-              <a:t>Was </a:t>
-            </a:r>
-            <a:r>
-              <a:rPr lang="en-US" dirty="0" err="1"/>
-              <a:t>ist</a:t>
-            </a:r>
-            <a:r>
-              <a:rPr lang="en-US" dirty="0"/>
-              <a:t> </a:t>
-            </a:r>
-            <a:r>
-              <a:rPr lang="en-US" dirty="0" err="1"/>
-              <a:t>eine</a:t>
-            </a:r>
-            <a:r>
-              <a:rPr lang="en-US" dirty="0"/>
-              <a:t> </a:t>
+            <a:pPr marL="342900" indent="-342900">
+              <a:buFont typeface="+mj-lt"/>
+              <a:buAutoNum type="arabicPeriod"/>
+            </a:pPr>
+            <a:r>
+              <a:rPr lang="en-US" dirty="0" err="1" smtClean="0"/>
+              <a:t>Grundlagen</a:t>
             </a:r>
             <a:r>
               <a:rPr lang="en-US" dirty="0" smtClean="0"/>
-              <a:t>Web </a:t>
-            </a:r>
-            <a:r>
-              <a:rPr lang="en-US" dirty="0"/>
-              <a:t>API?
-Routing
-</a:t>
-            </a:r>
-            <a:r>
-              <a:rPr lang="en-US" dirty="0" err="1"/>
-              <a:t>Eine</a:t>
-            </a:r>
-            <a:r>
-              <a:rPr lang="en-US" dirty="0"/>
-              <a:t> Web API </a:t>
-            </a:r>
-            <a:r>
-              <a:rPr lang="en-US" dirty="0" err="1"/>
-              <a:t>für</a:t>
-            </a:r>
-            <a:r>
-              <a:rPr lang="en-US" dirty="0"/>
-              <a:t> </a:t>
-            </a:r>
-            <a:r>
-              <a:rPr lang="en-US" dirty="0" err="1"/>
-              <a:t>eine</a:t>
-            </a:r>
-            <a:r>
-              <a:rPr lang="en-US" dirty="0"/>
-              <a:t> MVC </a:t>
-            </a:r>
-            <a:r>
-              <a:rPr lang="en-US" dirty="0" err="1"/>
-              <a:t>Anwendung</a:t>
-            </a:r>
-            <a:r>
-              <a:rPr lang="en-US" dirty="0"/>
-              <a:t> </a:t>
-            </a:r>
-            <a:r>
-              <a:rPr lang="en-US" dirty="0" err="1"/>
-              <a:t>erstellen</a:t>
-            </a:r>
-            <a:r>
-              <a:rPr lang="en-US" dirty="0"/>
-              <a:t>
-RESTful Services
-Data Return Formats
-</a:t>
-            </a:r>
-            <a:r>
-              <a:rPr lang="en-US" dirty="0" err="1"/>
-              <a:t>Routen</a:t>
-            </a:r>
-            <a:r>
-              <a:rPr lang="en-US" dirty="0"/>
-              <a:t> und Controller in </a:t>
-            </a:r>
-            <a:r>
-              <a:rPr lang="en-US" dirty="0" err="1"/>
-              <a:t>einer</a:t>
-            </a:r>
-            <a:r>
-              <a:rPr lang="en-US" dirty="0"/>
-              <a:t> Web API
-Demonstration: </a:t>
-            </a:r>
-            <a:r>
-              <a:rPr lang="en-US" dirty="0" err="1"/>
-              <a:t>Testen</a:t>
-            </a:r>
-            <a:r>
-              <a:rPr lang="en-US" dirty="0"/>
-              <a:t> von Web APIs </a:t>
-            </a:r>
-            <a:r>
-              <a:rPr lang="en-US" dirty="0" err="1"/>
-              <a:t>mit</a:t>
-            </a:r>
-            <a:r>
-              <a:rPr lang="en-US" dirty="0"/>
-              <a:t> </a:t>
-            </a:r>
-            <a:r>
-              <a:rPr lang="en-US" dirty="0" err="1"/>
-              <a:t>Hilfe</a:t>
-            </a:r>
-            <a:r>
-              <a:rPr lang="en-US" dirty="0"/>
-              <a:t> von </a:t>
-            </a:r>
+              <a:t> APIs</a:t>
+            </a:r>
+          </a:p>
+          <a:p>
+            <a:pPr marL="800066" lvl="1" indent="-342900">
+              <a:buFont typeface="+mj-lt"/>
+              <a:buAutoNum type="arabicPeriod"/>
+            </a:pPr>
+            <a:r>
+              <a:rPr lang="en-US" dirty="0" err="1" smtClean="0"/>
+              <a:t>Nutzen</a:t>
+            </a:r>
+            <a:endParaRPr lang="en-US" dirty="0" smtClean="0"/>
+          </a:p>
+          <a:p>
+            <a:pPr marL="800066" lvl="1" indent="-342900">
+              <a:buFont typeface="+mj-lt"/>
+              <a:buAutoNum type="arabicPeriod"/>
+            </a:pPr>
             <a:r>
               <a:rPr lang="en-US" dirty="0" smtClean="0"/>
-              <a:t>Postman</a:t>
-            </a:r>
-          </a:p>
-          <a:p>
+              <a:t>REST</a:t>
+            </a:r>
+          </a:p>
+          <a:p>
+            <a:pPr marL="800066" lvl="1" indent="-342900">
+              <a:buFont typeface="+mj-lt"/>
+              <a:buAutoNum type="arabicPeriod"/>
+            </a:pPr>
+            <a:r>
+              <a:rPr lang="en-US" dirty="0" err="1" smtClean="0"/>
+              <a:t>Datenformate</a:t>
+            </a:r>
+            <a:endParaRPr lang="en-US" dirty="0" smtClean="0"/>
+          </a:p>
+          <a:p>
+            <a:pPr marL="800066" lvl="1" indent="-342900">
+              <a:buFont typeface="+mj-lt"/>
+              <a:buAutoNum type="arabicPeriod"/>
+            </a:pPr>
+            <a:r>
+              <a:rPr lang="en-US" dirty="0" smtClean="0"/>
+              <a:t>DTOs</a:t>
+            </a:r>
+            <a:endParaRPr lang="en-US" dirty="0" smtClean="0"/>
+          </a:p>
+          <a:p>
+            <a:pPr marL="342900" indent="-342900">
+              <a:buFont typeface="+mj-lt"/>
+              <a:buAutoNum type="arabicPeriod"/>
+            </a:pPr>
+            <a:r>
+              <a:rPr lang="en-US" dirty="0" smtClean="0"/>
+              <a:t>ASP.NET </a:t>
+            </a:r>
+            <a:r>
+              <a:rPr lang="en-US" dirty="0" err="1" smtClean="0"/>
+              <a:t>WebAPI</a:t>
+            </a:r>
+            <a:endParaRPr lang="en-US" dirty="0"/>
+          </a:p>
+          <a:p>
+            <a:pPr marL="800066" lvl="1" indent="-342900">
+              <a:buFont typeface="+mj-lt"/>
+              <a:buAutoNum type="arabicPeriod"/>
+            </a:pPr>
+            <a:r>
+              <a:rPr lang="en-US" dirty="0" smtClean="0"/>
+              <a:t>Controller und Routing</a:t>
+            </a:r>
+            <a:endParaRPr lang="en-US" dirty="0" smtClean="0"/>
+          </a:p>
+          <a:p>
+            <a:pPr marL="342900" indent="-342900">
+              <a:buFont typeface="+mj-lt"/>
+              <a:buAutoNum type="arabicPeriod"/>
+            </a:pPr>
             <a:r>
               <a:rPr lang="en-US" dirty="0" smtClean="0"/>
               <a:t>Hands-On</a:t>
@@ -8068,23 +8467,15 @@
           <a:p>
             <a:r>
               <a:rPr lang="en-US" dirty="0" smtClean="0"/>
-              <a:t>Was </a:t>
+              <a:t>1.1 </a:t>
             </a:r>
             <a:r>
               <a:rPr lang="en-US" dirty="0" err="1" smtClean="0"/>
-              <a:t>ist</a:t>
+              <a:t>Nutzen</a:t>
             </a:r>
             <a:r>
               <a:rPr lang="en-US" dirty="0" smtClean="0"/>
-              <a:t> </a:t>
-            </a:r>
-            <a:r>
-              <a:rPr lang="en-US" dirty="0" err="1" smtClean="0"/>
-              <a:t>eine</a:t>
-            </a:r>
-            <a:r>
-              <a:rPr lang="en-US" dirty="0" smtClean="0"/>
-              <a:t> Web API</a:t>
+              <a:t> von APIs</a:t>
             </a:r>
             <a:endParaRPr lang="en-US" dirty="0"/>
           </a:p>
@@ -8107,7 +8498,7 @@
           <a:p>
             <a:r>
               <a:rPr lang="en-US" dirty="0" err="1" smtClean="0"/>
-              <a:t>Hilft</a:t>
+              <a:t>Erlaubt</a:t>
             </a:r>
             <a:r>
               <a:rPr lang="en-US" dirty="0" smtClean="0"/>
@@ -8115,19 +8506,67 @@
             </a:r>
             <a:r>
               <a:rPr lang="en-US" dirty="0" err="1" smtClean="0"/>
-              <a:t>dabei</a:t>
+              <a:t>es</a:t>
             </a:r>
             <a:r>
               <a:rPr lang="en-US" dirty="0" smtClean="0"/>
-              <a:t>, APIs </a:t>
+              <a:t> </a:t>
             </a:r>
             <a:r>
               <a:rPr lang="en-US" dirty="0" err="1" smtClean="0"/>
-              <a:t>im</a:t>
+              <a:t>externen</a:t>
             </a:r>
             <a:r>
               <a:rPr lang="en-US" dirty="0" smtClean="0"/>
-              <a:t> REST-style </a:t>
+              <a:t> </a:t>
+            </a:r>
+            <a:r>
+              <a:rPr lang="en-US" dirty="0" err="1" smtClean="0"/>
+              <a:t>Systemen</a:t>
+            </a:r>
+            <a:r>
+              <a:rPr lang="en-US" dirty="0" smtClean="0"/>
+              <a:t> die </a:t>
+            </a:r>
+            <a:r>
+              <a:rPr lang="en-US" dirty="0" err="1" smtClean="0"/>
+              <a:t>vorhandene</a:t>
+            </a:r>
+            <a:r>
+              <a:rPr lang="en-US" dirty="0" smtClean="0"/>
+              <a:t> </a:t>
+            </a:r>
+            <a:r>
+              <a:rPr lang="en-US" dirty="0" err="1" smtClean="0"/>
+              <a:t>Geschäftslogik</a:t>
+            </a:r>
+            <a:r>
+              <a:rPr lang="en-US" dirty="0" smtClean="0"/>
+              <a:t> </a:t>
+            </a:r>
+            <a:r>
+              <a:rPr lang="en-US" dirty="0" err="1" smtClean="0"/>
+              <a:t>innerhalb</a:t>
+            </a:r>
+            <a:r>
+              <a:rPr lang="en-US" dirty="0" smtClean="0"/>
+              <a:t> der </a:t>
+            </a:r>
+            <a:r>
+              <a:rPr lang="en-US" dirty="0" err="1" smtClean="0"/>
+              <a:t>eigenen</a:t>
+            </a:r>
+            <a:r>
+              <a:rPr lang="en-US" dirty="0" smtClean="0"/>
+              <a:t> </a:t>
+            </a:r>
+            <a:r>
+              <a:rPr lang="en-US" dirty="0" err="1" smtClean="0"/>
+              <a:t>Anwendung</a:t>
+            </a:r>
+            <a:r>
+              <a:rPr lang="en-US" dirty="0" smtClean="0"/>
+              <a:t> </a:t>
             </a:r>
             <a:r>
               <a:rPr lang="en-US" dirty="0" err="1" smtClean="0"/>
@@ -8139,14 +8578,45 @@
             </a:r>
             <a:r>
               <a:rPr lang="en-US" dirty="0" err="1" smtClean="0"/>
-              <a:t>erstellen</a:t>
+              <a:t>benutzen</a:t>
             </a:r>
             <a:endParaRPr lang="en-US" dirty="0"/>
           </a:p>
           <a:p>
             <a:r>
+              <a:rPr lang="en-US" dirty="0" smtClean="0"/>
+              <a:t>Ideal </a:t>
+            </a:r>
+            <a:r>
               <a:rPr lang="en-US" dirty="0" err="1" smtClean="0"/>
-              <a:t>Erlaubt</a:t>
+              <a:t>für</a:t>
+            </a:r>
+            <a:r>
+              <a:rPr lang="en-US" dirty="0" smtClean="0"/>
+              <a:t> die Integration von </a:t>
+            </a:r>
+            <a:r>
+              <a:rPr lang="en-US" dirty="0" err="1" smtClean="0"/>
+              <a:t>mobilen</a:t>
+            </a:r>
+            <a:r>
+              <a:rPr lang="en-US" dirty="0"/>
+              <a:t> </a:t>
+            </a:r>
+            <a:r>
+              <a:rPr lang="en-US" dirty="0" err="1" smtClean="0"/>
+              <a:t>Plattformen</a:t>
+            </a:r>
+            <a:endParaRPr lang="en-US" dirty="0" smtClean="0"/>
+          </a:p>
+          <a:p>
+            <a:r>
+              <a:rPr lang="en-US" dirty="0" smtClean="0"/>
+              <a:t>Use Cases </a:t>
+            </a:r>
+            <a:r>
+              <a:rPr lang="en-US" dirty="0" err="1" smtClean="0"/>
+              <a:t>für</a:t>
             </a:r>
             <a:r>
               <a:rPr lang="en-US" dirty="0" smtClean="0"/>
@@ -8154,7 +8624,7 @@
             </a:r>
             <a:r>
               <a:rPr lang="en-US" dirty="0" err="1" smtClean="0"/>
-              <a:t>es</a:t>
+              <a:t>unsere</a:t>
             </a:r>
             <a:r>
               <a:rPr lang="en-US" dirty="0" smtClean="0"/>
@@ -8162,7 +8632,15 @@
             </a:r>
             <a:r>
               <a:rPr lang="en-US" dirty="0" err="1" smtClean="0"/>
-              <a:t>externen</a:t>
+              <a:t>Anwendung</a:t>
+            </a:r>
+            <a:r>
+              <a:rPr lang="en-US" dirty="0" smtClean="0"/>
+              <a:t>: </a:t>
+            </a:r>
+            <a:r>
+              <a:rPr lang="en-US" dirty="0" err="1" smtClean="0"/>
+              <a:t>Bilder</a:t>
             </a:r>
             <a:r>
               <a:rPr lang="en-US" dirty="0" smtClean="0"/>
@@ -8170,23 +8648,15 @@
             </a:r>
             <a:r>
               <a:rPr lang="en-US" dirty="0" err="1" smtClean="0"/>
-              <a:t>Systemen</a:t>
+              <a:t>abfragen</a:t>
             </a:r>
             <a:r>
               <a:rPr lang="en-US" dirty="0" smtClean="0"/>
-              <a:t> die </a:t>
+              <a:t>, </a:t>
             </a:r>
             <a:r>
               <a:rPr lang="en-US" dirty="0" err="1" smtClean="0"/>
-              <a:t>bestehende</a:t>
-            </a:r>
-            <a:r>
-              <a:rPr lang="en-US" dirty="0" smtClean="0"/>
-              <a:t> Business-</a:t>
-            </a:r>
-            <a:r>
-              <a:rPr lang="en-US" dirty="0" err="1" smtClean="0"/>
-              <a:t>Logik</a:t>
+              <a:t>Bilder</a:t>
             </a:r>
             <a:r>
               <a:rPr lang="en-US" dirty="0" smtClean="0"/>
@@ -8194,114 +8664,42 @@
             </a:r>
             <a:r>
               <a:rPr lang="en-US" dirty="0" err="1" smtClean="0"/>
-              <a:t>innerhalb</a:t>
-            </a:r>
-            <a:r>
-              <a:rPr lang="en-US" dirty="0" smtClean="0"/>
-              <a:t> der </a:t>
-            </a:r>
-            <a:r>
-              <a:rPr lang="en-US" dirty="0" err="1" smtClean="0"/>
-              <a:t>eigenen</a:t>
-            </a:r>
-            <a:r>
-              <a:rPr lang="en-US" dirty="0" smtClean="0"/>
-              <a:t> </a:t>
-            </a:r>
-            <a:r>
-              <a:rPr lang="en-US" dirty="0" err="1" smtClean="0"/>
-              <a:t>Anwendung</a:t>
-            </a:r>
-            <a:r>
-              <a:rPr lang="en-US" dirty="0" smtClean="0"/>
-              <a:t> </a:t>
-            </a:r>
-            <a:r>
-              <a:rPr lang="en-US" dirty="0" err="1" smtClean="0"/>
-              <a:t>zu</a:t>
-            </a:r>
-            <a:r>
-              <a:rPr lang="en-US" dirty="0" smtClean="0"/>
-              <a:t> </a:t>
-            </a:r>
-            <a:r>
-              <a:rPr lang="en-US" dirty="0" err="1" smtClean="0"/>
-              <a:t>benutzen</a:t>
+              <a:t>hochladen</a:t>
             </a:r>
             <a:endParaRPr lang="en-US" dirty="0"/>
           </a:p>
-          <a:p>
-            <a:r>
-              <a:rPr lang="en-US" dirty="0" smtClean="0"/>
-              <a:t>In Requests </a:t>
-            </a:r>
-            <a:r>
-              <a:rPr lang="en-US" dirty="0" err="1" smtClean="0"/>
-              <a:t>wird</a:t>
-            </a:r>
-            <a:r>
-              <a:rPr lang="en-US" dirty="0" smtClean="0"/>
-              <a:t> die URL </a:t>
-            </a:r>
-            <a:r>
-              <a:rPr lang="en-US" dirty="0" err="1" smtClean="0"/>
-              <a:t>zur</a:t>
-            </a:r>
-            <a:r>
-              <a:rPr lang="en-US" dirty="0" smtClean="0"/>
-              <a:t> </a:t>
-            </a:r>
-            <a:r>
-              <a:rPr lang="en-US" dirty="0" err="1" smtClean="0"/>
-              <a:t>Auswertung</a:t>
-            </a:r>
-            <a:r>
-              <a:rPr lang="en-US" dirty="0" smtClean="0"/>
-              <a:t> von </a:t>
-            </a:r>
-            <a:r>
-              <a:rPr lang="en-US" dirty="0" err="1" smtClean="0"/>
-              <a:t>Parametern</a:t>
-            </a:r>
-            <a:r>
-              <a:rPr lang="en-US" dirty="0" smtClean="0"/>
-              <a:t> </a:t>
-            </a:r>
-            <a:r>
-              <a:rPr lang="en-US" dirty="0" err="1" smtClean="0"/>
-              <a:t>genutzt</a:t>
-            </a:r>
-            <a:endParaRPr lang="en-US" dirty="0"/>
-          </a:p>
-          <a:p>
-            <a:r>
-              <a:rPr lang="en-US" dirty="0" smtClean="0"/>
-              <a:t>Ideal </a:t>
-            </a:r>
-            <a:r>
-              <a:rPr lang="en-US" dirty="0" err="1" smtClean="0"/>
-              <a:t>für</a:t>
-            </a:r>
-            <a:r>
-              <a:rPr lang="en-US" dirty="0" smtClean="0"/>
-              <a:t> die Integration von </a:t>
-            </a:r>
-            <a:r>
-              <a:rPr lang="en-US" dirty="0" err="1" smtClean="0"/>
-              <a:t>mobilen</a:t>
-            </a:r>
-            <a:r>
-              <a:rPr lang="en-US" dirty="0"/>
-              <a:t> </a:t>
-            </a:r>
-            <a:r>
-              <a:rPr lang="en-US" dirty="0" err="1" smtClean="0"/>
-              <a:t>Plattformen</a:t>
-            </a:r>
-            <a:endParaRPr lang="en-US" dirty="0"/>
-          </a:p>
-        </p:txBody>
-      </p:sp>
+        </p:txBody>
+      </p:sp>
+      <p:pic>
+        <p:nvPicPr>
+          <p:cNvPr id="4" name="Grafik 3"/>
+          <p:cNvPicPr>
+            <a:picLocks noChangeAspect="1"/>
+          </p:cNvPicPr>
+          <p:nvPr/>
+        </p:nvPicPr>
+        <p:blipFill>
+          <a:blip r:embed="rId3">
+            <a:extLst>
+              <a:ext uri="{28A0092B-C50C-407E-A947-70E740481C1C}">
+                <a14:useLocalDpi xmlns:a14="http://schemas.microsoft.com/office/drawing/2010/main" val="0"/>
+              </a:ext>
+            </a:extLst>
+          </a:blip>
+          <a:stretch>
+            <a:fillRect/>
+          </a:stretch>
+        </p:blipFill>
+        <p:spPr>
+          <a:xfrm>
+            <a:off x="1917904" y="3243817"/>
+            <a:ext cx="7388021" cy="3006850"/>
+          </a:xfrm>
+          <a:prstGeom prst="rect">
+            <a:avLst/>
+          </a:prstGeom>
+        </p:spPr>
+      </p:pic>
     </p:spTree>
     <p:extLst>
       <p:ext uri="{BB962C8B-B14F-4D97-AF65-F5344CB8AC3E}">
@@ -8348,10 +8746,10 @@
           <a:lstStyle/>
           <a:p>
             <a:r>
-              <a:rPr lang="en-US" smtClean="0"/>
-              <a:t>RESTful Services</a:t>
-            </a:r>
-            <a:endParaRPr lang="en-US"/>
+              <a:rPr lang="en-US" dirty="0" smtClean="0"/>
+              <a:t>1.2 REST</a:t>
+            </a:r>
+            <a:endParaRPr lang="en-US" dirty="0"/>
           </a:p>
         </p:txBody>
       </p:sp>
@@ -8365,299 +8763,742 @@
             <p:ph sz="quarter" idx="10"/>
           </p:nvPr>
         </p:nvSpPr>
-        <p:spPr/>
+        <p:spPr>
+          <a:xfrm>
+            <a:off x="587298" y="1388547"/>
+            <a:ext cx="11315816" cy="5291613"/>
+          </a:xfrm>
+        </p:spPr>
         <p:txBody>
           <a:bodyPr/>
           <a:lstStyle/>
           <a:p>
-            <a:pPr>
+            <a:r>
+              <a:rPr lang="en-US" dirty="0" err="1" smtClean="0"/>
+              <a:t>Architekturstil</a:t>
+            </a:r>
+            <a:r>
+              <a:rPr lang="en-US" dirty="0" smtClean="0"/>
+              <a:t> </a:t>
+            </a:r>
+            <a:r>
+              <a:rPr lang="en-US" dirty="0" err="1" smtClean="0"/>
+              <a:t>für</a:t>
+            </a:r>
+            <a:r>
+              <a:rPr lang="en-US" dirty="0" smtClean="0"/>
+              <a:t> APIs (</a:t>
+            </a:r>
+            <a:r>
+              <a:rPr lang="en-US" dirty="0" err="1" smtClean="0"/>
+              <a:t>Represential</a:t>
+            </a:r>
+            <a:r>
+              <a:rPr lang="en-US" dirty="0" smtClean="0"/>
+              <a:t> State Transfer)</a:t>
+            </a:r>
+            <a:endParaRPr lang="en-US" dirty="0" smtClean="0">
+              <a:solidFill>
+                <a:schemeClr val="accent3"/>
+              </a:solidFill>
+            </a:endParaRPr>
+          </a:p>
+          <a:p>
+            <a:r>
+              <a:rPr lang="en-US" dirty="0" err="1" smtClean="0">
+                <a:solidFill>
+                  <a:schemeClr val="accent3"/>
+                </a:solidFill>
+              </a:rPr>
+              <a:t>Kann</a:t>
+            </a:r>
+            <a:r>
+              <a:rPr lang="en-US" dirty="0" smtClean="0">
+                <a:solidFill>
+                  <a:schemeClr val="accent3"/>
+                </a:solidFill>
+              </a:rPr>
+              <a:t> </a:t>
+            </a:r>
+            <a:r>
+              <a:rPr lang="en-US" dirty="0" err="1" smtClean="0">
+                <a:solidFill>
+                  <a:schemeClr val="accent3"/>
+                </a:solidFill>
+              </a:rPr>
+              <a:t>aufgerufen</a:t>
+            </a:r>
+            <a:r>
+              <a:rPr lang="en-US" dirty="0" smtClean="0">
+                <a:solidFill>
+                  <a:schemeClr val="accent3"/>
+                </a:solidFill>
+              </a:rPr>
+              <a:t> </a:t>
+            </a:r>
+            <a:r>
+              <a:rPr lang="en-US" dirty="0" err="1" smtClean="0">
+                <a:solidFill>
+                  <a:schemeClr val="accent3"/>
+                </a:solidFill>
+              </a:rPr>
+              <a:t>werden</a:t>
+            </a:r>
+            <a:r>
+              <a:rPr lang="en-US" dirty="0" smtClean="0">
+                <a:solidFill>
+                  <a:schemeClr val="accent3"/>
+                </a:solidFill>
+              </a:rPr>
+              <a:t>, um </a:t>
+            </a:r>
+            <a:r>
+              <a:rPr lang="en-US" dirty="0" err="1" smtClean="0">
+                <a:solidFill>
+                  <a:schemeClr val="accent3"/>
+                </a:solidFill>
+              </a:rPr>
+              <a:t>Informationen</a:t>
+            </a:r>
+            <a:r>
+              <a:rPr lang="en-US" dirty="0" smtClean="0">
+                <a:solidFill>
+                  <a:schemeClr val="accent3"/>
+                </a:solidFill>
+              </a:rPr>
+              <a:t> von </a:t>
+            </a:r>
+            <a:r>
+              <a:rPr lang="en-US" dirty="0" err="1" smtClean="0">
+                <a:solidFill>
+                  <a:schemeClr val="accent3"/>
+                </a:solidFill>
+              </a:rPr>
+              <a:t>einem</a:t>
+            </a:r>
+            <a:r>
+              <a:rPr lang="en-US" dirty="0" smtClean="0">
+                <a:solidFill>
+                  <a:schemeClr val="accent3"/>
+                </a:solidFill>
+              </a:rPr>
+              <a:t> Server </a:t>
+            </a:r>
+            <a:r>
+              <a:rPr lang="en-US" dirty="0" err="1" smtClean="0">
+                <a:solidFill>
+                  <a:schemeClr val="accent3"/>
+                </a:solidFill>
+              </a:rPr>
+              <a:t>zu</a:t>
+            </a:r>
+            <a:r>
+              <a:rPr lang="en-US" dirty="0" smtClean="0">
+                <a:solidFill>
+                  <a:schemeClr val="accent3"/>
+                </a:solidFill>
+              </a:rPr>
+              <a:t> laden</a:t>
+            </a:r>
+            <a:endParaRPr lang="en-US" dirty="0">
+              <a:solidFill>
+                <a:schemeClr val="accent3"/>
+              </a:solidFill>
+            </a:endParaRPr>
+          </a:p>
+          <a:p>
+            <a:r>
+              <a:rPr lang="en-US" dirty="0" err="1" smtClean="0">
+                <a:solidFill>
+                  <a:schemeClr val="accent3"/>
+                </a:solidFill>
+              </a:rPr>
+              <a:t>Kann</a:t>
+            </a:r>
+            <a:r>
+              <a:rPr lang="en-US" dirty="0" smtClean="0">
+                <a:solidFill>
+                  <a:schemeClr val="accent3"/>
+                </a:solidFill>
+              </a:rPr>
+              <a:t> </a:t>
+            </a:r>
+            <a:r>
+              <a:rPr lang="en-US" dirty="0" err="1" smtClean="0">
+                <a:solidFill>
+                  <a:schemeClr val="accent3"/>
+                </a:solidFill>
+              </a:rPr>
+              <a:t>über</a:t>
+            </a:r>
+            <a:r>
+              <a:rPr lang="en-US" dirty="0" smtClean="0">
+                <a:solidFill>
+                  <a:schemeClr val="accent3"/>
+                </a:solidFill>
+              </a:rPr>
+              <a:t> HTTP </a:t>
+            </a:r>
+            <a:r>
+              <a:rPr lang="en-US" dirty="0" err="1" smtClean="0">
+                <a:solidFill>
+                  <a:schemeClr val="accent3"/>
+                </a:solidFill>
+              </a:rPr>
+              <a:t>Operationen</a:t>
+            </a:r>
+            <a:r>
+              <a:rPr lang="en-US" dirty="0" smtClean="0">
+                <a:solidFill>
+                  <a:schemeClr val="accent3"/>
+                </a:solidFill>
+              </a:rPr>
+              <a:t> </a:t>
+            </a:r>
+            <a:r>
+              <a:rPr lang="en-US" dirty="0" err="1" smtClean="0">
+                <a:solidFill>
+                  <a:schemeClr val="accent3"/>
+                </a:solidFill>
+              </a:rPr>
+              <a:t>Informationen</a:t>
+            </a:r>
+            <a:r>
+              <a:rPr lang="en-US" dirty="0" smtClean="0">
+                <a:solidFill>
+                  <a:schemeClr val="accent3"/>
+                </a:solidFill>
+              </a:rPr>
+              <a:t> </a:t>
+            </a:r>
+            <a:r>
+              <a:rPr lang="en-US" dirty="0" err="1" smtClean="0">
+                <a:solidFill>
+                  <a:schemeClr val="accent3"/>
+                </a:solidFill>
+              </a:rPr>
+              <a:t>löschen</a:t>
+            </a:r>
+            <a:r>
+              <a:rPr lang="en-US" dirty="0" smtClean="0">
+                <a:solidFill>
+                  <a:schemeClr val="accent3"/>
+                </a:solidFill>
+              </a:rPr>
+              <a:t>, </a:t>
+            </a:r>
+            <a:r>
+              <a:rPr lang="en-US" dirty="0" err="1" smtClean="0">
+                <a:solidFill>
+                  <a:schemeClr val="accent3"/>
+                </a:solidFill>
+              </a:rPr>
+              <a:t>aktualisieren</a:t>
+            </a:r>
+            <a:r>
+              <a:rPr lang="en-US" dirty="0" smtClean="0">
+                <a:solidFill>
+                  <a:schemeClr val="accent3"/>
+                </a:solidFill>
+              </a:rPr>
+              <a:t> </a:t>
+            </a:r>
+            <a:r>
+              <a:rPr lang="en-US" dirty="0" err="1" smtClean="0">
+                <a:solidFill>
+                  <a:schemeClr val="accent3"/>
+                </a:solidFill>
+              </a:rPr>
+              <a:t>oder</a:t>
+            </a:r>
+            <a:r>
+              <a:rPr lang="en-US" dirty="0" smtClean="0">
+                <a:solidFill>
+                  <a:schemeClr val="accent3"/>
+                </a:solidFill>
+              </a:rPr>
+              <a:t> </a:t>
+            </a:r>
+            <a:r>
+              <a:rPr lang="en-US" dirty="0" err="1" smtClean="0">
+                <a:solidFill>
+                  <a:schemeClr val="accent3"/>
+                </a:solidFill>
+              </a:rPr>
+              <a:t>hinzufügen</a:t>
+            </a:r>
+            <a:endParaRPr lang="en-US" dirty="0">
+              <a:solidFill>
+                <a:schemeClr val="accent3"/>
+              </a:solidFill>
+            </a:endParaRPr>
+          </a:p>
+          <a:p>
+            <a:r>
+              <a:rPr lang="en-US" dirty="0" err="1" smtClean="0">
+                <a:solidFill>
+                  <a:schemeClr val="accent3"/>
+                </a:solidFill>
+              </a:rPr>
+              <a:t>Benutzt</a:t>
+            </a:r>
+            <a:r>
+              <a:rPr lang="en-US" dirty="0" smtClean="0">
+                <a:solidFill>
+                  <a:schemeClr val="accent3"/>
+                </a:solidFill>
+              </a:rPr>
+              <a:t> URLs um </a:t>
+            </a:r>
+            <a:r>
+              <a:rPr lang="en-US" dirty="0" err="1" smtClean="0">
+                <a:solidFill>
+                  <a:schemeClr val="accent3"/>
+                </a:solidFill>
+              </a:rPr>
+              <a:t>Entitäten</a:t>
+            </a:r>
+            <a:r>
+              <a:rPr lang="en-US" dirty="0" smtClean="0">
+                <a:solidFill>
+                  <a:schemeClr val="accent3"/>
+                </a:solidFill>
+              </a:rPr>
+              <a:t> </a:t>
+            </a:r>
+            <a:r>
+              <a:rPr lang="en-US" dirty="0" err="1" smtClean="0">
+                <a:solidFill>
+                  <a:schemeClr val="accent3"/>
+                </a:solidFill>
+              </a:rPr>
+              <a:t>eindeutig</a:t>
+            </a:r>
+            <a:r>
+              <a:rPr lang="en-US" dirty="0" smtClean="0">
+                <a:solidFill>
+                  <a:schemeClr val="accent3"/>
+                </a:solidFill>
+              </a:rPr>
+              <a:t> </a:t>
+            </a:r>
+            <a:r>
+              <a:rPr lang="en-US" dirty="0" err="1" smtClean="0">
+                <a:solidFill>
+                  <a:schemeClr val="accent3"/>
+                </a:solidFill>
+              </a:rPr>
+              <a:t>zu</a:t>
+            </a:r>
+            <a:r>
+              <a:rPr lang="en-US" dirty="0" smtClean="0">
+                <a:solidFill>
+                  <a:schemeClr val="accent3"/>
+                </a:solidFill>
+              </a:rPr>
+              <a:t> </a:t>
+            </a:r>
+            <a:r>
+              <a:rPr lang="en-US" dirty="0" err="1" smtClean="0">
+                <a:solidFill>
+                  <a:schemeClr val="accent3"/>
+                </a:solidFill>
+              </a:rPr>
+              <a:t>beschreiben</a:t>
+            </a:r>
+            <a:endParaRPr lang="en-US" dirty="0">
+              <a:solidFill>
+                <a:schemeClr val="accent3"/>
+              </a:solidFill>
+            </a:endParaRPr>
+          </a:p>
+          <a:p>
+            <a:r>
+              <a:rPr lang="en-US" dirty="0" err="1" smtClean="0">
+                <a:solidFill>
+                  <a:schemeClr val="accent3"/>
+                </a:solidFill>
+              </a:rPr>
+              <a:t>Benutzt</a:t>
+            </a:r>
+            <a:r>
+              <a:rPr lang="en-US" dirty="0" smtClean="0">
+                <a:solidFill>
+                  <a:schemeClr val="accent3"/>
+                </a:solidFill>
+              </a:rPr>
+              <a:t> HTTP </a:t>
+            </a:r>
+            <a:r>
+              <a:rPr lang="en-US" dirty="0">
+                <a:solidFill>
+                  <a:schemeClr val="accent3"/>
+                </a:solidFill>
+              </a:rPr>
+              <a:t>verbs </a:t>
+            </a:r>
+            <a:r>
+              <a:rPr lang="en-US" dirty="0" smtClean="0">
+                <a:solidFill>
+                  <a:schemeClr val="accent3"/>
+                </a:solidFill>
+              </a:rPr>
+              <a:t>um </a:t>
+            </a:r>
+            <a:r>
+              <a:rPr lang="en-US" dirty="0" err="1" smtClean="0">
+                <a:solidFill>
+                  <a:schemeClr val="accent3"/>
+                </a:solidFill>
+              </a:rPr>
+              <a:t>herauszufinden</a:t>
+            </a:r>
+            <a:r>
+              <a:rPr lang="en-US" dirty="0" smtClean="0">
+                <a:solidFill>
+                  <a:schemeClr val="accent3"/>
+                </a:solidFill>
+              </a:rPr>
+              <a:t>, </a:t>
+            </a:r>
+            <a:r>
+              <a:rPr lang="en-US" dirty="0" err="1" smtClean="0">
+                <a:solidFill>
+                  <a:schemeClr val="accent3"/>
+                </a:solidFill>
+              </a:rPr>
+              <a:t>welche</a:t>
+            </a:r>
+            <a:r>
+              <a:rPr lang="en-US" dirty="0" smtClean="0">
+                <a:solidFill>
+                  <a:schemeClr val="accent3"/>
+                </a:solidFill>
+              </a:rPr>
+              <a:t> Operation </a:t>
+            </a:r>
+            <a:r>
+              <a:rPr lang="en-US" dirty="0" err="1" smtClean="0">
+                <a:solidFill>
+                  <a:schemeClr val="accent3"/>
+                </a:solidFill>
+              </a:rPr>
+              <a:t>innerhalb</a:t>
+            </a:r>
+            <a:r>
+              <a:rPr lang="en-US" dirty="0" smtClean="0">
+                <a:solidFill>
+                  <a:schemeClr val="accent3"/>
+                </a:solidFill>
+              </a:rPr>
+              <a:t> der API </a:t>
+            </a:r>
+            <a:r>
+              <a:rPr lang="en-US" dirty="0" err="1" smtClean="0">
+                <a:solidFill>
+                  <a:schemeClr val="accent3"/>
+                </a:solidFill>
+              </a:rPr>
+              <a:t>aufgerufen</a:t>
+            </a:r>
+            <a:r>
+              <a:rPr lang="en-US" dirty="0" smtClean="0">
+                <a:solidFill>
+                  <a:schemeClr val="accent3"/>
+                </a:solidFill>
+              </a:rPr>
+              <a:t> </a:t>
+            </a:r>
+            <a:r>
+              <a:rPr lang="en-US" dirty="0" err="1" smtClean="0">
+                <a:solidFill>
+                  <a:schemeClr val="accent3"/>
+                </a:solidFill>
+              </a:rPr>
+              <a:t>werden</a:t>
+            </a:r>
+            <a:r>
+              <a:rPr lang="en-US" dirty="0" smtClean="0">
+                <a:solidFill>
+                  <a:schemeClr val="accent3"/>
+                </a:solidFill>
+              </a:rPr>
+              <a:t> </a:t>
+            </a:r>
+            <a:r>
+              <a:rPr lang="en-US" dirty="0" err="1" smtClean="0">
+                <a:solidFill>
+                  <a:schemeClr val="accent3"/>
+                </a:solidFill>
+              </a:rPr>
+              <a:t>soll</a:t>
+            </a:r>
+            <a:r>
+              <a:rPr lang="en-US" dirty="0" smtClean="0">
+                <a:solidFill>
+                  <a:schemeClr val="accent3"/>
+                </a:solidFill>
+              </a:rPr>
+              <a:t>. HTTP </a:t>
+            </a:r>
+            <a:r>
+              <a:rPr lang="en-US" dirty="0">
+                <a:solidFill>
+                  <a:schemeClr val="accent3"/>
+                </a:solidFill>
+              </a:rPr>
+              <a:t>verbs </a:t>
+            </a:r>
+            <a:r>
+              <a:rPr lang="en-US" dirty="0" err="1" smtClean="0">
+                <a:solidFill>
+                  <a:schemeClr val="accent3"/>
+                </a:solidFill>
+              </a:rPr>
+              <a:t>sind</a:t>
+            </a:r>
+            <a:r>
+              <a:rPr lang="en-US" dirty="0" smtClean="0">
+                <a:solidFill>
+                  <a:schemeClr val="accent3"/>
+                </a:solidFill>
+              </a:rPr>
+              <a:t>:</a:t>
+            </a:r>
+            <a:r>
+              <a:rPr lang="en-US" dirty="0"/>
+              <a:t> </a:t>
+            </a:r>
+            <a:r>
+              <a:rPr lang="en-US" dirty="0" smtClean="0">
+                <a:solidFill>
+                  <a:schemeClr val="accent3"/>
+                </a:solidFill>
+              </a:rPr>
+              <a:t>GET</a:t>
+            </a:r>
+            <a:r>
+              <a:rPr lang="en-US" dirty="0" smtClean="0"/>
+              <a:t>, </a:t>
+            </a:r>
+            <a:r>
+              <a:rPr lang="en-US" dirty="0" smtClean="0">
+                <a:solidFill>
+                  <a:schemeClr val="accent3"/>
+                </a:solidFill>
+              </a:rPr>
+              <a:t>POST, PUT, DELETE</a:t>
+            </a:r>
+          </a:p>
+          <a:p>
+            <a:endParaRPr lang="en-US" dirty="0" smtClean="0">
+              <a:solidFill>
+                <a:schemeClr val="accent3"/>
+              </a:solidFill>
+            </a:endParaRPr>
+          </a:p>
+          <a:p>
+            <a:pPr marL="0" indent="0">
               <a:buNone/>
             </a:pPr>
             <a:r>
               <a:rPr lang="en-US" dirty="0" err="1" smtClean="0"/>
-              <a:t>Charakteristiken</a:t>
-            </a:r>
-            <a:r>
-              <a:rPr lang="en-US" dirty="0" smtClean="0"/>
-              <a:t> </a:t>
-            </a:r>
-            <a:r>
-              <a:rPr lang="en-US" dirty="0" err="1" smtClean="0"/>
-              <a:t>eines</a:t>
-            </a:r>
-            <a:r>
-              <a:rPr lang="en-US" dirty="0" smtClean="0"/>
-              <a:t> RESTful </a:t>
-            </a:r>
-            <a:r>
-              <a:rPr lang="en-US" dirty="0"/>
-              <a:t>Service:</a:t>
-            </a:r>
-          </a:p>
-          <a:p>
-            <a:pPr lvl="1"/>
-            <a:r>
-              <a:rPr lang="en-US" dirty="0" err="1" smtClean="0"/>
-              <a:t>Kann</a:t>
-            </a:r>
-            <a:r>
-              <a:rPr lang="en-US" dirty="0" smtClean="0"/>
-              <a:t> </a:t>
-            </a:r>
-            <a:r>
-              <a:rPr lang="en-US" dirty="0" err="1" smtClean="0"/>
-              <a:t>aufgerufen</a:t>
-            </a:r>
-            <a:r>
-              <a:rPr lang="en-US" dirty="0" smtClean="0"/>
-              <a:t> </a:t>
-            </a:r>
-            <a:r>
-              <a:rPr lang="en-US" dirty="0" err="1" smtClean="0"/>
-              <a:t>werden</a:t>
-            </a:r>
-            <a:r>
-              <a:rPr lang="en-US" dirty="0" smtClean="0"/>
-              <a:t>, um </a:t>
-            </a:r>
-            <a:r>
-              <a:rPr lang="en-US" dirty="0" err="1" smtClean="0"/>
-              <a:t>Informationen</a:t>
-            </a:r>
-            <a:r>
-              <a:rPr lang="en-US" dirty="0" smtClean="0"/>
-              <a:t> von </a:t>
-            </a:r>
-            <a:r>
-              <a:rPr lang="en-US" dirty="0" err="1" smtClean="0"/>
-              <a:t>einem</a:t>
-            </a:r>
-            <a:r>
-              <a:rPr lang="en-US" dirty="0" smtClean="0"/>
-              <a:t> Server </a:t>
-            </a:r>
-            <a:r>
-              <a:rPr lang="en-US" dirty="0" err="1" smtClean="0"/>
-              <a:t>zu</a:t>
-            </a:r>
-            <a:r>
-              <a:rPr lang="en-US" dirty="0" smtClean="0"/>
-              <a:t> laden</a:t>
-            </a:r>
-            <a:endParaRPr lang="en-US" dirty="0"/>
-          </a:p>
-          <a:p>
-            <a:pPr lvl="1"/>
-            <a:r>
-              <a:rPr lang="en-US" dirty="0" err="1" smtClean="0"/>
-              <a:t>Kann</a:t>
-            </a:r>
-            <a:r>
-              <a:rPr lang="en-US" dirty="0" smtClean="0"/>
-              <a:t> </a:t>
-            </a:r>
-            <a:r>
-              <a:rPr lang="en-US" dirty="0" err="1" smtClean="0"/>
-              <a:t>über</a:t>
-            </a:r>
-            <a:r>
-              <a:rPr lang="en-US" dirty="0" smtClean="0"/>
-              <a:t> HTTP </a:t>
-            </a:r>
-            <a:r>
-              <a:rPr lang="en-US" dirty="0" err="1" smtClean="0"/>
-              <a:t>Operationen</a:t>
-            </a:r>
-            <a:r>
-              <a:rPr lang="en-US" dirty="0" smtClean="0"/>
-              <a:t> </a:t>
-            </a:r>
-            <a:r>
-              <a:rPr lang="en-US" dirty="0" err="1" smtClean="0"/>
-              <a:t>Informationen</a:t>
-            </a:r>
-            <a:r>
-              <a:rPr lang="en-US" dirty="0" smtClean="0"/>
-              <a:t> </a:t>
-            </a:r>
-            <a:r>
-              <a:rPr lang="en-US" dirty="0" err="1" smtClean="0"/>
-              <a:t>löschen</a:t>
-            </a:r>
-            <a:r>
-              <a:rPr lang="en-US" dirty="0" smtClean="0"/>
-              <a:t>, </a:t>
-            </a:r>
-            <a:r>
-              <a:rPr lang="en-US" dirty="0" err="1" smtClean="0"/>
-              <a:t>aktualisieren</a:t>
-            </a:r>
-            <a:r>
-              <a:rPr lang="en-US" dirty="0" smtClean="0"/>
-              <a:t> </a:t>
-            </a:r>
-            <a:r>
-              <a:rPr lang="en-US" dirty="0" err="1" smtClean="0"/>
-              <a:t>oder</a:t>
-            </a:r>
-            <a:r>
-              <a:rPr lang="en-US" dirty="0" smtClean="0"/>
-              <a:t> </a:t>
-            </a:r>
-            <a:r>
-              <a:rPr lang="en-US" dirty="0" err="1" smtClean="0"/>
-              <a:t>hinzufügen</a:t>
-            </a:r>
-            <a:endParaRPr lang="en-US" dirty="0"/>
-          </a:p>
-          <a:p>
-            <a:pPr lvl="1"/>
-            <a:r>
-              <a:rPr lang="en-US" dirty="0" err="1" smtClean="0"/>
-              <a:t>Benutzt</a:t>
-            </a:r>
-            <a:r>
-              <a:rPr lang="en-US" dirty="0" smtClean="0"/>
-              <a:t> URLs um </a:t>
-            </a:r>
-            <a:r>
-              <a:rPr lang="en-US" dirty="0" err="1" smtClean="0"/>
-              <a:t>Entitäten</a:t>
-            </a:r>
-            <a:r>
-              <a:rPr lang="en-US" dirty="0" smtClean="0"/>
-              <a:t> </a:t>
-            </a:r>
-            <a:r>
-              <a:rPr lang="en-US" dirty="0" err="1" smtClean="0"/>
-              <a:t>eindeutig</a:t>
-            </a:r>
-            <a:r>
-              <a:rPr lang="en-US" dirty="0" smtClean="0"/>
-              <a:t> </a:t>
-            </a:r>
-            <a:r>
-              <a:rPr lang="en-US" dirty="0" err="1" smtClean="0"/>
-              <a:t>zu</a:t>
-            </a:r>
-            <a:r>
-              <a:rPr lang="en-US" dirty="0" smtClean="0"/>
-              <a:t> </a:t>
-            </a:r>
-            <a:r>
-              <a:rPr lang="en-US" dirty="0" err="1" smtClean="0"/>
-              <a:t>beschreiben</a:t>
-            </a:r>
-            <a:endParaRPr lang="en-US" dirty="0"/>
-          </a:p>
-          <a:p>
-            <a:pPr lvl="1"/>
-            <a:r>
-              <a:rPr lang="en-US" dirty="0" err="1" smtClean="0"/>
-              <a:t>Benutzt</a:t>
-            </a:r>
-            <a:r>
-              <a:rPr lang="en-US" dirty="0" smtClean="0"/>
-              <a:t> HTTP </a:t>
-            </a:r>
-            <a:r>
-              <a:rPr lang="en-US" dirty="0"/>
-              <a:t>verbs </a:t>
-            </a:r>
-            <a:r>
-              <a:rPr lang="en-US" dirty="0" smtClean="0"/>
-              <a:t>um </a:t>
-            </a:r>
-            <a:r>
-              <a:rPr lang="en-US" dirty="0" err="1" smtClean="0"/>
-              <a:t>herauszufinden</a:t>
-            </a:r>
-            <a:r>
-              <a:rPr lang="en-US" dirty="0" smtClean="0"/>
-              <a:t>, </a:t>
-            </a:r>
-            <a:r>
-              <a:rPr lang="en-US" dirty="0" err="1" smtClean="0"/>
-              <a:t>welche</a:t>
-            </a:r>
-            <a:r>
-              <a:rPr lang="en-US" dirty="0" smtClean="0"/>
-              <a:t> Operation </a:t>
-            </a:r>
-            <a:r>
-              <a:rPr lang="en-US" dirty="0" err="1" smtClean="0"/>
-              <a:t>innerhalb</a:t>
-            </a:r>
-            <a:r>
-              <a:rPr lang="en-US" dirty="0" smtClean="0"/>
-              <a:t> der API </a:t>
-            </a:r>
-            <a:r>
-              <a:rPr lang="en-US" dirty="0" err="1" smtClean="0"/>
-              <a:t>aufgerufen</a:t>
-            </a:r>
-            <a:r>
-              <a:rPr lang="en-US" dirty="0" smtClean="0"/>
-              <a:t> </a:t>
-            </a:r>
-            <a:r>
-              <a:rPr lang="en-US" dirty="0" err="1" smtClean="0"/>
-              <a:t>werden</a:t>
-            </a:r>
-            <a:r>
-              <a:rPr lang="en-US" dirty="0" smtClean="0"/>
-              <a:t> </a:t>
-            </a:r>
-            <a:r>
-              <a:rPr lang="en-US" dirty="0" err="1" smtClean="0"/>
-              <a:t>soll</a:t>
-            </a:r>
-            <a:r>
-              <a:rPr lang="en-US" dirty="0" smtClean="0"/>
-              <a:t>. HTTP </a:t>
-            </a:r>
-            <a:r>
-              <a:rPr lang="en-US" dirty="0"/>
-              <a:t>verbs </a:t>
-            </a:r>
-            <a:r>
-              <a:rPr lang="en-US" dirty="0" err="1" smtClean="0"/>
-              <a:t>sind</a:t>
+              <a:t>Beispiele</a:t>
             </a:r>
             <a:r>
               <a:rPr lang="en-US" dirty="0" smtClean="0"/>
               <a:t>:</a:t>
             </a:r>
+          </a:p>
+          <a:p>
+            <a:pPr marL="0" indent="0">
+              <a:buNone/>
+            </a:pPr>
+            <a:r>
+              <a:rPr lang="en-US" sz="1600" dirty="0" smtClean="0"/>
+              <a:t>GET auf: </a:t>
+            </a:r>
+            <a:r>
+              <a:rPr lang="en-US" sz="1600" i="1" dirty="0" smtClean="0"/>
+              <a:t>http://localhost/api/posts </a:t>
+            </a:r>
+            <a:r>
+              <a:rPr lang="en-US" sz="1600" dirty="0" err="1" smtClean="0"/>
+              <a:t>liefert</a:t>
+            </a:r>
+            <a:r>
+              <a:rPr lang="en-US" sz="1600" dirty="0" smtClean="0"/>
+              <a:t> </a:t>
+            </a:r>
+            <a:r>
+              <a:rPr lang="en-US" sz="1600" dirty="0" err="1" smtClean="0"/>
+              <a:t>alle</a:t>
+            </a:r>
+            <a:r>
+              <a:rPr lang="en-US" sz="1600" dirty="0" smtClean="0"/>
+              <a:t> Posts </a:t>
+            </a:r>
+            <a:r>
+              <a:rPr lang="en-US" sz="1600" dirty="0" err="1" smtClean="0"/>
+              <a:t>zurück</a:t>
+            </a:r>
+            <a:endParaRPr lang="en-US" sz="1600" dirty="0" smtClean="0"/>
+          </a:p>
+          <a:p>
+            <a:pPr marL="0" indent="0">
+              <a:buNone/>
+            </a:pPr>
+            <a:r>
+              <a:rPr lang="en-US" sz="1600" dirty="0" smtClean="0"/>
+              <a:t>GET auf: </a:t>
+            </a:r>
+            <a:r>
+              <a:rPr lang="en-US" sz="1600" i="1" dirty="0" smtClean="0"/>
+              <a:t>http</a:t>
+            </a:r>
+            <a:r>
+              <a:rPr lang="en-US" sz="1600" i="1" dirty="0"/>
+              <a:t>://</a:t>
+            </a:r>
+            <a:r>
+              <a:rPr lang="en-US" sz="1600" i="1" dirty="0" smtClean="0"/>
+              <a:t>localhost/api/posts/1 </a:t>
+            </a:r>
+            <a:r>
+              <a:rPr lang="en-US" sz="1600" dirty="0" err="1" smtClean="0"/>
+              <a:t>liefert</a:t>
+            </a:r>
+            <a:r>
+              <a:rPr lang="en-US" sz="1600" dirty="0" smtClean="0"/>
+              <a:t> Post </a:t>
+            </a:r>
+            <a:r>
+              <a:rPr lang="en-US" sz="1600" dirty="0" err="1" smtClean="0"/>
+              <a:t>mit</a:t>
+            </a:r>
+            <a:r>
+              <a:rPr lang="en-US" sz="1600" dirty="0" smtClean="0"/>
+              <a:t> der Id 1 </a:t>
+            </a:r>
+            <a:r>
+              <a:rPr lang="en-US" sz="1600" dirty="0" err="1" smtClean="0"/>
+              <a:t>zurück</a:t>
+            </a:r>
+            <a:endParaRPr lang="en-US" sz="1600" dirty="0" smtClean="0"/>
+          </a:p>
+          <a:p>
+            <a:pPr marL="0" indent="0">
+              <a:buNone/>
+            </a:pPr>
+            <a:r>
+              <a:rPr lang="en-US" sz="1600" dirty="0" smtClean="0"/>
+              <a:t>POST auf: </a:t>
+            </a:r>
+            <a:r>
+              <a:rPr lang="en-US" sz="1600" i="1" dirty="0"/>
+              <a:t>http://localhost/api/posts </a:t>
+            </a:r>
+            <a:r>
+              <a:rPr lang="en-US" sz="1600" dirty="0" err="1" smtClean="0"/>
+              <a:t>mit</a:t>
+            </a:r>
+            <a:r>
+              <a:rPr lang="en-US" sz="1600" dirty="0" smtClean="0"/>
+              <a:t> </a:t>
+            </a:r>
+            <a:r>
+              <a:rPr lang="en-US" sz="1600" dirty="0" err="1" smtClean="0"/>
+              <a:t>Übermittlung</a:t>
+            </a:r>
+            <a:r>
+              <a:rPr lang="en-US" sz="1600" dirty="0" smtClean="0"/>
+              <a:t> der </a:t>
+            </a:r>
+            <a:r>
+              <a:rPr lang="en-US" sz="1600" dirty="0" err="1" smtClean="0"/>
+              <a:t>notwendigen</a:t>
+            </a:r>
+            <a:r>
+              <a:rPr lang="en-US" sz="1600" dirty="0" smtClean="0"/>
+              <a:t> </a:t>
+            </a:r>
+            <a:r>
+              <a:rPr lang="en-US" sz="1600" dirty="0" err="1" smtClean="0"/>
+              <a:t>Daten</a:t>
+            </a:r>
+            <a:r>
+              <a:rPr lang="en-US" sz="1600" dirty="0" smtClean="0"/>
+              <a:t> </a:t>
+            </a:r>
+            <a:r>
+              <a:rPr lang="en-US" sz="1600" dirty="0" err="1" smtClean="0"/>
+              <a:t>erstellt</a:t>
+            </a:r>
+            <a:r>
+              <a:rPr lang="en-US" sz="1600" dirty="0" smtClean="0"/>
+              <a:t> </a:t>
+            </a:r>
+            <a:r>
+              <a:rPr lang="en-US" sz="1600" dirty="0" err="1" smtClean="0"/>
+              <a:t>einen</a:t>
+            </a:r>
+            <a:r>
+              <a:rPr lang="en-US" sz="1600" dirty="0" smtClean="0"/>
+              <a:t> </a:t>
+            </a:r>
+            <a:r>
+              <a:rPr lang="en-US" sz="1600" dirty="0" err="1" smtClean="0"/>
+              <a:t>neuen</a:t>
+            </a:r>
+            <a:r>
+              <a:rPr lang="en-US" sz="1600" dirty="0" smtClean="0"/>
+              <a:t> Post</a:t>
+            </a:r>
+          </a:p>
+          <a:p>
+            <a:pPr marL="0" indent="0">
+              <a:buNone/>
+            </a:pPr>
+            <a:r>
+              <a:rPr lang="en-US" sz="1600" dirty="0" smtClean="0"/>
+              <a:t>DELETE auf:</a:t>
+            </a:r>
+            <a:r>
+              <a:rPr lang="en-US" sz="1600" i="1" dirty="0" smtClean="0"/>
+              <a:t> </a:t>
+            </a:r>
+            <a:r>
+              <a:rPr lang="en-US" sz="1600" i="1" dirty="0"/>
+              <a:t>http://localhost/api/posts/1 </a:t>
+            </a:r>
+            <a:r>
+              <a:rPr lang="en-US" sz="1600" dirty="0" err="1" smtClean="0"/>
+              <a:t>löscht</a:t>
+            </a:r>
+            <a:r>
+              <a:rPr lang="en-US" sz="1600" dirty="0" smtClean="0"/>
+              <a:t> Post </a:t>
+            </a:r>
+            <a:r>
+              <a:rPr lang="en-US" sz="1600" dirty="0" err="1" smtClean="0"/>
+              <a:t>mit</a:t>
+            </a:r>
+            <a:r>
+              <a:rPr lang="en-US" sz="1600" dirty="0" smtClean="0"/>
+              <a:t> der Id 1</a:t>
+            </a:r>
+          </a:p>
+          <a:p>
+            <a:pPr marL="0" indent="0">
+              <a:buNone/>
+            </a:pPr>
             <a:endParaRPr lang="en-US" dirty="0"/>
           </a:p>
           <a:p>
-            <a:pPr lvl="2"/>
-            <a:r>
-              <a:rPr lang="en-US" b="1" dirty="0"/>
-              <a:t>GET</a:t>
-            </a:r>
-          </a:p>
-          <a:p>
-            <a:pPr lvl="2"/>
-            <a:r>
-              <a:rPr lang="en-US" b="1" dirty="0"/>
-              <a:t>POST</a:t>
-            </a:r>
-          </a:p>
-          <a:p>
-            <a:pPr lvl="2"/>
-            <a:r>
-              <a:rPr lang="en-US" b="1" dirty="0"/>
-              <a:t>PUT</a:t>
-            </a:r>
-          </a:p>
-          <a:p>
-            <a:pPr lvl="2"/>
-            <a:r>
-              <a:rPr lang="en-US" b="1" dirty="0" smtClean="0"/>
-              <a:t>DELETE</a:t>
-            </a:r>
-            <a:endParaRPr lang="en-US" b="1" dirty="0"/>
+            <a:pPr marL="0" indent="0">
+              <a:buNone/>
+            </a:pPr>
+            <a:endParaRPr lang="en-US" dirty="0"/>
           </a:p>
         </p:txBody>
       </p:sp>
@@ -8708,30 +9549,7 @@
           <a:p>
             <a:r>
               <a:rPr lang="de-DE" dirty="0" smtClean="0"/>
-              <a:t>Data Return Formats</a:t>
-            </a:r>
-            <a:endParaRPr lang="de-DE" dirty="0"/>
-          </a:p>
-        </p:txBody>
-      </p:sp>
-      <p:sp>
-        <p:nvSpPr>
-          <p:cNvPr id="3" name="Inhaltsplatzhalter 2"/>
-          <p:cNvSpPr>
-            <a:spLocks noGrp="1"/>
-          </p:cNvSpPr>
-          <p:nvPr>
-            <p:ph sz="quarter" idx="10"/>
-          </p:nvPr>
-        </p:nvSpPr>
-        <p:spPr/>
-        <p:txBody>
-          <a:bodyPr/>
-          <a:lstStyle/>
-          <a:p>
-            <a:r>
-              <a:rPr lang="de-DE" dirty="0" smtClean="0"/>
-              <a:t>JSON oder XML</a:t>
+              <a:t>1.3 Datenformate</a:t>
             </a:r>
             <a:endParaRPr lang="de-DE" dirty="0"/>
           </a:p>
@@ -8760,8 +9578,8 @@
         </p:blipFill>
         <p:spPr bwMode="auto">
           <a:xfrm>
-            <a:off x="2526645" y="1341438"/>
-            <a:ext cx="7753350" cy="5029201"/>
+            <a:off x="1835072" y="1287118"/>
+            <a:ext cx="7194627" cy="4666786"/>
           </a:xfrm>
           <a:prstGeom prst="rect">
             <a:avLst/>
@@ -8778,6 +9596,82 @@
           </a:extLst>
         </p:spPr>
       </p:pic>
+      <p:sp>
+        <p:nvSpPr>
+          <p:cNvPr id="5" name="Textfeld 4"/>
+          <p:cNvSpPr txBox="1"/>
+          <p:nvPr/>
+        </p:nvSpPr>
+        <p:spPr>
+          <a:xfrm>
+            <a:off x="3371850" y="6134379"/>
+            <a:ext cx="553357" cy="307777"/>
+          </a:xfrm>
+          <a:prstGeom prst="rect">
+            <a:avLst/>
+          </a:prstGeom>
+          <a:noFill/>
+        </p:spPr>
+        <p:txBody>
+          <a:bodyPr wrap="none" rtlCol="0">
+            <a:spAutoFit/>
+          </a:bodyPr>
+          <a:lstStyle/>
+          <a:p>
+            <a:r>
+              <a:rPr lang="de-DE" sz="1400" dirty="0" smtClean="0">
+                <a:solidFill>
+                  <a:schemeClr val="accent3"/>
+                </a:solidFill>
+              </a:rPr>
+              <a:t>XML</a:t>
+            </a:r>
+            <a:endParaRPr lang="de-DE" sz="1400" dirty="0" smtClean="0">
+              <a:solidFill>
+                <a:schemeClr val="accent3"/>
+              </a:solidFill>
+            </a:endParaRPr>
+          </a:p>
+        </p:txBody>
+      </p:sp>
+      <p:sp>
+        <p:nvSpPr>
+          <p:cNvPr id="7" name="Textfeld 6"/>
+          <p:cNvSpPr txBox="1"/>
+          <p:nvPr/>
+        </p:nvSpPr>
+        <p:spPr>
+          <a:xfrm>
+            <a:off x="6715125" y="6134379"/>
+            <a:ext cx="673582" cy="307777"/>
+          </a:xfrm>
+          <a:prstGeom prst="rect">
+            <a:avLst/>
+          </a:prstGeom>
+          <a:noFill/>
+        </p:spPr>
+        <p:txBody>
+          <a:bodyPr wrap="none" rtlCol="0">
+            <a:spAutoFit/>
+          </a:bodyPr>
+          <a:lstStyle/>
+          <a:p>
+            <a:r>
+              <a:rPr lang="de-DE" sz="1400" b="1" dirty="0" smtClean="0">
+                <a:solidFill>
+                  <a:schemeClr val="accent3"/>
+                </a:solidFill>
+              </a:rPr>
+              <a:t>JSON</a:t>
+            </a:r>
+            <a:endParaRPr lang="de-DE" sz="1400" b="1" dirty="0" smtClean="0">
+              <a:solidFill>
+                <a:schemeClr val="accent3"/>
+              </a:solidFill>
+            </a:endParaRPr>
+          </a:p>
+        </p:txBody>
+      </p:sp>
     </p:spTree>
     <p:extLst>
       <p:ext uri="{BB962C8B-B14F-4D97-AF65-F5344CB8AC3E}">
@@ -8825,7 +9719,7 @@
           <a:p>
             <a:r>
               <a:rPr lang="en-US" dirty="0" smtClean="0"/>
-              <a:t>Routing</a:t>
+              <a:t>1.4 DTO (Data-Transfer-Object)</a:t>
             </a:r>
             <a:endParaRPr lang="en-US" dirty="0"/>
           </a:p>
@@ -8841,18 +9735,23 @@
             <p:ph sz="quarter" idx="10"/>
           </p:nvPr>
         </p:nvSpPr>
-        <p:spPr/>
+        <p:spPr>
+          <a:xfrm>
+            <a:off x="587298" y="1371600"/>
+            <a:ext cx="6880302" cy="5308560"/>
+          </a:xfrm>
+        </p:spPr>
         <p:txBody>
           <a:bodyPr/>
           <a:lstStyle/>
           <a:p>
             <a:r>
               <a:rPr lang="en-US" dirty="0" smtClean="0"/>
-              <a:t>Um Web API Requests </a:t>
+              <a:t>Man will </a:t>
             </a:r>
             <a:r>
               <a:rPr lang="en-US" dirty="0" err="1" smtClean="0"/>
-              <a:t>zu</a:t>
+              <a:t>nicht</a:t>
             </a:r>
             <a:r>
               <a:rPr lang="en-US" dirty="0" smtClean="0"/>
@@ -8860,15 +9759,15 @@
             </a:r>
             <a:r>
               <a:rPr lang="en-US" dirty="0" err="1" smtClean="0"/>
-              <a:t>verarbeiten</a:t>
+              <a:t>alle</a:t>
             </a:r>
             <a:r>
               <a:rPr lang="en-US" dirty="0" smtClean="0"/>
-              <a:t>, </a:t>
+              <a:t> Attribute </a:t>
             </a:r>
             <a:r>
               <a:rPr lang="en-US" dirty="0" err="1" smtClean="0"/>
-              <a:t>lassen</a:t>
+              <a:t>eines</a:t>
             </a:r>
             <a:r>
               <a:rPr lang="en-US" dirty="0" smtClean="0"/>
@@ -8876,30 +9775,7 @@
             </a:r>
             <a:r>
               <a:rPr lang="en-US" dirty="0" err="1" smtClean="0"/>
-              <a:t>sich</a:t>
-            </a:r>
-            <a:r>
-              <a:rPr lang="en-US" dirty="0" smtClean="0"/>
-              <a:t> Controller-</a:t>
-            </a:r>
-            <a:r>
-              <a:rPr lang="en-US" dirty="0" err="1" smtClean="0"/>
-              <a:t>Namen</a:t>
-            </a:r>
-            <a:r>
-              <a:rPr lang="en-US" dirty="0" smtClean="0"/>
-              <a:t> und Naming Conventions </a:t>
-            </a:r>
-            <a:r>
-              <a:rPr lang="en-US" dirty="0" err="1" smtClean="0"/>
-              <a:t>nutzen</a:t>
-            </a:r>
-            <a:endParaRPr lang="en-US" dirty="0" smtClean="0"/>
-          </a:p>
-          <a:p>
-            <a:r>
-              <a:rPr lang="en-US" dirty="0" err="1" smtClean="0"/>
-              <a:t>Alternativ</a:t>
+              <a:t>Objekts</a:t>
             </a:r>
             <a:r>
               <a:rPr lang="en-US" dirty="0" smtClean="0"/>
@@ -8907,7 +9783,88 @@
             </a:r>
             <a:r>
               <a:rPr lang="en-US" dirty="0" err="1" smtClean="0"/>
-              <a:t>lässt</a:t>
+              <a:t>über</a:t>
+            </a:r>
+            <a:r>
+              <a:rPr lang="en-US" dirty="0" smtClean="0"/>
+              <a:t> APIs </a:t>
+            </a:r>
+            <a:r>
+              <a:rPr lang="en-US" dirty="0" err="1" smtClean="0"/>
+              <a:t>veröffentlichen</a:t>
+            </a:r>
+            <a:endParaRPr lang="en-US" dirty="0" smtClean="0"/>
+          </a:p>
+          <a:p>
+            <a:pPr lvl="1"/>
+            <a:r>
+              <a:rPr lang="en-US" dirty="0" smtClean="0">
+                <a:solidFill>
+                  <a:schemeClr val="accent3"/>
+                </a:solidFill>
+              </a:rPr>
+              <a:t>Security</a:t>
+            </a:r>
+          </a:p>
+          <a:p>
+            <a:pPr lvl="1"/>
+            <a:r>
+              <a:rPr lang="en-US" dirty="0" smtClean="0">
+                <a:solidFill>
+                  <a:schemeClr val="accent3"/>
+                </a:solidFill>
+              </a:rPr>
+              <a:t>Performance</a:t>
+            </a:r>
+          </a:p>
+          <a:p>
+            <a:pPr lvl="1"/>
+            <a:r>
+              <a:rPr lang="en-US" dirty="0" err="1" smtClean="0">
+                <a:solidFill>
+                  <a:schemeClr val="accent3"/>
+                </a:solidFill>
+              </a:rPr>
+              <a:t>Zirkuläre</a:t>
+            </a:r>
+            <a:r>
+              <a:rPr lang="en-US" dirty="0" smtClean="0">
+                <a:solidFill>
+                  <a:schemeClr val="accent3"/>
+                </a:solidFill>
+              </a:rPr>
+              <a:t> </a:t>
+            </a:r>
+            <a:r>
+              <a:rPr lang="en-US" dirty="0" err="1" smtClean="0">
+                <a:solidFill>
+                  <a:schemeClr val="accent3"/>
+                </a:solidFill>
+              </a:rPr>
+              <a:t>Referenzen</a:t>
+            </a:r>
+            <a:endParaRPr lang="en-US" dirty="0" smtClean="0"/>
+          </a:p>
+          <a:p>
+            <a:r>
+              <a:rPr lang="en-US" dirty="0" err="1" smtClean="0"/>
+              <a:t>Lösung</a:t>
+            </a:r>
+            <a:r>
+              <a:rPr lang="en-US" dirty="0" smtClean="0"/>
+              <a:t>: </a:t>
+            </a:r>
+            <a:r>
+              <a:rPr lang="en-US" dirty="0" err="1" smtClean="0"/>
+              <a:t>Vereinfachte</a:t>
+            </a:r>
+            <a:r>
+              <a:rPr lang="en-US" dirty="0" smtClean="0"/>
+              <a:t> Version von </a:t>
+            </a:r>
+            <a:r>
+              <a:rPr lang="en-US" dirty="0" err="1" smtClean="0"/>
+              <a:t>Klassen</a:t>
             </a:r>
             <a:r>
               <a:rPr lang="en-US" dirty="0" smtClean="0"/>
@@ -8915,15 +9872,15 @@
             </a:r>
             <a:r>
               <a:rPr lang="en-US" dirty="0" err="1" smtClean="0"/>
-              <a:t>sich</a:t>
+              <a:t>über</a:t>
             </a:r>
             <a:r>
               <a:rPr lang="en-US" dirty="0" smtClean="0"/>
-              <a:t> das Mapping </a:t>
+              <a:t> API </a:t>
             </a:r>
             <a:r>
               <a:rPr lang="en-US" dirty="0" err="1" smtClean="0"/>
-              <a:t>auch</a:t>
+              <a:t>nach</a:t>
             </a:r>
             <a:r>
               <a:rPr lang="en-US" dirty="0" smtClean="0"/>
@@ -8931,7 +9888,7 @@
             </a:r>
             <a:r>
               <a:rPr lang="en-US" dirty="0" err="1" smtClean="0"/>
-              <a:t>über</a:t>
+              <a:t>außen</a:t>
             </a:r>
             <a:r>
               <a:rPr lang="en-US" dirty="0" smtClean="0"/>
@@ -8939,95 +9896,38 @@
             </a:r>
             <a:r>
               <a:rPr lang="en-US" dirty="0" err="1" smtClean="0"/>
-              <a:t>folgende</a:t>
+              <a:t>reichen</a:t>
+            </a:r>
+            <a:endParaRPr lang="en-US" dirty="0" smtClean="0"/>
+          </a:p>
+          <a:p>
+            <a:r>
+              <a:rPr lang="en-US" dirty="0" err="1" smtClean="0"/>
+              <a:t>Objekt</a:t>
             </a:r>
             <a:r>
               <a:rPr lang="en-US" dirty="0" smtClean="0"/>
-              <a:t> Attribute </a:t>
+              <a:t> muss in DTO </a:t>
             </a:r>
             <a:r>
               <a:rPr lang="en-US" dirty="0" err="1" smtClean="0"/>
-              <a:t>beeinflussen</a:t>
-            </a:r>
-            <a:r>
-              <a:rPr lang="en-US" dirty="0" smtClean="0"/>
-              <a:t>:</a:t>
-            </a:r>
-            <a:endParaRPr lang="en-US" dirty="0"/>
-          </a:p>
-          <a:p>
-            <a:pPr lvl="1"/>
-            <a:r>
-              <a:rPr lang="en-US" dirty="0" smtClean="0"/>
-              <a:t>Die </a:t>
-            </a:r>
-            <a:r>
-              <a:rPr lang="en-US" b="1" dirty="0" err="1" smtClean="0"/>
-              <a:t>HttpGet</a:t>
-            </a:r>
-            <a:r>
-              <a:rPr lang="en-US" dirty="0"/>
-              <a:t>, </a:t>
-            </a:r>
-            <a:r>
-              <a:rPr lang="en-US" b="1" dirty="0" err="1"/>
-              <a:t>HttpPut</a:t>
-            </a:r>
-            <a:r>
-              <a:rPr lang="en-US" dirty="0"/>
-              <a:t>, </a:t>
-            </a:r>
-            <a:r>
-              <a:rPr lang="en-US" b="1" dirty="0" err="1"/>
-              <a:t>HttpPost</a:t>
-            </a:r>
-            <a:r>
-              <a:rPr lang="en-US" dirty="0"/>
-              <a:t>, </a:t>
-            </a:r>
-            <a:r>
-              <a:rPr lang="en-US" dirty="0" err="1" smtClean="0"/>
-              <a:t>oder</a:t>
+              <a:t>gemappt</a:t>
             </a:r>
             <a:r>
               <a:rPr lang="en-US" dirty="0" smtClean="0"/>
               <a:t> </a:t>
             </a:r>
             <a:r>
-              <a:rPr lang="en-US" b="1" dirty="0" err="1" smtClean="0"/>
-              <a:t>HttpDelete</a:t>
+              <a:rPr lang="en-US" dirty="0" err="1" smtClean="0"/>
+              <a:t>werden</a:t>
             </a:r>
             <a:r>
               <a:rPr lang="en-US" dirty="0" smtClean="0"/>
-              <a:t> Attribute</a:t>
-            </a:r>
-            <a:endParaRPr lang="en-US" dirty="0"/>
-          </a:p>
-          <a:p>
-            <a:pPr lvl="1"/>
-            <a:r>
-              <a:rPr lang="en-US" dirty="0" smtClean="0"/>
-              <a:t>Das </a:t>
-            </a:r>
-            <a:r>
-              <a:rPr lang="en-US" b="1" dirty="0" smtClean="0"/>
-              <a:t>Route </a:t>
+              <a:t> und </a:t>
             </a:r>
             <a:r>
               <a:rPr lang="en-US" dirty="0" err="1" smtClean="0"/>
-              <a:t>Attribut</a:t>
-            </a:r>
-            <a:endParaRPr lang="en-US" dirty="0"/>
-          </a:p>
-          <a:p>
-            <a:pPr lvl="1"/>
-            <a:r>
-              <a:rPr lang="en-US" dirty="0" smtClean="0"/>
-              <a:t>Das </a:t>
-            </a:r>
-            <a:r>
-              <a:rPr lang="en-US" b="1" dirty="0" err="1" smtClean="0"/>
-              <a:t>ActionName</a:t>
+              <a:t>anders</a:t>
             </a:r>
             <a:r>
               <a:rPr lang="en-US" dirty="0" smtClean="0"/>
@@ -9035,12 +9935,36 @@
             </a:r>
             <a:r>
               <a:rPr lang="en-US" dirty="0" err="1" smtClean="0"/>
-              <a:t>Attribut</a:t>
+              <a:t>herum</a:t>
             </a:r>
             <a:endParaRPr lang="en-US" dirty="0"/>
           </a:p>
         </p:txBody>
       </p:sp>
+      <p:pic>
+        <p:nvPicPr>
+          <p:cNvPr id="4" name="Grafik 3"/>
+          <p:cNvPicPr>
+            <a:picLocks noChangeAspect="1"/>
+          </p:cNvPicPr>
+          <p:nvPr/>
+        </p:nvPicPr>
+        <p:blipFill>
+          <a:blip r:embed="rId3"/>
+          <a:stretch>
+            <a:fillRect/>
+          </a:stretch>
+        </p:blipFill>
+        <p:spPr>
+          <a:xfrm>
+            <a:off x="7635914" y="1472865"/>
+            <a:ext cx="4267200" cy="3028950"/>
+          </a:xfrm>
+          <a:prstGeom prst="rect">
+            <a:avLst/>
+          </a:prstGeom>
+        </p:spPr>
+      </p:pic>
     </p:spTree>
     <p:extLst>
       <p:ext uri="{BB962C8B-B14F-4D97-AF65-F5344CB8AC3E}">

--- a/05. ASP.NET Web API/Entwicklung einer Schnittstelle mit ASP.NET Web API.pptx
+++ b/05. ASP.NET Web API/Entwicklung einer Schnittstelle mit ASP.NET Web API.pptx
@@ -12,8 +12,8 @@
   </p:handoutMasterIdLst>
   <p:sldIdLst>
     <p:sldId id="332" r:id="rId2"/>
-    <p:sldId id="399" r:id="rId3"/>
-    <p:sldId id="299" r:id="rId4"/>
+    <p:sldId id="299" r:id="rId3"/>
+    <p:sldId id="399" r:id="rId4"/>
     <p:sldId id="361" r:id="rId5"/>
     <p:sldId id="362" r:id="rId6"/>
     <p:sldId id="394" r:id="rId7"/>
@@ -308,7 +308,7 @@
               <a:pPr>
                 <a:defRPr/>
               </a:pPr>
-              <a:t>23.08.2017</a:t>
+              <a:t>07.09.2017</a:t>
             </a:fld>
             <a:endParaRPr lang="de-DE" dirty="0"/>
           </a:p>
@@ -507,7 +507,7 @@
               <a:pPr>
                 <a:defRPr/>
               </a:pPr>
-              <a:t>2017-08-23</a:t>
+              <a:t>2017-09-07</a:t>
             </a:fld>
             <a:endParaRPr lang="sv-SE"/>
           </a:p>
@@ -933,7 +933,7 @@
     </p:spTree>
     <p:extLst>
       <p:ext uri="{BB962C8B-B14F-4D97-AF65-F5344CB8AC3E}">
-        <p14:creationId xmlns:p14="http://schemas.microsoft.com/office/powerpoint/2010/main" val="4070939276"/>
+        <p14:creationId xmlns:p14="http://schemas.microsoft.com/office/powerpoint/2010/main" val="2144204826"/>
       </p:ext>
     </p:extLst>
   </p:cSld>
@@ -1043,7 +1043,7 @@
     </p:spTree>
     <p:extLst>
       <p:ext uri="{BB962C8B-B14F-4D97-AF65-F5344CB8AC3E}">
-        <p14:creationId xmlns:p14="http://schemas.microsoft.com/office/powerpoint/2010/main" val="2144204826"/>
+        <p14:creationId xmlns:p14="http://schemas.microsoft.com/office/powerpoint/2010/main" val="4070939276"/>
       </p:ext>
     </p:extLst>
   </p:cSld>
@@ -5817,11 +5817,7 @@
             </a:r>
             <a:r>
               <a:rPr lang="en-US" dirty="0" smtClean="0"/>
-              <a:t>: Controller und </a:t>
-            </a:r>
-            <a:r>
-              <a:rPr lang="en-US" dirty="0" smtClean="0"/>
-              <a:t>Routing</a:t>
+              <a:t>: Controller und Routing</a:t>
             </a:r>
             <a:endParaRPr lang="en-US" dirty="0"/>
           </a:p>
@@ -7127,7 +7123,7 @@
             <a:pPr eaLnBrk="1" hangingPunct="1"/>
             <a:r>
               <a:rPr lang="de-DE" dirty="0" smtClean="0"/>
-              <a:t>Module Tag 2</a:t>
+              <a:t>Kursinhalte</a:t>
             </a:r>
           </a:p>
         </p:txBody>
@@ -7170,7 +7166,404 @@
           <p:nvPr>
             <p:extLst>
               <p:ext uri="{D42A27DB-BD31-4B8C-83A1-F6EECF244321}">
-                <p14:modId xmlns:p14="http://schemas.microsoft.com/office/powerpoint/2010/main" val="3342809751"/>
+                <p14:modId xmlns:p14="http://schemas.microsoft.com/office/powerpoint/2010/main" val="539427628"/>
+              </p:ext>
+            </p:extLst>
+          </p:nvPr>
+        </p:nvGraphicFramePr>
+        <p:xfrm>
+          <a:off x="587298" y="1444713"/>
+          <a:ext cx="8928177" cy="2746287"/>
+        </p:xfrm>
+        <a:graphic>
+          <a:graphicData uri="http://schemas.openxmlformats.org/drawingml/2006/table">
+            <a:tbl>
+              <a:tblPr firstRow="1" bandRow="1">
+                <a:tableStyleId>{B301B821-A1FF-4177-AEE7-76D212191A09}</a:tableStyleId>
+              </a:tblPr>
+              <a:tblGrid>
+                <a:gridCol w="1357132">
+                  <a:extLst>
+                    <a:ext uri="{9D8B030D-6E8A-4147-A177-3AD203B41FA5}">
+                      <a16:colId xmlns:a16="http://schemas.microsoft.com/office/drawing/2014/main" val="20000"/>
+                    </a:ext>
+                  </a:extLst>
+                </a:gridCol>
+                <a:gridCol w="7571045">
+                  <a:extLst>
+                    <a:ext uri="{9D8B030D-6E8A-4147-A177-3AD203B41FA5}">
+                      <a16:colId xmlns:a16="http://schemas.microsoft.com/office/drawing/2014/main" val="20001"/>
+                    </a:ext>
+                  </a:extLst>
+                </a:gridCol>
+              </a:tblGrid>
+              <a:tr h="460287">
+                <a:tc gridSpan="2">
+                  <a:txBody>
+                    <a:bodyPr/>
+                    <a:lstStyle/>
+                    <a:p>
+                      <a:pPr marL="0" marR="0" indent="0" algn="l" defTabSz="914332" rtl="0" eaLnBrk="1" fontAlgn="auto" latinLnBrk="0" hangingPunct="1">
+                        <a:lnSpc>
+                          <a:spcPct val="100000"/>
+                        </a:lnSpc>
+                        <a:spcBef>
+                          <a:spcPts val="0"/>
+                        </a:spcBef>
+                        <a:spcAft>
+                          <a:spcPts val="0"/>
+                        </a:spcAft>
+                        <a:buClrTx/>
+                        <a:buSzTx/>
+                        <a:buFontTx/>
+                        <a:buNone/>
+                        <a:tabLst/>
+                        <a:defRPr/>
+                      </a:pPr>
+                      <a:r>
+                        <a:rPr lang="de-DE" b="1" dirty="0" smtClean="0">
+                          <a:solidFill>
+                            <a:schemeClr val="tx1"/>
+                          </a:solidFill>
+                        </a:rPr>
+                        <a:t>.NET Jump Start</a:t>
+                      </a:r>
+                    </a:p>
+                  </a:txBody>
+                  <a:tcPr/>
+                </a:tc>
+                <a:tc hMerge="1">
+                  <a:txBody>
+                    <a:bodyPr/>
+                    <a:lstStyle/>
+                    <a:p>
+                      <a:endParaRPr lang="de-DE" dirty="0"/>
+                    </a:p>
+                  </a:txBody>
+                  <a:tcPr/>
+                </a:tc>
+                <a:extLst>
+                  <a:ext uri="{0D108BD9-81ED-4DB2-BD59-A6C34878D82A}">
+                    <a16:rowId xmlns:a16="http://schemas.microsoft.com/office/drawing/2014/main" val="10000"/>
+                  </a:ext>
+                </a:extLst>
+              </a:tr>
+              <a:tr h="370840">
+                <a:tc>
+                  <a:txBody>
+                    <a:bodyPr/>
+                    <a:lstStyle/>
+                    <a:p>
+                      <a:r>
+                        <a:rPr lang="de-DE" dirty="0" smtClean="0"/>
+                        <a:t>Tag 1</a:t>
+                      </a:r>
+                      <a:endParaRPr lang="de-DE" dirty="0"/>
+                    </a:p>
+                  </a:txBody>
+                  <a:tcPr/>
+                </a:tc>
+                <a:tc>
+                  <a:txBody>
+                    <a:bodyPr/>
+                    <a:lstStyle/>
+                    <a:p>
+                      <a:r>
+                        <a:rPr lang="de-DE" b="0" dirty="0" smtClean="0"/>
+                        <a:t>01 | Überblick</a:t>
+                      </a:r>
+                      <a:endParaRPr lang="de-DE" b="0" dirty="0"/>
+                    </a:p>
+                  </a:txBody>
+                  <a:tcPr/>
+                </a:tc>
+                <a:extLst>
+                  <a:ext uri="{0D108BD9-81ED-4DB2-BD59-A6C34878D82A}">
+                    <a16:rowId xmlns:a16="http://schemas.microsoft.com/office/drawing/2014/main" val="10001"/>
+                  </a:ext>
+                </a:extLst>
+              </a:tr>
+              <a:tr h="370840">
+                <a:tc>
+                  <a:txBody>
+                    <a:bodyPr/>
+                    <a:lstStyle/>
+                    <a:p>
+                      <a:endParaRPr lang="de-DE" b="1" dirty="0"/>
+                    </a:p>
+                  </a:txBody>
+                  <a:tcPr/>
+                </a:tc>
+                <a:tc>
+                  <a:txBody>
+                    <a:bodyPr/>
+                    <a:lstStyle/>
+                    <a:p>
+                      <a:r>
+                        <a:rPr lang="de-DE" b="0" dirty="0" smtClean="0"/>
+                        <a:t>02 | Vorbereitung und Projektsetup</a:t>
+                      </a:r>
+                      <a:endParaRPr lang="de-DE" b="0" dirty="0"/>
+                    </a:p>
+                  </a:txBody>
+                  <a:tcPr/>
+                </a:tc>
+                <a:extLst>
+                  <a:ext uri="{0D108BD9-81ED-4DB2-BD59-A6C34878D82A}">
+                    <a16:rowId xmlns:a16="http://schemas.microsoft.com/office/drawing/2014/main" val="10002"/>
+                  </a:ext>
+                </a:extLst>
+              </a:tr>
+              <a:tr h="370840">
+                <a:tc>
+                  <a:txBody>
+                    <a:bodyPr/>
+                    <a:lstStyle/>
+                    <a:p>
+                      <a:endParaRPr lang="de-DE" dirty="0"/>
+                    </a:p>
+                  </a:txBody>
+                  <a:tcPr/>
+                </a:tc>
+                <a:tc>
+                  <a:txBody>
+                    <a:bodyPr/>
+                    <a:lstStyle/>
+                    <a:p>
+                      <a:r>
+                        <a:rPr lang="de-DE" dirty="0" smtClean="0"/>
+                        <a:t>03 | Datenmodellierung und -abfrage mit dem Entity Framework</a:t>
+                      </a:r>
+                      <a:endParaRPr lang="de-DE" dirty="0"/>
+                    </a:p>
+                  </a:txBody>
+                  <a:tcPr/>
+                </a:tc>
+                <a:extLst>
+                  <a:ext uri="{0D108BD9-81ED-4DB2-BD59-A6C34878D82A}">
+                    <a16:rowId xmlns:a16="http://schemas.microsoft.com/office/drawing/2014/main" val="10003"/>
+                  </a:ext>
+                </a:extLst>
+              </a:tr>
+              <a:tr h="370840">
+                <a:tc>
+                  <a:txBody>
+                    <a:bodyPr/>
+                    <a:lstStyle/>
+                    <a:p>
+                      <a:endParaRPr lang="de-DE" dirty="0"/>
+                    </a:p>
+                  </a:txBody>
+                  <a:tcPr/>
+                </a:tc>
+                <a:tc>
+                  <a:txBody>
+                    <a:bodyPr/>
+                    <a:lstStyle/>
+                    <a:p>
+                      <a:r>
+                        <a:rPr lang="de-DE" b="0" dirty="0" smtClean="0"/>
+                        <a:t>04 | Aufbau einer Webapplikation mit ASP.NET MVC</a:t>
+                      </a:r>
+                      <a:endParaRPr lang="de-DE" b="0" dirty="0"/>
+                    </a:p>
+                  </a:txBody>
+                  <a:tcPr/>
+                </a:tc>
+                <a:extLst>
+                  <a:ext uri="{0D108BD9-81ED-4DB2-BD59-A6C34878D82A}">
+                    <a16:rowId xmlns:a16="http://schemas.microsoft.com/office/drawing/2014/main" val="10004"/>
+                  </a:ext>
+                </a:extLst>
+              </a:tr>
+              <a:tr h="370840">
+                <a:tc>
+                  <a:txBody>
+                    <a:bodyPr/>
+                    <a:lstStyle/>
+                    <a:p>
+                      <a:pPr marL="0" marR="0" lvl="0" indent="0" algn="l" defTabSz="914332" rtl="0" eaLnBrk="1" fontAlgn="auto" latinLnBrk="0" hangingPunct="1">
+                        <a:lnSpc>
+                          <a:spcPct val="100000"/>
+                        </a:lnSpc>
+                        <a:spcBef>
+                          <a:spcPts val="0"/>
+                        </a:spcBef>
+                        <a:spcAft>
+                          <a:spcPts val="0"/>
+                        </a:spcAft>
+                        <a:buClrTx/>
+                        <a:buSzTx/>
+                        <a:buFontTx/>
+                        <a:buNone/>
+                        <a:tabLst/>
+                        <a:defRPr/>
+                      </a:pPr>
+                      <a:r>
+                        <a:rPr lang="de-DE" smtClean="0"/>
+                        <a:t>Tag 2</a:t>
+                      </a:r>
+                    </a:p>
+                  </a:txBody>
+                  <a:tcPr/>
+                </a:tc>
+                <a:tc>
+                  <a:txBody>
+                    <a:bodyPr/>
+                    <a:lstStyle/>
+                    <a:p>
+                      <a:r>
+                        <a:rPr lang="de-DE" b="1" dirty="0" smtClean="0"/>
+                        <a:t>05</a:t>
+                      </a:r>
+                      <a:r>
+                        <a:rPr lang="de-DE" b="1" baseline="0" dirty="0" smtClean="0"/>
+                        <a:t> | Entwicklung einer Schnittstelle mit ASP.NET Web API</a:t>
+                      </a:r>
+                      <a:endParaRPr lang="de-DE" b="1" dirty="0"/>
+                    </a:p>
+                  </a:txBody>
+                  <a:tcPr/>
+                </a:tc>
+                <a:extLst>
+                  <a:ext uri="{0D108BD9-81ED-4DB2-BD59-A6C34878D82A}">
+                    <a16:rowId xmlns:a16="http://schemas.microsoft.com/office/drawing/2014/main" val="10005"/>
+                  </a:ext>
+                </a:extLst>
+              </a:tr>
+              <a:tr h="370840">
+                <a:tc>
+                  <a:txBody>
+                    <a:bodyPr/>
+                    <a:lstStyle/>
+                    <a:p>
+                      <a:endParaRPr lang="de-DE" dirty="0"/>
+                    </a:p>
+                  </a:txBody>
+                  <a:tcPr/>
+                </a:tc>
+                <a:tc>
+                  <a:txBody>
+                    <a:bodyPr/>
+                    <a:lstStyle/>
+                    <a:p>
+                      <a:r>
+                        <a:rPr lang="de-DE" b="0" dirty="0" smtClean="0"/>
+                        <a:t>06</a:t>
+                      </a:r>
+                      <a:r>
+                        <a:rPr lang="de-DE" b="0" baseline="0" dirty="0" smtClean="0"/>
+                        <a:t> | Entwicklung einer App für die universelle Windows Plattform</a:t>
+                      </a:r>
+                      <a:endParaRPr lang="de-DE" b="0" dirty="0"/>
+                    </a:p>
+                  </a:txBody>
+                  <a:tcPr/>
+                </a:tc>
+                <a:extLst>
+                  <a:ext uri="{0D108BD9-81ED-4DB2-BD59-A6C34878D82A}">
+                    <a16:rowId xmlns:a16="http://schemas.microsoft.com/office/drawing/2014/main" val="10006"/>
+                  </a:ext>
+                </a:extLst>
+              </a:tr>
+            </a:tbl>
+          </a:graphicData>
+        </a:graphic>
+      </p:graphicFrame>
+    </p:spTree>
+  </p:cSld>
+  <p:clrMapOvr>
+    <a:masterClrMapping/>
+  </p:clrMapOvr>
+  <p:timing>
+    <p:tnLst>
+      <p:par>
+        <p:cTn id="1" dur="indefinite" restart="never" nodeType="tmRoot"/>
+      </p:par>
+    </p:tnLst>
+  </p:timing>
+</p:sld>
+</file>
+
+<file path=ppt/slides/slide3.xml><?xml version="1.0" encoding="utf-8"?>
+<p:sld xmlns:a="http://schemas.openxmlformats.org/drawingml/2006/main" xmlns:r="http://schemas.openxmlformats.org/officeDocument/2006/relationships" xmlns:p="http://schemas.openxmlformats.org/presentationml/2006/main">
+  <p:cSld>
+    <p:spTree>
+      <p:nvGrpSpPr>
+        <p:cNvPr id="1" name=""/>
+        <p:cNvGrpSpPr/>
+        <p:nvPr/>
+      </p:nvGrpSpPr>
+      <p:grpSpPr>
+        <a:xfrm>
+          <a:off x="0" y="0"/>
+          <a:ext cx="0" cy="0"/>
+          <a:chOff x="0" y="0"/>
+          <a:chExt cx="0" cy="0"/>
+        </a:xfrm>
+      </p:grpSpPr>
+      <p:sp>
+        <p:nvSpPr>
+          <p:cNvPr id="15362" name="Titel 1"/>
+          <p:cNvSpPr>
+            <a:spLocks noGrp="1"/>
+          </p:cNvSpPr>
+          <p:nvPr>
+            <p:ph type="title"/>
+          </p:nvPr>
+        </p:nvSpPr>
+        <p:spPr/>
+        <p:txBody>
+          <a:bodyPr/>
+          <a:lstStyle/>
+          <a:p>
+            <a:pPr eaLnBrk="1" hangingPunct="1"/>
+            <a:r>
+              <a:rPr lang="de-DE" dirty="0" smtClean="0"/>
+              <a:t>Module Tag 2</a:t>
+            </a:r>
+          </a:p>
+        </p:txBody>
+      </p:sp>
+      <p:sp>
+        <p:nvSpPr>
+          <p:cNvPr id="11" name="Foliennummernplatzhalter 10"/>
+          <p:cNvSpPr>
+            <a:spLocks noGrp="1"/>
+          </p:cNvSpPr>
+          <p:nvPr>
+            <p:ph type="sldNum" sz="quarter" idx="12"/>
+          </p:nvPr>
+        </p:nvSpPr>
+        <p:spPr/>
+        <p:txBody>
+          <a:bodyPr/>
+          <a:lstStyle/>
+          <a:p>
+            <a:pPr>
+              <a:defRPr/>
+            </a:pPr>
+            <a:fld id="{167059F5-D541-4CCE-9C94-CDD37FCFF25E}" type="slidenum">
+              <a:rPr lang="sv-SE" smtClean="0"/>
+              <a:pPr>
+                <a:defRPr/>
+              </a:pPr>
+              <a:t>3</a:t>
+            </a:fld>
+            <a:endParaRPr lang="sv-SE" dirty="0"/>
+          </a:p>
+        </p:txBody>
+      </p:sp>
+      <p:graphicFrame>
+        <p:nvGraphicFramePr>
+          <p:cNvPr id="3" name="Tabelle 2"/>
+          <p:cNvGraphicFramePr>
+            <a:graphicFrameLocks noGrp="1"/>
+          </p:cNvGraphicFramePr>
+          <p:nvPr>
+            <p:extLst>
+              <p:ext uri="{D42A27DB-BD31-4B8C-83A1-F6EECF244321}">
+                <p14:modId xmlns:p14="http://schemas.microsoft.com/office/powerpoint/2010/main" val="1667653712"/>
               </p:ext>
             </p:extLst>
           </p:nvPr>
@@ -7504,7 +7897,15 @@
                       </a:pPr>
                       <a:r>
                         <a:rPr lang="de-DE" b="0" dirty="0" smtClean="0"/>
-                        <a:t>06 | MVVM Hands On</a:t>
+                        <a:t>06 | </a:t>
+                      </a:r>
+                      <a:r>
+                        <a:rPr lang="de-DE" b="0" dirty="0" smtClean="0"/>
+                        <a:t>MVVM </a:t>
+                      </a:r>
+                      <a:r>
+                        <a:rPr lang="de-DE" b="0" dirty="0" smtClean="0"/>
+                        <a:t>Hands On</a:t>
                       </a:r>
                     </a:p>
                   </a:txBody>
@@ -7734,8 +8135,9 @@
                       </a:pPr>
                       <a:r>
                         <a:rPr lang="de-DE" b="0" dirty="0" smtClean="0"/>
-                        <a:t>Abschluss</a:t>
+                        <a:t>Abschluss und Feedbackrunde</a:t>
                       </a:r>
+                      <a:endParaRPr lang="de-DE" b="0" dirty="0" smtClean="0"/>
                     </a:p>
                   </a:txBody>
                   <a:tcPr/>
@@ -7756,403 +8158,6 @@
         <p14:creationId xmlns:p14="http://schemas.microsoft.com/office/powerpoint/2010/main" val="3230949814"/>
       </p:ext>
     </p:extLst>
-  </p:cSld>
-  <p:clrMapOvr>
-    <a:masterClrMapping/>
-  </p:clrMapOvr>
-  <p:timing>
-    <p:tnLst>
-      <p:par>
-        <p:cTn id="1" dur="indefinite" restart="never" nodeType="tmRoot"/>
-      </p:par>
-    </p:tnLst>
-  </p:timing>
-</p:sld>
-</file>
-
-<file path=ppt/slides/slide3.xml><?xml version="1.0" encoding="utf-8"?>
-<p:sld xmlns:a="http://schemas.openxmlformats.org/drawingml/2006/main" xmlns:r="http://schemas.openxmlformats.org/officeDocument/2006/relationships" xmlns:p="http://schemas.openxmlformats.org/presentationml/2006/main">
-  <p:cSld>
-    <p:spTree>
-      <p:nvGrpSpPr>
-        <p:cNvPr id="1" name=""/>
-        <p:cNvGrpSpPr/>
-        <p:nvPr/>
-      </p:nvGrpSpPr>
-      <p:grpSpPr>
-        <a:xfrm>
-          <a:off x="0" y="0"/>
-          <a:ext cx="0" cy="0"/>
-          <a:chOff x="0" y="0"/>
-          <a:chExt cx="0" cy="0"/>
-        </a:xfrm>
-      </p:grpSpPr>
-      <p:sp>
-        <p:nvSpPr>
-          <p:cNvPr id="15362" name="Titel 1"/>
-          <p:cNvSpPr>
-            <a:spLocks noGrp="1"/>
-          </p:cNvSpPr>
-          <p:nvPr>
-            <p:ph type="title"/>
-          </p:nvPr>
-        </p:nvSpPr>
-        <p:spPr/>
-        <p:txBody>
-          <a:bodyPr/>
-          <a:lstStyle/>
-          <a:p>
-            <a:pPr eaLnBrk="1" hangingPunct="1"/>
-            <a:r>
-              <a:rPr lang="de-DE" dirty="0" smtClean="0"/>
-              <a:t>Kursinhalte</a:t>
-            </a:r>
-          </a:p>
-        </p:txBody>
-      </p:sp>
-      <p:sp>
-        <p:nvSpPr>
-          <p:cNvPr id="11" name="Foliennummernplatzhalter 10"/>
-          <p:cNvSpPr>
-            <a:spLocks noGrp="1"/>
-          </p:cNvSpPr>
-          <p:nvPr>
-            <p:ph type="sldNum" sz="quarter" idx="12"/>
-          </p:nvPr>
-        </p:nvSpPr>
-        <p:spPr/>
-        <p:txBody>
-          <a:bodyPr/>
-          <a:lstStyle/>
-          <a:p>
-            <a:pPr>
-              <a:defRPr/>
-            </a:pPr>
-            <a:fld id="{167059F5-D541-4CCE-9C94-CDD37FCFF25E}" type="slidenum">
-              <a:rPr lang="sv-SE" smtClean="0"/>
-              <a:pPr>
-                <a:defRPr/>
-              </a:pPr>
-              <a:t>3</a:t>
-            </a:fld>
-            <a:endParaRPr lang="sv-SE" dirty="0"/>
-          </a:p>
-        </p:txBody>
-      </p:sp>
-      <p:graphicFrame>
-        <p:nvGraphicFramePr>
-          <p:cNvPr id="3" name="Tabelle 2"/>
-          <p:cNvGraphicFramePr>
-            <a:graphicFrameLocks noGrp="1"/>
-          </p:cNvGraphicFramePr>
-          <p:nvPr>
-            <p:extLst>
-              <p:ext uri="{D42A27DB-BD31-4B8C-83A1-F6EECF244321}">
-                <p14:modId xmlns:p14="http://schemas.microsoft.com/office/powerpoint/2010/main" val="539427628"/>
-              </p:ext>
-            </p:extLst>
-          </p:nvPr>
-        </p:nvGraphicFramePr>
-        <p:xfrm>
-          <a:off x="587298" y="1444713"/>
-          <a:ext cx="8928177" cy="2746287"/>
-        </p:xfrm>
-        <a:graphic>
-          <a:graphicData uri="http://schemas.openxmlformats.org/drawingml/2006/table">
-            <a:tbl>
-              <a:tblPr firstRow="1" bandRow="1">
-                <a:tableStyleId>{B301B821-A1FF-4177-AEE7-76D212191A09}</a:tableStyleId>
-              </a:tblPr>
-              <a:tblGrid>
-                <a:gridCol w="1357132">
-                  <a:extLst>
-                    <a:ext uri="{9D8B030D-6E8A-4147-A177-3AD203B41FA5}">
-                      <a16:colId xmlns:a16="http://schemas.microsoft.com/office/drawing/2014/main" val="20000"/>
-                    </a:ext>
-                  </a:extLst>
-                </a:gridCol>
-                <a:gridCol w="7571045">
-                  <a:extLst>
-                    <a:ext uri="{9D8B030D-6E8A-4147-A177-3AD203B41FA5}">
-                      <a16:colId xmlns:a16="http://schemas.microsoft.com/office/drawing/2014/main" val="20001"/>
-                    </a:ext>
-                  </a:extLst>
-                </a:gridCol>
-              </a:tblGrid>
-              <a:tr h="460287">
-                <a:tc gridSpan="2">
-                  <a:txBody>
-                    <a:bodyPr/>
-                    <a:lstStyle/>
-                    <a:p>
-                      <a:pPr marL="0" marR="0" indent="0" algn="l" defTabSz="914332" rtl="0" eaLnBrk="1" fontAlgn="auto" latinLnBrk="0" hangingPunct="1">
-                        <a:lnSpc>
-                          <a:spcPct val="100000"/>
-                        </a:lnSpc>
-                        <a:spcBef>
-                          <a:spcPts val="0"/>
-                        </a:spcBef>
-                        <a:spcAft>
-                          <a:spcPts val="0"/>
-                        </a:spcAft>
-                        <a:buClrTx/>
-                        <a:buSzTx/>
-                        <a:buFontTx/>
-                        <a:buNone/>
-                        <a:tabLst/>
-                        <a:defRPr/>
-                      </a:pPr>
-                      <a:r>
-                        <a:rPr lang="de-DE" b="1" dirty="0" smtClean="0">
-                          <a:solidFill>
-                            <a:schemeClr val="tx1"/>
-                          </a:solidFill>
-                        </a:rPr>
-                        <a:t>.NET Jump Start</a:t>
-                      </a:r>
-                    </a:p>
-                  </a:txBody>
-                  <a:tcPr/>
-                </a:tc>
-                <a:tc hMerge="1">
-                  <a:txBody>
-                    <a:bodyPr/>
-                    <a:lstStyle/>
-                    <a:p>
-                      <a:endParaRPr lang="de-DE" dirty="0"/>
-                    </a:p>
-                  </a:txBody>
-                  <a:tcPr/>
-                </a:tc>
-                <a:extLst>
-                  <a:ext uri="{0D108BD9-81ED-4DB2-BD59-A6C34878D82A}">
-                    <a16:rowId xmlns:a16="http://schemas.microsoft.com/office/drawing/2014/main" val="10000"/>
-                  </a:ext>
-                </a:extLst>
-              </a:tr>
-              <a:tr h="370840">
-                <a:tc>
-                  <a:txBody>
-                    <a:bodyPr/>
-                    <a:lstStyle/>
-                    <a:p>
-                      <a:r>
-                        <a:rPr lang="de-DE" dirty="0" smtClean="0"/>
-                        <a:t>Tag 1</a:t>
-                      </a:r>
-                      <a:endParaRPr lang="de-DE" dirty="0"/>
-                    </a:p>
-                  </a:txBody>
-                  <a:tcPr/>
-                </a:tc>
-                <a:tc>
-                  <a:txBody>
-                    <a:bodyPr/>
-                    <a:lstStyle/>
-                    <a:p>
-                      <a:r>
-                        <a:rPr lang="de-DE" b="0" dirty="0" smtClean="0"/>
-                        <a:t>01 | Überblick</a:t>
-                      </a:r>
-                      <a:endParaRPr lang="de-DE" b="0" dirty="0"/>
-                    </a:p>
-                  </a:txBody>
-                  <a:tcPr/>
-                </a:tc>
-                <a:extLst>
-                  <a:ext uri="{0D108BD9-81ED-4DB2-BD59-A6C34878D82A}">
-                    <a16:rowId xmlns:a16="http://schemas.microsoft.com/office/drawing/2014/main" val="10001"/>
-                  </a:ext>
-                </a:extLst>
-              </a:tr>
-              <a:tr h="370840">
-                <a:tc>
-                  <a:txBody>
-                    <a:bodyPr/>
-                    <a:lstStyle/>
-                    <a:p>
-                      <a:endParaRPr lang="de-DE" b="1" dirty="0"/>
-                    </a:p>
-                  </a:txBody>
-                  <a:tcPr/>
-                </a:tc>
-                <a:tc>
-                  <a:txBody>
-                    <a:bodyPr/>
-                    <a:lstStyle/>
-                    <a:p>
-                      <a:r>
-                        <a:rPr lang="de-DE" b="0" dirty="0" smtClean="0"/>
-                        <a:t>02 | Vorbereitung und Projektsetup</a:t>
-                      </a:r>
-                      <a:endParaRPr lang="de-DE" b="0" dirty="0"/>
-                    </a:p>
-                  </a:txBody>
-                  <a:tcPr/>
-                </a:tc>
-                <a:extLst>
-                  <a:ext uri="{0D108BD9-81ED-4DB2-BD59-A6C34878D82A}">
-                    <a16:rowId xmlns:a16="http://schemas.microsoft.com/office/drawing/2014/main" val="10002"/>
-                  </a:ext>
-                </a:extLst>
-              </a:tr>
-              <a:tr h="370840">
-                <a:tc>
-                  <a:txBody>
-                    <a:bodyPr/>
-                    <a:lstStyle/>
-                    <a:p>
-                      <a:endParaRPr lang="de-DE" dirty="0"/>
-                    </a:p>
-                  </a:txBody>
-                  <a:tcPr/>
-                </a:tc>
-                <a:tc>
-                  <a:txBody>
-                    <a:bodyPr/>
-                    <a:lstStyle/>
-                    <a:p>
-                      <a:r>
-                        <a:rPr lang="de-DE" dirty="0" smtClean="0"/>
-                        <a:t>03 | Datenmodellierung und -abfrage mit dem Entity Framework</a:t>
-                      </a:r>
-                      <a:endParaRPr lang="de-DE" dirty="0"/>
-                    </a:p>
-                  </a:txBody>
-                  <a:tcPr/>
-                </a:tc>
-                <a:extLst>
-                  <a:ext uri="{0D108BD9-81ED-4DB2-BD59-A6C34878D82A}">
-                    <a16:rowId xmlns:a16="http://schemas.microsoft.com/office/drawing/2014/main" val="10003"/>
-                  </a:ext>
-                </a:extLst>
-              </a:tr>
-              <a:tr h="370840">
-                <a:tc>
-                  <a:txBody>
-                    <a:bodyPr/>
-                    <a:lstStyle/>
-                    <a:p>
-                      <a:endParaRPr lang="de-DE" dirty="0"/>
-                    </a:p>
-                  </a:txBody>
-                  <a:tcPr/>
-                </a:tc>
-                <a:tc>
-                  <a:txBody>
-                    <a:bodyPr/>
-                    <a:lstStyle/>
-                    <a:p>
-                      <a:r>
-                        <a:rPr lang="de-DE" b="0" dirty="0" smtClean="0"/>
-                        <a:t>04 | Aufbau einer Webapplikation mit ASP.NET MVC</a:t>
-                      </a:r>
-                      <a:endParaRPr lang="de-DE" b="0" dirty="0"/>
-                    </a:p>
-                  </a:txBody>
-                  <a:tcPr/>
-                </a:tc>
-                <a:extLst>
-                  <a:ext uri="{0D108BD9-81ED-4DB2-BD59-A6C34878D82A}">
-                    <a16:rowId xmlns:a16="http://schemas.microsoft.com/office/drawing/2014/main" val="10004"/>
-                  </a:ext>
-                </a:extLst>
-              </a:tr>
-              <a:tr h="370840">
-                <a:tc>
-                  <a:txBody>
-                    <a:bodyPr/>
-                    <a:lstStyle/>
-                    <a:p>
-                      <a:pPr marL="0" marR="0" lvl="0" indent="0" algn="l" defTabSz="914332" rtl="0" eaLnBrk="1" fontAlgn="auto" latinLnBrk="0" hangingPunct="1">
-                        <a:lnSpc>
-                          <a:spcPct val="100000"/>
-                        </a:lnSpc>
-                        <a:spcBef>
-                          <a:spcPts val="0"/>
-                        </a:spcBef>
-                        <a:spcAft>
-                          <a:spcPts val="0"/>
-                        </a:spcAft>
-                        <a:buClrTx/>
-                        <a:buSzTx/>
-                        <a:buFontTx/>
-                        <a:buNone/>
-                        <a:tabLst/>
-                        <a:defRPr/>
-                      </a:pPr>
-                      <a:r>
-                        <a:rPr lang="de-DE" smtClean="0"/>
-                        <a:t>Tag 2</a:t>
-                      </a:r>
-                    </a:p>
-                  </a:txBody>
-                  <a:tcPr/>
-                </a:tc>
-                <a:tc>
-                  <a:txBody>
-                    <a:bodyPr/>
-                    <a:lstStyle/>
-                    <a:p>
-                      <a:r>
-                        <a:rPr lang="de-DE" b="1" dirty="0" smtClean="0"/>
-                        <a:t>05</a:t>
-                      </a:r>
-                      <a:r>
-                        <a:rPr lang="de-DE" b="1" baseline="0" dirty="0" smtClean="0"/>
-                        <a:t> | Entwicklung einer Schnittstelle mit ASP.NET Web API</a:t>
-                      </a:r>
-                      <a:endParaRPr lang="de-DE" b="1" dirty="0"/>
-                    </a:p>
-                  </a:txBody>
-                  <a:tcPr/>
-                </a:tc>
-                <a:extLst>
-                  <a:ext uri="{0D108BD9-81ED-4DB2-BD59-A6C34878D82A}">
-                    <a16:rowId xmlns:a16="http://schemas.microsoft.com/office/drawing/2014/main" val="10005"/>
-                  </a:ext>
-                </a:extLst>
-              </a:tr>
-              <a:tr h="370840">
-                <a:tc>
-                  <a:txBody>
-                    <a:bodyPr/>
-                    <a:lstStyle/>
-                    <a:p>
-                      <a:endParaRPr lang="de-DE" dirty="0"/>
-                    </a:p>
-                  </a:txBody>
-                  <a:tcPr/>
-                </a:tc>
-                <a:tc>
-                  <a:txBody>
-                    <a:bodyPr/>
-                    <a:lstStyle/>
-                    <a:p>
-                      <a:r>
-                        <a:rPr lang="de-DE" b="0" dirty="0" smtClean="0"/>
-                        <a:t>06</a:t>
-                      </a:r>
-                      <a:r>
-                        <a:rPr lang="de-DE" b="0" baseline="0" dirty="0" smtClean="0"/>
-                        <a:t> | Entwicklung einer App für die universelle Windows Plattform</a:t>
-                      </a:r>
-                      <a:endParaRPr lang="de-DE" b="0" dirty="0"/>
-                    </a:p>
-                  </a:txBody>
-                  <a:tcPr/>
-                </a:tc>
-                <a:extLst>
-                  <a:ext uri="{0D108BD9-81ED-4DB2-BD59-A6C34878D82A}">
-                    <a16:rowId xmlns:a16="http://schemas.microsoft.com/office/drawing/2014/main" val="10006"/>
-                  </a:ext>
-                </a:extLst>
-              </a:tr>
-            </a:tbl>
-          </a:graphicData>
-        </a:graphic>
-      </p:graphicFrame>
-    </p:spTree>
   </p:cSld>
   <p:clrMapOvr>
     <a:masterClrMapping/>
@@ -8372,7 +8377,6 @@
               <a:rPr lang="en-US" dirty="0" smtClean="0"/>
               <a:t>DTOs</a:t>
             </a:r>
-            <a:endParaRPr lang="en-US" dirty="0" smtClean="0"/>
           </a:p>
           <a:p>
             <a:pPr marL="342900" indent="-342900">
@@ -8398,7 +8402,6 @@
               <a:rPr lang="en-US" dirty="0" smtClean="0"/>
               <a:t>Controller und Routing</a:t>
             </a:r>
-            <a:endParaRPr lang="en-US" dirty="0" smtClean="0"/>
           </a:p>
           <a:p>
             <a:pPr marL="342900" indent="-342900">
@@ -9626,11 +9629,6 @@
               </a:rPr>
               <a:t>XML</a:t>
             </a:r>
-            <a:endParaRPr lang="de-DE" sz="1400" dirty="0" smtClean="0">
-              <a:solidFill>
-                <a:schemeClr val="accent3"/>
-              </a:solidFill>
-            </a:endParaRPr>
           </a:p>
         </p:txBody>
       </p:sp>
@@ -9664,11 +9662,6 @@
               </a:rPr>
               <a:t>JSON</a:t>
             </a:r>
-            <a:endParaRPr lang="de-DE" sz="1400" b="1" dirty="0" smtClean="0">
-              <a:solidFill>
-                <a:schemeClr val="accent3"/>
-              </a:solidFill>
-            </a:endParaRPr>
           </a:p>
         </p:txBody>
       </p:sp>

--- a/05. ASP.NET Web API/Entwicklung einer Schnittstelle mit ASP.NET Web API.pptx
+++ b/05. ASP.NET Web API/Entwicklung einer Schnittstelle mit ASP.NET Web API.pptx
@@ -308,7 +308,7 @@
               <a:pPr>
                 <a:defRPr/>
               </a:pPr>
-              <a:t>07.09.2017</a:t>
+              <a:t>13.09.2017</a:t>
             </a:fld>
             <a:endParaRPr lang="de-DE" dirty="0"/>
           </a:p>
@@ -507,7 +507,7 @@
               <a:pPr>
                 <a:defRPr/>
               </a:pPr>
-              <a:t>2017-09-07</a:t>
+              <a:t>2017-09-13</a:t>
             </a:fld>
             <a:endParaRPr lang="sv-SE"/>
           </a:p>
@@ -7563,7 +7563,7 @@
           <p:nvPr>
             <p:extLst>
               <p:ext uri="{D42A27DB-BD31-4B8C-83A1-F6EECF244321}">
-                <p14:modId xmlns:p14="http://schemas.microsoft.com/office/powerpoint/2010/main" val="1667653712"/>
+                <p14:modId xmlns:p14="http://schemas.microsoft.com/office/powerpoint/2010/main" val="4112402495"/>
               </p:ext>
             </p:extLst>
           </p:nvPr>
@@ -7667,15 +7667,7 @@
                     <a:p>
                       <a:r>
                         <a:rPr lang="de-DE" b="0" dirty="0" smtClean="0"/>
-                        <a:t>05 | ASP.NET Web API </a:t>
-                      </a:r>
-                      <a:r>
-                        <a:rPr lang="de-DE" b="0" baseline="0" dirty="0" smtClean="0"/>
-                        <a:t>+ </a:t>
-                      </a:r>
-                      <a:r>
-                        <a:rPr lang="de-DE" b="0" dirty="0" smtClean="0"/>
-                        <a:t>Hands-On</a:t>
+                        <a:t>05 | ASP.NET Web API</a:t>
                       </a:r>
                     </a:p>
                   </a:txBody>
@@ -7730,7 +7722,7 @@
                       </a:r>
                       <a:r>
                         <a:rPr lang="de-DE" b="0" baseline="0" dirty="0" smtClean="0"/>
-                        <a:t>universelle Windows-Plattform + Hands On</a:t>
+                        <a:t>universelle Windows-Plattform</a:t>
                       </a:r>
                       <a:endParaRPr lang="de-DE" b="0" dirty="0" smtClean="0"/>
                     </a:p>
@@ -7782,8 +7774,13 @@
                       </a:pPr>
                       <a:r>
                         <a:rPr lang="de-DE" b="0" dirty="0" smtClean="0"/>
-                        <a:t>06 | Grundlagen MVVM</a:t>
+                        <a:t>06 |</a:t>
                       </a:r>
+                      <a:r>
+                        <a:rPr lang="de-DE" b="0" baseline="0" dirty="0" smtClean="0"/>
+                        <a:t> MVVM Entwurfsmuster</a:t>
+                      </a:r>
+                      <a:endParaRPr lang="de-DE" b="0" dirty="0" smtClean="0"/>
                     </a:p>
                   </a:txBody>
                   <a:tcPr/>
@@ -7900,13 +7897,10 @@
                         <a:t>06 | </a:t>
                       </a:r>
                       <a:r>
-                        <a:rPr lang="de-DE" b="0" dirty="0" smtClean="0"/>
-                        <a:t>MVVM </a:t>
+                        <a:rPr lang="de-DE" b="0" baseline="0" dirty="0" smtClean="0"/>
+                        <a:t>MVVM Entwurfsmuster</a:t>
                       </a:r>
-                      <a:r>
-                        <a:rPr lang="de-DE" b="0" dirty="0" smtClean="0"/>
-                        <a:t>Hands On</a:t>
-                      </a:r>
+                      <a:endParaRPr lang="de-DE" b="0" dirty="0" smtClean="0"/>
                     </a:p>
                   </a:txBody>
                   <a:tcPr/>
@@ -7960,7 +7954,7 @@
                       </a:r>
                       <a:r>
                         <a:rPr lang="de-DE" b="0" baseline="0" dirty="0" smtClean="0"/>
-                        <a:t> | API Integration + Windows APIs</a:t>
+                        <a:t> | API Integration</a:t>
                       </a:r>
                       <a:endParaRPr lang="de-DE" b="0" dirty="0" smtClean="0"/>
                     </a:p>
@@ -8068,19 +8062,7 @@
                       </a:pPr>
                       <a:r>
                         <a:rPr lang="de-DE" b="0" dirty="0" smtClean="0"/>
-                        <a:t>06 | API Integration + File Open</a:t>
-                      </a:r>
-                      <a:r>
-                        <a:rPr lang="de-DE" b="0" baseline="0" dirty="0" smtClean="0"/>
-                        <a:t> </a:t>
-                      </a:r>
-                      <a:r>
-                        <a:rPr lang="de-DE" b="0" baseline="0" dirty="0" err="1" smtClean="0"/>
-                        <a:t>Picker</a:t>
-                      </a:r>
-                      <a:r>
-                        <a:rPr lang="de-DE" b="0" dirty="0" smtClean="0"/>
-                        <a:t> Hands On</a:t>
+                        <a:t>06 | API Integration</a:t>
                       </a:r>
                     </a:p>
                   </a:txBody>
@@ -8137,7 +8119,6 @@
                         <a:rPr lang="de-DE" b="0" dirty="0" smtClean="0"/>
                         <a:t>Abschluss und Feedbackrunde</a:t>
                       </a:r>
-                      <a:endParaRPr lang="de-DE" b="0" dirty="0" smtClean="0"/>
                     </a:p>
                   </a:txBody>
                   <a:tcPr/>
@@ -8237,7 +8218,7 @@
           <a:p>
             <a:r>
               <a:rPr lang="de-DE" dirty="0" smtClean="0"/>
-              <a:t>Daniel Beckmann</a:t>
+              <a:t>Florian Sibinger</a:t>
             </a:r>
             <a:endParaRPr lang="de-DE" dirty="0"/>
           </a:p>

--- a/05. ASP.NET Web API/Entwicklung einer Schnittstelle mit ASP.NET Web API.pptx
+++ b/05. ASP.NET Web API/Entwicklung einer Schnittstelle mit ASP.NET Web API.pptx
@@ -5,25 +5,24 @@
     <p:sldMasterId id="2147484690" r:id="rId1"/>
   </p:sldMasterIdLst>
   <p:notesMasterIdLst>
-    <p:notesMasterId r:id="rId15"/>
+    <p:notesMasterId r:id="rId14"/>
   </p:notesMasterIdLst>
   <p:handoutMasterIdLst>
-    <p:handoutMasterId r:id="rId16"/>
+    <p:handoutMasterId r:id="rId15"/>
   </p:handoutMasterIdLst>
   <p:sldIdLst>
     <p:sldId id="332" r:id="rId2"/>
     <p:sldId id="299" r:id="rId3"/>
     <p:sldId id="399" r:id="rId4"/>
-    <p:sldId id="361" r:id="rId5"/>
-    <p:sldId id="362" r:id="rId6"/>
-    <p:sldId id="394" r:id="rId7"/>
-    <p:sldId id="396" r:id="rId8"/>
-    <p:sldId id="398" r:id="rId9"/>
-    <p:sldId id="395" r:id="rId10"/>
-    <p:sldId id="401" r:id="rId11"/>
-    <p:sldId id="393" r:id="rId12"/>
-    <p:sldId id="400" r:id="rId13"/>
-    <p:sldId id="290" r:id="rId14"/>
+    <p:sldId id="362" r:id="rId5"/>
+    <p:sldId id="394" r:id="rId6"/>
+    <p:sldId id="396" r:id="rId7"/>
+    <p:sldId id="398" r:id="rId8"/>
+    <p:sldId id="395" r:id="rId9"/>
+    <p:sldId id="401" r:id="rId10"/>
+    <p:sldId id="393" r:id="rId11"/>
+    <p:sldId id="400" r:id="rId12"/>
+    <p:sldId id="290" r:id="rId13"/>
   </p:sldIdLst>
   <p:sldSz cx="12190413" cy="6859588"/>
   <p:notesSz cx="7099300" cy="10234613"/>
@@ -308,7 +307,7 @@
               <a:pPr>
                 <a:defRPr/>
               </a:pPr>
-              <a:t>13.09.2017</a:t>
+              <a:t>22.09.2017</a:t>
             </a:fld>
             <a:endParaRPr lang="de-DE" dirty="0"/>
           </a:p>
@@ -507,7 +506,7 @@
               <a:pPr>
                 <a:defRPr/>
               </a:pPr>
-              <a:t>2017-09-13</a:t>
+              <a:t>2017-09-22</a:t>
             </a:fld>
             <a:endParaRPr lang="sv-SE"/>
           </a:p>
@@ -1143,7 +1142,7 @@
             <a:fld id="{0E250944-C459-49FA-BBE9-2A0996DD63D5}" type="slidenum">
               <a:rPr lang="en-US" smtClean="0"/>
               <a:pPr/>
-              <a:t>6</a:t>
+              <a:t>5</a:t>
             </a:fld>
             <a:endParaRPr lang="en-US"/>
           </a:p>
@@ -1356,7 +1355,7 @@
             <a:fld id="{0E250944-C459-49FA-BBE9-2A0996DD63D5}" type="slidenum">
               <a:rPr lang="en-US" smtClean="0"/>
               <a:pPr/>
-              <a:t>7</a:t>
+              <a:t>6</a:t>
             </a:fld>
             <a:endParaRPr lang="en-US"/>
           </a:p>
@@ -1579,7 +1578,7 @@
             <a:fld id="{0E250944-C459-49FA-BBE9-2A0996DD63D5}" type="slidenum">
               <a:rPr lang="en-US" smtClean="0"/>
               <a:pPr/>
-              <a:t>9</a:t>
+              <a:t>8</a:t>
             </a:fld>
             <a:endParaRPr lang="en-US"/>
           </a:p>
@@ -1802,7 +1801,7 @@
             <a:fld id="{0E250944-C459-49FA-BBE9-2A0996DD63D5}" type="slidenum">
               <a:rPr lang="en-US" smtClean="0"/>
               <a:pPr/>
-              <a:t>10</a:t>
+              <a:t>9</a:t>
             </a:fld>
             <a:endParaRPr lang="en-US"/>
           </a:p>
@@ -2006,7 +2005,7 @@
               <a:pPr>
                 <a:defRPr/>
               </a:pPr>
-              <a:t>12</a:t>
+              <a:t>11</a:t>
             </a:fld>
             <a:endParaRPr lang="sv-SE"/>
           </a:p>
@@ -2116,7 +2115,7 @@
               <a:pPr>
                 <a:defRPr/>
               </a:pPr>
-              <a:t>13</a:t>
+              <a:t>12</a:t>
             </a:fld>
             <a:endParaRPr lang="sv-SE"/>
           </a:p>
@@ -5794,7 +5793,7 @@
       </p:grpSpPr>
       <p:sp>
         <p:nvSpPr>
-          <p:cNvPr id="2" name="Title 1"/>
+          <p:cNvPr id="6" name="Titel 5"/>
           <p:cNvSpPr>
             <a:spLocks noGrp="1"/>
           </p:cNvSpPr>
@@ -5808,900 +5807,67 @@
           <a:lstStyle/>
           <a:p>
             <a:r>
-              <a:rPr lang="en-US" dirty="0" smtClean="0"/>
-              <a:t>2.1 ASP.NET Web </a:t>
-            </a:r>
-            <a:r>
-              <a:rPr lang="en-US" dirty="0" err="1" smtClean="0"/>
-              <a:t>Api</a:t>
-            </a:r>
-            <a:r>
-              <a:rPr lang="en-US" dirty="0" smtClean="0"/>
-              <a:t>: Controller und Routing</a:t>
-            </a:r>
-            <a:endParaRPr lang="en-US" dirty="0"/>
+              <a:rPr lang="de-DE" dirty="0" smtClean="0"/>
+              <a:t>HANDS-ON</a:t>
+            </a:r>
+            <a:endParaRPr lang="de-DE" dirty="0"/>
           </a:p>
         </p:txBody>
       </p:sp>
       <p:sp>
         <p:nvSpPr>
-          <p:cNvPr id="3" name="Content Placeholder 2"/>
+          <p:cNvPr id="7" name="Untertitel 6"/>
           <p:cNvSpPr>
             <a:spLocks noGrp="1"/>
           </p:cNvSpPr>
           <p:nvPr>
-            <p:ph sz="quarter" idx="10"/>
+            <p:ph type="subTitle" idx="1"/>
           </p:nvPr>
         </p:nvSpPr>
-        <p:spPr>
-          <a:xfrm>
-            <a:off x="379364" y="1388547"/>
-            <a:ext cx="6383588" cy="5291613"/>
-          </a:xfrm>
-        </p:spPr>
+        <p:spPr/>
         <p:txBody>
           <a:bodyPr/>
           <a:lstStyle/>
           <a:p>
             <a:r>
-              <a:rPr lang="en-US" dirty="0" smtClean="0"/>
-              <a:t>Framework </a:t>
-            </a:r>
-            <a:r>
-              <a:rPr lang="en-US" dirty="0" err="1" smtClean="0"/>
-              <a:t>zum</a:t>
-            </a:r>
-            <a:r>
-              <a:rPr lang="en-US" dirty="0" smtClean="0"/>
-              <a:t> </a:t>
-            </a:r>
-            <a:r>
-              <a:rPr lang="en-US" dirty="0" err="1" smtClean="0"/>
-              <a:t>Entwickeln</a:t>
-            </a:r>
-            <a:r>
-              <a:rPr lang="en-US" dirty="0" smtClean="0"/>
-              <a:t> von REST APIs</a:t>
-            </a:r>
-          </a:p>
-          <a:p>
-            <a:r>
-              <a:rPr lang="en-US" dirty="0" err="1" smtClean="0"/>
-              <a:t>ApiController</a:t>
-            </a:r>
-            <a:r>
-              <a:rPr lang="en-US" dirty="0" smtClean="0"/>
-              <a:t> </a:t>
-            </a:r>
-            <a:r>
-              <a:rPr lang="en-US" dirty="0" err="1" smtClean="0"/>
-              <a:t>verarbeiten</a:t>
-            </a:r>
-            <a:r>
-              <a:rPr lang="en-US" dirty="0" smtClean="0"/>
-              <a:t> REST Requests </a:t>
-            </a:r>
-            <a:br>
-              <a:rPr lang="en-US" dirty="0" smtClean="0"/>
-            </a:br>
-            <a:r>
-              <a:rPr lang="en-US" sz="1600" dirty="0" smtClean="0"/>
-              <a:t>(</a:t>
-            </a:r>
-            <a:r>
-              <a:rPr lang="en-US" sz="1600" dirty="0" err="1" smtClean="0"/>
-              <a:t>ähnlich</a:t>
-            </a:r>
-            <a:r>
-              <a:rPr lang="en-US" sz="1600" dirty="0" smtClean="0"/>
-              <a:t> </a:t>
-            </a:r>
-            <a:r>
-              <a:rPr lang="en-US" sz="1600" dirty="0" err="1" smtClean="0"/>
-              <a:t>zu</a:t>
-            </a:r>
-            <a:r>
-              <a:rPr lang="en-US" sz="1600" dirty="0" smtClean="0"/>
-              <a:t> MVC </a:t>
-            </a:r>
-            <a:r>
-              <a:rPr lang="en-US" sz="1600" dirty="0" err="1" smtClean="0"/>
-              <a:t>Controllern</a:t>
-            </a:r>
-            <a:r>
-              <a:rPr lang="en-US" sz="1600" dirty="0" smtClean="0"/>
-              <a:t>)</a:t>
-            </a:r>
-            <a:endParaRPr lang="en-US" dirty="0" smtClean="0"/>
-          </a:p>
-          <a:p>
-            <a:r>
-              <a:rPr lang="en-US" dirty="0" err="1" smtClean="0"/>
-              <a:t>Für</a:t>
-            </a:r>
-            <a:r>
-              <a:rPr lang="en-US" dirty="0" smtClean="0"/>
-              <a:t> die </a:t>
-            </a:r>
-            <a:r>
-              <a:rPr lang="en-US" dirty="0" err="1" smtClean="0"/>
-              <a:t>Ansteuerung</a:t>
-            </a:r>
-            <a:r>
-              <a:rPr lang="en-US" dirty="0" smtClean="0"/>
-              <a:t> der </a:t>
-            </a:r>
-            <a:r>
-              <a:rPr lang="en-US" dirty="0" err="1" smtClean="0"/>
-              <a:t>Methoden</a:t>
-            </a:r>
-            <a:r>
-              <a:rPr lang="en-US" dirty="0" smtClean="0"/>
-              <a:t> </a:t>
-            </a:r>
-            <a:r>
-              <a:rPr lang="en-US" dirty="0" err="1" smtClean="0"/>
-              <a:t>werden</a:t>
-            </a:r>
-            <a:r>
-              <a:rPr lang="en-US" dirty="0" smtClean="0"/>
-              <a:t> </a:t>
-            </a:r>
-            <a:r>
-              <a:rPr lang="en-US" dirty="0" err="1" smtClean="0"/>
-              <a:t>Routen</a:t>
-            </a:r>
-            <a:r>
-              <a:rPr lang="en-US" dirty="0" smtClean="0"/>
-              <a:t> </a:t>
-            </a:r>
-            <a:r>
-              <a:rPr lang="en-US" dirty="0" err="1" smtClean="0"/>
-              <a:t>benötigt</a:t>
-            </a:r>
-            <a:endParaRPr lang="en-US" dirty="0" smtClean="0"/>
-          </a:p>
-          <a:p>
-            <a:pPr lvl="1"/>
-            <a:r>
-              <a:rPr lang="en-US" dirty="0" smtClean="0">
-                <a:solidFill>
-                  <a:schemeClr val="accent3"/>
-                </a:solidFill>
-              </a:rPr>
-              <a:t>Convention based Routing</a:t>
-            </a:r>
-          </a:p>
-          <a:p>
-            <a:pPr lvl="1"/>
-            <a:r>
-              <a:rPr lang="en-US" dirty="0" smtClean="0">
-                <a:solidFill>
-                  <a:schemeClr val="accent3"/>
-                </a:solidFill>
-              </a:rPr>
-              <a:t>Attribute based Routing</a:t>
-            </a:r>
-          </a:p>
-          <a:p>
-            <a:pPr lvl="1"/>
-            <a:r>
-              <a:rPr lang="en-US" dirty="0" err="1" smtClean="0">
-                <a:solidFill>
-                  <a:schemeClr val="accent3"/>
-                </a:solidFill>
-              </a:rPr>
-              <a:t>WebApiConfig</a:t>
-            </a:r>
-            <a:endParaRPr lang="en-US" dirty="0" smtClean="0">
-              <a:solidFill>
-                <a:schemeClr val="accent3"/>
-              </a:solidFill>
-            </a:endParaRPr>
-          </a:p>
-          <a:p>
-            <a:pPr lvl="1"/>
-            <a:endParaRPr lang="en-US" dirty="0">
-              <a:solidFill>
-                <a:schemeClr val="accent3"/>
-              </a:solidFill>
-            </a:endParaRPr>
+              <a:rPr lang="de-DE" sz="4800" dirty="0" smtClean="0"/>
+              <a:t>05</a:t>
+            </a:r>
+            <a:r>
+              <a:rPr lang="de-DE" sz="4800" dirty="0"/>
+              <a:t>. Entwicklung einer Schnittstelle mit ASP.NET Web API</a:t>
+            </a:r>
           </a:p>
         </p:txBody>
       </p:sp>
       <p:sp>
         <p:nvSpPr>
-          <p:cNvPr id="5" name="Rechteck 4"/>
-          <p:cNvSpPr/>
-          <p:nvPr/>
-        </p:nvSpPr>
-        <p:spPr>
-          <a:xfrm>
-            <a:off x="7395250" y="1700557"/>
-            <a:ext cx="4795163" cy="1200329"/>
-          </a:xfrm>
-          <a:prstGeom prst="rect">
-            <a:avLst/>
-          </a:prstGeom>
-        </p:spPr>
+          <p:cNvPr id="4" name="Foliennummernplatzhalter 3"/>
+          <p:cNvSpPr>
+            <a:spLocks noGrp="1"/>
+          </p:cNvSpPr>
+          <p:nvPr>
+            <p:ph type="sldNum" sz="quarter" idx="10"/>
+          </p:nvPr>
+        </p:nvSpPr>
+        <p:spPr/>
         <p:txBody>
-          <a:bodyPr wrap="square">
-            <a:spAutoFit/>
-          </a:bodyPr>
+          <a:bodyPr/>
           <a:lstStyle/>
           <a:p>
-            <a:r>
-              <a:rPr lang="de-DE" sz="1200" dirty="0" err="1">
-                <a:solidFill>
-                  <a:srgbClr val="0000FF"/>
-                </a:solidFill>
-                <a:latin typeface="Consolas" panose="020B0609020204030204" pitchFamily="49" charset="0"/>
-              </a:rPr>
-              <a:t>public</a:t>
-            </a:r>
-            <a:r>
-              <a:rPr lang="de-DE" sz="1200" dirty="0">
-                <a:solidFill>
-                  <a:srgbClr val="000000"/>
-                </a:solidFill>
-                <a:latin typeface="Consolas" panose="020B0609020204030204" pitchFamily="49" charset="0"/>
-              </a:rPr>
-              <a:t> </a:t>
-            </a:r>
-            <a:r>
-              <a:rPr lang="de-DE" sz="1200" dirty="0" err="1">
-                <a:solidFill>
-                  <a:srgbClr val="2B91AF"/>
-                </a:solidFill>
-                <a:latin typeface="Consolas" panose="020B0609020204030204" pitchFamily="49" charset="0"/>
-              </a:rPr>
-              <a:t>IEnumerable</a:t>
-            </a:r>
-            <a:r>
-              <a:rPr lang="de-DE" sz="1200" dirty="0">
-                <a:solidFill>
-                  <a:srgbClr val="000000"/>
-                </a:solidFill>
-                <a:latin typeface="Consolas" panose="020B0609020204030204" pitchFamily="49" charset="0"/>
-              </a:rPr>
-              <a:t>&lt;</a:t>
-            </a:r>
-            <a:r>
-              <a:rPr lang="de-DE" sz="1200" dirty="0" err="1">
-                <a:solidFill>
-                  <a:srgbClr val="2B91AF"/>
-                </a:solidFill>
-                <a:latin typeface="Consolas" panose="020B0609020204030204" pitchFamily="49" charset="0"/>
-              </a:rPr>
-              <a:t>PostDto</a:t>
-            </a:r>
-            <a:r>
-              <a:rPr lang="de-DE" sz="1200" dirty="0">
-                <a:solidFill>
-                  <a:srgbClr val="000000"/>
-                </a:solidFill>
-                <a:latin typeface="Consolas" panose="020B0609020204030204" pitchFamily="49" charset="0"/>
-              </a:rPr>
-              <a:t>&gt; </a:t>
-            </a:r>
-            <a:r>
-              <a:rPr lang="de-DE" sz="1200" dirty="0" err="1">
-                <a:solidFill>
-                  <a:srgbClr val="000000"/>
-                </a:solidFill>
-                <a:latin typeface="Consolas" panose="020B0609020204030204" pitchFamily="49" charset="0"/>
-              </a:rPr>
-              <a:t>Get</a:t>
-            </a:r>
-            <a:r>
-              <a:rPr lang="de-DE" sz="1200" dirty="0">
-                <a:solidFill>
-                  <a:srgbClr val="000000"/>
-                </a:solidFill>
-                <a:latin typeface="Consolas" panose="020B0609020204030204" pitchFamily="49" charset="0"/>
-              </a:rPr>
-              <a:t>()</a:t>
-            </a:r>
-          </a:p>
-          <a:p>
-            <a:r>
-              <a:rPr lang="de-DE" sz="1200" dirty="0">
-                <a:solidFill>
-                  <a:srgbClr val="000000"/>
-                </a:solidFill>
-                <a:latin typeface="Consolas" panose="020B0609020204030204" pitchFamily="49" charset="0"/>
-              </a:rPr>
-              <a:t>{</a:t>
-            </a:r>
-          </a:p>
-          <a:p>
-            <a:r>
-              <a:rPr lang="de-DE" sz="1200" dirty="0">
-                <a:solidFill>
-                  <a:srgbClr val="000000"/>
-                </a:solidFill>
-                <a:latin typeface="Consolas" panose="020B0609020204030204" pitchFamily="49" charset="0"/>
-              </a:rPr>
-              <a:t>    </a:t>
-            </a:r>
-            <a:r>
-              <a:rPr lang="de-DE" sz="1200" dirty="0" err="1">
-                <a:solidFill>
-                  <a:srgbClr val="0000FF"/>
-                </a:solidFill>
-                <a:latin typeface="Consolas" panose="020B0609020204030204" pitchFamily="49" charset="0"/>
-              </a:rPr>
-              <a:t>return</a:t>
-            </a:r>
-            <a:r>
-              <a:rPr lang="de-DE" sz="1200" dirty="0">
-                <a:solidFill>
-                  <a:srgbClr val="000000"/>
-                </a:solidFill>
-                <a:latin typeface="Consolas" panose="020B0609020204030204" pitchFamily="49" charset="0"/>
-              </a:rPr>
-              <a:t> </a:t>
-            </a:r>
-            <a:r>
-              <a:rPr lang="de-DE" sz="1200" dirty="0" err="1" smtClean="0">
-                <a:solidFill>
-                  <a:srgbClr val="0000FF"/>
-                </a:solidFill>
-                <a:latin typeface="Consolas" panose="020B0609020204030204" pitchFamily="49" charset="0"/>
-              </a:rPr>
-              <a:t>this</a:t>
-            </a:r>
-            <a:r>
-              <a:rPr lang="de-DE" sz="1200" dirty="0" err="1" smtClean="0">
-                <a:solidFill>
-                  <a:srgbClr val="000000"/>
-                </a:solidFill>
-                <a:latin typeface="Consolas" panose="020B0609020204030204" pitchFamily="49" charset="0"/>
-              </a:rPr>
-              <a:t>.db.Posts</a:t>
-            </a:r>
-            <a:endParaRPr lang="de-DE" sz="1200" dirty="0" smtClean="0">
-              <a:solidFill>
-                <a:srgbClr val="000000"/>
-              </a:solidFill>
-              <a:latin typeface="Consolas" panose="020B0609020204030204" pitchFamily="49" charset="0"/>
-            </a:endParaRPr>
-          </a:p>
-          <a:p>
-            <a:r>
-              <a:rPr lang="de-DE" sz="1200" dirty="0">
-                <a:solidFill>
-                  <a:srgbClr val="000000"/>
-                </a:solidFill>
-                <a:latin typeface="Consolas" panose="020B0609020204030204" pitchFamily="49" charset="0"/>
-              </a:rPr>
-              <a:t> </a:t>
-            </a:r>
-            <a:r>
-              <a:rPr lang="de-DE" sz="1200" dirty="0" smtClean="0">
-                <a:solidFill>
-                  <a:srgbClr val="000000"/>
-                </a:solidFill>
-                <a:latin typeface="Consolas" panose="020B0609020204030204" pitchFamily="49" charset="0"/>
-              </a:rPr>
-              <a:t>                 .</a:t>
-            </a:r>
-            <a:r>
-              <a:rPr lang="de-DE" sz="1200" dirty="0" err="1">
-                <a:solidFill>
-                  <a:srgbClr val="000000"/>
-                </a:solidFill>
-                <a:latin typeface="Consolas" panose="020B0609020204030204" pitchFamily="49" charset="0"/>
-              </a:rPr>
-              <a:t>ToList</a:t>
-            </a:r>
-            <a:r>
-              <a:rPr lang="de-DE" sz="1200" dirty="0" smtClean="0">
-                <a:solidFill>
-                  <a:srgbClr val="000000"/>
-                </a:solidFill>
-                <a:latin typeface="Consolas" panose="020B0609020204030204" pitchFamily="49" charset="0"/>
-              </a:rPr>
-              <a:t>()</a:t>
-            </a:r>
-          </a:p>
-          <a:p>
-            <a:r>
-              <a:rPr lang="de-DE" sz="1200" dirty="0">
-                <a:solidFill>
-                  <a:srgbClr val="000000"/>
-                </a:solidFill>
-                <a:latin typeface="Consolas" panose="020B0609020204030204" pitchFamily="49" charset="0"/>
-              </a:rPr>
-              <a:t> </a:t>
-            </a:r>
-            <a:r>
-              <a:rPr lang="de-DE" sz="1200" dirty="0" smtClean="0">
-                <a:solidFill>
-                  <a:srgbClr val="000000"/>
-                </a:solidFill>
-                <a:latin typeface="Consolas" panose="020B0609020204030204" pitchFamily="49" charset="0"/>
-              </a:rPr>
-              <a:t>                 .</a:t>
-            </a:r>
-            <a:r>
-              <a:rPr lang="de-DE" sz="1200" dirty="0">
-                <a:solidFill>
-                  <a:srgbClr val="000000"/>
-                </a:solidFill>
-                <a:latin typeface="Consolas" panose="020B0609020204030204" pitchFamily="49" charset="0"/>
-              </a:rPr>
-              <a:t>Select(p =&gt; </a:t>
-            </a:r>
-            <a:r>
-              <a:rPr lang="de-DE" sz="1200" dirty="0" err="1">
-                <a:solidFill>
-                  <a:srgbClr val="2B91AF"/>
-                </a:solidFill>
-                <a:latin typeface="Consolas" panose="020B0609020204030204" pitchFamily="49" charset="0"/>
-              </a:rPr>
-              <a:t>PostDto</a:t>
-            </a:r>
-            <a:r>
-              <a:rPr lang="de-DE" sz="1200" dirty="0" err="1">
-                <a:solidFill>
-                  <a:srgbClr val="000000"/>
-                </a:solidFill>
-                <a:latin typeface="Consolas" panose="020B0609020204030204" pitchFamily="49" charset="0"/>
-              </a:rPr>
-              <a:t>.Map</a:t>
-            </a:r>
-            <a:r>
-              <a:rPr lang="de-DE" sz="1200" dirty="0">
-                <a:solidFill>
-                  <a:srgbClr val="000000"/>
-                </a:solidFill>
-                <a:latin typeface="Consolas" panose="020B0609020204030204" pitchFamily="49" charset="0"/>
-              </a:rPr>
-              <a:t>(p));</a:t>
-            </a:r>
-          </a:p>
-          <a:p>
-            <a:r>
-              <a:rPr lang="de-DE" sz="1200" dirty="0">
-                <a:solidFill>
-                  <a:srgbClr val="000000"/>
-                </a:solidFill>
-                <a:latin typeface="Consolas" panose="020B0609020204030204" pitchFamily="49" charset="0"/>
-              </a:rPr>
-              <a:t>}</a:t>
-            </a:r>
-            <a:endParaRPr lang="de-DE" sz="1200" dirty="0"/>
-          </a:p>
-        </p:txBody>
-      </p:sp>
-      <p:sp>
-        <p:nvSpPr>
-          <p:cNvPr id="9" name="Rechteck 8"/>
-          <p:cNvSpPr/>
-          <p:nvPr/>
-        </p:nvSpPr>
-        <p:spPr>
-          <a:xfrm>
-            <a:off x="7395250" y="3249523"/>
-            <a:ext cx="6092825" cy="1569660"/>
-          </a:xfrm>
-          <a:prstGeom prst="rect">
-            <a:avLst/>
-          </a:prstGeom>
-        </p:spPr>
-        <p:txBody>
-          <a:bodyPr>
-            <a:spAutoFit/>
-          </a:bodyPr>
-          <a:lstStyle/>
-          <a:p>
-            <a:r>
-              <a:rPr lang="de-DE" sz="1200" dirty="0">
-                <a:solidFill>
-                  <a:srgbClr val="000000"/>
-                </a:solidFill>
-                <a:latin typeface="Consolas" panose="020B0609020204030204" pitchFamily="49" charset="0"/>
-              </a:rPr>
-              <a:t>[</a:t>
-            </a:r>
-            <a:r>
-              <a:rPr lang="de-DE" sz="1200" dirty="0">
-                <a:solidFill>
-                  <a:srgbClr val="2B91AF"/>
-                </a:solidFill>
-                <a:latin typeface="Consolas" panose="020B0609020204030204" pitchFamily="49" charset="0"/>
-              </a:rPr>
-              <a:t>Route</a:t>
-            </a:r>
-            <a:r>
-              <a:rPr lang="de-DE" sz="1200" dirty="0">
-                <a:solidFill>
-                  <a:srgbClr val="000000"/>
-                </a:solidFill>
-                <a:latin typeface="Consolas" panose="020B0609020204030204" pitchFamily="49" charset="0"/>
-              </a:rPr>
-              <a:t>(</a:t>
-            </a:r>
-            <a:r>
-              <a:rPr lang="de-DE" sz="1200" dirty="0">
-                <a:solidFill>
-                  <a:srgbClr val="A31515"/>
-                </a:solidFill>
-                <a:latin typeface="Consolas" panose="020B0609020204030204" pitchFamily="49" charset="0"/>
-              </a:rPr>
-              <a:t>"</a:t>
-            </a:r>
-            <a:r>
-              <a:rPr lang="de-DE" sz="1200" dirty="0" err="1">
-                <a:solidFill>
-                  <a:srgbClr val="A31515"/>
-                </a:solidFill>
-                <a:latin typeface="Consolas" panose="020B0609020204030204" pitchFamily="49" charset="0"/>
-              </a:rPr>
-              <a:t>api</a:t>
-            </a:r>
-            <a:r>
-              <a:rPr lang="de-DE" sz="1200" dirty="0">
-                <a:solidFill>
-                  <a:srgbClr val="A31515"/>
-                </a:solidFill>
-                <a:latin typeface="Consolas" panose="020B0609020204030204" pitchFamily="49" charset="0"/>
-              </a:rPr>
-              <a:t>/</a:t>
-            </a:r>
-            <a:r>
-              <a:rPr lang="de-DE" sz="1200" dirty="0" err="1">
-                <a:solidFill>
-                  <a:srgbClr val="A31515"/>
-                </a:solidFill>
-                <a:latin typeface="Consolas" panose="020B0609020204030204" pitchFamily="49" charset="0"/>
-              </a:rPr>
-              <a:t>posts</a:t>
-            </a:r>
-            <a:r>
-              <a:rPr lang="de-DE" sz="1200" dirty="0">
-                <a:solidFill>
-                  <a:srgbClr val="A31515"/>
-                </a:solidFill>
-                <a:latin typeface="Consolas" panose="020B0609020204030204" pitchFamily="49" charset="0"/>
-              </a:rPr>
-              <a:t>/</a:t>
-            </a:r>
-            <a:r>
-              <a:rPr lang="de-DE" sz="1200" dirty="0" err="1">
-                <a:solidFill>
-                  <a:srgbClr val="A31515"/>
-                </a:solidFill>
-                <a:latin typeface="Consolas" panose="020B0609020204030204" pitchFamily="49" charset="0"/>
-              </a:rPr>
-              <a:t>latest</a:t>
-            </a:r>
-            <a:r>
-              <a:rPr lang="de-DE" sz="1200" dirty="0">
-                <a:solidFill>
-                  <a:srgbClr val="A31515"/>
-                </a:solidFill>
-                <a:latin typeface="Consolas" panose="020B0609020204030204" pitchFamily="49" charset="0"/>
-              </a:rPr>
-              <a:t>"</a:t>
-            </a:r>
-            <a:r>
-              <a:rPr lang="de-DE" sz="1200" dirty="0">
-                <a:solidFill>
-                  <a:srgbClr val="000000"/>
-                </a:solidFill>
-                <a:latin typeface="Consolas" panose="020B0609020204030204" pitchFamily="49" charset="0"/>
-              </a:rPr>
-              <a:t>)]</a:t>
-            </a:r>
-          </a:p>
-          <a:p>
-            <a:r>
-              <a:rPr lang="de-DE" sz="1200" dirty="0" err="1">
-                <a:solidFill>
-                  <a:srgbClr val="0000FF"/>
-                </a:solidFill>
-                <a:latin typeface="Consolas" panose="020B0609020204030204" pitchFamily="49" charset="0"/>
-              </a:rPr>
-              <a:t>public</a:t>
-            </a:r>
-            <a:r>
-              <a:rPr lang="de-DE" sz="1200" dirty="0">
-                <a:solidFill>
-                  <a:srgbClr val="000000"/>
-                </a:solidFill>
-                <a:latin typeface="Consolas" panose="020B0609020204030204" pitchFamily="49" charset="0"/>
-              </a:rPr>
-              <a:t> </a:t>
-            </a:r>
-            <a:r>
-              <a:rPr lang="de-DE" sz="1200" dirty="0" err="1">
-                <a:solidFill>
-                  <a:srgbClr val="2B91AF"/>
-                </a:solidFill>
-                <a:latin typeface="Consolas" panose="020B0609020204030204" pitchFamily="49" charset="0"/>
-              </a:rPr>
-              <a:t>IEnumerable</a:t>
-            </a:r>
-            <a:r>
-              <a:rPr lang="de-DE" sz="1200" dirty="0">
-                <a:solidFill>
-                  <a:srgbClr val="000000"/>
-                </a:solidFill>
-                <a:latin typeface="Consolas" panose="020B0609020204030204" pitchFamily="49" charset="0"/>
-              </a:rPr>
-              <a:t>&lt;</a:t>
-            </a:r>
-            <a:r>
-              <a:rPr lang="de-DE" sz="1200" dirty="0" err="1">
-                <a:solidFill>
-                  <a:srgbClr val="2B91AF"/>
-                </a:solidFill>
-                <a:latin typeface="Consolas" panose="020B0609020204030204" pitchFamily="49" charset="0"/>
-              </a:rPr>
-              <a:t>PostDto</a:t>
-            </a:r>
-            <a:r>
-              <a:rPr lang="de-DE" sz="1200" dirty="0">
-                <a:solidFill>
-                  <a:srgbClr val="000000"/>
-                </a:solidFill>
-                <a:latin typeface="Consolas" panose="020B0609020204030204" pitchFamily="49" charset="0"/>
-              </a:rPr>
-              <a:t>&gt; </a:t>
-            </a:r>
-            <a:r>
-              <a:rPr lang="de-DE" sz="1200" dirty="0" err="1">
-                <a:solidFill>
-                  <a:srgbClr val="000000"/>
-                </a:solidFill>
-                <a:latin typeface="Consolas" panose="020B0609020204030204" pitchFamily="49" charset="0"/>
-              </a:rPr>
-              <a:t>GetLatest</a:t>
-            </a:r>
-            <a:r>
-              <a:rPr lang="de-DE" sz="1200" dirty="0">
-                <a:solidFill>
-                  <a:srgbClr val="000000"/>
-                </a:solidFill>
-                <a:latin typeface="Consolas" panose="020B0609020204030204" pitchFamily="49" charset="0"/>
-              </a:rPr>
-              <a:t>()</a:t>
-            </a:r>
-          </a:p>
-          <a:p>
-            <a:r>
-              <a:rPr lang="de-DE" sz="1200" dirty="0">
-                <a:solidFill>
-                  <a:srgbClr val="000000"/>
-                </a:solidFill>
-                <a:latin typeface="Consolas" panose="020B0609020204030204" pitchFamily="49" charset="0"/>
-              </a:rPr>
-              <a:t>{</a:t>
-            </a:r>
-          </a:p>
-          <a:p>
-            <a:r>
-              <a:rPr lang="de-DE" sz="1200" dirty="0">
-                <a:solidFill>
-                  <a:srgbClr val="000000"/>
-                </a:solidFill>
-                <a:latin typeface="Consolas" panose="020B0609020204030204" pitchFamily="49" charset="0"/>
-              </a:rPr>
-              <a:t>    </a:t>
-            </a:r>
-            <a:r>
-              <a:rPr lang="de-DE" sz="1200" dirty="0" err="1">
-                <a:solidFill>
-                  <a:srgbClr val="0000FF"/>
-                </a:solidFill>
-                <a:latin typeface="Consolas" panose="020B0609020204030204" pitchFamily="49" charset="0"/>
-              </a:rPr>
-              <a:t>return</a:t>
-            </a:r>
-            <a:r>
-              <a:rPr lang="de-DE" sz="1200" dirty="0">
-                <a:solidFill>
-                  <a:srgbClr val="000000"/>
-                </a:solidFill>
-                <a:latin typeface="Consolas" panose="020B0609020204030204" pitchFamily="49" charset="0"/>
-              </a:rPr>
-              <a:t> </a:t>
-            </a:r>
-            <a:r>
-              <a:rPr lang="de-DE" sz="1200" dirty="0" err="1" smtClean="0">
-                <a:solidFill>
-                  <a:srgbClr val="0000FF"/>
-                </a:solidFill>
-                <a:latin typeface="Consolas" panose="020B0609020204030204" pitchFamily="49" charset="0"/>
-              </a:rPr>
-              <a:t>this</a:t>
-            </a:r>
-            <a:r>
-              <a:rPr lang="de-DE" sz="1200" dirty="0" err="1" smtClean="0">
-                <a:solidFill>
-                  <a:srgbClr val="000000"/>
-                </a:solidFill>
-                <a:latin typeface="Consolas" panose="020B0609020204030204" pitchFamily="49" charset="0"/>
-              </a:rPr>
-              <a:t>.db.Posts</a:t>
-            </a:r>
-            <a:endParaRPr lang="de-DE" sz="1200" dirty="0" smtClean="0">
-              <a:solidFill>
-                <a:srgbClr val="000000"/>
-              </a:solidFill>
-              <a:latin typeface="Consolas" panose="020B0609020204030204" pitchFamily="49" charset="0"/>
-            </a:endParaRPr>
-          </a:p>
-          <a:p>
-            <a:r>
-              <a:rPr lang="de-DE" sz="1200" dirty="0">
-                <a:solidFill>
-                  <a:srgbClr val="000000"/>
-                </a:solidFill>
-                <a:latin typeface="Consolas" panose="020B0609020204030204" pitchFamily="49" charset="0"/>
-              </a:rPr>
-              <a:t> </a:t>
-            </a:r>
-            <a:r>
-              <a:rPr lang="de-DE" sz="1200" dirty="0" smtClean="0">
-                <a:solidFill>
-                  <a:srgbClr val="000000"/>
-                </a:solidFill>
-                <a:latin typeface="Consolas" panose="020B0609020204030204" pitchFamily="49" charset="0"/>
-              </a:rPr>
-              <a:t>                 .</a:t>
-            </a:r>
-            <a:r>
-              <a:rPr lang="de-DE" sz="1200" dirty="0" err="1" smtClean="0">
-                <a:solidFill>
-                  <a:srgbClr val="000000"/>
-                </a:solidFill>
-                <a:latin typeface="Consolas" panose="020B0609020204030204" pitchFamily="49" charset="0"/>
-              </a:rPr>
-              <a:t>OrderByDescending</a:t>
-            </a:r>
-            <a:r>
-              <a:rPr lang="de-DE" sz="1200" dirty="0" smtClean="0">
-                <a:solidFill>
-                  <a:srgbClr val="000000"/>
-                </a:solidFill>
-                <a:latin typeface="Consolas" panose="020B0609020204030204" pitchFamily="49" charset="0"/>
-              </a:rPr>
-              <a:t>(o </a:t>
-            </a:r>
-            <a:r>
-              <a:rPr lang="de-DE" sz="1200" dirty="0">
-                <a:solidFill>
-                  <a:srgbClr val="000000"/>
-                </a:solidFill>
-                <a:latin typeface="Consolas" panose="020B0609020204030204" pitchFamily="49" charset="0"/>
-              </a:rPr>
-              <a:t>=&gt; </a:t>
-            </a:r>
-            <a:r>
-              <a:rPr lang="de-DE" sz="1200" dirty="0" err="1">
-                <a:solidFill>
-                  <a:srgbClr val="000000"/>
-                </a:solidFill>
-                <a:latin typeface="Consolas" panose="020B0609020204030204" pitchFamily="49" charset="0"/>
-              </a:rPr>
-              <a:t>o.Created</a:t>
-            </a:r>
-            <a:r>
-              <a:rPr lang="de-DE" sz="1200" dirty="0" smtClean="0">
-                <a:solidFill>
-                  <a:srgbClr val="000000"/>
-                </a:solidFill>
-                <a:latin typeface="Consolas" panose="020B0609020204030204" pitchFamily="49" charset="0"/>
-              </a:rPr>
-              <a:t>)</a:t>
-            </a:r>
-          </a:p>
-          <a:p>
-            <a:r>
-              <a:rPr lang="de-DE" sz="1200" dirty="0" smtClean="0">
-                <a:solidFill>
-                  <a:srgbClr val="000000"/>
-                </a:solidFill>
-                <a:latin typeface="Consolas" panose="020B0609020204030204" pitchFamily="49" charset="0"/>
-              </a:rPr>
-              <a:t>                  .</a:t>
-            </a:r>
-            <a:r>
-              <a:rPr lang="de-DE" sz="1200" dirty="0" err="1">
-                <a:solidFill>
-                  <a:srgbClr val="000000"/>
-                </a:solidFill>
-                <a:latin typeface="Consolas" panose="020B0609020204030204" pitchFamily="49" charset="0"/>
-              </a:rPr>
-              <a:t>ToList</a:t>
-            </a:r>
-            <a:r>
-              <a:rPr lang="de-DE" sz="1200" dirty="0" smtClean="0">
-                <a:solidFill>
-                  <a:srgbClr val="000000"/>
-                </a:solidFill>
-                <a:latin typeface="Consolas" panose="020B0609020204030204" pitchFamily="49" charset="0"/>
-              </a:rPr>
-              <a:t>()</a:t>
-            </a:r>
-          </a:p>
-          <a:p>
-            <a:r>
-              <a:rPr lang="de-DE" sz="1200" dirty="0">
-                <a:solidFill>
-                  <a:srgbClr val="000000"/>
-                </a:solidFill>
-                <a:latin typeface="Consolas" panose="020B0609020204030204" pitchFamily="49" charset="0"/>
-              </a:rPr>
-              <a:t> </a:t>
-            </a:r>
-            <a:r>
-              <a:rPr lang="de-DE" sz="1200" dirty="0" smtClean="0">
-                <a:solidFill>
-                  <a:srgbClr val="000000"/>
-                </a:solidFill>
-                <a:latin typeface="Consolas" panose="020B0609020204030204" pitchFamily="49" charset="0"/>
-              </a:rPr>
-              <a:t>                 .</a:t>
-            </a:r>
-            <a:r>
-              <a:rPr lang="de-DE" sz="1200" dirty="0">
-                <a:solidFill>
-                  <a:srgbClr val="000000"/>
-                </a:solidFill>
-                <a:latin typeface="Consolas" panose="020B0609020204030204" pitchFamily="49" charset="0"/>
-              </a:rPr>
-              <a:t>Select(p =&gt; </a:t>
-            </a:r>
-            <a:r>
-              <a:rPr lang="de-DE" sz="1200" dirty="0" err="1">
-                <a:solidFill>
-                  <a:srgbClr val="2B91AF"/>
-                </a:solidFill>
-                <a:latin typeface="Consolas" panose="020B0609020204030204" pitchFamily="49" charset="0"/>
-              </a:rPr>
-              <a:t>PostDto</a:t>
-            </a:r>
-            <a:r>
-              <a:rPr lang="de-DE" sz="1200" dirty="0" err="1">
-                <a:solidFill>
-                  <a:srgbClr val="000000"/>
-                </a:solidFill>
-                <a:latin typeface="Consolas" panose="020B0609020204030204" pitchFamily="49" charset="0"/>
-              </a:rPr>
-              <a:t>.Map</a:t>
-            </a:r>
-            <a:r>
-              <a:rPr lang="de-DE" sz="1200" dirty="0">
-                <a:solidFill>
-                  <a:srgbClr val="000000"/>
-                </a:solidFill>
-                <a:latin typeface="Consolas" panose="020B0609020204030204" pitchFamily="49" charset="0"/>
-              </a:rPr>
-              <a:t>(p));</a:t>
-            </a:r>
-          </a:p>
-          <a:p>
-            <a:r>
-              <a:rPr lang="de-DE" sz="1200" dirty="0">
-                <a:solidFill>
-                  <a:srgbClr val="000000"/>
-                </a:solidFill>
-                <a:latin typeface="Consolas" panose="020B0609020204030204" pitchFamily="49" charset="0"/>
-              </a:rPr>
-              <a:t>}</a:t>
-            </a:r>
-            <a:endParaRPr lang="de-DE" sz="1200" dirty="0"/>
+            <a:fld id="{8F35CB8A-22DD-4279-9E9E-A49CDB5FBE56}" type="slidenum">
+              <a:rPr lang="en-US" smtClean="0"/>
+              <a:pPr/>
+              <a:t>10</a:t>
+            </a:fld>
+            <a:endParaRPr lang="en-US" dirty="0"/>
           </a:p>
         </p:txBody>
       </p:sp>
     </p:spTree>
     <p:extLst>
       <p:ext uri="{BB962C8B-B14F-4D97-AF65-F5344CB8AC3E}">
-        <p14:creationId xmlns:p14="http://schemas.microsoft.com/office/powerpoint/2010/main" val="200086261"/>
+        <p14:creationId xmlns:p14="http://schemas.microsoft.com/office/powerpoint/2010/main" val="1662466920"/>
       </p:ext>
     </p:extLst>
   </p:cSld>
@@ -6730,109 +5896,6 @@
       </p:grpSpPr>
       <p:sp>
         <p:nvSpPr>
-          <p:cNvPr id="6" name="Titel 5"/>
-          <p:cNvSpPr>
-            <a:spLocks noGrp="1"/>
-          </p:cNvSpPr>
-          <p:nvPr>
-            <p:ph type="title"/>
-          </p:nvPr>
-        </p:nvSpPr>
-        <p:spPr/>
-        <p:txBody>
-          <a:bodyPr/>
-          <a:lstStyle/>
-          <a:p>
-            <a:r>
-              <a:rPr lang="de-DE" dirty="0" smtClean="0"/>
-              <a:t>HANDS-ON</a:t>
-            </a:r>
-            <a:endParaRPr lang="de-DE" dirty="0"/>
-          </a:p>
-        </p:txBody>
-      </p:sp>
-      <p:sp>
-        <p:nvSpPr>
-          <p:cNvPr id="7" name="Untertitel 6"/>
-          <p:cNvSpPr>
-            <a:spLocks noGrp="1"/>
-          </p:cNvSpPr>
-          <p:nvPr>
-            <p:ph type="subTitle" idx="1"/>
-          </p:nvPr>
-        </p:nvSpPr>
-        <p:spPr/>
-        <p:txBody>
-          <a:bodyPr/>
-          <a:lstStyle/>
-          <a:p>
-            <a:r>
-              <a:rPr lang="de-DE" sz="4800" dirty="0" smtClean="0"/>
-              <a:t>05</a:t>
-            </a:r>
-            <a:r>
-              <a:rPr lang="de-DE" sz="4800" dirty="0"/>
-              <a:t>. Entwicklung einer Schnittstelle mit ASP.NET Web API</a:t>
-            </a:r>
-          </a:p>
-        </p:txBody>
-      </p:sp>
-      <p:sp>
-        <p:nvSpPr>
-          <p:cNvPr id="4" name="Foliennummernplatzhalter 3"/>
-          <p:cNvSpPr>
-            <a:spLocks noGrp="1"/>
-          </p:cNvSpPr>
-          <p:nvPr>
-            <p:ph type="sldNum" sz="quarter" idx="10"/>
-          </p:nvPr>
-        </p:nvSpPr>
-        <p:spPr/>
-        <p:txBody>
-          <a:bodyPr/>
-          <a:lstStyle/>
-          <a:p>
-            <a:fld id="{8F35CB8A-22DD-4279-9E9E-A49CDB5FBE56}" type="slidenum">
-              <a:rPr lang="en-US" smtClean="0"/>
-              <a:pPr/>
-              <a:t>11</a:t>
-            </a:fld>
-            <a:endParaRPr lang="en-US" dirty="0"/>
-          </a:p>
-        </p:txBody>
-      </p:sp>
-    </p:spTree>
-    <p:extLst>
-      <p:ext uri="{BB962C8B-B14F-4D97-AF65-F5344CB8AC3E}">
-        <p14:creationId xmlns:p14="http://schemas.microsoft.com/office/powerpoint/2010/main" val="1662466920"/>
-      </p:ext>
-    </p:extLst>
-  </p:cSld>
-  <p:clrMapOvr>
-    <a:masterClrMapping/>
-  </p:clrMapOvr>
-</p:sld>
-</file>
-
-<file path=ppt/slides/slide12.xml><?xml version="1.0" encoding="utf-8"?>
-<p:sld xmlns:a="http://schemas.openxmlformats.org/drawingml/2006/main" xmlns:r="http://schemas.openxmlformats.org/officeDocument/2006/relationships" xmlns:p="http://schemas.openxmlformats.org/presentationml/2006/main">
-  <p:cSld>
-    <p:spTree>
-      <p:nvGrpSpPr>
-        <p:cNvPr id="1" name=""/>
-        <p:cNvGrpSpPr/>
-        <p:nvPr/>
-      </p:nvGrpSpPr>
-      <p:grpSpPr>
-        <a:xfrm>
-          <a:off x="0" y="0"/>
-          <a:ext cx="0" cy="0"/>
-          <a:chOff x="0" y="0"/>
-          <a:chExt cx="0" cy="0"/>
-        </a:xfrm>
-      </p:grpSpPr>
-      <p:sp>
-        <p:nvSpPr>
           <p:cNvPr id="2" name="Titel 1"/>
           <p:cNvSpPr>
             <a:spLocks noGrp="1"/>
@@ -6971,7 +6034,7 @@
             <a:fld id="{8F35CB8A-22DD-4279-9E9E-A49CDB5FBE56}" type="slidenum">
               <a:rPr lang="en-US" smtClean="0"/>
               <a:pPr/>
-              <a:t>12</a:t>
+              <a:t>11</a:t>
             </a:fld>
             <a:endParaRPr lang="en-US"/>
           </a:p>
@@ -7027,7 +6090,7 @@
 </p:sld>
 </file>
 
-<file path=ppt/slides/slide13.xml><?xml version="1.0" encoding="utf-8"?>
+<file path=ppt/slides/slide12.xml><?xml version="1.0" encoding="utf-8"?>
 <p:sld xmlns:a="http://schemas.openxmlformats.org/drawingml/2006/main" xmlns:r="http://schemas.openxmlformats.org/officeDocument/2006/relationships" xmlns:p="http://schemas.openxmlformats.org/presentationml/2006/main">
   <p:cSld>
     <p:spTree>
@@ -7067,7 +6130,7 @@
               <a:pPr>
                 <a:defRPr/>
               </a:pPr>
-              <a:t>13</a:t>
+              <a:t>12</a:t>
             </a:fld>
             <a:endParaRPr lang="sv-SE" dirty="0"/>
           </a:p>
@@ -8172,97 +7235,6 @@
       </p:grpSpPr>
       <p:sp>
         <p:nvSpPr>
-          <p:cNvPr id="2" name="Titel 1"/>
-          <p:cNvSpPr>
-            <a:spLocks noGrp="1"/>
-          </p:cNvSpPr>
-          <p:nvPr>
-            <p:ph type="ctrTitle"/>
-          </p:nvPr>
-        </p:nvSpPr>
-        <p:spPr>
-          <a:xfrm>
-            <a:off x="587299" y="584335"/>
-            <a:ext cx="7804226" cy="757413"/>
-          </a:xfrm>
-        </p:spPr>
-        <p:txBody>
-          <a:bodyPr/>
-          <a:lstStyle/>
-          <a:p>
-            <a:r>
-              <a:rPr lang="de-DE" dirty="0" smtClean="0"/>
-              <a:t>05 | Entwicklung </a:t>
-            </a:r>
-            <a:r>
-              <a:rPr lang="de-DE" dirty="0"/>
-              <a:t>einer Schnittstelle mit ASP.NET Web API</a:t>
-            </a:r>
-          </a:p>
-        </p:txBody>
-      </p:sp>
-      <p:sp>
-        <p:nvSpPr>
-          <p:cNvPr id="4" name="Untertitel 3"/>
-          <p:cNvSpPr>
-            <a:spLocks noGrp="1"/>
-          </p:cNvSpPr>
-          <p:nvPr>
-            <p:ph type="subTitle" idx="1"/>
-          </p:nvPr>
-        </p:nvSpPr>
-        <p:spPr/>
-        <p:txBody>
-          <a:bodyPr/>
-          <a:lstStyle/>
-          <a:p>
-            <a:r>
-              <a:rPr lang="de-DE" dirty="0" smtClean="0"/>
-              <a:t>Florian Sibinger</a:t>
-            </a:r>
-            <a:endParaRPr lang="de-DE" dirty="0"/>
-          </a:p>
-        </p:txBody>
-      </p:sp>
-    </p:spTree>
-    <p:extLst>
-      <p:ext uri="{BB962C8B-B14F-4D97-AF65-F5344CB8AC3E}">
-        <p14:creationId xmlns:p14="http://schemas.microsoft.com/office/powerpoint/2010/main" val="3075312266"/>
-      </p:ext>
-    </p:extLst>
-  </p:cSld>
-  <p:clrMapOvr>
-    <a:masterClrMapping/>
-  </p:clrMapOvr>
-  <p:timing>
-    <p:tnLst>
-      <p:par>
-        <p:cTn id="1" dur="indefinite" restart="never" nodeType="tmRoot"/>
-      </p:par>
-    </p:tnLst>
-  </p:timing>
-</p:sld>
-</file>
-
-<file path=ppt/slides/slide5.xml><?xml version="1.0" encoding="utf-8"?>
-<p:sld xmlns:a="http://schemas.openxmlformats.org/drawingml/2006/main" xmlns:r="http://schemas.openxmlformats.org/officeDocument/2006/relationships" xmlns:p="http://schemas.openxmlformats.org/presentationml/2006/main">
-  <p:cSld>
-    <p:spTree>
-      <p:nvGrpSpPr>
-        <p:cNvPr id="1" name=""/>
-        <p:cNvGrpSpPr/>
-        <p:nvPr/>
-      </p:nvGrpSpPr>
-      <p:grpSpPr>
-        <a:xfrm>
-          <a:off x="0" y="0"/>
-          <a:ext cx="0" cy="0"/>
-          <a:chOff x="0" y="0"/>
-          <a:chExt cx="0" cy="0"/>
-        </a:xfrm>
-      </p:grpSpPr>
-      <p:sp>
-        <p:nvSpPr>
           <p:cNvPr id="6" name="Titel 1"/>
           <p:cNvSpPr>
             <a:spLocks noGrp="1"/>
@@ -8417,7 +7389,7 @@
 </p:sld>
 </file>
 
-<file path=ppt/slides/slide6.xml><?xml version="1.0" encoding="utf-8"?>
+<file path=ppt/slides/slide5.xml><?xml version="1.0" encoding="utf-8"?>
 <p:sld xmlns:a="http://schemas.openxmlformats.org/drawingml/2006/main" xmlns:r="http://schemas.openxmlformats.org/officeDocument/2006/relationships" xmlns:p="http://schemas.openxmlformats.org/presentationml/2006/main">
   <p:cSld>
     <p:spTree>
@@ -8697,7 +7669,7 @@
 </p:sld>
 </file>
 
-<file path=ppt/slides/slide7.xml><?xml version="1.0" encoding="utf-8"?>
+<file path=ppt/slides/slide6.xml><?xml version="1.0" encoding="utf-8"?>
 <p:sld xmlns:a="http://schemas.openxmlformats.org/drawingml/2006/main" xmlns:r="http://schemas.openxmlformats.org/officeDocument/2006/relationships" xmlns:p="http://schemas.openxmlformats.org/presentationml/2006/main">
   <p:cSld>
     <p:spTree>
@@ -8774,12 +7746,12 @@
               <a:t> APIs (</a:t>
             </a:r>
             <a:r>
-              <a:rPr lang="en-US" dirty="0" err="1" smtClean="0"/>
-              <a:t>Represential</a:t>
-            </a:r>
-            <a:r>
               <a:rPr lang="en-US" dirty="0" smtClean="0"/>
-              <a:t> State Transfer)</a:t>
+              <a:t>Representational </a:t>
+            </a:r>
+            <a:r>
+              <a:rPr lang="en-US" dirty="0" smtClean="0"/>
+              <a:t>State Transfer)</a:t>
             </a:r>
             <a:endParaRPr lang="en-US" dirty="0" smtClean="0">
               <a:solidFill>
@@ -9499,7 +8471,7 @@
 </p:sld>
 </file>
 
-<file path=ppt/slides/slide8.xml><?xml version="1.0" encoding="utf-8"?>
+<file path=ppt/slides/slide7.xml><?xml version="1.0" encoding="utf-8"?>
 <p:sld xmlns:a="http://schemas.openxmlformats.org/drawingml/2006/main" xmlns:r="http://schemas.openxmlformats.org/officeDocument/2006/relationships" xmlns:p="http://schemas.openxmlformats.org/presentationml/2006/main">
   <p:cSld>
     <p:spTree>
@@ -9659,6 +8631,723 @@
 </p:sld>
 </file>
 
+<file path=ppt/slides/slide8.xml><?xml version="1.0" encoding="utf-8"?>
+<p:sld xmlns:a="http://schemas.openxmlformats.org/drawingml/2006/main" xmlns:r="http://schemas.openxmlformats.org/officeDocument/2006/relationships" xmlns:p="http://schemas.openxmlformats.org/presentationml/2006/main">
+  <p:cSld>
+    <p:spTree>
+      <p:nvGrpSpPr>
+        <p:cNvPr id="1" name=""/>
+        <p:cNvGrpSpPr/>
+        <p:nvPr/>
+      </p:nvGrpSpPr>
+      <p:grpSpPr>
+        <a:xfrm>
+          <a:off x="0" y="0"/>
+          <a:ext cx="0" cy="0"/>
+          <a:chOff x="0" y="0"/>
+          <a:chExt cx="0" cy="0"/>
+        </a:xfrm>
+      </p:grpSpPr>
+      <p:sp>
+        <p:nvSpPr>
+          <p:cNvPr id="2" name="Title 1"/>
+          <p:cNvSpPr>
+            <a:spLocks noGrp="1"/>
+          </p:cNvSpPr>
+          <p:nvPr>
+            <p:ph type="title"/>
+          </p:nvPr>
+        </p:nvSpPr>
+        <p:spPr/>
+        <p:txBody>
+          <a:bodyPr/>
+          <a:lstStyle/>
+          <a:p>
+            <a:r>
+              <a:rPr lang="en-US" dirty="0" smtClean="0"/>
+              <a:t>1.4 DTO (Data-Transfer-Object)</a:t>
+            </a:r>
+            <a:endParaRPr lang="en-US" dirty="0"/>
+          </a:p>
+        </p:txBody>
+      </p:sp>
+      <p:sp>
+        <p:nvSpPr>
+          <p:cNvPr id="3" name="Content Placeholder 2"/>
+          <p:cNvSpPr>
+            <a:spLocks noGrp="1"/>
+          </p:cNvSpPr>
+          <p:nvPr>
+            <p:ph sz="quarter" idx="10"/>
+          </p:nvPr>
+        </p:nvSpPr>
+        <p:spPr>
+          <a:xfrm>
+            <a:off x="587298" y="1371600"/>
+            <a:ext cx="6020331" cy="5308560"/>
+          </a:xfrm>
+        </p:spPr>
+        <p:txBody>
+          <a:bodyPr/>
+          <a:lstStyle/>
+          <a:p>
+            <a:r>
+              <a:rPr lang="en-US" dirty="0" smtClean="0"/>
+              <a:t>Man will </a:t>
+            </a:r>
+            <a:r>
+              <a:rPr lang="en-US" dirty="0" err="1" smtClean="0"/>
+              <a:t>nicht</a:t>
+            </a:r>
+            <a:r>
+              <a:rPr lang="en-US" dirty="0" smtClean="0"/>
+              <a:t> </a:t>
+            </a:r>
+            <a:r>
+              <a:rPr lang="en-US" dirty="0" err="1" smtClean="0"/>
+              <a:t>alle</a:t>
+            </a:r>
+            <a:r>
+              <a:rPr lang="en-US" dirty="0" smtClean="0"/>
+              <a:t> Attribute </a:t>
+            </a:r>
+            <a:r>
+              <a:rPr lang="en-US" dirty="0" err="1" smtClean="0"/>
+              <a:t>eines</a:t>
+            </a:r>
+            <a:r>
+              <a:rPr lang="en-US" dirty="0" smtClean="0"/>
+              <a:t> </a:t>
+            </a:r>
+            <a:r>
+              <a:rPr lang="en-US" dirty="0" err="1" smtClean="0"/>
+              <a:t>Objekts</a:t>
+            </a:r>
+            <a:r>
+              <a:rPr lang="en-US" dirty="0" smtClean="0"/>
+              <a:t> </a:t>
+            </a:r>
+            <a:r>
+              <a:rPr lang="en-US" dirty="0" err="1" smtClean="0"/>
+              <a:t>über</a:t>
+            </a:r>
+            <a:r>
+              <a:rPr lang="en-US" dirty="0" smtClean="0"/>
+              <a:t> APIs </a:t>
+            </a:r>
+            <a:r>
+              <a:rPr lang="en-US" dirty="0" err="1" smtClean="0"/>
+              <a:t>veröffentlichen</a:t>
+            </a:r>
+            <a:endParaRPr lang="en-US" dirty="0" smtClean="0"/>
+          </a:p>
+          <a:p>
+            <a:pPr lvl="1"/>
+            <a:r>
+              <a:rPr lang="en-US" dirty="0" smtClean="0">
+                <a:solidFill>
+                  <a:schemeClr val="accent3"/>
+                </a:solidFill>
+              </a:rPr>
+              <a:t>Security</a:t>
+            </a:r>
+          </a:p>
+          <a:p>
+            <a:pPr lvl="1"/>
+            <a:r>
+              <a:rPr lang="en-US" dirty="0" smtClean="0">
+                <a:solidFill>
+                  <a:schemeClr val="accent3"/>
+                </a:solidFill>
+              </a:rPr>
+              <a:t>Performance</a:t>
+            </a:r>
+          </a:p>
+          <a:p>
+            <a:pPr lvl="1"/>
+            <a:r>
+              <a:rPr lang="en-US" dirty="0" err="1" smtClean="0">
+                <a:solidFill>
+                  <a:schemeClr val="accent3"/>
+                </a:solidFill>
+              </a:rPr>
+              <a:t>Zirkuläre</a:t>
+            </a:r>
+            <a:r>
+              <a:rPr lang="en-US" dirty="0" smtClean="0">
+                <a:solidFill>
+                  <a:schemeClr val="accent3"/>
+                </a:solidFill>
+              </a:rPr>
+              <a:t> </a:t>
+            </a:r>
+            <a:r>
+              <a:rPr lang="en-US" dirty="0" err="1" smtClean="0">
+                <a:solidFill>
+                  <a:schemeClr val="accent3"/>
+                </a:solidFill>
+              </a:rPr>
+              <a:t>Referenzen</a:t>
+            </a:r>
+            <a:endParaRPr lang="en-US" dirty="0" smtClean="0"/>
+          </a:p>
+          <a:p>
+            <a:r>
+              <a:rPr lang="en-US" dirty="0" err="1" smtClean="0"/>
+              <a:t>Lösung</a:t>
+            </a:r>
+            <a:r>
+              <a:rPr lang="en-US" dirty="0" smtClean="0"/>
+              <a:t>: </a:t>
+            </a:r>
+            <a:r>
+              <a:rPr lang="en-US" dirty="0" err="1" smtClean="0"/>
+              <a:t>Vereinfachte</a:t>
+            </a:r>
+            <a:r>
+              <a:rPr lang="en-US" dirty="0" smtClean="0"/>
+              <a:t> Version von </a:t>
+            </a:r>
+            <a:r>
+              <a:rPr lang="en-US" dirty="0" err="1" smtClean="0"/>
+              <a:t>Klassen</a:t>
+            </a:r>
+            <a:r>
+              <a:rPr lang="en-US" dirty="0" smtClean="0"/>
+              <a:t> </a:t>
+            </a:r>
+            <a:r>
+              <a:rPr lang="en-US" dirty="0" err="1" smtClean="0"/>
+              <a:t>über</a:t>
+            </a:r>
+            <a:r>
+              <a:rPr lang="en-US" dirty="0" smtClean="0"/>
+              <a:t> API </a:t>
+            </a:r>
+            <a:r>
+              <a:rPr lang="en-US" dirty="0" err="1" smtClean="0"/>
+              <a:t>nach</a:t>
+            </a:r>
+            <a:r>
+              <a:rPr lang="en-US" dirty="0" smtClean="0"/>
+              <a:t> </a:t>
+            </a:r>
+            <a:r>
+              <a:rPr lang="en-US" dirty="0" err="1" smtClean="0"/>
+              <a:t>außen</a:t>
+            </a:r>
+            <a:r>
+              <a:rPr lang="en-US" dirty="0" smtClean="0"/>
+              <a:t> </a:t>
+            </a:r>
+            <a:r>
+              <a:rPr lang="en-US" dirty="0" err="1" smtClean="0"/>
+              <a:t>reichen</a:t>
+            </a:r>
+            <a:endParaRPr lang="en-US" dirty="0"/>
+          </a:p>
+          <a:p>
+            <a:pPr lvl="1"/>
+            <a:r>
+              <a:rPr lang="en-US" dirty="0" err="1">
+                <a:solidFill>
+                  <a:schemeClr val="accent3"/>
+                </a:solidFill>
+              </a:rPr>
+              <a:t>Objekt</a:t>
+            </a:r>
+            <a:r>
+              <a:rPr lang="en-US" dirty="0">
+                <a:solidFill>
+                  <a:schemeClr val="accent3"/>
+                </a:solidFill>
+              </a:rPr>
+              <a:t> </a:t>
+            </a:r>
+            <a:r>
+              <a:rPr lang="en-US" dirty="0" err="1">
+                <a:solidFill>
+                  <a:schemeClr val="accent3"/>
+                </a:solidFill>
+              </a:rPr>
+              <a:t>zu</a:t>
+            </a:r>
+            <a:r>
+              <a:rPr lang="en-US" dirty="0">
+                <a:solidFill>
+                  <a:schemeClr val="accent3"/>
+                </a:solidFill>
+              </a:rPr>
+              <a:t> DTO </a:t>
+            </a:r>
+            <a:r>
+              <a:rPr lang="en-US" dirty="0" err="1">
+                <a:solidFill>
+                  <a:schemeClr val="accent3"/>
+                </a:solidFill>
+              </a:rPr>
+              <a:t>mappen</a:t>
+            </a:r>
+            <a:r>
+              <a:rPr lang="en-US" dirty="0">
+                <a:solidFill>
+                  <a:schemeClr val="accent3"/>
+                </a:solidFill>
+              </a:rPr>
+              <a:t> und </a:t>
+            </a:r>
+            <a:r>
+              <a:rPr lang="en-US" dirty="0" err="1">
+                <a:solidFill>
+                  <a:schemeClr val="accent3"/>
+                </a:solidFill>
+              </a:rPr>
+              <a:t>zurück</a:t>
+            </a:r>
+            <a:endParaRPr lang="en-US" dirty="0">
+              <a:solidFill>
+                <a:schemeClr val="accent3"/>
+              </a:solidFill>
+            </a:endParaRPr>
+          </a:p>
+        </p:txBody>
+      </p:sp>
+      <p:pic>
+        <p:nvPicPr>
+          <p:cNvPr id="4" name="Grafik 3"/>
+          <p:cNvPicPr>
+            <a:picLocks noChangeAspect="1"/>
+          </p:cNvPicPr>
+          <p:nvPr/>
+        </p:nvPicPr>
+        <p:blipFill>
+          <a:blip r:embed="rId3"/>
+          <a:stretch>
+            <a:fillRect/>
+          </a:stretch>
+        </p:blipFill>
+        <p:spPr>
+          <a:xfrm>
+            <a:off x="7157357" y="1044870"/>
+            <a:ext cx="4267200" cy="3028950"/>
+          </a:xfrm>
+          <a:prstGeom prst="rect">
+            <a:avLst/>
+          </a:prstGeom>
+        </p:spPr>
+      </p:pic>
+      <p:sp>
+        <p:nvSpPr>
+          <p:cNvPr id="5" name="Textfeld 4"/>
+          <p:cNvSpPr txBox="1"/>
+          <p:nvPr/>
+        </p:nvSpPr>
+        <p:spPr>
+          <a:xfrm>
+            <a:off x="6882493" y="4073820"/>
+            <a:ext cx="4816928" cy="1815882"/>
+          </a:xfrm>
+          <a:prstGeom prst="rect">
+            <a:avLst/>
+          </a:prstGeom>
+          <a:noFill/>
+        </p:spPr>
+        <p:txBody>
+          <a:bodyPr wrap="square" rtlCol="0">
+            <a:spAutoFit/>
+          </a:bodyPr>
+          <a:lstStyle/>
+          <a:p>
+            <a:r>
+              <a:rPr lang="en-US" sz="1600" dirty="0">
+                <a:solidFill>
+                  <a:srgbClr val="000000"/>
+                </a:solidFill>
+                <a:latin typeface="Consolas" panose="020B0609020204030204" pitchFamily="49" charset="0"/>
+              </a:rPr>
+              <a:t> </a:t>
+            </a:r>
+            <a:r>
+              <a:rPr lang="en-US" sz="1600" dirty="0">
+                <a:solidFill>
+                  <a:srgbClr val="0000FF"/>
+                </a:solidFill>
+                <a:latin typeface="Consolas" panose="020B0609020204030204" pitchFamily="49" charset="0"/>
+              </a:rPr>
+              <a:t>public</a:t>
+            </a:r>
+            <a:r>
+              <a:rPr lang="en-US" sz="1600" dirty="0">
+                <a:solidFill>
+                  <a:srgbClr val="000000"/>
+                </a:solidFill>
+                <a:latin typeface="Consolas" panose="020B0609020204030204" pitchFamily="49" charset="0"/>
+              </a:rPr>
+              <a:t> </a:t>
+            </a:r>
+            <a:r>
+              <a:rPr lang="en-US" sz="1600" dirty="0">
+                <a:solidFill>
+                  <a:srgbClr val="0000FF"/>
+                </a:solidFill>
+                <a:latin typeface="Consolas" panose="020B0609020204030204" pitchFamily="49" charset="0"/>
+              </a:rPr>
+              <a:t>static</a:t>
+            </a:r>
+            <a:r>
+              <a:rPr lang="en-US" sz="1600" dirty="0">
+                <a:solidFill>
+                  <a:srgbClr val="000000"/>
+                </a:solidFill>
+                <a:latin typeface="Consolas" panose="020B0609020204030204" pitchFamily="49" charset="0"/>
+              </a:rPr>
+              <a:t> </a:t>
+            </a:r>
+            <a:r>
+              <a:rPr lang="en-US" sz="1600" dirty="0" err="1" smtClean="0">
+                <a:solidFill>
+                  <a:srgbClr val="2B91AF"/>
+                </a:solidFill>
+                <a:latin typeface="Consolas" panose="020B0609020204030204" pitchFamily="49" charset="0"/>
+              </a:rPr>
+              <a:t>UserDto</a:t>
+            </a:r>
+            <a:r>
+              <a:rPr lang="en-US" sz="1600" dirty="0" smtClean="0">
+                <a:solidFill>
+                  <a:srgbClr val="000000"/>
+                </a:solidFill>
+                <a:latin typeface="Consolas" panose="020B0609020204030204" pitchFamily="49" charset="0"/>
+              </a:rPr>
+              <a:t> Map(User user) </a:t>
+            </a:r>
+            <a:r>
+              <a:rPr lang="de-DE" sz="1600" dirty="0" smtClean="0">
+                <a:solidFill>
+                  <a:srgbClr val="000000"/>
+                </a:solidFill>
+                <a:latin typeface="Consolas" panose="020B0609020204030204" pitchFamily="49" charset="0"/>
+              </a:rPr>
+              <a:t>{</a:t>
+            </a:r>
+            <a:endParaRPr lang="de-DE" sz="1600" dirty="0">
+              <a:solidFill>
+                <a:srgbClr val="000000"/>
+              </a:solidFill>
+              <a:latin typeface="Consolas" panose="020B0609020204030204" pitchFamily="49" charset="0"/>
+            </a:endParaRPr>
+          </a:p>
+          <a:p>
+            <a:r>
+              <a:rPr lang="de-DE" sz="1600" dirty="0">
+                <a:solidFill>
+                  <a:srgbClr val="000000"/>
+                </a:solidFill>
+                <a:latin typeface="Consolas" panose="020B0609020204030204" pitchFamily="49" charset="0"/>
+              </a:rPr>
+              <a:t>            </a:t>
+            </a:r>
+            <a:r>
+              <a:rPr lang="de-DE" sz="1600" dirty="0" err="1">
+                <a:solidFill>
+                  <a:srgbClr val="0000FF"/>
+                </a:solidFill>
+                <a:latin typeface="Consolas" panose="020B0609020204030204" pitchFamily="49" charset="0"/>
+              </a:rPr>
+              <a:t>return</a:t>
+            </a:r>
+            <a:r>
+              <a:rPr lang="de-DE" sz="1600" dirty="0">
+                <a:solidFill>
+                  <a:srgbClr val="000000"/>
+                </a:solidFill>
+                <a:latin typeface="Consolas" panose="020B0609020204030204" pitchFamily="49" charset="0"/>
+              </a:rPr>
+              <a:t> </a:t>
+            </a:r>
+            <a:r>
+              <a:rPr lang="de-DE" sz="1600" dirty="0" err="1">
+                <a:solidFill>
+                  <a:srgbClr val="0000FF"/>
+                </a:solidFill>
+                <a:latin typeface="Consolas" panose="020B0609020204030204" pitchFamily="49" charset="0"/>
+              </a:rPr>
+              <a:t>new</a:t>
+            </a:r>
+            <a:r>
+              <a:rPr lang="de-DE" sz="1600" dirty="0">
+                <a:solidFill>
+                  <a:srgbClr val="000000"/>
+                </a:solidFill>
+                <a:latin typeface="Consolas" panose="020B0609020204030204" pitchFamily="49" charset="0"/>
+              </a:rPr>
+              <a:t> </a:t>
+            </a:r>
+            <a:r>
+              <a:rPr lang="de-DE" sz="1600" dirty="0" err="1" smtClean="0">
+                <a:solidFill>
+                  <a:srgbClr val="2B91AF"/>
+                </a:solidFill>
+                <a:latin typeface="Consolas" panose="020B0609020204030204" pitchFamily="49" charset="0"/>
+              </a:rPr>
+              <a:t>UserDto</a:t>
+            </a:r>
+            <a:r>
+              <a:rPr lang="de-DE" sz="1600" dirty="0" smtClean="0">
+                <a:solidFill>
+                  <a:srgbClr val="000000"/>
+                </a:solidFill>
+                <a:latin typeface="Consolas" panose="020B0609020204030204" pitchFamily="49" charset="0"/>
+              </a:rPr>
+              <a:t> {</a:t>
+            </a:r>
+            <a:endParaRPr lang="de-DE" sz="1600" dirty="0">
+              <a:solidFill>
+                <a:srgbClr val="000000"/>
+              </a:solidFill>
+              <a:latin typeface="Consolas" panose="020B0609020204030204" pitchFamily="49" charset="0"/>
+            </a:endParaRPr>
+          </a:p>
+          <a:p>
+            <a:r>
+              <a:rPr lang="de-DE" sz="1600" dirty="0">
+                <a:solidFill>
+                  <a:srgbClr val="000000"/>
+                </a:solidFill>
+                <a:latin typeface="Consolas" panose="020B0609020204030204" pitchFamily="49" charset="0"/>
+              </a:rPr>
+              <a:t>            </a:t>
+            </a:r>
+            <a:r>
+              <a:rPr lang="de-DE" sz="1600" dirty="0" smtClean="0">
+                <a:solidFill>
+                  <a:srgbClr val="000000"/>
+                </a:solidFill>
+                <a:latin typeface="Consolas" panose="020B0609020204030204" pitchFamily="49" charset="0"/>
+              </a:rPr>
+              <a:t>	</a:t>
+            </a:r>
+            <a:r>
+              <a:rPr lang="de-DE" sz="1600" dirty="0" err="1" smtClean="0">
+                <a:solidFill>
+                  <a:srgbClr val="000000"/>
+                </a:solidFill>
+                <a:latin typeface="Consolas" panose="020B0609020204030204" pitchFamily="49" charset="0"/>
+              </a:rPr>
+              <a:t>Id</a:t>
+            </a:r>
+            <a:r>
+              <a:rPr lang="de-DE" sz="1600" dirty="0" smtClean="0">
+                <a:solidFill>
+                  <a:srgbClr val="000000"/>
+                </a:solidFill>
+                <a:latin typeface="Consolas" panose="020B0609020204030204" pitchFamily="49" charset="0"/>
+              </a:rPr>
+              <a:t> </a:t>
+            </a:r>
+            <a:r>
+              <a:rPr lang="de-DE" sz="1600" dirty="0">
+                <a:solidFill>
+                  <a:srgbClr val="000000"/>
+                </a:solidFill>
+                <a:latin typeface="Consolas" panose="020B0609020204030204" pitchFamily="49" charset="0"/>
+              </a:rPr>
+              <a:t>= </a:t>
+            </a:r>
+            <a:r>
+              <a:rPr lang="de-DE" sz="1600" dirty="0" err="1" smtClean="0">
+                <a:solidFill>
+                  <a:srgbClr val="000000"/>
+                </a:solidFill>
+                <a:latin typeface="Consolas" panose="020B0609020204030204" pitchFamily="49" charset="0"/>
+              </a:rPr>
+              <a:t>user.Id</a:t>
+            </a:r>
+            <a:r>
+              <a:rPr lang="de-DE" sz="1600" dirty="0" smtClean="0">
+                <a:solidFill>
+                  <a:srgbClr val="000000"/>
+                </a:solidFill>
+                <a:latin typeface="Consolas" panose="020B0609020204030204" pitchFamily="49" charset="0"/>
+              </a:rPr>
+              <a:t>,</a:t>
+            </a:r>
+            <a:r>
+              <a:rPr lang="de-DE" sz="1600" dirty="0">
+                <a:solidFill>
+                  <a:srgbClr val="000000"/>
+                </a:solidFill>
+                <a:latin typeface="Consolas" panose="020B0609020204030204" pitchFamily="49" charset="0"/>
+              </a:rPr>
+              <a:t> </a:t>
+            </a:r>
+            <a:endParaRPr lang="de-DE" sz="1600" dirty="0" smtClean="0">
+              <a:solidFill>
+                <a:srgbClr val="000000"/>
+              </a:solidFill>
+              <a:latin typeface="Consolas" panose="020B0609020204030204" pitchFamily="49" charset="0"/>
+            </a:endParaRPr>
+          </a:p>
+          <a:p>
+            <a:r>
+              <a:rPr lang="de-DE" sz="1600" dirty="0">
+                <a:solidFill>
+                  <a:srgbClr val="000000"/>
+                </a:solidFill>
+                <a:latin typeface="Consolas" panose="020B0609020204030204" pitchFamily="49" charset="0"/>
+              </a:rPr>
+              <a:t>	</a:t>
+            </a:r>
+            <a:r>
+              <a:rPr lang="de-DE" sz="1600" dirty="0" smtClean="0">
+                <a:solidFill>
+                  <a:srgbClr val="000000"/>
+                </a:solidFill>
+                <a:latin typeface="Consolas" panose="020B0609020204030204" pitchFamily="49" charset="0"/>
+              </a:rPr>
+              <a:t>	Status </a:t>
+            </a:r>
+            <a:r>
+              <a:rPr lang="de-DE" sz="1600" dirty="0">
+                <a:solidFill>
+                  <a:srgbClr val="000000"/>
+                </a:solidFill>
+                <a:latin typeface="Consolas" panose="020B0609020204030204" pitchFamily="49" charset="0"/>
+              </a:rPr>
+              <a:t>= </a:t>
+            </a:r>
+            <a:r>
+              <a:rPr lang="de-DE" sz="1600" dirty="0" err="1" smtClean="0">
+                <a:solidFill>
+                  <a:srgbClr val="000000"/>
+                </a:solidFill>
+                <a:latin typeface="Consolas" panose="020B0609020204030204" pitchFamily="49" charset="0"/>
+              </a:rPr>
+              <a:t>user.Status</a:t>
+            </a:r>
+            <a:endParaRPr lang="de-DE" sz="1600" dirty="0" smtClean="0">
+              <a:solidFill>
+                <a:srgbClr val="000000"/>
+              </a:solidFill>
+              <a:latin typeface="Consolas" panose="020B0609020204030204" pitchFamily="49" charset="0"/>
+            </a:endParaRPr>
+          </a:p>
+          <a:p>
+            <a:r>
+              <a:rPr lang="de-DE" sz="1600" dirty="0" smtClean="0">
+                <a:solidFill>
+                  <a:srgbClr val="000000"/>
+                </a:solidFill>
+                <a:latin typeface="Consolas" panose="020B0609020204030204" pitchFamily="49" charset="0"/>
+              </a:rPr>
+              <a:t> </a:t>
+            </a:r>
+            <a:r>
+              <a:rPr lang="de-DE" sz="1600" dirty="0">
+                <a:solidFill>
+                  <a:srgbClr val="000000"/>
+                </a:solidFill>
+                <a:latin typeface="Consolas" panose="020B0609020204030204" pitchFamily="49" charset="0"/>
+              </a:rPr>
+              <a:t>	</a:t>
+            </a:r>
+            <a:r>
+              <a:rPr lang="de-DE" sz="1600" dirty="0" smtClean="0">
+                <a:solidFill>
+                  <a:srgbClr val="000000"/>
+                </a:solidFill>
+                <a:latin typeface="Consolas" panose="020B0609020204030204" pitchFamily="49" charset="0"/>
+              </a:rPr>
+              <a:t>	Name </a:t>
+            </a:r>
+            <a:r>
+              <a:rPr lang="de-DE" sz="1600" dirty="0">
+                <a:solidFill>
+                  <a:srgbClr val="000000"/>
+                </a:solidFill>
+                <a:latin typeface="Consolas" panose="020B0609020204030204" pitchFamily="49" charset="0"/>
+              </a:rPr>
+              <a:t>= </a:t>
+            </a:r>
+            <a:r>
+              <a:rPr lang="de-DE" sz="1600" dirty="0" err="1" smtClean="0">
+                <a:solidFill>
+                  <a:srgbClr val="000000"/>
+                </a:solidFill>
+                <a:latin typeface="Consolas" panose="020B0609020204030204" pitchFamily="49" charset="0"/>
+              </a:rPr>
+              <a:t>user.Name</a:t>
+            </a:r>
+            <a:r>
+              <a:rPr lang="de-DE" sz="1600" dirty="0">
+                <a:solidFill>
+                  <a:srgbClr val="000000"/>
+                </a:solidFill>
+                <a:latin typeface="Consolas" panose="020B0609020204030204" pitchFamily="49" charset="0"/>
+              </a:rPr>
+              <a:t>,</a:t>
+            </a:r>
+          </a:p>
+          <a:p>
+            <a:r>
+              <a:rPr lang="de-DE" sz="1600" dirty="0">
+                <a:solidFill>
+                  <a:srgbClr val="000000"/>
+                </a:solidFill>
+                <a:latin typeface="Consolas" panose="020B0609020204030204" pitchFamily="49" charset="0"/>
+              </a:rPr>
+              <a:t>             </a:t>
+            </a:r>
+            <a:r>
+              <a:rPr lang="de-DE" sz="1600" dirty="0" smtClean="0">
+                <a:solidFill>
+                  <a:srgbClr val="000000"/>
+                </a:solidFill>
+                <a:latin typeface="Consolas" panose="020B0609020204030204" pitchFamily="49" charset="0"/>
+              </a:rPr>
+              <a:t>	};</a:t>
+            </a:r>
+          </a:p>
+          <a:p>
+            <a:r>
+              <a:rPr lang="de-DE" sz="1600" dirty="0">
+                <a:solidFill>
+                  <a:srgbClr val="000000"/>
+                </a:solidFill>
+                <a:latin typeface="Consolas" panose="020B0609020204030204" pitchFamily="49" charset="0"/>
+              </a:rPr>
+              <a:t> </a:t>
+            </a:r>
+            <a:r>
+              <a:rPr lang="de-DE" sz="1600" dirty="0" smtClean="0">
+                <a:solidFill>
+                  <a:srgbClr val="000000"/>
+                </a:solidFill>
+                <a:latin typeface="Consolas" panose="020B0609020204030204" pitchFamily="49" charset="0"/>
+              </a:rPr>
+              <a:t>}</a:t>
+            </a:r>
+            <a:endParaRPr lang="de-DE" sz="1200" dirty="0" smtClean="0">
+              <a:solidFill>
+                <a:schemeClr val="accent3"/>
+              </a:solidFill>
+            </a:endParaRPr>
+          </a:p>
+        </p:txBody>
+      </p:sp>
+    </p:spTree>
+    <p:extLst>
+      <p:ext uri="{BB962C8B-B14F-4D97-AF65-F5344CB8AC3E}">
+        <p14:creationId xmlns:p14="http://schemas.microsoft.com/office/powerpoint/2010/main" val="2505954915"/>
+      </p:ext>
+    </p:extLst>
+  </p:cSld>
+  <p:clrMapOvr>
+    <a:masterClrMapping/>
+  </p:clrMapOvr>
+</p:sld>
+</file>
+
 <file path=ppt/slides/slide9.xml><?xml version="1.0" encoding="utf-8"?>
 <p:sld xmlns:a="http://schemas.openxmlformats.org/drawingml/2006/main" xmlns:r="http://schemas.openxmlformats.org/officeDocument/2006/relationships" xmlns:p="http://schemas.openxmlformats.org/presentationml/2006/main">
   <p:cSld>
@@ -9693,7 +9382,15 @@
           <a:p>
             <a:r>
               <a:rPr lang="en-US" dirty="0" smtClean="0"/>
-              <a:t>1.4 DTO (Data-Transfer-Object)</a:t>
+              <a:t>2.1 ASP.NET Web </a:t>
+            </a:r>
+            <a:r>
+              <a:rPr lang="en-US" dirty="0" err="1" smtClean="0"/>
+              <a:t>Api</a:t>
+            </a:r>
+            <a:r>
+              <a:rPr lang="en-US" dirty="0" smtClean="0"/>
+              <a:t>: Controller und Routing</a:t>
             </a:r>
             <a:endParaRPr lang="en-US" dirty="0"/>
           </a:p>
@@ -9711,8 +9408,8 @@
         </p:nvSpPr>
         <p:spPr>
           <a:xfrm>
-            <a:off x="587298" y="1371600"/>
-            <a:ext cx="6880302" cy="5308560"/>
+            <a:off x="379364" y="1388547"/>
+            <a:ext cx="6383588" cy="5291613"/>
           </a:xfrm>
         </p:spPr>
         <p:txBody>
@@ -9721,11 +9418,11 @@
           <a:p>
             <a:r>
               <a:rPr lang="en-US" dirty="0" smtClean="0"/>
-              <a:t>Man will </a:t>
+              <a:t>Framework </a:t>
             </a:r>
             <a:r>
               <a:rPr lang="en-US" dirty="0" err="1" smtClean="0"/>
-              <a:t>nicht</a:t>
+              <a:t>zum</a:t>
             </a:r>
             <a:r>
               <a:rPr lang="en-US" dirty="0" smtClean="0"/>
@@ -9733,15 +9430,17 @@
             </a:r>
             <a:r>
               <a:rPr lang="en-US" dirty="0" err="1" smtClean="0"/>
-              <a:t>alle</a:t>
+              <a:t>Entwickeln</a:t>
             </a:r>
             <a:r>
               <a:rPr lang="en-US" dirty="0" smtClean="0"/>
-              <a:t> Attribute </a:t>
-            </a:r>
+              <a:t> von REST APIs</a:t>
+            </a:r>
+          </a:p>
+          <a:p>
             <a:r>
               <a:rPr lang="en-US" dirty="0" err="1" smtClean="0"/>
-              <a:t>eines</a:t>
+              <a:t>ApiController</a:t>
             </a:r>
             <a:r>
               <a:rPr lang="en-US" dirty="0" smtClean="0"/>
@@ -9749,7 +9448,65 @@
             </a:r>
             <a:r>
               <a:rPr lang="en-US" dirty="0" err="1" smtClean="0"/>
-              <a:t>Objekts</a:t>
+              <a:t>verarbeiten</a:t>
+            </a:r>
+            <a:r>
+              <a:rPr lang="en-US" dirty="0" smtClean="0"/>
+              <a:t> REST Requests </a:t>
+            </a:r>
+            <a:br>
+              <a:rPr lang="en-US" dirty="0" smtClean="0"/>
+            </a:br>
+            <a:r>
+              <a:rPr lang="en-US" sz="1600" dirty="0" smtClean="0"/>
+              <a:t>(</a:t>
+            </a:r>
+            <a:r>
+              <a:rPr lang="en-US" sz="1600" dirty="0" err="1" smtClean="0"/>
+              <a:t>ähnlich</a:t>
+            </a:r>
+            <a:r>
+              <a:rPr lang="en-US" sz="1600" dirty="0" smtClean="0"/>
+              <a:t> </a:t>
+            </a:r>
+            <a:r>
+              <a:rPr lang="en-US" sz="1600" dirty="0" err="1" smtClean="0"/>
+              <a:t>zu</a:t>
+            </a:r>
+            <a:r>
+              <a:rPr lang="en-US" sz="1600" dirty="0" smtClean="0"/>
+              <a:t> MVC </a:t>
+            </a:r>
+            <a:r>
+              <a:rPr lang="en-US" sz="1600" dirty="0" err="1" smtClean="0"/>
+              <a:t>Controllern</a:t>
+            </a:r>
+            <a:r>
+              <a:rPr lang="en-US" sz="1600" dirty="0" smtClean="0"/>
+              <a:t>)</a:t>
+            </a:r>
+            <a:endParaRPr lang="en-US" dirty="0" smtClean="0"/>
+          </a:p>
+          <a:p>
+            <a:r>
+              <a:rPr lang="en-US" dirty="0" err="1" smtClean="0"/>
+              <a:t>Für</a:t>
+            </a:r>
+            <a:r>
+              <a:rPr lang="en-US" dirty="0" smtClean="0"/>
+              <a:t> die </a:t>
+            </a:r>
+            <a:r>
+              <a:rPr lang="en-US" dirty="0" err="1" smtClean="0"/>
+              <a:t>Ansteuerung</a:t>
+            </a:r>
+            <a:r>
+              <a:rPr lang="en-US" dirty="0" smtClean="0"/>
+              <a:t> der </a:t>
+            </a:r>
+            <a:r>
+              <a:rPr lang="en-US" dirty="0" err="1" smtClean="0"/>
+              <a:t>Methoden</a:t>
             </a:r>
             <a:r>
               <a:rPr lang="en-US" dirty="0" smtClean="0"/>
@@ -9757,88 +9514,7 @@
             </a:r>
             <a:r>
               <a:rPr lang="en-US" dirty="0" err="1" smtClean="0"/>
-              <a:t>über</a:t>
-            </a:r>
-            <a:r>
-              <a:rPr lang="en-US" dirty="0" smtClean="0"/>
-              <a:t> APIs </a:t>
-            </a:r>
-            <a:r>
-              <a:rPr lang="en-US" dirty="0" err="1" smtClean="0"/>
-              <a:t>veröffentlichen</a:t>
-            </a:r>
-            <a:endParaRPr lang="en-US" dirty="0" smtClean="0"/>
-          </a:p>
-          <a:p>
-            <a:pPr lvl="1"/>
-            <a:r>
-              <a:rPr lang="en-US" dirty="0" smtClean="0">
-                <a:solidFill>
-                  <a:schemeClr val="accent3"/>
-                </a:solidFill>
-              </a:rPr>
-              <a:t>Security</a:t>
-            </a:r>
-          </a:p>
-          <a:p>
-            <a:pPr lvl="1"/>
-            <a:r>
-              <a:rPr lang="en-US" dirty="0" smtClean="0">
-                <a:solidFill>
-                  <a:schemeClr val="accent3"/>
-                </a:solidFill>
-              </a:rPr>
-              <a:t>Performance</a:t>
-            </a:r>
-          </a:p>
-          <a:p>
-            <a:pPr lvl="1"/>
-            <a:r>
-              <a:rPr lang="en-US" dirty="0" err="1" smtClean="0">
-                <a:solidFill>
-                  <a:schemeClr val="accent3"/>
-                </a:solidFill>
-              </a:rPr>
-              <a:t>Zirkuläre</a:t>
-            </a:r>
-            <a:r>
-              <a:rPr lang="en-US" dirty="0" smtClean="0">
-                <a:solidFill>
-                  <a:schemeClr val="accent3"/>
-                </a:solidFill>
-              </a:rPr>
-              <a:t> </a:t>
-            </a:r>
-            <a:r>
-              <a:rPr lang="en-US" dirty="0" err="1" smtClean="0">
-                <a:solidFill>
-                  <a:schemeClr val="accent3"/>
-                </a:solidFill>
-              </a:rPr>
-              <a:t>Referenzen</a:t>
-            </a:r>
-            <a:endParaRPr lang="en-US" dirty="0" smtClean="0"/>
-          </a:p>
-          <a:p>
-            <a:r>
-              <a:rPr lang="en-US" dirty="0" err="1" smtClean="0"/>
-              <a:t>Lösung</a:t>
-            </a:r>
-            <a:r>
-              <a:rPr lang="en-US" dirty="0" smtClean="0"/>
-              <a:t>: </a:t>
-            </a:r>
-            <a:r>
-              <a:rPr lang="en-US" dirty="0" err="1" smtClean="0"/>
-              <a:t>Vereinfachte</a:t>
-            </a:r>
-            <a:r>
-              <a:rPr lang="en-US" dirty="0" smtClean="0"/>
-              <a:t> Version von </a:t>
-            </a:r>
-            <a:r>
-              <a:rPr lang="en-US" dirty="0" err="1" smtClean="0"/>
-              <a:t>Klassen</a:t>
+              <a:t>werden</a:t>
             </a:r>
             <a:r>
               <a:rPr lang="en-US" dirty="0" smtClean="0"/>
@@ -9846,15 +9522,7 @@
             </a:r>
             <a:r>
               <a:rPr lang="en-US" dirty="0" err="1" smtClean="0"/>
-              <a:t>über</a:t>
-            </a:r>
-            <a:r>
-              <a:rPr lang="en-US" dirty="0" smtClean="0"/>
-              <a:t> API </a:t>
-            </a:r>
-            <a:r>
-              <a:rPr lang="en-US" dirty="0" err="1" smtClean="0"/>
-              <a:t>nach</a:t>
+              <a:t>Routen</a:t>
             </a:r>
             <a:r>
               <a:rPr lang="en-US" dirty="0" smtClean="0"/>
@@ -9862,87 +9530,873 @@
             </a:r>
             <a:r>
               <a:rPr lang="en-US" dirty="0" err="1" smtClean="0"/>
-              <a:t>außen</a:t>
-            </a:r>
-            <a:r>
-              <a:rPr lang="en-US" dirty="0" smtClean="0"/>
-              <a:t> </a:t>
-            </a:r>
-            <a:r>
-              <a:rPr lang="en-US" dirty="0" err="1" smtClean="0"/>
-              <a:t>reichen</a:t>
+              <a:t>benötigt</a:t>
             </a:r>
             <a:endParaRPr lang="en-US" dirty="0" smtClean="0"/>
           </a:p>
           <a:p>
-            <a:r>
-              <a:rPr lang="en-US" dirty="0" err="1" smtClean="0"/>
-              <a:t>Objekt</a:t>
-            </a:r>
-            <a:r>
-              <a:rPr lang="en-US" dirty="0" smtClean="0"/>
-              <a:t> muss in DTO </a:t>
-            </a:r>
-            <a:r>
-              <a:rPr lang="en-US" dirty="0" err="1" smtClean="0"/>
-              <a:t>gemappt</a:t>
-            </a:r>
-            <a:r>
-              <a:rPr lang="en-US" dirty="0" smtClean="0"/>
-              <a:t> </a:t>
-            </a:r>
-            <a:r>
-              <a:rPr lang="en-US" dirty="0" err="1" smtClean="0"/>
-              <a:t>werden</a:t>
-            </a:r>
-            <a:r>
-              <a:rPr lang="en-US" dirty="0" smtClean="0"/>
-              <a:t> und </a:t>
-            </a:r>
-            <a:r>
-              <a:rPr lang="en-US" dirty="0" err="1" smtClean="0"/>
-              <a:t>anders</a:t>
-            </a:r>
-            <a:r>
-              <a:rPr lang="en-US" dirty="0" smtClean="0"/>
-              <a:t> </a:t>
-            </a:r>
-            <a:r>
-              <a:rPr lang="en-US" dirty="0" err="1" smtClean="0"/>
-              <a:t>herum</a:t>
-            </a:r>
-            <a:endParaRPr lang="en-US" dirty="0"/>
+            <a:pPr lvl="1"/>
+            <a:r>
+              <a:rPr lang="en-US" dirty="0" smtClean="0">
+                <a:solidFill>
+                  <a:schemeClr val="accent3"/>
+                </a:solidFill>
+              </a:rPr>
+              <a:t>Convention based </a:t>
+            </a:r>
+            <a:r>
+              <a:rPr lang="en-US" dirty="0" smtClean="0">
+                <a:solidFill>
+                  <a:schemeClr val="accent3"/>
+                </a:solidFill>
+              </a:rPr>
+              <a:t>Routing / </a:t>
+            </a:r>
+            <a:r>
+              <a:rPr lang="en-US" dirty="0" err="1" smtClean="0">
+                <a:solidFill>
+                  <a:schemeClr val="accent3"/>
+                </a:solidFill>
+              </a:rPr>
+              <a:t>WebApiConfig</a:t>
+            </a:r>
+            <a:endParaRPr lang="en-US" dirty="0" smtClean="0">
+              <a:solidFill>
+                <a:schemeClr val="accent3"/>
+              </a:solidFill>
+            </a:endParaRPr>
+          </a:p>
+          <a:p>
+            <a:pPr lvl="1"/>
+            <a:r>
+              <a:rPr lang="en-US" dirty="0" smtClean="0">
+                <a:solidFill>
+                  <a:schemeClr val="accent3"/>
+                </a:solidFill>
+              </a:rPr>
+              <a:t>Attribute based </a:t>
+            </a:r>
+            <a:r>
+              <a:rPr lang="en-US" dirty="0" smtClean="0">
+                <a:solidFill>
+                  <a:schemeClr val="accent3"/>
+                </a:solidFill>
+              </a:rPr>
+              <a:t>Routing</a:t>
+            </a:r>
+            <a:endParaRPr lang="en-US" dirty="0">
+              <a:solidFill>
+                <a:schemeClr val="accent3"/>
+              </a:solidFill>
+            </a:endParaRPr>
           </a:p>
         </p:txBody>
       </p:sp>
-      <p:pic>
-        <p:nvPicPr>
-          <p:cNvPr id="4" name="Grafik 3"/>
-          <p:cNvPicPr>
-            <a:picLocks noChangeAspect="1"/>
-          </p:cNvPicPr>
+      <p:sp>
+        <p:nvSpPr>
+          <p:cNvPr id="5" name="Rechteck 4"/>
+          <p:cNvSpPr/>
           <p:nvPr/>
-        </p:nvPicPr>
-        <p:blipFill>
-          <a:blip r:embed="rId3"/>
-          <a:stretch>
-            <a:fillRect/>
-          </a:stretch>
-        </p:blipFill>
+        </p:nvSpPr>
         <p:spPr>
           <a:xfrm>
-            <a:off x="7635914" y="1472865"/>
-            <a:ext cx="4267200" cy="3028950"/>
+            <a:off x="7010400" y="1700557"/>
+            <a:ext cx="5180013" cy="1569660"/>
           </a:xfrm>
           <a:prstGeom prst="rect">
             <a:avLst/>
           </a:prstGeom>
         </p:spPr>
-      </p:pic>
+        <p:txBody>
+          <a:bodyPr wrap="square">
+            <a:spAutoFit/>
+          </a:bodyPr>
+          <a:lstStyle/>
+          <a:p>
+            <a:r>
+              <a:rPr lang="de-DE" sz="1200" dirty="0" err="1">
+                <a:solidFill>
+                  <a:srgbClr val="0000FF"/>
+                </a:solidFill>
+                <a:latin typeface="Consolas" panose="020B0609020204030204" pitchFamily="49" charset="0"/>
+              </a:rPr>
+              <a:t>public</a:t>
+            </a:r>
+            <a:r>
+              <a:rPr lang="de-DE" sz="1200" dirty="0">
+                <a:solidFill>
+                  <a:srgbClr val="000000"/>
+                </a:solidFill>
+                <a:latin typeface="Consolas" panose="020B0609020204030204" pitchFamily="49" charset="0"/>
+              </a:rPr>
+              <a:t> </a:t>
+            </a:r>
+            <a:r>
+              <a:rPr lang="de-DE" sz="1200" dirty="0" err="1">
+                <a:solidFill>
+                  <a:srgbClr val="0000FF"/>
+                </a:solidFill>
+                <a:latin typeface="Consolas" panose="020B0609020204030204" pitchFamily="49" charset="0"/>
+              </a:rPr>
+              <a:t>class</a:t>
+            </a:r>
+            <a:r>
+              <a:rPr lang="de-DE" sz="1200" dirty="0">
+                <a:solidFill>
+                  <a:srgbClr val="000000"/>
+                </a:solidFill>
+                <a:latin typeface="Consolas" panose="020B0609020204030204" pitchFamily="49" charset="0"/>
+              </a:rPr>
+              <a:t> </a:t>
+            </a:r>
+            <a:r>
+              <a:rPr lang="de-DE" sz="1200" dirty="0" err="1">
+                <a:solidFill>
+                  <a:srgbClr val="2B91AF"/>
+                </a:solidFill>
+                <a:latin typeface="Consolas" panose="020B0609020204030204" pitchFamily="49" charset="0"/>
+              </a:rPr>
+              <a:t>PostsController</a:t>
+            </a:r>
+            <a:r>
+              <a:rPr lang="de-DE" sz="1200" dirty="0">
+                <a:solidFill>
+                  <a:srgbClr val="000000"/>
+                </a:solidFill>
+                <a:latin typeface="Consolas" panose="020B0609020204030204" pitchFamily="49" charset="0"/>
+              </a:rPr>
+              <a:t> : </a:t>
+            </a:r>
+            <a:r>
+              <a:rPr lang="de-DE" sz="1200" dirty="0" err="1" smtClean="0">
+                <a:solidFill>
+                  <a:srgbClr val="000000"/>
+                </a:solidFill>
+                <a:latin typeface="Consolas" panose="020B0609020204030204" pitchFamily="49" charset="0"/>
+              </a:rPr>
+              <a:t>ApiController</a:t>
+            </a:r>
+            <a:endParaRPr lang="de-DE" sz="1200" dirty="0">
+              <a:solidFill>
+                <a:srgbClr val="000000"/>
+              </a:solidFill>
+              <a:latin typeface="Consolas" panose="020B0609020204030204" pitchFamily="49" charset="0"/>
+            </a:endParaRPr>
+          </a:p>
+          <a:p>
+            <a:r>
+              <a:rPr lang="de-DE" sz="1200" dirty="0" smtClean="0">
+                <a:solidFill>
+                  <a:srgbClr val="000000"/>
+                </a:solidFill>
+                <a:latin typeface="Consolas" panose="020B0609020204030204" pitchFamily="49" charset="0"/>
+              </a:rPr>
+              <a:t>{</a:t>
+            </a:r>
+            <a:endParaRPr lang="de-DE" sz="1200" dirty="0" smtClean="0">
+              <a:solidFill>
+                <a:srgbClr val="0000FF"/>
+              </a:solidFill>
+              <a:latin typeface="Consolas" panose="020B0609020204030204" pitchFamily="49" charset="0"/>
+            </a:endParaRPr>
+          </a:p>
+          <a:p>
+            <a:pPr lvl="1"/>
+            <a:r>
+              <a:rPr lang="de-DE" sz="1200" dirty="0" err="1" smtClean="0">
+                <a:solidFill>
+                  <a:srgbClr val="0000FF"/>
+                </a:solidFill>
+                <a:latin typeface="Consolas" panose="020B0609020204030204" pitchFamily="49" charset="0"/>
+              </a:rPr>
+              <a:t>public</a:t>
+            </a:r>
+            <a:r>
+              <a:rPr lang="de-DE" sz="1200" dirty="0" smtClean="0">
+                <a:solidFill>
+                  <a:srgbClr val="000000"/>
+                </a:solidFill>
+                <a:latin typeface="Consolas" panose="020B0609020204030204" pitchFamily="49" charset="0"/>
+              </a:rPr>
+              <a:t> </a:t>
+            </a:r>
+            <a:r>
+              <a:rPr lang="de-DE" sz="1200" dirty="0" err="1">
+                <a:solidFill>
+                  <a:srgbClr val="2B91AF"/>
+                </a:solidFill>
+                <a:latin typeface="Consolas" panose="020B0609020204030204" pitchFamily="49" charset="0"/>
+              </a:rPr>
+              <a:t>IEnumerable</a:t>
+            </a:r>
+            <a:r>
+              <a:rPr lang="de-DE" sz="1200" dirty="0">
+                <a:solidFill>
+                  <a:srgbClr val="000000"/>
+                </a:solidFill>
+                <a:latin typeface="Consolas" panose="020B0609020204030204" pitchFamily="49" charset="0"/>
+              </a:rPr>
+              <a:t>&lt;</a:t>
+            </a:r>
+            <a:r>
+              <a:rPr lang="de-DE" sz="1200" dirty="0" err="1">
+                <a:solidFill>
+                  <a:srgbClr val="2B91AF"/>
+                </a:solidFill>
+                <a:latin typeface="Consolas" panose="020B0609020204030204" pitchFamily="49" charset="0"/>
+              </a:rPr>
+              <a:t>PostDto</a:t>
+            </a:r>
+            <a:r>
+              <a:rPr lang="de-DE" sz="1200" dirty="0">
+                <a:solidFill>
+                  <a:srgbClr val="000000"/>
+                </a:solidFill>
+                <a:latin typeface="Consolas" panose="020B0609020204030204" pitchFamily="49" charset="0"/>
+              </a:rPr>
+              <a:t>&gt; </a:t>
+            </a:r>
+            <a:r>
+              <a:rPr lang="de-DE" sz="1200" dirty="0" err="1">
+                <a:solidFill>
+                  <a:srgbClr val="000000"/>
+                </a:solidFill>
+                <a:latin typeface="Consolas" panose="020B0609020204030204" pitchFamily="49" charset="0"/>
+              </a:rPr>
+              <a:t>Get</a:t>
+            </a:r>
+            <a:r>
+              <a:rPr lang="de-DE" sz="1200" dirty="0">
+                <a:solidFill>
+                  <a:srgbClr val="000000"/>
+                </a:solidFill>
+                <a:latin typeface="Consolas" panose="020B0609020204030204" pitchFamily="49" charset="0"/>
+              </a:rPr>
+              <a:t>()</a:t>
+            </a:r>
+          </a:p>
+          <a:p>
+            <a:pPr lvl="1"/>
+            <a:r>
+              <a:rPr lang="de-DE" sz="1200" dirty="0">
+                <a:solidFill>
+                  <a:srgbClr val="000000"/>
+                </a:solidFill>
+                <a:latin typeface="Consolas" panose="020B0609020204030204" pitchFamily="49" charset="0"/>
+              </a:rPr>
+              <a:t>{</a:t>
+            </a:r>
+          </a:p>
+          <a:p>
+            <a:pPr lvl="1"/>
+            <a:r>
+              <a:rPr lang="de-DE" sz="1200" dirty="0">
+                <a:solidFill>
+                  <a:srgbClr val="000000"/>
+                </a:solidFill>
+                <a:latin typeface="Consolas" panose="020B0609020204030204" pitchFamily="49" charset="0"/>
+              </a:rPr>
+              <a:t>    </a:t>
+            </a:r>
+            <a:r>
+              <a:rPr lang="de-DE" sz="1200" dirty="0" err="1">
+                <a:solidFill>
+                  <a:srgbClr val="0000FF"/>
+                </a:solidFill>
+                <a:latin typeface="Consolas" panose="020B0609020204030204" pitchFamily="49" charset="0"/>
+              </a:rPr>
+              <a:t>return</a:t>
+            </a:r>
+            <a:r>
+              <a:rPr lang="de-DE" sz="1200" dirty="0">
+                <a:solidFill>
+                  <a:srgbClr val="000000"/>
+                </a:solidFill>
+                <a:latin typeface="Consolas" panose="020B0609020204030204" pitchFamily="49" charset="0"/>
+              </a:rPr>
+              <a:t> </a:t>
+            </a:r>
+            <a:r>
+              <a:rPr lang="de-DE" sz="1200" dirty="0" err="1" smtClean="0">
+                <a:solidFill>
+                  <a:srgbClr val="0000FF"/>
+                </a:solidFill>
+                <a:latin typeface="Consolas" panose="020B0609020204030204" pitchFamily="49" charset="0"/>
+              </a:rPr>
+              <a:t>this</a:t>
+            </a:r>
+            <a:r>
+              <a:rPr lang="de-DE" sz="1200" dirty="0" err="1" smtClean="0">
+                <a:solidFill>
+                  <a:srgbClr val="000000"/>
+                </a:solidFill>
+                <a:latin typeface="Consolas" panose="020B0609020204030204" pitchFamily="49" charset="0"/>
+              </a:rPr>
+              <a:t>.db.Posts</a:t>
+            </a:r>
+            <a:endParaRPr lang="de-DE" sz="1200" dirty="0" smtClean="0">
+              <a:solidFill>
+                <a:srgbClr val="000000"/>
+              </a:solidFill>
+              <a:latin typeface="Consolas" panose="020B0609020204030204" pitchFamily="49" charset="0"/>
+            </a:endParaRPr>
+          </a:p>
+          <a:p>
+            <a:pPr lvl="1"/>
+            <a:r>
+              <a:rPr lang="de-DE" sz="1200" dirty="0">
+                <a:solidFill>
+                  <a:srgbClr val="000000"/>
+                </a:solidFill>
+                <a:latin typeface="Consolas" panose="020B0609020204030204" pitchFamily="49" charset="0"/>
+              </a:rPr>
+              <a:t> </a:t>
+            </a:r>
+            <a:r>
+              <a:rPr lang="de-DE" sz="1200" dirty="0" smtClean="0">
+                <a:solidFill>
+                  <a:srgbClr val="000000"/>
+                </a:solidFill>
+                <a:latin typeface="Consolas" panose="020B0609020204030204" pitchFamily="49" charset="0"/>
+              </a:rPr>
+              <a:t>                 .</a:t>
+            </a:r>
+            <a:r>
+              <a:rPr lang="de-DE" sz="1200" dirty="0" err="1">
+                <a:solidFill>
+                  <a:srgbClr val="000000"/>
+                </a:solidFill>
+                <a:latin typeface="Consolas" panose="020B0609020204030204" pitchFamily="49" charset="0"/>
+              </a:rPr>
+              <a:t>ToList</a:t>
+            </a:r>
+            <a:r>
+              <a:rPr lang="de-DE" sz="1200" dirty="0" smtClean="0">
+                <a:solidFill>
+                  <a:srgbClr val="000000"/>
+                </a:solidFill>
+                <a:latin typeface="Consolas" panose="020B0609020204030204" pitchFamily="49" charset="0"/>
+              </a:rPr>
+              <a:t>()</a:t>
+            </a:r>
+          </a:p>
+          <a:p>
+            <a:pPr lvl="1"/>
+            <a:r>
+              <a:rPr lang="de-DE" sz="1200" dirty="0">
+                <a:solidFill>
+                  <a:srgbClr val="000000"/>
+                </a:solidFill>
+                <a:latin typeface="Consolas" panose="020B0609020204030204" pitchFamily="49" charset="0"/>
+              </a:rPr>
+              <a:t> </a:t>
+            </a:r>
+            <a:r>
+              <a:rPr lang="de-DE" sz="1200" dirty="0" smtClean="0">
+                <a:solidFill>
+                  <a:srgbClr val="000000"/>
+                </a:solidFill>
+                <a:latin typeface="Consolas" panose="020B0609020204030204" pitchFamily="49" charset="0"/>
+              </a:rPr>
+              <a:t>                 .</a:t>
+            </a:r>
+            <a:r>
+              <a:rPr lang="de-DE" sz="1200" dirty="0">
+                <a:solidFill>
+                  <a:srgbClr val="000000"/>
+                </a:solidFill>
+                <a:latin typeface="Consolas" panose="020B0609020204030204" pitchFamily="49" charset="0"/>
+              </a:rPr>
+              <a:t>Select(p =&gt; </a:t>
+            </a:r>
+            <a:r>
+              <a:rPr lang="de-DE" sz="1200" dirty="0" err="1">
+                <a:solidFill>
+                  <a:srgbClr val="2B91AF"/>
+                </a:solidFill>
+                <a:latin typeface="Consolas" panose="020B0609020204030204" pitchFamily="49" charset="0"/>
+              </a:rPr>
+              <a:t>PostDto</a:t>
+            </a:r>
+            <a:r>
+              <a:rPr lang="de-DE" sz="1200" dirty="0" err="1">
+                <a:solidFill>
+                  <a:srgbClr val="000000"/>
+                </a:solidFill>
+                <a:latin typeface="Consolas" panose="020B0609020204030204" pitchFamily="49" charset="0"/>
+              </a:rPr>
+              <a:t>.Map</a:t>
+            </a:r>
+            <a:r>
+              <a:rPr lang="de-DE" sz="1200" dirty="0">
+                <a:solidFill>
+                  <a:srgbClr val="000000"/>
+                </a:solidFill>
+                <a:latin typeface="Consolas" panose="020B0609020204030204" pitchFamily="49" charset="0"/>
+              </a:rPr>
+              <a:t>(p));</a:t>
+            </a:r>
+          </a:p>
+          <a:p>
+            <a:pPr lvl="1"/>
+            <a:r>
+              <a:rPr lang="de-DE" sz="1200" dirty="0">
+                <a:solidFill>
+                  <a:srgbClr val="000000"/>
+                </a:solidFill>
+                <a:latin typeface="Consolas" panose="020B0609020204030204" pitchFamily="49" charset="0"/>
+              </a:rPr>
+              <a:t>}</a:t>
+            </a:r>
+            <a:endParaRPr lang="de-DE" sz="1200" dirty="0"/>
+          </a:p>
+        </p:txBody>
+      </p:sp>
+      <p:sp>
+        <p:nvSpPr>
+          <p:cNvPr id="9" name="Rechteck 8"/>
+          <p:cNvSpPr/>
+          <p:nvPr/>
+        </p:nvSpPr>
+        <p:spPr>
+          <a:xfrm>
+            <a:off x="7010400" y="3249523"/>
+            <a:ext cx="6477675" cy="1754326"/>
+          </a:xfrm>
+          <a:prstGeom prst="rect">
+            <a:avLst/>
+          </a:prstGeom>
+        </p:spPr>
+        <p:txBody>
+          <a:bodyPr wrap="square">
+            <a:spAutoFit/>
+          </a:bodyPr>
+          <a:lstStyle/>
+          <a:p>
+            <a:pPr lvl="1"/>
+            <a:r>
+              <a:rPr lang="de-DE" sz="1200" dirty="0">
+                <a:solidFill>
+                  <a:srgbClr val="000000"/>
+                </a:solidFill>
+                <a:latin typeface="Consolas" panose="020B0609020204030204" pitchFamily="49" charset="0"/>
+              </a:rPr>
+              <a:t>[</a:t>
+            </a:r>
+            <a:r>
+              <a:rPr lang="de-DE" sz="1200" dirty="0">
+                <a:solidFill>
+                  <a:srgbClr val="2B91AF"/>
+                </a:solidFill>
+                <a:latin typeface="Consolas" panose="020B0609020204030204" pitchFamily="49" charset="0"/>
+              </a:rPr>
+              <a:t>Route</a:t>
+            </a:r>
+            <a:r>
+              <a:rPr lang="de-DE" sz="1200" dirty="0">
+                <a:solidFill>
+                  <a:srgbClr val="000000"/>
+                </a:solidFill>
+                <a:latin typeface="Consolas" panose="020B0609020204030204" pitchFamily="49" charset="0"/>
+              </a:rPr>
+              <a:t>(</a:t>
+            </a:r>
+            <a:r>
+              <a:rPr lang="de-DE" sz="1200" dirty="0">
+                <a:solidFill>
+                  <a:srgbClr val="A31515"/>
+                </a:solidFill>
+                <a:latin typeface="Consolas" panose="020B0609020204030204" pitchFamily="49" charset="0"/>
+              </a:rPr>
+              <a:t>"</a:t>
+            </a:r>
+            <a:r>
+              <a:rPr lang="de-DE" sz="1200" dirty="0" err="1">
+                <a:solidFill>
+                  <a:srgbClr val="A31515"/>
+                </a:solidFill>
+                <a:latin typeface="Consolas" panose="020B0609020204030204" pitchFamily="49" charset="0"/>
+              </a:rPr>
+              <a:t>api</a:t>
+            </a:r>
+            <a:r>
+              <a:rPr lang="de-DE" sz="1200" dirty="0">
+                <a:solidFill>
+                  <a:srgbClr val="A31515"/>
+                </a:solidFill>
+                <a:latin typeface="Consolas" panose="020B0609020204030204" pitchFamily="49" charset="0"/>
+              </a:rPr>
+              <a:t>/</a:t>
+            </a:r>
+            <a:r>
+              <a:rPr lang="de-DE" sz="1200" dirty="0" err="1">
+                <a:solidFill>
+                  <a:srgbClr val="A31515"/>
+                </a:solidFill>
+                <a:latin typeface="Consolas" panose="020B0609020204030204" pitchFamily="49" charset="0"/>
+              </a:rPr>
+              <a:t>posts</a:t>
+            </a:r>
+            <a:r>
+              <a:rPr lang="de-DE" sz="1200" dirty="0">
+                <a:solidFill>
+                  <a:srgbClr val="A31515"/>
+                </a:solidFill>
+                <a:latin typeface="Consolas" panose="020B0609020204030204" pitchFamily="49" charset="0"/>
+              </a:rPr>
+              <a:t>/</a:t>
+            </a:r>
+            <a:r>
+              <a:rPr lang="de-DE" sz="1200" dirty="0" err="1">
+                <a:solidFill>
+                  <a:srgbClr val="A31515"/>
+                </a:solidFill>
+                <a:latin typeface="Consolas" panose="020B0609020204030204" pitchFamily="49" charset="0"/>
+              </a:rPr>
+              <a:t>latest</a:t>
+            </a:r>
+            <a:r>
+              <a:rPr lang="de-DE" sz="1200" dirty="0">
+                <a:solidFill>
+                  <a:srgbClr val="A31515"/>
+                </a:solidFill>
+                <a:latin typeface="Consolas" panose="020B0609020204030204" pitchFamily="49" charset="0"/>
+              </a:rPr>
+              <a:t>"</a:t>
+            </a:r>
+            <a:r>
+              <a:rPr lang="de-DE" sz="1200" dirty="0">
+                <a:solidFill>
+                  <a:srgbClr val="000000"/>
+                </a:solidFill>
+                <a:latin typeface="Consolas" panose="020B0609020204030204" pitchFamily="49" charset="0"/>
+              </a:rPr>
+              <a:t>)]</a:t>
+            </a:r>
+          </a:p>
+          <a:p>
+            <a:pPr lvl="1"/>
+            <a:r>
+              <a:rPr lang="de-DE" sz="1200" dirty="0" err="1">
+                <a:solidFill>
+                  <a:srgbClr val="0000FF"/>
+                </a:solidFill>
+                <a:latin typeface="Consolas" panose="020B0609020204030204" pitchFamily="49" charset="0"/>
+              </a:rPr>
+              <a:t>public</a:t>
+            </a:r>
+            <a:r>
+              <a:rPr lang="de-DE" sz="1200" dirty="0">
+                <a:solidFill>
+                  <a:srgbClr val="000000"/>
+                </a:solidFill>
+                <a:latin typeface="Consolas" panose="020B0609020204030204" pitchFamily="49" charset="0"/>
+              </a:rPr>
+              <a:t> </a:t>
+            </a:r>
+            <a:r>
+              <a:rPr lang="de-DE" sz="1200" dirty="0" err="1">
+                <a:solidFill>
+                  <a:srgbClr val="2B91AF"/>
+                </a:solidFill>
+                <a:latin typeface="Consolas" panose="020B0609020204030204" pitchFamily="49" charset="0"/>
+              </a:rPr>
+              <a:t>IEnumerable</a:t>
+            </a:r>
+            <a:r>
+              <a:rPr lang="de-DE" sz="1200" dirty="0">
+                <a:solidFill>
+                  <a:srgbClr val="000000"/>
+                </a:solidFill>
+                <a:latin typeface="Consolas" panose="020B0609020204030204" pitchFamily="49" charset="0"/>
+              </a:rPr>
+              <a:t>&lt;</a:t>
+            </a:r>
+            <a:r>
+              <a:rPr lang="de-DE" sz="1200" dirty="0" err="1">
+                <a:solidFill>
+                  <a:srgbClr val="2B91AF"/>
+                </a:solidFill>
+                <a:latin typeface="Consolas" panose="020B0609020204030204" pitchFamily="49" charset="0"/>
+              </a:rPr>
+              <a:t>PostDto</a:t>
+            </a:r>
+            <a:r>
+              <a:rPr lang="de-DE" sz="1200" dirty="0">
+                <a:solidFill>
+                  <a:srgbClr val="000000"/>
+                </a:solidFill>
+                <a:latin typeface="Consolas" panose="020B0609020204030204" pitchFamily="49" charset="0"/>
+              </a:rPr>
+              <a:t>&gt; </a:t>
+            </a:r>
+            <a:r>
+              <a:rPr lang="de-DE" sz="1200" dirty="0" err="1">
+                <a:solidFill>
+                  <a:srgbClr val="000000"/>
+                </a:solidFill>
+                <a:latin typeface="Consolas" panose="020B0609020204030204" pitchFamily="49" charset="0"/>
+              </a:rPr>
+              <a:t>GetLatest</a:t>
+            </a:r>
+            <a:r>
+              <a:rPr lang="de-DE" sz="1200" dirty="0">
+                <a:solidFill>
+                  <a:srgbClr val="000000"/>
+                </a:solidFill>
+                <a:latin typeface="Consolas" panose="020B0609020204030204" pitchFamily="49" charset="0"/>
+              </a:rPr>
+              <a:t>()</a:t>
+            </a:r>
+          </a:p>
+          <a:p>
+            <a:pPr lvl="1"/>
+            <a:r>
+              <a:rPr lang="de-DE" sz="1200" dirty="0">
+                <a:solidFill>
+                  <a:srgbClr val="000000"/>
+                </a:solidFill>
+                <a:latin typeface="Consolas" panose="020B0609020204030204" pitchFamily="49" charset="0"/>
+              </a:rPr>
+              <a:t>{</a:t>
+            </a:r>
+          </a:p>
+          <a:p>
+            <a:pPr lvl="1"/>
+            <a:r>
+              <a:rPr lang="de-DE" sz="1200" dirty="0">
+                <a:solidFill>
+                  <a:srgbClr val="000000"/>
+                </a:solidFill>
+                <a:latin typeface="Consolas" panose="020B0609020204030204" pitchFamily="49" charset="0"/>
+              </a:rPr>
+              <a:t>    </a:t>
+            </a:r>
+            <a:r>
+              <a:rPr lang="de-DE" sz="1200" dirty="0" err="1">
+                <a:solidFill>
+                  <a:srgbClr val="0000FF"/>
+                </a:solidFill>
+                <a:latin typeface="Consolas" panose="020B0609020204030204" pitchFamily="49" charset="0"/>
+              </a:rPr>
+              <a:t>return</a:t>
+            </a:r>
+            <a:r>
+              <a:rPr lang="de-DE" sz="1200" dirty="0">
+                <a:solidFill>
+                  <a:srgbClr val="000000"/>
+                </a:solidFill>
+                <a:latin typeface="Consolas" panose="020B0609020204030204" pitchFamily="49" charset="0"/>
+              </a:rPr>
+              <a:t> </a:t>
+            </a:r>
+            <a:r>
+              <a:rPr lang="de-DE" sz="1200" dirty="0" err="1" smtClean="0">
+                <a:solidFill>
+                  <a:srgbClr val="0000FF"/>
+                </a:solidFill>
+                <a:latin typeface="Consolas" panose="020B0609020204030204" pitchFamily="49" charset="0"/>
+              </a:rPr>
+              <a:t>this</a:t>
+            </a:r>
+            <a:r>
+              <a:rPr lang="de-DE" sz="1200" dirty="0" err="1" smtClean="0">
+                <a:solidFill>
+                  <a:srgbClr val="000000"/>
+                </a:solidFill>
+                <a:latin typeface="Consolas" panose="020B0609020204030204" pitchFamily="49" charset="0"/>
+              </a:rPr>
+              <a:t>.db.Posts</a:t>
+            </a:r>
+            <a:endParaRPr lang="de-DE" sz="1200" dirty="0" smtClean="0">
+              <a:solidFill>
+                <a:srgbClr val="000000"/>
+              </a:solidFill>
+              <a:latin typeface="Consolas" panose="020B0609020204030204" pitchFamily="49" charset="0"/>
+            </a:endParaRPr>
+          </a:p>
+          <a:p>
+            <a:pPr lvl="1"/>
+            <a:r>
+              <a:rPr lang="de-DE" sz="1200" dirty="0">
+                <a:solidFill>
+                  <a:srgbClr val="000000"/>
+                </a:solidFill>
+                <a:latin typeface="Consolas" panose="020B0609020204030204" pitchFamily="49" charset="0"/>
+              </a:rPr>
+              <a:t> </a:t>
+            </a:r>
+            <a:r>
+              <a:rPr lang="de-DE" sz="1200" dirty="0" smtClean="0">
+                <a:solidFill>
+                  <a:srgbClr val="000000"/>
+                </a:solidFill>
+                <a:latin typeface="Consolas" panose="020B0609020204030204" pitchFamily="49" charset="0"/>
+              </a:rPr>
+              <a:t>                 .</a:t>
+            </a:r>
+            <a:r>
+              <a:rPr lang="de-DE" sz="1200" dirty="0" err="1" smtClean="0">
+                <a:solidFill>
+                  <a:srgbClr val="000000"/>
+                </a:solidFill>
+                <a:latin typeface="Consolas" panose="020B0609020204030204" pitchFamily="49" charset="0"/>
+              </a:rPr>
+              <a:t>OrderByDescending</a:t>
+            </a:r>
+            <a:r>
+              <a:rPr lang="de-DE" sz="1200" dirty="0" smtClean="0">
+                <a:solidFill>
+                  <a:srgbClr val="000000"/>
+                </a:solidFill>
+                <a:latin typeface="Consolas" panose="020B0609020204030204" pitchFamily="49" charset="0"/>
+              </a:rPr>
+              <a:t>(o </a:t>
+            </a:r>
+            <a:r>
+              <a:rPr lang="de-DE" sz="1200" dirty="0">
+                <a:solidFill>
+                  <a:srgbClr val="000000"/>
+                </a:solidFill>
+                <a:latin typeface="Consolas" panose="020B0609020204030204" pitchFamily="49" charset="0"/>
+              </a:rPr>
+              <a:t>=&gt; </a:t>
+            </a:r>
+            <a:r>
+              <a:rPr lang="de-DE" sz="1200" dirty="0" err="1">
+                <a:solidFill>
+                  <a:srgbClr val="000000"/>
+                </a:solidFill>
+                <a:latin typeface="Consolas" panose="020B0609020204030204" pitchFamily="49" charset="0"/>
+              </a:rPr>
+              <a:t>o.Created</a:t>
+            </a:r>
+            <a:r>
+              <a:rPr lang="de-DE" sz="1200" dirty="0" smtClean="0">
+                <a:solidFill>
+                  <a:srgbClr val="000000"/>
+                </a:solidFill>
+                <a:latin typeface="Consolas" panose="020B0609020204030204" pitchFamily="49" charset="0"/>
+              </a:rPr>
+              <a:t>)</a:t>
+            </a:r>
+          </a:p>
+          <a:p>
+            <a:pPr lvl="1"/>
+            <a:r>
+              <a:rPr lang="de-DE" sz="1200" dirty="0" smtClean="0">
+                <a:solidFill>
+                  <a:srgbClr val="000000"/>
+                </a:solidFill>
+                <a:latin typeface="Consolas" panose="020B0609020204030204" pitchFamily="49" charset="0"/>
+              </a:rPr>
+              <a:t>                  .</a:t>
+            </a:r>
+            <a:r>
+              <a:rPr lang="de-DE" sz="1200" dirty="0" err="1">
+                <a:solidFill>
+                  <a:srgbClr val="000000"/>
+                </a:solidFill>
+                <a:latin typeface="Consolas" panose="020B0609020204030204" pitchFamily="49" charset="0"/>
+              </a:rPr>
+              <a:t>ToList</a:t>
+            </a:r>
+            <a:r>
+              <a:rPr lang="de-DE" sz="1200" dirty="0" smtClean="0">
+                <a:solidFill>
+                  <a:srgbClr val="000000"/>
+                </a:solidFill>
+                <a:latin typeface="Consolas" panose="020B0609020204030204" pitchFamily="49" charset="0"/>
+              </a:rPr>
+              <a:t>()</a:t>
+            </a:r>
+          </a:p>
+          <a:p>
+            <a:pPr lvl="1"/>
+            <a:r>
+              <a:rPr lang="de-DE" sz="1200" dirty="0">
+                <a:solidFill>
+                  <a:srgbClr val="000000"/>
+                </a:solidFill>
+                <a:latin typeface="Consolas" panose="020B0609020204030204" pitchFamily="49" charset="0"/>
+              </a:rPr>
+              <a:t> </a:t>
+            </a:r>
+            <a:r>
+              <a:rPr lang="de-DE" sz="1200" dirty="0" smtClean="0">
+                <a:solidFill>
+                  <a:srgbClr val="000000"/>
+                </a:solidFill>
+                <a:latin typeface="Consolas" panose="020B0609020204030204" pitchFamily="49" charset="0"/>
+              </a:rPr>
+              <a:t>                 .</a:t>
+            </a:r>
+            <a:r>
+              <a:rPr lang="de-DE" sz="1200" dirty="0">
+                <a:solidFill>
+                  <a:srgbClr val="000000"/>
+                </a:solidFill>
+                <a:latin typeface="Consolas" panose="020B0609020204030204" pitchFamily="49" charset="0"/>
+              </a:rPr>
+              <a:t>Select(p =&gt; </a:t>
+            </a:r>
+            <a:r>
+              <a:rPr lang="de-DE" sz="1200" dirty="0" err="1">
+                <a:solidFill>
+                  <a:srgbClr val="2B91AF"/>
+                </a:solidFill>
+                <a:latin typeface="Consolas" panose="020B0609020204030204" pitchFamily="49" charset="0"/>
+              </a:rPr>
+              <a:t>PostDto</a:t>
+            </a:r>
+            <a:r>
+              <a:rPr lang="de-DE" sz="1200" dirty="0" err="1">
+                <a:solidFill>
+                  <a:srgbClr val="000000"/>
+                </a:solidFill>
+                <a:latin typeface="Consolas" panose="020B0609020204030204" pitchFamily="49" charset="0"/>
+              </a:rPr>
+              <a:t>.Map</a:t>
+            </a:r>
+            <a:r>
+              <a:rPr lang="de-DE" sz="1200" dirty="0">
+                <a:solidFill>
+                  <a:srgbClr val="000000"/>
+                </a:solidFill>
+                <a:latin typeface="Consolas" panose="020B0609020204030204" pitchFamily="49" charset="0"/>
+              </a:rPr>
+              <a:t>(p));</a:t>
+            </a:r>
+          </a:p>
+          <a:p>
+            <a:pPr lvl="1"/>
+            <a:r>
+              <a:rPr lang="de-DE" sz="1200" dirty="0" smtClean="0">
+                <a:solidFill>
+                  <a:srgbClr val="000000"/>
+                </a:solidFill>
+                <a:latin typeface="Consolas" panose="020B0609020204030204" pitchFamily="49" charset="0"/>
+              </a:rPr>
+              <a:t>}</a:t>
+            </a:r>
+          </a:p>
+          <a:p>
+            <a:r>
+              <a:rPr lang="de-DE" sz="1200" dirty="0" smtClean="0">
+                <a:solidFill>
+                  <a:srgbClr val="000000"/>
+                </a:solidFill>
+                <a:latin typeface="Consolas" panose="020B0609020204030204" pitchFamily="49" charset="0"/>
+              </a:rPr>
+              <a:t>}	</a:t>
+            </a:r>
+          </a:p>
+        </p:txBody>
+      </p:sp>
     </p:spTree>
     <p:extLst>
       <p:ext uri="{BB962C8B-B14F-4D97-AF65-F5344CB8AC3E}">
-        <p14:creationId xmlns:p14="http://schemas.microsoft.com/office/powerpoint/2010/main" val="2505954915"/>
+        <p14:creationId xmlns:p14="http://schemas.microsoft.com/office/powerpoint/2010/main" val="200086261"/>
       </p:ext>
     </p:extLst>
   </p:cSld>

--- a/05. ASP.NET Web API/Entwicklung einer Schnittstelle mit ASP.NET Web API.pptx
+++ b/05. ASP.NET Web API/Entwicklung einer Schnittstelle mit ASP.NET Web API.pptx
@@ -5,10 +5,10 @@
     <p:sldMasterId id="2147484690" r:id="rId1"/>
   </p:sldMasterIdLst>
   <p:notesMasterIdLst>
-    <p:notesMasterId r:id="rId14"/>
+    <p:notesMasterId r:id="rId16"/>
   </p:notesMasterIdLst>
   <p:handoutMasterIdLst>
-    <p:handoutMasterId r:id="rId15"/>
+    <p:handoutMasterId r:id="rId17"/>
   </p:handoutMasterIdLst>
   <p:sldIdLst>
     <p:sldId id="332" r:id="rId2"/>
@@ -19,10 +19,12 @@
     <p:sldId id="396" r:id="rId7"/>
     <p:sldId id="398" r:id="rId8"/>
     <p:sldId id="395" r:id="rId9"/>
-    <p:sldId id="401" r:id="rId10"/>
-    <p:sldId id="393" r:id="rId11"/>
-    <p:sldId id="400" r:id="rId12"/>
-    <p:sldId id="290" r:id="rId13"/>
+    <p:sldId id="403" r:id="rId10"/>
+    <p:sldId id="401" r:id="rId11"/>
+    <p:sldId id="402" r:id="rId12"/>
+    <p:sldId id="393" r:id="rId13"/>
+    <p:sldId id="400" r:id="rId14"/>
+    <p:sldId id="290" r:id="rId15"/>
   </p:sldIdLst>
   <p:sldSz cx="12190413" cy="6859588"/>
   <p:notesSz cx="7099300" cy="10234613"/>
@@ -307,7 +309,7 @@
               <a:pPr>
                 <a:defRPr/>
               </a:pPr>
-              <a:t>22.09.2017</a:t>
+              <a:t>24.09.2017</a:t>
             </a:fld>
             <a:endParaRPr lang="de-DE" dirty="0"/>
           </a:p>
@@ -506,7 +508,7 @@
               <a:pPr>
                 <a:defRPr/>
               </a:pPr>
-              <a:t>2017-09-22</a:t>
+              <a:t>2017-09-24</a:t>
             </a:fld>
             <a:endParaRPr lang="sv-SE"/>
           </a:p>
@@ -942,6 +944,116 @@
 </p:notes>
 </file>
 
+<file path=ppt/notesSlides/notesSlide10.xml><?xml version="1.0" encoding="utf-8"?>
+<p:notes xmlns:a="http://schemas.openxmlformats.org/drawingml/2006/main" xmlns:r="http://schemas.openxmlformats.org/officeDocument/2006/relationships" xmlns:p="http://schemas.openxmlformats.org/presentationml/2006/main">
+  <p:cSld>
+    <p:spTree>
+      <p:nvGrpSpPr>
+        <p:cNvPr id="1" name=""/>
+        <p:cNvGrpSpPr/>
+        <p:nvPr/>
+      </p:nvGrpSpPr>
+      <p:grpSpPr>
+        <a:xfrm>
+          <a:off x="0" y="0"/>
+          <a:ext cx="0" cy="0"/>
+          <a:chOff x="0" y="0"/>
+          <a:chExt cx="0" cy="0"/>
+        </a:xfrm>
+      </p:grpSpPr>
+      <p:sp>
+        <p:nvSpPr>
+          <p:cNvPr id="35842" name="Folienbildplatzhalter 1"/>
+          <p:cNvSpPr>
+            <a:spLocks noGrp="1" noRot="1" noChangeAspect="1" noTextEdit="1"/>
+          </p:cNvSpPr>
+          <p:nvPr>
+            <p:ph type="sldImg"/>
+          </p:nvPr>
+        </p:nvSpPr>
+        <p:spPr bwMode="auto">
+          <a:xfrm>
+            <a:off x="139700" y="768350"/>
+            <a:ext cx="6819900" cy="3836988"/>
+          </a:xfrm>
+          <a:noFill/>
+          <a:ln>
+            <a:solidFill>
+              <a:srgbClr val="000000"/>
+            </a:solidFill>
+            <a:miter lim="800000"/>
+            <a:headEnd/>
+            <a:tailEnd/>
+          </a:ln>
+        </p:spPr>
+      </p:sp>
+      <p:sp>
+        <p:nvSpPr>
+          <p:cNvPr id="35843" name="Notizenplatzhalter 2"/>
+          <p:cNvSpPr>
+            <a:spLocks noGrp="1"/>
+          </p:cNvSpPr>
+          <p:nvPr>
+            <p:ph type="body" idx="1"/>
+          </p:nvPr>
+        </p:nvSpPr>
+        <p:spPr bwMode="auto">
+          <a:noFill/>
+        </p:spPr>
+        <p:txBody>
+          <a:bodyPr wrap="square" numCol="1" anchor="t" anchorCtr="0" compatLnSpc="1">
+            <a:prstTxWarp prst="textNoShape">
+              <a:avLst/>
+            </a:prstTxWarp>
+          </a:bodyPr>
+          <a:lstStyle/>
+          <a:p>
+            <a:endParaRPr lang="de-DE" dirty="0" smtClean="0"/>
+          </a:p>
+        </p:txBody>
+      </p:sp>
+      <p:sp>
+        <p:nvSpPr>
+          <p:cNvPr id="4" name="Foliennummernplatzhalter 3"/>
+          <p:cNvSpPr>
+            <a:spLocks noGrp="1"/>
+          </p:cNvSpPr>
+          <p:nvPr>
+            <p:ph type="sldNum" sz="quarter" idx="5"/>
+          </p:nvPr>
+        </p:nvSpPr>
+        <p:spPr/>
+        <p:txBody>
+          <a:bodyPr/>
+          <a:lstStyle/>
+          <a:p>
+            <a:pPr>
+              <a:defRPr/>
+            </a:pPr>
+            <a:fld id="{E5B22351-C0A7-44C9-AD1C-4123D43CDD3F}" type="slidenum">
+              <a:rPr lang="sv-SE" smtClean="0"/>
+              <a:pPr>
+                <a:defRPr/>
+              </a:pPr>
+              <a:t>14</a:t>
+            </a:fld>
+            <a:endParaRPr lang="sv-SE"/>
+          </a:p>
+        </p:txBody>
+      </p:sp>
+    </p:spTree>
+    <p:extLst>
+      <p:ext uri="{BB962C8B-B14F-4D97-AF65-F5344CB8AC3E}">
+        <p14:creationId xmlns:p14="http://schemas.microsoft.com/office/powerpoint/2010/main" val="3268157013"/>
+      </p:ext>
+    </p:extLst>
+  </p:cSld>
+  <p:clrMapOvr>
+    <a:masterClrMapping/>
+  </p:clrMapOvr>
+</p:notes>
+</file>
+
 <file path=ppt/notesSlides/notesSlide2.xml><?xml version="1.0" encoding="utf-8"?>
 <p:notes xmlns:a="http://schemas.openxmlformats.org/drawingml/2006/main" xmlns:r="http://schemas.openxmlformats.org/officeDocument/2006/relationships" xmlns:p="http://schemas.openxmlformats.org/presentationml/2006/main">
   <p:cSld>
@@ -1331,7 +1443,7 @@
           </a:bodyPr>
           <a:lstStyle/>
           <a:p>
-            <a:endParaRPr lang="en-US" sz="1000">
+            <a:endParaRPr lang="en-US" sz="1000" dirty="0">
               <a:latin typeface="Arial"/>
             </a:endParaRPr>
           </a:p>
@@ -1924,7 +2036,7 @@
     </p:spTree>
     <p:extLst>
       <p:ext uri="{BB962C8B-B14F-4D97-AF65-F5344CB8AC3E}">
-        <p14:creationId xmlns:p14="http://schemas.microsoft.com/office/powerpoint/2010/main" val="4011492239"/>
+        <p14:creationId xmlns:p14="http://schemas.microsoft.com/office/powerpoint/2010/main" val="48703758"/>
       </p:ext>
     </p:extLst>
   </p:cSld>
@@ -1953,7 +2065,7 @@
       </p:grpSpPr>
       <p:sp>
         <p:nvSpPr>
-          <p:cNvPr id="2" name="Folienbildplatzhalter 1"/>
+          <p:cNvPr id="2" name="Slide Image Placeholder 1"/>
           <p:cNvSpPr>
             <a:spLocks noGrp="1" noRot="1" noChangeAspect="1"/>
           </p:cNvSpPr>
@@ -1961,11 +2073,16 @@
             <p:ph type="sldImg"/>
           </p:nvPr>
         </p:nvSpPr>
-        <p:spPr/>
-      </p:sp>
-      <p:sp>
-        <p:nvSpPr>
-          <p:cNvPr id="3" name="Notizenplatzhalter 2"/>
+        <p:spPr>
+          <a:xfrm>
+            <a:off x="3914775" y="73025"/>
+            <a:ext cx="3289300" cy="1851025"/>
+          </a:xfrm>
+        </p:spPr>
+      </p:sp>
+      <p:sp>
+        <p:nvSpPr>
+          <p:cNvPr id="3" name="Notes Placeholder 2"/>
           <p:cNvSpPr>
             <a:spLocks noGrp="1"/>
           </p:cNvSpPr>
@@ -1973,18 +2090,37 @@
             <p:ph type="body" idx="1"/>
           </p:nvPr>
         </p:nvSpPr>
-        <p:spPr/>
-        <p:txBody>
-          <a:bodyPr/>
+        <p:spPr>
+          <a:xfrm>
+            <a:off x="310895" y="2093975"/>
+            <a:ext cx="6153911" cy="6604000"/>
+          </a:xfrm>
+        </p:spPr>
+        <p:txBody>
+          <a:bodyPr>
+            <a:noAutofit/>
+          </a:bodyPr>
           <a:lstStyle/>
           <a:p>
-            <a:endParaRPr lang="de-DE" dirty="0"/>
-          </a:p>
-        </p:txBody>
-      </p:sp>
-      <p:sp>
-        <p:nvSpPr>
-          <p:cNvPr id="4" name="Foliennummernplatzhalter 3"/>
+            <a:pPr>
+              <a:lnSpc>
+                <a:spcPct val="115000"/>
+              </a:lnSpc>
+              <a:spcAft>
+                <a:spcPts val="1000"/>
+              </a:spcAft>
+            </a:pPr>
+            <a:endParaRPr lang="en-US" sz="1000" dirty="0">
+              <a:latin typeface="Arial"/>
+              <a:ea typeface="Times New Roman"/>
+              <a:cs typeface="Times New Roman"/>
+            </a:endParaRPr>
+          </a:p>
+        </p:txBody>
+      </p:sp>
+      <p:sp>
+        <p:nvSpPr>
+          <p:cNvPr id="4" name="Slide Number Placeholder 3"/>
           <p:cNvSpPr>
             <a:spLocks noGrp="1"/>
           </p:cNvSpPr>
@@ -1997,24 +2133,133 @@
           <a:bodyPr/>
           <a:lstStyle/>
           <a:p>
-            <a:pPr>
-              <a:defRPr/>
-            </a:pPr>
-            <a:fld id="{9FD97EF8-451C-4BD4-A577-78C919C344DB}" type="slidenum">
-              <a:rPr lang="sv-SE" smtClean="0"/>
-              <a:pPr>
-                <a:defRPr/>
-              </a:pPr>
-              <a:t>11</a:t>
+            <a:fld id="{0E250944-C459-49FA-BBE9-2A0996DD63D5}" type="slidenum">
+              <a:rPr lang="en-US" smtClean="0"/>
+              <a:pPr/>
+              <a:t>10</a:t>
             </a:fld>
-            <a:endParaRPr lang="sv-SE"/>
+            <a:endParaRPr lang="en-US"/>
+          </a:p>
+        </p:txBody>
+      </p:sp>
+      <p:sp>
+        <p:nvSpPr>
+          <p:cNvPr id="5" name="Rectangle 4"/>
+          <p:cNvSpPr/>
+          <p:nvPr/>
+        </p:nvSpPr>
+        <p:spPr>
+          <a:xfrm>
+            <a:off x="0" y="0"/>
+            <a:ext cx="3038475" cy="222250"/>
+          </a:xfrm>
+          <a:prstGeom prst="rect">
+            <a:avLst/>
+          </a:prstGeom>
+          <a:noFill/>
+          <a:ln>
+            <a:noFill/>
+          </a:ln>
+        </p:spPr>
+        <p:style>
+          <a:lnRef idx="2">
+            <a:schemeClr val="accent1">
+              <a:shade val="50000"/>
+            </a:schemeClr>
+          </a:lnRef>
+          <a:fillRef idx="1">
+            <a:schemeClr val="accent1"/>
+          </a:fillRef>
+          <a:effectRef idx="0">
+            <a:schemeClr val="accent1"/>
+          </a:effectRef>
+          <a:fontRef idx="minor">
+            <a:schemeClr val="lt1"/>
+          </a:fontRef>
+        </p:style>
+        <p:txBody>
+          <a:bodyPr rtlCol="0" anchor="ctr"/>
+          <a:lstStyle/>
+          <a:p>
+            <a:r>
+              <a:rPr lang="en-US" sz="1200" b="1" smtClean="0">
+                <a:solidFill>
+                  <a:srgbClr val="000000"/>
+                </a:solidFill>
+                <a:latin typeface="Arial"/>
+              </a:rPr>
+              <a:t>20486A</a:t>
+            </a:r>
+            <a:endParaRPr lang="en-US" sz="1200" b="1">
+              <a:solidFill>
+                <a:srgbClr val="000000"/>
+              </a:solidFill>
+              <a:latin typeface="Arial"/>
+            </a:endParaRPr>
+          </a:p>
+        </p:txBody>
+      </p:sp>
+      <p:sp>
+        <p:nvSpPr>
+          <p:cNvPr id="6" name="Rectangle 5"/>
+          <p:cNvSpPr/>
+          <p:nvPr/>
+        </p:nvSpPr>
+        <p:spPr>
+          <a:xfrm>
+            <a:off x="0" y="238125"/>
+            <a:ext cx="3038475" cy="347662"/>
+          </a:xfrm>
+          <a:prstGeom prst="rect">
+            <a:avLst/>
+          </a:prstGeom>
+          <a:noFill/>
+          <a:ln>
+            <a:noFill/>
+          </a:ln>
+        </p:spPr>
+        <p:style>
+          <a:lnRef idx="2">
+            <a:schemeClr val="accent1">
+              <a:shade val="50000"/>
+            </a:schemeClr>
+          </a:lnRef>
+          <a:fillRef idx="1">
+            <a:schemeClr val="accent1"/>
+          </a:fillRef>
+          <a:effectRef idx="0">
+            <a:schemeClr val="accent1"/>
+          </a:effectRef>
+          <a:fontRef idx="minor">
+            <a:schemeClr val="lt1"/>
+          </a:fontRef>
+        </p:style>
+        <p:txBody>
+          <a:bodyPr rtlCol="0" anchor="ctr"/>
+          <a:lstStyle/>
+          <a:p>
+            <a:r>
+              <a:rPr lang="en-US" sz="1200" b="1" smtClean="0">
+                <a:solidFill>
+                  <a:srgbClr val="336699"/>
+                </a:solidFill>
+                <a:latin typeface="Arial"/>
+              </a:rPr>
+              <a:t>14: Implementing Web APIs in ASP.NET MVC 4 Web Applications</a:t>
+            </a:r>
+            <a:endParaRPr lang="en-US" sz="1200" b="1">
+              <a:solidFill>
+                <a:srgbClr val="336699"/>
+              </a:solidFill>
+              <a:latin typeface="Arial"/>
+            </a:endParaRPr>
           </a:p>
         </p:txBody>
       </p:sp>
     </p:spTree>
     <p:extLst>
       <p:ext uri="{BB962C8B-B14F-4D97-AF65-F5344CB8AC3E}">
-        <p14:creationId xmlns:p14="http://schemas.microsoft.com/office/powerpoint/2010/main" val="177084759"/>
+        <p14:creationId xmlns:p14="http://schemas.microsoft.com/office/powerpoint/2010/main" val="4011492239"/>
       </p:ext>
     </p:extLst>
   </p:cSld>
@@ -2043,33 +2288,24 @@
       </p:grpSpPr>
       <p:sp>
         <p:nvSpPr>
-          <p:cNvPr id="35842" name="Folienbildplatzhalter 1"/>
+          <p:cNvPr id="2" name="Slide Image Placeholder 1"/>
           <p:cNvSpPr>
-            <a:spLocks noGrp="1" noRot="1" noChangeAspect="1" noTextEdit="1"/>
+            <a:spLocks noGrp="1" noRot="1" noChangeAspect="1"/>
           </p:cNvSpPr>
           <p:nvPr>
             <p:ph type="sldImg"/>
           </p:nvPr>
         </p:nvSpPr>
-        <p:spPr bwMode="auto">
+        <p:spPr>
           <a:xfrm>
-            <a:off x="139700" y="768350"/>
-            <a:ext cx="6819900" cy="3836988"/>
+            <a:off x="3914775" y="73025"/>
+            <a:ext cx="3289300" cy="1851025"/>
           </a:xfrm>
-          <a:noFill/>
-          <a:ln>
-            <a:solidFill>
-              <a:srgbClr val="000000"/>
-            </a:solidFill>
-            <a:miter lim="800000"/>
-            <a:headEnd/>
-            <a:tailEnd/>
-          </a:ln>
         </p:spPr>
       </p:sp>
       <p:sp>
         <p:nvSpPr>
-          <p:cNvPr id="35843" name="Notizenplatzhalter 2"/>
+          <p:cNvPr id="3" name="Notes Placeholder 2"/>
           <p:cNvSpPr>
             <a:spLocks noGrp="1"/>
           </p:cNvSpPr>
@@ -2077,18 +2313,230 @@
             <p:ph type="body" idx="1"/>
           </p:nvPr>
         </p:nvSpPr>
-        <p:spPr bwMode="auto">
-          <a:noFill/>
+        <p:spPr>
+          <a:xfrm>
+            <a:off x="310895" y="2093975"/>
+            <a:ext cx="6153911" cy="6604000"/>
+          </a:xfrm>
         </p:spPr>
         <p:txBody>
-          <a:bodyPr wrap="square" numCol="1" anchor="t" anchorCtr="0" compatLnSpc="1">
-            <a:prstTxWarp prst="textNoShape">
-              <a:avLst/>
-            </a:prstTxWarp>
+          <a:bodyPr>
+            <a:noAutofit/>
           </a:bodyPr>
           <a:lstStyle/>
           <a:p>
-            <a:endParaRPr lang="de-DE" dirty="0" smtClean="0"/>
+            <a:pPr>
+              <a:lnSpc>
+                <a:spcPct val="115000"/>
+              </a:lnSpc>
+              <a:spcAft>
+                <a:spcPts val="1000"/>
+              </a:spcAft>
+            </a:pPr>
+            <a:endParaRPr lang="en-US" sz="1000" dirty="0">
+              <a:latin typeface="Arial"/>
+              <a:ea typeface="Times New Roman"/>
+              <a:cs typeface="Times New Roman"/>
+            </a:endParaRPr>
+          </a:p>
+        </p:txBody>
+      </p:sp>
+      <p:sp>
+        <p:nvSpPr>
+          <p:cNvPr id="4" name="Slide Number Placeholder 3"/>
+          <p:cNvSpPr>
+            <a:spLocks noGrp="1"/>
+          </p:cNvSpPr>
+          <p:nvPr>
+            <p:ph type="sldNum" sz="quarter" idx="10"/>
+          </p:nvPr>
+        </p:nvSpPr>
+        <p:spPr/>
+        <p:txBody>
+          <a:bodyPr/>
+          <a:lstStyle/>
+          <a:p>
+            <a:fld id="{0E250944-C459-49FA-BBE9-2A0996DD63D5}" type="slidenum">
+              <a:rPr lang="en-US" smtClean="0"/>
+              <a:pPr/>
+              <a:t>11</a:t>
+            </a:fld>
+            <a:endParaRPr lang="en-US"/>
+          </a:p>
+        </p:txBody>
+      </p:sp>
+      <p:sp>
+        <p:nvSpPr>
+          <p:cNvPr id="5" name="Rectangle 4"/>
+          <p:cNvSpPr/>
+          <p:nvPr/>
+        </p:nvSpPr>
+        <p:spPr>
+          <a:xfrm>
+            <a:off x="0" y="0"/>
+            <a:ext cx="3038475" cy="222250"/>
+          </a:xfrm>
+          <a:prstGeom prst="rect">
+            <a:avLst/>
+          </a:prstGeom>
+          <a:noFill/>
+          <a:ln>
+            <a:noFill/>
+          </a:ln>
+        </p:spPr>
+        <p:style>
+          <a:lnRef idx="2">
+            <a:schemeClr val="accent1">
+              <a:shade val="50000"/>
+            </a:schemeClr>
+          </a:lnRef>
+          <a:fillRef idx="1">
+            <a:schemeClr val="accent1"/>
+          </a:fillRef>
+          <a:effectRef idx="0">
+            <a:schemeClr val="accent1"/>
+          </a:effectRef>
+          <a:fontRef idx="minor">
+            <a:schemeClr val="lt1"/>
+          </a:fontRef>
+        </p:style>
+        <p:txBody>
+          <a:bodyPr rtlCol="0" anchor="ctr"/>
+          <a:lstStyle/>
+          <a:p>
+            <a:r>
+              <a:rPr lang="en-US" sz="1200" b="1" smtClean="0">
+                <a:solidFill>
+                  <a:srgbClr val="000000"/>
+                </a:solidFill>
+                <a:latin typeface="Arial"/>
+              </a:rPr>
+              <a:t>20486A</a:t>
+            </a:r>
+            <a:endParaRPr lang="en-US" sz="1200" b="1">
+              <a:solidFill>
+                <a:srgbClr val="000000"/>
+              </a:solidFill>
+              <a:latin typeface="Arial"/>
+            </a:endParaRPr>
+          </a:p>
+        </p:txBody>
+      </p:sp>
+      <p:sp>
+        <p:nvSpPr>
+          <p:cNvPr id="6" name="Rectangle 5"/>
+          <p:cNvSpPr/>
+          <p:nvPr/>
+        </p:nvSpPr>
+        <p:spPr>
+          <a:xfrm>
+            <a:off x="0" y="238125"/>
+            <a:ext cx="3038475" cy="347662"/>
+          </a:xfrm>
+          <a:prstGeom prst="rect">
+            <a:avLst/>
+          </a:prstGeom>
+          <a:noFill/>
+          <a:ln>
+            <a:noFill/>
+          </a:ln>
+        </p:spPr>
+        <p:style>
+          <a:lnRef idx="2">
+            <a:schemeClr val="accent1">
+              <a:shade val="50000"/>
+            </a:schemeClr>
+          </a:lnRef>
+          <a:fillRef idx="1">
+            <a:schemeClr val="accent1"/>
+          </a:fillRef>
+          <a:effectRef idx="0">
+            <a:schemeClr val="accent1"/>
+          </a:effectRef>
+          <a:fontRef idx="minor">
+            <a:schemeClr val="lt1"/>
+          </a:fontRef>
+        </p:style>
+        <p:txBody>
+          <a:bodyPr rtlCol="0" anchor="ctr"/>
+          <a:lstStyle/>
+          <a:p>
+            <a:r>
+              <a:rPr lang="en-US" sz="1200" b="1" smtClean="0">
+                <a:solidFill>
+                  <a:srgbClr val="336699"/>
+                </a:solidFill>
+                <a:latin typeface="Arial"/>
+              </a:rPr>
+              <a:t>14: Implementing Web APIs in ASP.NET MVC 4 Web Applications</a:t>
+            </a:r>
+            <a:endParaRPr lang="en-US" sz="1200" b="1">
+              <a:solidFill>
+                <a:srgbClr val="336699"/>
+              </a:solidFill>
+              <a:latin typeface="Arial"/>
+            </a:endParaRPr>
+          </a:p>
+        </p:txBody>
+      </p:sp>
+    </p:spTree>
+    <p:extLst>
+      <p:ext uri="{BB962C8B-B14F-4D97-AF65-F5344CB8AC3E}">
+        <p14:creationId xmlns:p14="http://schemas.microsoft.com/office/powerpoint/2010/main" val="4133550646"/>
+      </p:ext>
+    </p:extLst>
+  </p:cSld>
+  <p:clrMapOvr>
+    <a:masterClrMapping/>
+  </p:clrMapOvr>
+</p:notes>
+</file>
+
+<file path=ppt/notesSlides/notesSlide9.xml><?xml version="1.0" encoding="utf-8"?>
+<p:notes xmlns:a="http://schemas.openxmlformats.org/drawingml/2006/main" xmlns:r="http://schemas.openxmlformats.org/officeDocument/2006/relationships" xmlns:p="http://schemas.openxmlformats.org/presentationml/2006/main">
+  <p:cSld>
+    <p:spTree>
+      <p:nvGrpSpPr>
+        <p:cNvPr id="1" name=""/>
+        <p:cNvGrpSpPr/>
+        <p:nvPr/>
+      </p:nvGrpSpPr>
+      <p:grpSpPr>
+        <a:xfrm>
+          <a:off x="0" y="0"/>
+          <a:ext cx="0" cy="0"/>
+          <a:chOff x="0" y="0"/>
+          <a:chExt cx="0" cy="0"/>
+        </a:xfrm>
+      </p:grpSpPr>
+      <p:sp>
+        <p:nvSpPr>
+          <p:cNvPr id="2" name="Folienbildplatzhalter 1"/>
+          <p:cNvSpPr>
+            <a:spLocks noGrp="1" noRot="1" noChangeAspect="1"/>
+          </p:cNvSpPr>
+          <p:nvPr>
+            <p:ph type="sldImg"/>
+          </p:nvPr>
+        </p:nvSpPr>
+        <p:spPr/>
+      </p:sp>
+      <p:sp>
+        <p:nvSpPr>
+          <p:cNvPr id="3" name="Notizenplatzhalter 2"/>
+          <p:cNvSpPr>
+            <a:spLocks noGrp="1"/>
+          </p:cNvSpPr>
+          <p:nvPr>
+            <p:ph type="body" idx="1"/>
+          </p:nvPr>
+        </p:nvSpPr>
+        <p:spPr/>
+        <p:txBody>
+          <a:bodyPr/>
+          <a:lstStyle/>
+          <a:p>
+            <a:endParaRPr lang="de-DE" dirty="0"/>
           </a:p>
         </p:txBody>
       </p:sp>
@@ -2099,7 +2547,7 @@
             <a:spLocks noGrp="1"/>
           </p:cNvSpPr>
           <p:nvPr>
-            <p:ph type="sldNum" sz="quarter" idx="5"/>
+            <p:ph type="sldNum" sz="quarter" idx="10"/>
           </p:nvPr>
         </p:nvSpPr>
         <p:spPr/>
@@ -2110,12 +2558,12 @@
             <a:pPr>
               <a:defRPr/>
             </a:pPr>
-            <a:fld id="{E5B22351-C0A7-44C9-AD1C-4123D43CDD3F}" type="slidenum">
+            <a:fld id="{9FD97EF8-451C-4BD4-A577-78C919C344DB}" type="slidenum">
               <a:rPr lang="sv-SE" smtClean="0"/>
               <a:pPr>
                 <a:defRPr/>
               </a:pPr>
-              <a:t>12</a:t>
+              <a:t>13</a:t>
             </a:fld>
             <a:endParaRPr lang="sv-SE"/>
           </a:p>
@@ -2124,7 +2572,7 @@
     </p:spTree>
     <p:extLst>
       <p:ext uri="{BB962C8B-B14F-4D97-AF65-F5344CB8AC3E}">
-        <p14:creationId xmlns:p14="http://schemas.microsoft.com/office/powerpoint/2010/main" val="3268157013"/>
+        <p14:creationId xmlns:p14="http://schemas.microsoft.com/office/powerpoint/2010/main" val="177084759"/>
       </p:ext>
     </p:extLst>
   </p:cSld>
@@ -5793,7 +6241,7 @@
       </p:grpSpPr>
       <p:sp>
         <p:nvSpPr>
-          <p:cNvPr id="6" name="Titel 5"/>
+          <p:cNvPr id="2" name="Title 1"/>
           <p:cNvSpPr>
             <a:spLocks noGrp="1"/>
           </p:cNvSpPr>
@@ -5807,73 +6255,218 @@
           <a:lstStyle/>
           <a:p>
             <a:r>
-              <a:rPr lang="de-DE" dirty="0" smtClean="0"/>
-              <a:t>HANDS-ON</a:t>
-            </a:r>
-            <a:endParaRPr lang="de-DE" dirty="0"/>
-          </a:p>
-        </p:txBody>
-      </p:sp>
-      <p:sp>
-        <p:nvSpPr>
-          <p:cNvPr id="7" name="Untertitel 6"/>
+              <a:rPr lang="en-US" dirty="0" smtClean="0"/>
+              <a:t>2.1 ASP.NET Web </a:t>
+            </a:r>
+            <a:r>
+              <a:rPr lang="en-US" dirty="0" err="1" smtClean="0"/>
+              <a:t>Api</a:t>
+            </a:r>
+            <a:r>
+              <a:rPr lang="en-US" dirty="0" smtClean="0"/>
+              <a:t>: Controller und Routing</a:t>
+            </a:r>
+            <a:endParaRPr lang="en-US" dirty="0"/>
+          </a:p>
+        </p:txBody>
+      </p:sp>
+      <p:sp>
+        <p:nvSpPr>
+          <p:cNvPr id="3" name="Content Placeholder 2"/>
           <p:cNvSpPr>
             <a:spLocks noGrp="1"/>
           </p:cNvSpPr>
           <p:nvPr>
-            <p:ph type="subTitle" idx="1"/>
+            <p:ph sz="quarter" idx="10"/>
           </p:nvPr>
         </p:nvSpPr>
-        <p:spPr/>
+        <p:spPr>
+          <a:xfrm>
+            <a:off x="379364" y="1388547"/>
+            <a:ext cx="6383588" cy="5291613"/>
+          </a:xfrm>
+        </p:spPr>
         <p:txBody>
           <a:bodyPr/>
           <a:lstStyle/>
           <a:p>
             <a:r>
-              <a:rPr lang="de-DE" sz="4800" dirty="0" smtClean="0"/>
-              <a:t>05</a:t>
-            </a:r>
-            <a:r>
-              <a:rPr lang="de-DE" sz="4800" dirty="0"/>
-              <a:t>. Entwicklung einer Schnittstelle mit ASP.NET Web API</a:t>
-            </a:r>
-          </a:p>
-        </p:txBody>
-      </p:sp>
-      <p:sp>
-        <p:nvSpPr>
-          <p:cNvPr id="4" name="Foliennummernplatzhalter 3"/>
-          <p:cNvSpPr>
-            <a:spLocks noGrp="1"/>
-          </p:cNvSpPr>
-          <p:nvPr>
-            <p:ph type="sldNum" sz="quarter" idx="10"/>
-          </p:nvPr>
-        </p:nvSpPr>
-        <p:spPr/>
-        <p:txBody>
-          <a:bodyPr/>
-          <a:lstStyle/>
-          <a:p>
-            <a:fld id="{8F35CB8A-22DD-4279-9E9E-A49CDB5FBE56}" type="slidenum">
-              <a:rPr lang="en-US" smtClean="0"/>
-              <a:pPr/>
-              <a:t>10</a:t>
-            </a:fld>
-            <a:endParaRPr lang="en-US" dirty="0"/>
+              <a:rPr lang="en-US" dirty="0" smtClean="0"/>
+              <a:t>Framework </a:t>
+            </a:r>
+            <a:r>
+              <a:rPr lang="en-US" dirty="0" err="1" smtClean="0"/>
+              <a:t>zum</a:t>
+            </a:r>
+            <a:r>
+              <a:rPr lang="en-US" dirty="0" smtClean="0"/>
+              <a:t> </a:t>
+            </a:r>
+            <a:r>
+              <a:rPr lang="en-US" dirty="0" err="1" smtClean="0"/>
+              <a:t>Entwickeln</a:t>
+            </a:r>
+            <a:r>
+              <a:rPr lang="en-US" dirty="0" smtClean="0"/>
+              <a:t> von REST APIs</a:t>
+            </a:r>
+          </a:p>
+          <a:p>
+            <a:r>
+              <a:rPr lang="en-US" dirty="0" err="1" smtClean="0"/>
+              <a:t>ApiController</a:t>
+            </a:r>
+            <a:r>
+              <a:rPr lang="en-US" dirty="0" smtClean="0"/>
+              <a:t> </a:t>
+            </a:r>
+            <a:r>
+              <a:rPr lang="en-US" dirty="0" err="1" smtClean="0"/>
+              <a:t>verarbeiten</a:t>
+            </a:r>
+            <a:r>
+              <a:rPr lang="en-US" dirty="0" smtClean="0"/>
+              <a:t> REST Requests </a:t>
+            </a:r>
+            <a:br>
+              <a:rPr lang="en-US" dirty="0" smtClean="0"/>
+            </a:br>
+            <a:r>
+              <a:rPr lang="en-US" sz="1600" dirty="0" smtClean="0"/>
+              <a:t>(</a:t>
+            </a:r>
+            <a:r>
+              <a:rPr lang="en-US" sz="1600" dirty="0" err="1" smtClean="0"/>
+              <a:t>ähnlich</a:t>
+            </a:r>
+            <a:r>
+              <a:rPr lang="en-US" sz="1600" dirty="0" smtClean="0"/>
+              <a:t> </a:t>
+            </a:r>
+            <a:r>
+              <a:rPr lang="en-US" sz="1600" dirty="0" err="1" smtClean="0"/>
+              <a:t>zu</a:t>
+            </a:r>
+            <a:r>
+              <a:rPr lang="en-US" sz="1600" dirty="0" smtClean="0"/>
+              <a:t> MVC </a:t>
+            </a:r>
+            <a:r>
+              <a:rPr lang="en-US" sz="1600" dirty="0" err="1" smtClean="0"/>
+              <a:t>Controllern</a:t>
+            </a:r>
+            <a:r>
+              <a:rPr lang="en-US" sz="1600" dirty="0" smtClean="0"/>
+              <a:t>)</a:t>
+            </a:r>
+            <a:endParaRPr lang="en-US" dirty="0" smtClean="0"/>
+          </a:p>
+          <a:p>
+            <a:r>
+              <a:rPr lang="en-US" dirty="0" err="1" smtClean="0"/>
+              <a:t>Für</a:t>
+            </a:r>
+            <a:r>
+              <a:rPr lang="en-US" dirty="0" smtClean="0"/>
+              <a:t> die </a:t>
+            </a:r>
+            <a:r>
+              <a:rPr lang="en-US" dirty="0" err="1" smtClean="0"/>
+              <a:t>Ansteuerung</a:t>
+            </a:r>
+            <a:r>
+              <a:rPr lang="en-US" dirty="0" smtClean="0"/>
+              <a:t> der </a:t>
+            </a:r>
+            <a:r>
+              <a:rPr lang="en-US" dirty="0" err="1" smtClean="0"/>
+              <a:t>Methoden</a:t>
+            </a:r>
+            <a:r>
+              <a:rPr lang="en-US" dirty="0" smtClean="0"/>
+              <a:t> </a:t>
+            </a:r>
+            <a:r>
+              <a:rPr lang="en-US" dirty="0" err="1" smtClean="0"/>
+              <a:t>werden</a:t>
+            </a:r>
+            <a:r>
+              <a:rPr lang="en-US" dirty="0" smtClean="0"/>
+              <a:t> </a:t>
+            </a:r>
+            <a:r>
+              <a:rPr lang="en-US" dirty="0" err="1" smtClean="0"/>
+              <a:t>Routen</a:t>
+            </a:r>
+            <a:r>
+              <a:rPr lang="en-US" dirty="0" smtClean="0"/>
+              <a:t> </a:t>
+            </a:r>
+            <a:r>
+              <a:rPr lang="en-US" dirty="0" err="1" smtClean="0"/>
+              <a:t>benötigt</a:t>
+            </a:r>
+            <a:endParaRPr lang="en-US" dirty="0" smtClean="0"/>
+          </a:p>
+          <a:p>
+            <a:pPr lvl="1"/>
+            <a:r>
+              <a:rPr lang="en-US" dirty="0" smtClean="0">
+                <a:solidFill>
+                  <a:schemeClr val="accent3"/>
+                </a:solidFill>
+              </a:rPr>
+              <a:t>Convention based Routing / </a:t>
+            </a:r>
+            <a:r>
+              <a:rPr lang="en-US" dirty="0" err="1" smtClean="0">
+                <a:solidFill>
+                  <a:schemeClr val="accent3"/>
+                </a:solidFill>
+              </a:rPr>
+              <a:t>WebApiConfig</a:t>
+            </a:r>
+            <a:endParaRPr lang="en-US" dirty="0" smtClean="0">
+              <a:solidFill>
+                <a:schemeClr val="accent3"/>
+              </a:solidFill>
+            </a:endParaRPr>
+          </a:p>
+          <a:p>
+            <a:pPr lvl="1"/>
+            <a:r>
+              <a:rPr lang="en-US" dirty="0" smtClean="0">
+                <a:solidFill>
+                  <a:schemeClr val="accent3"/>
+                </a:solidFill>
+              </a:rPr>
+              <a:t>Attribute based Routing</a:t>
+            </a:r>
+            <a:endParaRPr lang="en-US" dirty="0">
+              <a:solidFill>
+                <a:schemeClr val="accent3"/>
+              </a:solidFill>
+            </a:endParaRPr>
           </a:p>
         </p:txBody>
       </p:sp>
     </p:spTree>
     <p:extLst>
       <p:ext uri="{BB962C8B-B14F-4D97-AF65-F5344CB8AC3E}">
-        <p14:creationId xmlns:p14="http://schemas.microsoft.com/office/powerpoint/2010/main" val="1662466920"/>
+        <p14:creationId xmlns:p14="http://schemas.microsoft.com/office/powerpoint/2010/main" val="200086261"/>
       </p:ext>
     </p:extLst>
   </p:cSld>
   <p:clrMapOvr>
     <a:masterClrMapping/>
   </p:clrMapOvr>
+  <p:timing>
+    <p:tnLst>
+      <p:par>
+        <p:cTn id="1" dur="indefinite" restart="never" nodeType="tmRoot"/>
+      </p:par>
+    </p:tnLst>
+  </p:timing>
 </p:sld>
 </file>
 
@@ -5896,6 +6489,924 @@
       </p:grpSpPr>
       <p:sp>
         <p:nvSpPr>
+          <p:cNvPr id="2" name="Title 1"/>
+          <p:cNvSpPr>
+            <a:spLocks noGrp="1"/>
+          </p:cNvSpPr>
+          <p:nvPr>
+            <p:ph type="title"/>
+          </p:nvPr>
+        </p:nvSpPr>
+        <p:spPr/>
+        <p:txBody>
+          <a:bodyPr/>
+          <a:lstStyle/>
+          <a:p>
+            <a:r>
+              <a:rPr lang="en-US" dirty="0" smtClean="0"/>
+              <a:t>2.1 </a:t>
+            </a:r>
+            <a:r>
+              <a:rPr lang="en-US" dirty="0" err="1" smtClean="0"/>
+              <a:t>ASP.Net</a:t>
+            </a:r>
+            <a:r>
+              <a:rPr lang="en-US" dirty="0" smtClean="0"/>
+              <a:t> Web </a:t>
+            </a:r>
+            <a:r>
+              <a:rPr lang="en-US" dirty="0" err="1" smtClean="0"/>
+              <a:t>Api</a:t>
+            </a:r>
+            <a:r>
+              <a:rPr lang="en-US" dirty="0" smtClean="0"/>
+              <a:t> Code Snippet</a:t>
+            </a:r>
+            <a:endParaRPr lang="en-US" dirty="0"/>
+          </a:p>
+        </p:txBody>
+      </p:sp>
+      <p:sp>
+        <p:nvSpPr>
+          <p:cNvPr id="5" name="Rechteck 4"/>
+          <p:cNvSpPr/>
+          <p:nvPr/>
+        </p:nvSpPr>
+        <p:spPr>
+          <a:xfrm>
+            <a:off x="587298" y="1559042"/>
+            <a:ext cx="7479016" cy="3539430"/>
+          </a:xfrm>
+          <a:prstGeom prst="rect">
+            <a:avLst/>
+          </a:prstGeom>
+        </p:spPr>
+        <p:txBody>
+          <a:bodyPr wrap="square">
+            <a:spAutoFit/>
+          </a:bodyPr>
+          <a:lstStyle/>
+          <a:p>
+            <a:r>
+              <a:rPr lang="de-DE" sz="1400" dirty="0" err="1">
+                <a:solidFill>
+                  <a:srgbClr val="0000FF"/>
+                </a:solidFill>
+                <a:latin typeface="Consolas" panose="020B0609020204030204" pitchFamily="49" charset="0"/>
+              </a:rPr>
+              <a:t>public</a:t>
+            </a:r>
+            <a:r>
+              <a:rPr lang="de-DE" sz="1400" dirty="0">
+                <a:solidFill>
+                  <a:srgbClr val="000000"/>
+                </a:solidFill>
+                <a:latin typeface="Consolas" panose="020B0609020204030204" pitchFamily="49" charset="0"/>
+              </a:rPr>
+              <a:t> </a:t>
+            </a:r>
+            <a:r>
+              <a:rPr lang="de-DE" sz="1400" dirty="0" err="1">
+                <a:solidFill>
+                  <a:srgbClr val="0000FF"/>
+                </a:solidFill>
+                <a:latin typeface="Consolas" panose="020B0609020204030204" pitchFamily="49" charset="0"/>
+              </a:rPr>
+              <a:t>class</a:t>
+            </a:r>
+            <a:r>
+              <a:rPr lang="de-DE" sz="1400" dirty="0">
+                <a:solidFill>
+                  <a:srgbClr val="000000"/>
+                </a:solidFill>
+                <a:latin typeface="Consolas" panose="020B0609020204030204" pitchFamily="49" charset="0"/>
+              </a:rPr>
+              <a:t> </a:t>
+            </a:r>
+            <a:r>
+              <a:rPr lang="de-DE" sz="1400" dirty="0" err="1">
+                <a:solidFill>
+                  <a:srgbClr val="2B91AF"/>
+                </a:solidFill>
+                <a:latin typeface="Consolas" panose="020B0609020204030204" pitchFamily="49" charset="0"/>
+              </a:rPr>
+              <a:t>PostsController</a:t>
+            </a:r>
+            <a:r>
+              <a:rPr lang="de-DE" sz="1400" dirty="0">
+                <a:solidFill>
+                  <a:srgbClr val="000000"/>
+                </a:solidFill>
+                <a:latin typeface="Consolas" panose="020B0609020204030204" pitchFamily="49" charset="0"/>
+              </a:rPr>
+              <a:t> : </a:t>
+            </a:r>
+            <a:r>
+              <a:rPr lang="de-DE" sz="1400" dirty="0" err="1" smtClean="0">
+                <a:solidFill>
+                  <a:srgbClr val="000000"/>
+                </a:solidFill>
+                <a:latin typeface="Consolas" panose="020B0609020204030204" pitchFamily="49" charset="0"/>
+              </a:rPr>
+              <a:t>ApiController</a:t>
+            </a:r>
+            <a:endParaRPr lang="de-DE" sz="1400" dirty="0">
+              <a:solidFill>
+                <a:srgbClr val="000000"/>
+              </a:solidFill>
+              <a:latin typeface="Consolas" panose="020B0609020204030204" pitchFamily="49" charset="0"/>
+            </a:endParaRPr>
+          </a:p>
+          <a:p>
+            <a:r>
+              <a:rPr lang="de-DE" sz="1400" dirty="0" smtClean="0">
+                <a:solidFill>
+                  <a:srgbClr val="000000"/>
+                </a:solidFill>
+                <a:latin typeface="Consolas" panose="020B0609020204030204" pitchFamily="49" charset="0"/>
+              </a:rPr>
+              <a:t>{</a:t>
+            </a:r>
+            <a:endParaRPr lang="de-DE" sz="1400" dirty="0" smtClean="0">
+              <a:solidFill>
+                <a:srgbClr val="0000FF"/>
+              </a:solidFill>
+              <a:latin typeface="Consolas" panose="020B0609020204030204" pitchFamily="49" charset="0"/>
+            </a:endParaRPr>
+          </a:p>
+          <a:p>
+            <a:pPr lvl="1"/>
+            <a:r>
+              <a:rPr lang="de-DE" sz="1400" dirty="0" err="1" smtClean="0">
+                <a:solidFill>
+                  <a:srgbClr val="0000FF"/>
+                </a:solidFill>
+                <a:latin typeface="Consolas" panose="020B0609020204030204" pitchFamily="49" charset="0"/>
+              </a:rPr>
+              <a:t>public</a:t>
+            </a:r>
+            <a:r>
+              <a:rPr lang="de-DE" sz="1400" dirty="0" smtClean="0">
+                <a:solidFill>
+                  <a:srgbClr val="000000"/>
+                </a:solidFill>
+                <a:latin typeface="Consolas" panose="020B0609020204030204" pitchFamily="49" charset="0"/>
+              </a:rPr>
+              <a:t> </a:t>
+            </a:r>
+            <a:r>
+              <a:rPr lang="de-DE" sz="1400" dirty="0" err="1">
+                <a:solidFill>
+                  <a:srgbClr val="2B91AF"/>
+                </a:solidFill>
+                <a:latin typeface="Consolas" panose="020B0609020204030204" pitchFamily="49" charset="0"/>
+              </a:rPr>
+              <a:t>IEnumerable</a:t>
+            </a:r>
+            <a:r>
+              <a:rPr lang="de-DE" sz="1400" dirty="0">
+                <a:solidFill>
+                  <a:srgbClr val="000000"/>
+                </a:solidFill>
+                <a:latin typeface="Consolas" panose="020B0609020204030204" pitchFamily="49" charset="0"/>
+              </a:rPr>
+              <a:t>&lt;</a:t>
+            </a:r>
+            <a:r>
+              <a:rPr lang="de-DE" sz="1400" dirty="0" err="1">
+                <a:solidFill>
+                  <a:srgbClr val="2B91AF"/>
+                </a:solidFill>
+                <a:latin typeface="Consolas" panose="020B0609020204030204" pitchFamily="49" charset="0"/>
+              </a:rPr>
+              <a:t>PostDto</a:t>
+            </a:r>
+            <a:r>
+              <a:rPr lang="de-DE" sz="1400" dirty="0">
+                <a:solidFill>
+                  <a:srgbClr val="000000"/>
+                </a:solidFill>
+                <a:latin typeface="Consolas" panose="020B0609020204030204" pitchFamily="49" charset="0"/>
+              </a:rPr>
+              <a:t>&gt; </a:t>
+            </a:r>
+            <a:r>
+              <a:rPr lang="de-DE" sz="1400" dirty="0" err="1">
+                <a:solidFill>
+                  <a:srgbClr val="000000"/>
+                </a:solidFill>
+                <a:latin typeface="Consolas" panose="020B0609020204030204" pitchFamily="49" charset="0"/>
+              </a:rPr>
+              <a:t>Get</a:t>
+            </a:r>
+            <a:r>
+              <a:rPr lang="de-DE" sz="1400" dirty="0" smtClean="0">
+                <a:solidFill>
+                  <a:srgbClr val="000000"/>
+                </a:solidFill>
+                <a:latin typeface="Consolas" panose="020B0609020204030204" pitchFamily="49" charset="0"/>
+              </a:rPr>
+              <a:t>(){</a:t>
+            </a:r>
+            <a:endParaRPr lang="de-DE" sz="1400" dirty="0">
+              <a:solidFill>
+                <a:srgbClr val="000000"/>
+              </a:solidFill>
+              <a:latin typeface="Consolas" panose="020B0609020204030204" pitchFamily="49" charset="0"/>
+            </a:endParaRPr>
+          </a:p>
+          <a:p>
+            <a:pPr lvl="1"/>
+            <a:r>
+              <a:rPr lang="de-DE" sz="1400" dirty="0">
+                <a:solidFill>
+                  <a:srgbClr val="000000"/>
+                </a:solidFill>
+                <a:latin typeface="Consolas" panose="020B0609020204030204" pitchFamily="49" charset="0"/>
+              </a:rPr>
+              <a:t>    </a:t>
+            </a:r>
+            <a:r>
+              <a:rPr lang="de-DE" sz="1400" dirty="0" err="1">
+                <a:solidFill>
+                  <a:srgbClr val="0000FF"/>
+                </a:solidFill>
+                <a:latin typeface="Consolas" panose="020B0609020204030204" pitchFamily="49" charset="0"/>
+              </a:rPr>
+              <a:t>return</a:t>
+            </a:r>
+            <a:r>
+              <a:rPr lang="de-DE" sz="1400" dirty="0">
+                <a:solidFill>
+                  <a:srgbClr val="000000"/>
+                </a:solidFill>
+                <a:latin typeface="Consolas" panose="020B0609020204030204" pitchFamily="49" charset="0"/>
+              </a:rPr>
+              <a:t> </a:t>
+            </a:r>
+            <a:r>
+              <a:rPr lang="de-DE" sz="1400" dirty="0" err="1" smtClean="0">
+                <a:solidFill>
+                  <a:srgbClr val="0000FF"/>
+                </a:solidFill>
+                <a:latin typeface="Consolas" panose="020B0609020204030204" pitchFamily="49" charset="0"/>
+              </a:rPr>
+              <a:t>this</a:t>
+            </a:r>
+            <a:r>
+              <a:rPr lang="de-DE" sz="1400" dirty="0" err="1" smtClean="0">
+                <a:solidFill>
+                  <a:srgbClr val="000000"/>
+                </a:solidFill>
+                <a:latin typeface="Consolas" panose="020B0609020204030204" pitchFamily="49" charset="0"/>
+              </a:rPr>
+              <a:t>.db.Posts</a:t>
+            </a:r>
+            <a:endParaRPr lang="de-DE" sz="1400" dirty="0" smtClean="0">
+              <a:solidFill>
+                <a:srgbClr val="000000"/>
+              </a:solidFill>
+              <a:latin typeface="Consolas" panose="020B0609020204030204" pitchFamily="49" charset="0"/>
+            </a:endParaRPr>
+          </a:p>
+          <a:p>
+            <a:pPr lvl="1"/>
+            <a:r>
+              <a:rPr lang="de-DE" sz="1400" dirty="0">
+                <a:solidFill>
+                  <a:srgbClr val="000000"/>
+                </a:solidFill>
+                <a:latin typeface="Consolas" panose="020B0609020204030204" pitchFamily="49" charset="0"/>
+              </a:rPr>
+              <a:t> </a:t>
+            </a:r>
+            <a:r>
+              <a:rPr lang="de-DE" sz="1400" dirty="0" smtClean="0">
+                <a:solidFill>
+                  <a:srgbClr val="000000"/>
+                </a:solidFill>
+                <a:latin typeface="Consolas" panose="020B0609020204030204" pitchFamily="49" charset="0"/>
+              </a:rPr>
+              <a:t>                 .</a:t>
+            </a:r>
+            <a:r>
+              <a:rPr lang="de-DE" sz="1400" dirty="0" err="1">
+                <a:solidFill>
+                  <a:srgbClr val="000000"/>
+                </a:solidFill>
+                <a:latin typeface="Consolas" panose="020B0609020204030204" pitchFamily="49" charset="0"/>
+              </a:rPr>
+              <a:t>ToList</a:t>
+            </a:r>
+            <a:r>
+              <a:rPr lang="de-DE" sz="1400" dirty="0" smtClean="0">
+                <a:solidFill>
+                  <a:srgbClr val="000000"/>
+                </a:solidFill>
+                <a:latin typeface="Consolas" panose="020B0609020204030204" pitchFamily="49" charset="0"/>
+              </a:rPr>
+              <a:t>()</a:t>
+            </a:r>
+          </a:p>
+          <a:p>
+            <a:pPr lvl="1"/>
+            <a:r>
+              <a:rPr lang="de-DE" sz="1400" dirty="0">
+                <a:solidFill>
+                  <a:srgbClr val="000000"/>
+                </a:solidFill>
+                <a:latin typeface="Consolas" panose="020B0609020204030204" pitchFamily="49" charset="0"/>
+              </a:rPr>
+              <a:t> </a:t>
+            </a:r>
+            <a:r>
+              <a:rPr lang="de-DE" sz="1400" dirty="0" smtClean="0">
+                <a:solidFill>
+                  <a:srgbClr val="000000"/>
+                </a:solidFill>
+                <a:latin typeface="Consolas" panose="020B0609020204030204" pitchFamily="49" charset="0"/>
+              </a:rPr>
+              <a:t>                 .</a:t>
+            </a:r>
+            <a:r>
+              <a:rPr lang="de-DE" sz="1400" dirty="0">
+                <a:solidFill>
+                  <a:srgbClr val="000000"/>
+                </a:solidFill>
+                <a:latin typeface="Consolas" panose="020B0609020204030204" pitchFamily="49" charset="0"/>
+              </a:rPr>
+              <a:t>Select(p =&gt; </a:t>
+            </a:r>
+            <a:r>
+              <a:rPr lang="de-DE" sz="1400" dirty="0" err="1">
+                <a:solidFill>
+                  <a:srgbClr val="2B91AF"/>
+                </a:solidFill>
+                <a:latin typeface="Consolas" panose="020B0609020204030204" pitchFamily="49" charset="0"/>
+              </a:rPr>
+              <a:t>PostDto</a:t>
+            </a:r>
+            <a:r>
+              <a:rPr lang="de-DE" sz="1400" dirty="0" err="1">
+                <a:solidFill>
+                  <a:srgbClr val="000000"/>
+                </a:solidFill>
+                <a:latin typeface="Consolas" panose="020B0609020204030204" pitchFamily="49" charset="0"/>
+              </a:rPr>
+              <a:t>.Map</a:t>
+            </a:r>
+            <a:r>
+              <a:rPr lang="de-DE" sz="1400" dirty="0">
+                <a:solidFill>
+                  <a:srgbClr val="000000"/>
+                </a:solidFill>
+                <a:latin typeface="Consolas" panose="020B0609020204030204" pitchFamily="49" charset="0"/>
+              </a:rPr>
+              <a:t>(p));</a:t>
+            </a:r>
+          </a:p>
+          <a:p>
+            <a:pPr lvl="1"/>
+            <a:r>
+              <a:rPr lang="de-DE" sz="1400" dirty="0" smtClean="0">
+                <a:solidFill>
+                  <a:srgbClr val="000000"/>
+                </a:solidFill>
+                <a:latin typeface="Consolas" panose="020B0609020204030204" pitchFamily="49" charset="0"/>
+              </a:rPr>
+              <a:t>}</a:t>
+            </a:r>
+          </a:p>
+          <a:p>
+            <a:pPr lvl="1"/>
+            <a:endParaRPr lang="de-DE" sz="1400" dirty="0">
+              <a:solidFill>
+                <a:srgbClr val="000000"/>
+              </a:solidFill>
+              <a:latin typeface="Consolas" panose="020B0609020204030204" pitchFamily="49" charset="0"/>
+            </a:endParaRPr>
+          </a:p>
+          <a:p>
+            <a:pPr lvl="1"/>
+            <a:r>
+              <a:rPr lang="de-DE" sz="1400" dirty="0">
+                <a:solidFill>
+                  <a:srgbClr val="000000"/>
+                </a:solidFill>
+                <a:latin typeface="Consolas" panose="020B0609020204030204" pitchFamily="49" charset="0"/>
+              </a:rPr>
+              <a:t>[</a:t>
+            </a:r>
+            <a:r>
+              <a:rPr lang="de-DE" sz="1400" dirty="0">
+                <a:solidFill>
+                  <a:srgbClr val="2B91AF"/>
+                </a:solidFill>
+                <a:latin typeface="Consolas" panose="020B0609020204030204" pitchFamily="49" charset="0"/>
+              </a:rPr>
+              <a:t>Route</a:t>
+            </a:r>
+            <a:r>
+              <a:rPr lang="de-DE" sz="1400" dirty="0">
+                <a:solidFill>
+                  <a:srgbClr val="000000"/>
+                </a:solidFill>
+                <a:latin typeface="Consolas" panose="020B0609020204030204" pitchFamily="49" charset="0"/>
+              </a:rPr>
+              <a:t>(</a:t>
+            </a:r>
+            <a:r>
+              <a:rPr lang="de-DE" sz="1400" dirty="0">
+                <a:solidFill>
+                  <a:srgbClr val="A31515"/>
+                </a:solidFill>
+                <a:latin typeface="Consolas" panose="020B0609020204030204" pitchFamily="49" charset="0"/>
+              </a:rPr>
+              <a:t>"</a:t>
+            </a:r>
+            <a:r>
+              <a:rPr lang="de-DE" sz="1400" dirty="0" err="1">
+                <a:solidFill>
+                  <a:srgbClr val="A31515"/>
+                </a:solidFill>
+                <a:latin typeface="Consolas" panose="020B0609020204030204" pitchFamily="49" charset="0"/>
+              </a:rPr>
+              <a:t>api</a:t>
+            </a:r>
+            <a:r>
+              <a:rPr lang="de-DE" sz="1400" dirty="0">
+                <a:solidFill>
+                  <a:srgbClr val="A31515"/>
+                </a:solidFill>
+                <a:latin typeface="Consolas" panose="020B0609020204030204" pitchFamily="49" charset="0"/>
+              </a:rPr>
+              <a:t>/</a:t>
+            </a:r>
+            <a:r>
+              <a:rPr lang="de-DE" sz="1400" dirty="0" err="1">
+                <a:solidFill>
+                  <a:srgbClr val="A31515"/>
+                </a:solidFill>
+                <a:latin typeface="Consolas" panose="020B0609020204030204" pitchFamily="49" charset="0"/>
+              </a:rPr>
+              <a:t>posts</a:t>
+            </a:r>
+            <a:r>
+              <a:rPr lang="de-DE" sz="1400" dirty="0">
+                <a:solidFill>
+                  <a:srgbClr val="A31515"/>
+                </a:solidFill>
+                <a:latin typeface="Consolas" panose="020B0609020204030204" pitchFamily="49" charset="0"/>
+              </a:rPr>
+              <a:t>/</a:t>
+            </a:r>
+            <a:r>
+              <a:rPr lang="de-DE" sz="1400" dirty="0" err="1">
+                <a:solidFill>
+                  <a:srgbClr val="A31515"/>
+                </a:solidFill>
+                <a:latin typeface="Consolas" panose="020B0609020204030204" pitchFamily="49" charset="0"/>
+              </a:rPr>
+              <a:t>latest</a:t>
+            </a:r>
+            <a:r>
+              <a:rPr lang="de-DE" sz="1400" dirty="0">
+                <a:solidFill>
+                  <a:srgbClr val="A31515"/>
+                </a:solidFill>
+                <a:latin typeface="Consolas" panose="020B0609020204030204" pitchFamily="49" charset="0"/>
+              </a:rPr>
+              <a:t>"</a:t>
+            </a:r>
+            <a:r>
+              <a:rPr lang="de-DE" sz="1400" dirty="0">
+                <a:solidFill>
+                  <a:srgbClr val="000000"/>
+                </a:solidFill>
+                <a:latin typeface="Consolas" panose="020B0609020204030204" pitchFamily="49" charset="0"/>
+              </a:rPr>
+              <a:t>)]</a:t>
+            </a:r>
+          </a:p>
+          <a:p>
+            <a:pPr lvl="1"/>
+            <a:r>
+              <a:rPr lang="de-DE" sz="1400" dirty="0" err="1">
+                <a:solidFill>
+                  <a:srgbClr val="0000FF"/>
+                </a:solidFill>
+                <a:latin typeface="Consolas" panose="020B0609020204030204" pitchFamily="49" charset="0"/>
+              </a:rPr>
+              <a:t>public</a:t>
+            </a:r>
+            <a:r>
+              <a:rPr lang="de-DE" sz="1400" dirty="0">
+                <a:solidFill>
+                  <a:srgbClr val="000000"/>
+                </a:solidFill>
+                <a:latin typeface="Consolas" panose="020B0609020204030204" pitchFamily="49" charset="0"/>
+              </a:rPr>
+              <a:t> </a:t>
+            </a:r>
+            <a:r>
+              <a:rPr lang="de-DE" sz="1400" dirty="0" err="1">
+                <a:solidFill>
+                  <a:srgbClr val="2B91AF"/>
+                </a:solidFill>
+                <a:latin typeface="Consolas" panose="020B0609020204030204" pitchFamily="49" charset="0"/>
+              </a:rPr>
+              <a:t>IEnumerable</a:t>
+            </a:r>
+            <a:r>
+              <a:rPr lang="de-DE" sz="1400" dirty="0">
+                <a:solidFill>
+                  <a:srgbClr val="000000"/>
+                </a:solidFill>
+                <a:latin typeface="Consolas" panose="020B0609020204030204" pitchFamily="49" charset="0"/>
+              </a:rPr>
+              <a:t>&lt;</a:t>
+            </a:r>
+            <a:r>
+              <a:rPr lang="de-DE" sz="1400" dirty="0" err="1">
+                <a:solidFill>
+                  <a:srgbClr val="2B91AF"/>
+                </a:solidFill>
+                <a:latin typeface="Consolas" panose="020B0609020204030204" pitchFamily="49" charset="0"/>
+              </a:rPr>
+              <a:t>PostDto</a:t>
+            </a:r>
+            <a:r>
+              <a:rPr lang="de-DE" sz="1400" dirty="0">
+                <a:solidFill>
+                  <a:srgbClr val="000000"/>
+                </a:solidFill>
+                <a:latin typeface="Consolas" panose="020B0609020204030204" pitchFamily="49" charset="0"/>
+              </a:rPr>
+              <a:t>&gt; </a:t>
+            </a:r>
+            <a:r>
+              <a:rPr lang="de-DE" sz="1400" dirty="0" err="1">
+                <a:solidFill>
+                  <a:srgbClr val="000000"/>
+                </a:solidFill>
+                <a:latin typeface="Consolas" panose="020B0609020204030204" pitchFamily="49" charset="0"/>
+              </a:rPr>
+              <a:t>GetLatest</a:t>
+            </a:r>
+            <a:r>
+              <a:rPr lang="de-DE" sz="1400" dirty="0" smtClean="0">
+                <a:solidFill>
+                  <a:srgbClr val="000000"/>
+                </a:solidFill>
+                <a:latin typeface="Consolas" panose="020B0609020204030204" pitchFamily="49" charset="0"/>
+              </a:rPr>
+              <a:t>(){</a:t>
+            </a:r>
+            <a:endParaRPr lang="de-DE" sz="1400" dirty="0">
+              <a:solidFill>
+                <a:srgbClr val="000000"/>
+              </a:solidFill>
+              <a:latin typeface="Consolas" panose="020B0609020204030204" pitchFamily="49" charset="0"/>
+            </a:endParaRPr>
+          </a:p>
+          <a:p>
+            <a:pPr lvl="1"/>
+            <a:r>
+              <a:rPr lang="de-DE" sz="1400" dirty="0">
+                <a:solidFill>
+                  <a:srgbClr val="000000"/>
+                </a:solidFill>
+                <a:latin typeface="Consolas" panose="020B0609020204030204" pitchFamily="49" charset="0"/>
+              </a:rPr>
+              <a:t>    </a:t>
+            </a:r>
+            <a:r>
+              <a:rPr lang="de-DE" sz="1400" dirty="0" err="1">
+                <a:solidFill>
+                  <a:srgbClr val="0000FF"/>
+                </a:solidFill>
+                <a:latin typeface="Consolas" panose="020B0609020204030204" pitchFamily="49" charset="0"/>
+              </a:rPr>
+              <a:t>return</a:t>
+            </a:r>
+            <a:r>
+              <a:rPr lang="de-DE" sz="1400" dirty="0">
+                <a:solidFill>
+                  <a:srgbClr val="000000"/>
+                </a:solidFill>
+                <a:latin typeface="Consolas" panose="020B0609020204030204" pitchFamily="49" charset="0"/>
+              </a:rPr>
+              <a:t> </a:t>
+            </a:r>
+            <a:r>
+              <a:rPr lang="de-DE" sz="1400" dirty="0" err="1">
+                <a:solidFill>
+                  <a:srgbClr val="0000FF"/>
+                </a:solidFill>
+                <a:latin typeface="Consolas" panose="020B0609020204030204" pitchFamily="49" charset="0"/>
+              </a:rPr>
+              <a:t>this</a:t>
+            </a:r>
+            <a:r>
+              <a:rPr lang="de-DE" sz="1400" dirty="0" err="1">
+                <a:solidFill>
+                  <a:srgbClr val="000000"/>
+                </a:solidFill>
+                <a:latin typeface="Consolas" panose="020B0609020204030204" pitchFamily="49" charset="0"/>
+              </a:rPr>
+              <a:t>.db.Posts</a:t>
+            </a:r>
+            <a:endParaRPr lang="de-DE" sz="1400" dirty="0">
+              <a:solidFill>
+                <a:srgbClr val="000000"/>
+              </a:solidFill>
+              <a:latin typeface="Consolas" panose="020B0609020204030204" pitchFamily="49" charset="0"/>
+            </a:endParaRPr>
+          </a:p>
+          <a:p>
+            <a:pPr lvl="1"/>
+            <a:r>
+              <a:rPr lang="de-DE" sz="1400" dirty="0">
+                <a:solidFill>
+                  <a:srgbClr val="000000"/>
+                </a:solidFill>
+                <a:latin typeface="Consolas" panose="020B0609020204030204" pitchFamily="49" charset="0"/>
+              </a:rPr>
+              <a:t>                  .</a:t>
+            </a:r>
+            <a:r>
+              <a:rPr lang="de-DE" sz="1400" dirty="0" err="1">
+                <a:solidFill>
+                  <a:srgbClr val="000000"/>
+                </a:solidFill>
+                <a:latin typeface="Consolas" panose="020B0609020204030204" pitchFamily="49" charset="0"/>
+              </a:rPr>
+              <a:t>OrderByDescending</a:t>
+            </a:r>
+            <a:r>
+              <a:rPr lang="de-DE" sz="1400" dirty="0">
+                <a:solidFill>
+                  <a:srgbClr val="000000"/>
+                </a:solidFill>
+                <a:latin typeface="Consolas" panose="020B0609020204030204" pitchFamily="49" charset="0"/>
+              </a:rPr>
+              <a:t>(o =&gt; </a:t>
+            </a:r>
+            <a:r>
+              <a:rPr lang="de-DE" sz="1400" dirty="0" err="1">
+                <a:solidFill>
+                  <a:srgbClr val="000000"/>
+                </a:solidFill>
+                <a:latin typeface="Consolas" panose="020B0609020204030204" pitchFamily="49" charset="0"/>
+              </a:rPr>
+              <a:t>o.Created</a:t>
+            </a:r>
+            <a:r>
+              <a:rPr lang="de-DE" sz="1400" dirty="0">
+                <a:solidFill>
+                  <a:srgbClr val="000000"/>
+                </a:solidFill>
+                <a:latin typeface="Consolas" panose="020B0609020204030204" pitchFamily="49" charset="0"/>
+              </a:rPr>
+              <a:t>)</a:t>
+            </a:r>
+          </a:p>
+          <a:p>
+            <a:pPr lvl="1"/>
+            <a:r>
+              <a:rPr lang="de-DE" sz="1400" dirty="0">
+                <a:solidFill>
+                  <a:srgbClr val="000000"/>
+                </a:solidFill>
+                <a:latin typeface="Consolas" panose="020B0609020204030204" pitchFamily="49" charset="0"/>
+              </a:rPr>
+              <a:t>                  .</a:t>
+            </a:r>
+            <a:r>
+              <a:rPr lang="de-DE" sz="1400" dirty="0" err="1">
+                <a:solidFill>
+                  <a:srgbClr val="000000"/>
+                </a:solidFill>
+                <a:latin typeface="Consolas" panose="020B0609020204030204" pitchFamily="49" charset="0"/>
+              </a:rPr>
+              <a:t>ToList</a:t>
+            </a:r>
+            <a:r>
+              <a:rPr lang="de-DE" sz="1400" dirty="0">
+                <a:solidFill>
+                  <a:srgbClr val="000000"/>
+                </a:solidFill>
+                <a:latin typeface="Consolas" panose="020B0609020204030204" pitchFamily="49" charset="0"/>
+              </a:rPr>
+              <a:t>()</a:t>
+            </a:r>
+          </a:p>
+          <a:p>
+            <a:pPr lvl="1"/>
+            <a:r>
+              <a:rPr lang="de-DE" sz="1400" dirty="0">
+                <a:solidFill>
+                  <a:srgbClr val="000000"/>
+                </a:solidFill>
+                <a:latin typeface="Consolas" panose="020B0609020204030204" pitchFamily="49" charset="0"/>
+              </a:rPr>
+              <a:t>                  .Select(p =&gt; </a:t>
+            </a:r>
+            <a:r>
+              <a:rPr lang="de-DE" sz="1400" dirty="0" err="1">
+                <a:solidFill>
+                  <a:srgbClr val="2B91AF"/>
+                </a:solidFill>
+                <a:latin typeface="Consolas" panose="020B0609020204030204" pitchFamily="49" charset="0"/>
+              </a:rPr>
+              <a:t>PostDto</a:t>
+            </a:r>
+            <a:r>
+              <a:rPr lang="de-DE" sz="1400" dirty="0" err="1">
+                <a:solidFill>
+                  <a:srgbClr val="000000"/>
+                </a:solidFill>
+                <a:latin typeface="Consolas" panose="020B0609020204030204" pitchFamily="49" charset="0"/>
+              </a:rPr>
+              <a:t>.Map</a:t>
+            </a:r>
+            <a:r>
+              <a:rPr lang="de-DE" sz="1400" dirty="0">
+                <a:solidFill>
+                  <a:srgbClr val="000000"/>
+                </a:solidFill>
+                <a:latin typeface="Consolas" panose="020B0609020204030204" pitchFamily="49" charset="0"/>
+              </a:rPr>
+              <a:t>(p));</a:t>
+            </a:r>
+          </a:p>
+          <a:p>
+            <a:pPr lvl="1"/>
+            <a:r>
+              <a:rPr lang="de-DE" sz="1400" dirty="0">
+                <a:solidFill>
+                  <a:srgbClr val="000000"/>
+                </a:solidFill>
+                <a:latin typeface="Consolas" panose="020B0609020204030204" pitchFamily="49" charset="0"/>
+              </a:rPr>
+              <a:t>}</a:t>
+            </a:r>
+          </a:p>
+          <a:p>
+            <a:r>
+              <a:rPr lang="de-DE" sz="1400" dirty="0">
+                <a:solidFill>
+                  <a:srgbClr val="000000"/>
+                </a:solidFill>
+                <a:latin typeface="Consolas" panose="020B0609020204030204" pitchFamily="49" charset="0"/>
+              </a:rPr>
+              <a:t>}	</a:t>
+            </a:r>
+          </a:p>
+        </p:txBody>
+      </p:sp>
+    </p:spTree>
+    <p:extLst>
+      <p:ext uri="{BB962C8B-B14F-4D97-AF65-F5344CB8AC3E}">
+        <p14:creationId xmlns:p14="http://schemas.microsoft.com/office/powerpoint/2010/main" val="310283100"/>
+      </p:ext>
+    </p:extLst>
+  </p:cSld>
+  <p:clrMapOvr>
+    <a:masterClrMapping/>
+  </p:clrMapOvr>
+  <p:timing>
+    <p:tnLst>
+      <p:par>
+        <p:cTn id="1" dur="indefinite" restart="never" nodeType="tmRoot"/>
+      </p:par>
+    </p:tnLst>
+  </p:timing>
+</p:sld>
+</file>
+
+<file path=ppt/slides/slide12.xml><?xml version="1.0" encoding="utf-8"?>
+<p:sld xmlns:a="http://schemas.openxmlformats.org/drawingml/2006/main" xmlns:r="http://schemas.openxmlformats.org/officeDocument/2006/relationships" xmlns:p="http://schemas.openxmlformats.org/presentationml/2006/main">
+  <p:cSld>
+    <p:spTree>
+      <p:nvGrpSpPr>
+        <p:cNvPr id="1" name=""/>
+        <p:cNvGrpSpPr/>
+        <p:nvPr/>
+      </p:nvGrpSpPr>
+      <p:grpSpPr>
+        <a:xfrm>
+          <a:off x="0" y="0"/>
+          <a:ext cx="0" cy="0"/>
+          <a:chOff x="0" y="0"/>
+          <a:chExt cx="0" cy="0"/>
+        </a:xfrm>
+      </p:grpSpPr>
+      <p:sp>
+        <p:nvSpPr>
+          <p:cNvPr id="6" name="Titel 5"/>
+          <p:cNvSpPr>
+            <a:spLocks noGrp="1"/>
+          </p:cNvSpPr>
+          <p:nvPr>
+            <p:ph type="title"/>
+          </p:nvPr>
+        </p:nvSpPr>
+        <p:spPr/>
+        <p:txBody>
+          <a:bodyPr/>
+          <a:lstStyle/>
+          <a:p>
+            <a:r>
+              <a:rPr lang="de-DE" dirty="0" smtClean="0"/>
+              <a:t>HANDS-ON</a:t>
+            </a:r>
+            <a:endParaRPr lang="de-DE" dirty="0"/>
+          </a:p>
+        </p:txBody>
+      </p:sp>
+      <p:sp>
+        <p:nvSpPr>
+          <p:cNvPr id="7" name="Untertitel 6"/>
+          <p:cNvSpPr>
+            <a:spLocks noGrp="1"/>
+          </p:cNvSpPr>
+          <p:nvPr>
+            <p:ph type="subTitle" idx="1"/>
+          </p:nvPr>
+        </p:nvSpPr>
+        <p:spPr/>
+        <p:txBody>
+          <a:bodyPr/>
+          <a:lstStyle/>
+          <a:p>
+            <a:r>
+              <a:rPr lang="de-DE" sz="4800" dirty="0" smtClean="0"/>
+              <a:t>05</a:t>
+            </a:r>
+            <a:r>
+              <a:rPr lang="de-DE" sz="4800" dirty="0"/>
+              <a:t>. Entwicklung einer Schnittstelle mit ASP.NET Web API</a:t>
+            </a:r>
+          </a:p>
+        </p:txBody>
+      </p:sp>
+      <p:sp>
+        <p:nvSpPr>
+          <p:cNvPr id="4" name="Foliennummernplatzhalter 3"/>
+          <p:cNvSpPr>
+            <a:spLocks noGrp="1"/>
+          </p:cNvSpPr>
+          <p:nvPr>
+            <p:ph type="sldNum" sz="quarter" idx="10"/>
+          </p:nvPr>
+        </p:nvSpPr>
+        <p:spPr/>
+        <p:txBody>
+          <a:bodyPr/>
+          <a:lstStyle/>
+          <a:p>
+            <a:fld id="{8F35CB8A-22DD-4279-9E9E-A49CDB5FBE56}" type="slidenum">
+              <a:rPr lang="en-US" smtClean="0"/>
+              <a:pPr/>
+              <a:t>12</a:t>
+            </a:fld>
+            <a:endParaRPr lang="en-US" dirty="0"/>
+          </a:p>
+        </p:txBody>
+      </p:sp>
+    </p:spTree>
+    <p:extLst>
+      <p:ext uri="{BB962C8B-B14F-4D97-AF65-F5344CB8AC3E}">
+        <p14:creationId xmlns:p14="http://schemas.microsoft.com/office/powerpoint/2010/main" val="1662466920"/>
+      </p:ext>
+    </p:extLst>
+  </p:cSld>
+  <p:clrMapOvr>
+    <a:masterClrMapping/>
+  </p:clrMapOvr>
+</p:sld>
+</file>
+
+<file path=ppt/slides/slide13.xml><?xml version="1.0" encoding="utf-8"?>
+<p:sld xmlns:a="http://schemas.openxmlformats.org/drawingml/2006/main" xmlns:r="http://schemas.openxmlformats.org/officeDocument/2006/relationships" xmlns:p="http://schemas.openxmlformats.org/presentationml/2006/main">
+  <p:cSld>
+    <p:spTree>
+      <p:nvGrpSpPr>
+        <p:cNvPr id="1" name=""/>
+        <p:cNvGrpSpPr/>
+        <p:nvPr/>
+      </p:nvGrpSpPr>
+      <p:grpSpPr>
+        <a:xfrm>
+          <a:off x="0" y="0"/>
+          <a:ext cx="0" cy="0"/>
+          <a:chOff x="0" y="0"/>
+          <a:chExt cx="0" cy="0"/>
+        </a:xfrm>
+      </p:grpSpPr>
+      <p:sp>
+        <p:nvSpPr>
           <p:cNvPr id="2" name="Titel 1"/>
           <p:cNvSpPr>
             <a:spLocks noGrp="1"/>
@@ -6034,7 +7545,7 @@
             <a:fld id="{8F35CB8A-22DD-4279-9E9E-A49CDB5FBE56}" type="slidenum">
               <a:rPr lang="en-US" smtClean="0"/>
               <a:pPr/>
-              <a:t>11</a:t>
+              <a:t>13</a:t>
             </a:fld>
             <a:endParaRPr lang="en-US"/>
           </a:p>
@@ -6090,7 +7601,7 @@
 </p:sld>
 </file>
 
-<file path=ppt/slides/slide12.xml><?xml version="1.0" encoding="utf-8"?>
+<file path=ppt/slides/slide14.xml><?xml version="1.0" encoding="utf-8"?>
 <p:sld xmlns:a="http://schemas.openxmlformats.org/drawingml/2006/main" xmlns:r="http://schemas.openxmlformats.org/officeDocument/2006/relationships" xmlns:p="http://schemas.openxmlformats.org/presentationml/2006/main">
   <p:cSld>
     <p:spTree>
@@ -6130,7 +7641,7 @@
               <a:pPr>
                 <a:defRPr/>
               </a:pPr>
-              <a:t>12</a:t>
+              <a:t>14</a:t>
             </a:fld>
             <a:endParaRPr lang="sv-SE" dirty="0"/>
           </a:p>
@@ -7666,6 +9177,13 @@
   <p:clrMapOvr>
     <a:masterClrMapping/>
   </p:clrMapOvr>
+  <p:timing>
+    <p:tnLst>
+      <p:par>
+        <p:cTn id="1" dur="indefinite" restart="never" nodeType="tmRoot"/>
+      </p:par>
+    </p:tnLst>
+  </p:timing>
 </p:sld>
 </file>
 
@@ -7743,15 +9261,7 @@
             </a:r>
             <a:r>
               <a:rPr lang="en-US" dirty="0" smtClean="0"/>
-              <a:t> APIs (</a:t>
-            </a:r>
-            <a:r>
-              <a:rPr lang="en-US" dirty="0" smtClean="0"/>
-              <a:t>Representational </a:t>
-            </a:r>
-            <a:r>
-              <a:rPr lang="en-US" dirty="0" smtClean="0"/>
-              <a:t>State Transfer)</a:t>
+              <a:t> APIs (Representational State Transfer)</a:t>
             </a:r>
             <a:endParaRPr lang="en-US" dirty="0" smtClean="0">
               <a:solidFill>
@@ -8468,6 +9978,13 @@
   <p:clrMapOvr>
     <a:masterClrMapping/>
   </p:clrMapOvr>
+  <p:timing>
+    <p:tnLst>
+      <p:par>
+        <p:cTn id="1" dur="indefinite" restart="never" nodeType="tmRoot"/>
+      </p:par>
+    </p:tnLst>
+  </p:timing>
 </p:sld>
 </file>
 
@@ -8628,6 +10145,13 @@
   <p:clrMapOvr>
     <a:masterClrMapping/>
   </p:clrMapOvr>
+  <p:timing>
+    <p:tnLst>
+      <p:par>
+        <p:cTn id="1" dur="indefinite" restart="never" nodeType="tmRoot"/>
+      </p:par>
+    </p:tnLst>
+  </p:timing>
 </p:sld>
 </file>
 
@@ -8912,429 +10436,6 @@
           </a:p>
         </p:txBody>
       </p:sp>
-      <p:pic>
-        <p:nvPicPr>
-          <p:cNvPr id="4" name="Grafik 3"/>
-          <p:cNvPicPr>
-            <a:picLocks noChangeAspect="1"/>
-          </p:cNvPicPr>
-          <p:nvPr/>
-        </p:nvPicPr>
-        <p:blipFill>
-          <a:blip r:embed="rId3"/>
-          <a:stretch>
-            <a:fillRect/>
-          </a:stretch>
-        </p:blipFill>
-        <p:spPr>
-          <a:xfrm>
-            <a:off x="7157357" y="1044870"/>
-            <a:ext cx="4267200" cy="3028950"/>
-          </a:xfrm>
-          <a:prstGeom prst="rect">
-            <a:avLst/>
-          </a:prstGeom>
-        </p:spPr>
-      </p:pic>
-      <p:sp>
-        <p:nvSpPr>
-          <p:cNvPr id="5" name="Textfeld 4"/>
-          <p:cNvSpPr txBox="1"/>
-          <p:nvPr/>
-        </p:nvSpPr>
-        <p:spPr>
-          <a:xfrm>
-            <a:off x="6882493" y="4073820"/>
-            <a:ext cx="4816928" cy="1815882"/>
-          </a:xfrm>
-          <a:prstGeom prst="rect">
-            <a:avLst/>
-          </a:prstGeom>
-          <a:noFill/>
-        </p:spPr>
-        <p:txBody>
-          <a:bodyPr wrap="square" rtlCol="0">
-            <a:spAutoFit/>
-          </a:bodyPr>
-          <a:lstStyle/>
-          <a:p>
-            <a:r>
-              <a:rPr lang="en-US" sz="1600" dirty="0">
-                <a:solidFill>
-                  <a:srgbClr val="000000"/>
-                </a:solidFill>
-                <a:latin typeface="Consolas" panose="020B0609020204030204" pitchFamily="49" charset="0"/>
-              </a:rPr>
-              <a:t> </a:t>
-            </a:r>
-            <a:r>
-              <a:rPr lang="en-US" sz="1600" dirty="0">
-                <a:solidFill>
-                  <a:srgbClr val="0000FF"/>
-                </a:solidFill>
-                <a:latin typeface="Consolas" panose="020B0609020204030204" pitchFamily="49" charset="0"/>
-              </a:rPr>
-              <a:t>public</a:t>
-            </a:r>
-            <a:r>
-              <a:rPr lang="en-US" sz="1600" dirty="0">
-                <a:solidFill>
-                  <a:srgbClr val="000000"/>
-                </a:solidFill>
-                <a:latin typeface="Consolas" panose="020B0609020204030204" pitchFamily="49" charset="0"/>
-              </a:rPr>
-              <a:t> </a:t>
-            </a:r>
-            <a:r>
-              <a:rPr lang="en-US" sz="1600" dirty="0">
-                <a:solidFill>
-                  <a:srgbClr val="0000FF"/>
-                </a:solidFill>
-                <a:latin typeface="Consolas" panose="020B0609020204030204" pitchFamily="49" charset="0"/>
-              </a:rPr>
-              <a:t>static</a:t>
-            </a:r>
-            <a:r>
-              <a:rPr lang="en-US" sz="1600" dirty="0">
-                <a:solidFill>
-                  <a:srgbClr val="000000"/>
-                </a:solidFill>
-                <a:latin typeface="Consolas" panose="020B0609020204030204" pitchFamily="49" charset="0"/>
-              </a:rPr>
-              <a:t> </a:t>
-            </a:r>
-            <a:r>
-              <a:rPr lang="en-US" sz="1600" dirty="0" err="1" smtClean="0">
-                <a:solidFill>
-                  <a:srgbClr val="2B91AF"/>
-                </a:solidFill>
-                <a:latin typeface="Consolas" panose="020B0609020204030204" pitchFamily="49" charset="0"/>
-              </a:rPr>
-              <a:t>UserDto</a:t>
-            </a:r>
-            <a:r>
-              <a:rPr lang="en-US" sz="1600" dirty="0" smtClean="0">
-                <a:solidFill>
-                  <a:srgbClr val="000000"/>
-                </a:solidFill>
-                <a:latin typeface="Consolas" panose="020B0609020204030204" pitchFamily="49" charset="0"/>
-              </a:rPr>
-              <a:t> Map(User user) </a:t>
-            </a:r>
-            <a:r>
-              <a:rPr lang="de-DE" sz="1600" dirty="0" smtClean="0">
-                <a:solidFill>
-                  <a:srgbClr val="000000"/>
-                </a:solidFill>
-                <a:latin typeface="Consolas" panose="020B0609020204030204" pitchFamily="49" charset="0"/>
-              </a:rPr>
-              <a:t>{</a:t>
-            </a:r>
-            <a:endParaRPr lang="de-DE" sz="1600" dirty="0">
-              <a:solidFill>
-                <a:srgbClr val="000000"/>
-              </a:solidFill>
-              <a:latin typeface="Consolas" panose="020B0609020204030204" pitchFamily="49" charset="0"/>
-            </a:endParaRPr>
-          </a:p>
-          <a:p>
-            <a:r>
-              <a:rPr lang="de-DE" sz="1600" dirty="0">
-                <a:solidFill>
-                  <a:srgbClr val="000000"/>
-                </a:solidFill>
-                <a:latin typeface="Consolas" panose="020B0609020204030204" pitchFamily="49" charset="0"/>
-              </a:rPr>
-              <a:t>            </a:t>
-            </a:r>
-            <a:r>
-              <a:rPr lang="de-DE" sz="1600" dirty="0" err="1">
-                <a:solidFill>
-                  <a:srgbClr val="0000FF"/>
-                </a:solidFill>
-                <a:latin typeface="Consolas" panose="020B0609020204030204" pitchFamily="49" charset="0"/>
-              </a:rPr>
-              <a:t>return</a:t>
-            </a:r>
-            <a:r>
-              <a:rPr lang="de-DE" sz="1600" dirty="0">
-                <a:solidFill>
-                  <a:srgbClr val="000000"/>
-                </a:solidFill>
-                <a:latin typeface="Consolas" panose="020B0609020204030204" pitchFamily="49" charset="0"/>
-              </a:rPr>
-              <a:t> </a:t>
-            </a:r>
-            <a:r>
-              <a:rPr lang="de-DE" sz="1600" dirty="0" err="1">
-                <a:solidFill>
-                  <a:srgbClr val="0000FF"/>
-                </a:solidFill>
-                <a:latin typeface="Consolas" panose="020B0609020204030204" pitchFamily="49" charset="0"/>
-              </a:rPr>
-              <a:t>new</a:t>
-            </a:r>
-            <a:r>
-              <a:rPr lang="de-DE" sz="1600" dirty="0">
-                <a:solidFill>
-                  <a:srgbClr val="000000"/>
-                </a:solidFill>
-                <a:latin typeface="Consolas" panose="020B0609020204030204" pitchFamily="49" charset="0"/>
-              </a:rPr>
-              <a:t> </a:t>
-            </a:r>
-            <a:r>
-              <a:rPr lang="de-DE" sz="1600" dirty="0" err="1" smtClean="0">
-                <a:solidFill>
-                  <a:srgbClr val="2B91AF"/>
-                </a:solidFill>
-                <a:latin typeface="Consolas" panose="020B0609020204030204" pitchFamily="49" charset="0"/>
-              </a:rPr>
-              <a:t>UserDto</a:t>
-            </a:r>
-            <a:r>
-              <a:rPr lang="de-DE" sz="1600" dirty="0" smtClean="0">
-                <a:solidFill>
-                  <a:srgbClr val="000000"/>
-                </a:solidFill>
-                <a:latin typeface="Consolas" panose="020B0609020204030204" pitchFamily="49" charset="0"/>
-              </a:rPr>
-              <a:t> {</a:t>
-            </a:r>
-            <a:endParaRPr lang="de-DE" sz="1600" dirty="0">
-              <a:solidFill>
-                <a:srgbClr val="000000"/>
-              </a:solidFill>
-              <a:latin typeface="Consolas" panose="020B0609020204030204" pitchFamily="49" charset="0"/>
-            </a:endParaRPr>
-          </a:p>
-          <a:p>
-            <a:r>
-              <a:rPr lang="de-DE" sz="1600" dirty="0">
-                <a:solidFill>
-                  <a:srgbClr val="000000"/>
-                </a:solidFill>
-                <a:latin typeface="Consolas" panose="020B0609020204030204" pitchFamily="49" charset="0"/>
-              </a:rPr>
-              <a:t>            </a:t>
-            </a:r>
-            <a:r>
-              <a:rPr lang="de-DE" sz="1600" dirty="0" smtClean="0">
-                <a:solidFill>
-                  <a:srgbClr val="000000"/>
-                </a:solidFill>
-                <a:latin typeface="Consolas" panose="020B0609020204030204" pitchFamily="49" charset="0"/>
-              </a:rPr>
-              <a:t>	</a:t>
-            </a:r>
-            <a:r>
-              <a:rPr lang="de-DE" sz="1600" dirty="0" err="1" smtClean="0">
-                <a:solidFill>
-                  <a:srgbClr val="000000"/>
-                </a:solidFill>
-                <a:latin typeface="Consolas" panose="020B0609020204030204" pitchFamily="49" charset="0"/>
-              </a:rPr>
-              <a:t>Id</a:t>
-            </a:r>
-            <a:r>
-              <a:rPr lang="de-DE" sz="1600" dirty="0" smtClean="0">
-                <a:solidFill>
-                  <a:srgbClr val="000000"/>
-                </a:solidFill>
-                <a:latin typeface="Consolas" panose="020B0609020204030204" pitchFamily="49" charset="0"/>
-              </a:rPr>
-              <a:t> </a:t>
-            </a:r>
-            <a:r>
-              <a:rPr lang="de-DE" sz="1600" dirty="0">
-                <a:solidFill>
-                  <a:srgbClr val="000000"/>
-                </a:solidFill>
-                <a:latin typeface="Consolas" panose="020B0609020204030204" pitchFamily="49" charset="0"/>
-              </a:rPr>
-              <a:t>= </a:t>
-            </a:r>
-            <a:r>
-              <a:rPr lang="de-DE" sz="1600" dirty="0" err="1" smtClean="0">
-                <a:solidFill>
-                  <a:srgbClr val="000000"/>
-                </a:solidFill>
-                <a:latin typeface="Consolas" panose="020B0609020204030204" pitchFamily="49" charset="0"/>
-              </a:rPr>
-              <a:t>user.Id</a:t>
-            </a:r>
-            <a:r>
-              <a:rPr lang="de-DE" sz="1600" dirty="0" smtClean="0">
-                <a:solidFill>
-                  <a:srgbClr val="000000"/>
-                </a:solidFill>
-                <a:latin typeface="Consolas" panose="020B0609020204030204" pitchFamily="49" charset="0"/>
-              </a:rPr>
-              <a:t>,</a:t>
-            </a:r>
-            <a:r>
-              <a:rPr lang="de-DE" sz="1600" dirty="0">
-                <a:solidFill>
-                  <a:srgbClr val="000000"/>
-                </a:solidFill>
-                <a:latin typeface="Consolas" panose="020B0609020204030204" pitchFamily="49" charset="0"/>
-              </a:rPr>
-              <a:t> </a:t>
-            </a:r>
-            <a:endParaRPr lang="de-DE" sz="1600" dirty="0" smtClean="0">
-              <a:solidFill>
-                <a:srgbClr val="000000"/>
-              </a:solidFill>
-              <a:latin typeface="Consolas" panose="020B0609020204030204" pitchFamily="49" charset="0"/>
-            </a:endParaRPr>
-          </a:p>
-          <a:p>
-            <a:r>
-              <a:rPr lang="de-DE" sz="1600" dirty="0">
-                <a:solidFill>
-                  <a:srgbClr val="000000"/>
-                </a:solidFill>
-                <a:latin typeface="Consolas" panose="020B0609020204030204" pitchFamily="49" charset="0"/>
-              </a:rPr>
-              <a:t>	</a:t>
-            </a:r>
-            <a:r>
-              <a:rPr lang="de-DE" sz="1600" dirty="0" smtClean="0">
-                <a:solidFill>
-                  <a:srgbClr val="000000"/>
-                </a:solidFill>
-                <a:latin typeface="Consolas" panose="020B0609020204030204" pitchFamily="49" charset="0"/>
-              </a:rPr>
-              <a:t>	Status </a:t>
-            </a:r>
-            <a:r>
-              <a:rPr lang="de-DE" sz="1600" dirty="0">
-                <a:solidFill>
-                  <a:srgbClr val="000000"/>
-                </a:solidFill>
-                <a:latin typeface="Consolas" panose="020B0609020204030204" pitchFamily="49" charset="0"/>
-              </a:rPr>
-              <a:t>= </a:t>
-            </a:r>
-            <a:r>
-              <a:rPr lang="de-DE" sz="1600" dirty="0" err="1" smtClean="0">
-                <a:solidFill>
-                  <a:srgbClr val="000000"/>
-                </a:solidFill>
-                <a:latin typeface="Consolas" panose="020B0609020204030204" pitchFamily="49" charset="0"/>
-              </a:rPr>
-              <a:t>user.Status</a:t>
-            </a:r>
-            <a:endParaRPr lang="de-DE" sz="1600" dirty="0" smtClean="0">
-              <a:solidFill>
-                <a:srgbClr val="000000"/>
-              </a:solidFill>
-              <a:latin typeface="Consolas" panose="020B0609020204030204" pitchFamily="49" charset="0"/>
-            </a:endParaRPr>
-          </a:p>
-          <a:p>
-            <a:r>
-              <a:rPr lang="de-DE" sz="1600" dirty="0" smtClean="0">
-                <a:solidFill>
-                  <a:srgbClr val="000000"/>
-                </a:solidFill>
-                <a:latin typeface="Consolas" panose="020B0609020204030204" pitchFamily="49" charset="0"/>
-              </a:rPr>
-              <a:t> </a:t>
-            </a:r>
-            <a:r>
-              <a:rPr lang="de-DE" sz="1600" dirty="0">
-                <a:solidFill>
-                  <a:srgbClr val="000000"/>
-                </a:solidFill>
-                <a:latin typeface="Consolas" panose="020B0609020204030204" pitchFamily="49" charset="0"/>
-              </a:rPr>
-              <a:t>	</a:t>
-            </a:r>
-            <a:r>
-              <a:rPr lang="de-DE" sz="1600" dirty="0" smtClean="0">
-                <a:solidFill>
-                  <a:srgbClr val="000000"/>
-                </a:solidFill>
-                <a:latin typeface="Consolas" panose="020B0609020204030204" pitchFamily="49" charset="0"/>
-              </a:rPr>
-              <a:t>	Name </a:t>
-            </a:r>
-            <a:r>
-              <a:rPr lang="de-DE" sz="1600" dirty="0">
-                <a:solidFill>
-                  <a:srgbClr val="000000"/>
-                </a:solidFill>
-                <a:latin typeface="Consolas" panose="020B0609020204030204" pitchFamily="49" charset="0"/>
-              </a:rPr>
-              <a:t>= </a:t>
-            </a:r>
-            <a:r>
-              <a:rPr lang="de-DE" sz="1600" dirty="0" err="1" smtClean="0">
-                <a:solidFill>
-                  <a:srgbClr val="000000"/>
-                </a:solidFill>
-                <a:latin typeface="Consolas" panose="020B0609020204030204" pitchFamily="49" charset="0"/>
-              </a:rPr>
-              <a:t>user.Name</a:t>
-            </a:r>
-            <a:r>
-              <a:rPr lang="de-DE" sz="1600" dirty="0">
-                <a:solidFill>
-                  <a:srgbClr val="000000"/>
-                </a:solidFill>
-                <a:latin typeface="Consolas" panose="020B0609020204030204" pitchFamily="49" charset="0"/>
-              </a:rPr>
-              <a:t>,</a:t>
-            </a:r>
-          </a:p>
-          <a:p>
-            <a:r>
-              <a:rPr lang="de-DE" sz="1600" dirty="0">
-                <a:solidFill>
-                  <a:srgbClr val="000000"/>
-                </a:solidFill>
-                <a:latin typeface="Consolas" panose="020B0609020204030204" pitchFamily="49" charset="0"/>
-              </a:rPr>
-              <a:t>             </a:t>
-            </a:r>
-            <a:r>
-              <a:rPr lang="de-DE" sz="1600" dirty="0" smtClean="0">
-                <a:solidFill>
-                  <a:srgbClr val="000000"/>
-                </a:solidFill>
-                <a:latin typeface="Consolas" panose="020B0609020204030204" pitchFamily="49" charset="0"/>
-              </a:rPr>
-              <a:t>	};</a:t>
-            </a:r>
-          </a:p>
-          <a:p>
-            <a:r>
-              <a:rPr lang="de-DE" sz="1600" dirty="0">
-                <a:solidFill>
-                  <a:srgbClr val="000000"/>
-                </a:solidFill>
-                <a:latin typeface="Consolas" panose="020B0609020204030204" pitchFamily="49" charset="0"/>
-              </a:rPr>
-              <a:t> </a:t>
-            </a:r>
-            <a:r>
-              <a:rPr lang="de-DE" sz="1600" dirty="0" smtClean="0">
-                <a:solidFill>
-                  <a:srgbClr val="000000"/>
-                </a:solidFill>
-                <a:latin typeface="Consolas" panose="020B0609020204030204" pitchFamily="49" charset="0"/>
-              </a:rPr>
-              <a:t>}</a:t>
-            </a:r>
-            <a:endParaRPr lang="de-DE" sz="1200" dirty="0" smtClean="0">
-              <a:solidFill>
-                <a:schemeClr val="accent3"/>
-              </a:solidFill>
-            </a:endParaRPr>
-          </a:p>
-        </p:txBody>
-      </p:sp>
     </p:spTree>
     <p:extLst>
       <p:ext uri="{BB962C8B-B14F-4D97-AF65-F5344CB8AC3E}">
@@ -9345,6 +10446,13 @@
   <p:clrMapOvr>
     <a:masterClrMapping/>
   </p:clrMapOvr>
+  <p:timing>
+    <p:tnLst>
+      <p:par>
+        <p:cTn id="1" dur="indefinite" restart="never" nodeType="tmRoot"/>
+      </p:par>
+    </p:tnLst>
+  </p:timing>
 </p:sld>
 </file>
 
@@ -9382,239 +10490,73 @@
           <a:p>
             <a:r>
               <a:rPr lang="en-US" dirty="0" smtClean="0"/>
-              <a:t>2.1 ASP.NET Web </a:t>
-            </a:r>
-            <a:r>
-              <a:rPr lang="en-US" dirty="0" err="1" smtClean="0"/>
-              <a:t>Api</a:t>
+              <a:t>1.4 DTO (Data-Transfer-Object</a:t>
             </a:r>
             <a:r>
               <a:rPr lang="en-US" dirty="0" smtClean="0"/>
-              <a:t>: Controller und Routing</a:t>
+              <a:t>) Code Snippet</a:t>
             </a:r>
             <a:endParaRPr lang="en-US" dirty="0"/>
           </a:p>
         </p:txBody>
       </p:sp>
-      <p:sp>
-        <p:nvSpPr>
-          <p:cNvPr id="3" name="Content Placeholder 2"/>
-          <p:cNvSpPr>
-            <a:spLocks noGrp="1"/>
-          </p:cNvSpPr>
-          <p:nvPr>
-            <p:ph sz="quarter" idx="10"/>
-          </p:nvPr>
-        </p:nvSpPr>
+      <p:pic>
+        <p:nvPicPr>
+          <p:cNvPr id="4" name="Grafik 3"/>
+          <p:cNvPicPr>
+            <a:picLocks noChangeAspect="1"/>
+          </p:cNvPicPr>
+          <p:nvPr/>
+        </p:nvPicPr>
+        <p:blipFill>
+          <a:blip r:embed="rId3"/>
+          <a:stretch>
+            <a:fillRect/>
+          </a:stretch>
+        </p:blipFill>
         <p:spPr>
           <a:xfrm>
-            <a:off x="379364" y="1388547"/>
-            <a:ext cx="6383588" cy="5291613"/>
-          </a:xfrm>
-        </p:spPr>
-        <p:txBody>
-          <a:bodyPr/>
-          <a:lstStyle/>
-          <a:p>
-            <a:r>
-              <a:rPr lang="en-US" dirty="0" smtClean="0"/>
-              <a:t>Framework </a:t>
-            </a:r>
-            <a:r>
-              <a:rPr lang="en-US" dirty="0" err="1" smtClean="0"/>
-              <a:t>zum</a:t>
-            </a:r>
-            <a:r>
-              <a:rPr lang="en-US" dirty="0" smtClean="0"/>
-              <a:t> </a:t>
-            </a:r>
-            <a:r>
-              <a:rPr lang="en-US" dirty="0" err="1" smtClean="0"/>
-              <a:t>Entwickeln</a:t>
-            </a:r>
-            <a:r>
-              <a:rPr lang="en-US" dirty="0" smtClean="0"/>
-              <a:t> von REST APIs</a:t>
-            </a:r>
-          </a:p>
-          <a:p>
-            <a:r>
-              <a:rPr lang="en-US" dirty="0" err="1" smtClean="0"/>
-              <a:t>ApiController</a:t>
-            </a:r>
-            <a:r>
-              <a:rPr lang="en-US" dirty="0" smtClean="0"/>
-              <a:t> </a:t>
-            </a:r>
-            <a:r>
-              <a:rPr lang="en-US" dirty="0" err="1" smtClean="0"/>
-              <a:t>verarbeiten</a:t>
-            </a:r>
-            <a:r>
-              <a:rPr lang="en-US" dirty="0" smtClean="0"/>
-              <a:t> REST Requests </a:t>
-            </a:r>
-            <a:br>
-              <a:rPr lang="en-US" dirty="0" smtClean="0"/>
-            </a:br>
-            <a:r>
-              <a:rPr lang="en-US" sz="1600" dirty="0" smtClean="0"/>
-              <a:t>(</a:t>
-            </a:r>
-            <a:r>
-              <a:rPr lang="en-US" sz="1600" dirty="0" err="1" smtClean="0"/>
-              <a:t>ähnlich</a:t>
-            </a:r>
-            <a:r>
-              <a:rPr lang="en-US" sz="1600" dirty="0" smtClean="0"/>
-              <a:t> </a:t>
-            </a:r>
-            <a:r>
-              <a:rPr lang="en-US" sz="1600" dirty="0" err="1" smtClean="0"/>
-              <a:t>zu</a:t>
-            </a:r>
-            <a:r>
-              <a:rPr lang="en-US" sz="1600" dirty="0" smtClean="0"/>
-              <a:t> MVC </a:t>
-            </a:r>
-            <a:r>
-              <a:rPr lang="en-US" sz="1600" dirty="0" err="1" smtClean="0"/>
-              <a:t>Controllern</a:t>
-            </a:r>
-            <a:r>
-              <a:rPr lang="en-US" sz="1600" dirty="0" smtClean="0"/>
-              <a:t>)</a:t>
-            </a:r>
-            <a:endParaRPr lang="en-US" dirty="0" smtClean="0"/>
-          </a:p>
-          <a:p>
-            <a:r>
-              <a:rPr lang="en-US" dirty="0" err="1" smtClean="0"/>
-              <a:t>Für</a:t>
-            </a:r>
-            <a:r>
-              <a:rPr lang="en-US" dirty="0" smtClean="0"/>
-              <a:t> die </a:t>
-            </a:r>
-            <a:r>
-              <a:rPr lang="en-US" dirty="0" err="1" smtClean="0"/>
-              <a:t>Ansteuerung</a:t>
-            </a:r>
-            <a:r>
-              <a:rPr lang="en-US" dirty="0" smtClean="0"/>
-              <a:t> der </a:t>
-            </a:r>
-            <a:r>
-              <a:rPr lang="en-US" dirty="0" err="1" smtClean="0"/>
-              <a:t>Methoden</a:t>
-            </a:r>
-            <a:r>
-              <a:rPr lang="en-US" dirty="0" smtClean="0"/>
-              <a:t> </a:t>
-            </a:r>
-            <a:r>
-              <a:rPr lang="en-US" dirty="0" err="1" smtClean="0"/>
-              <a:t>werden</a:t>
-            </a:r>
-            <a:r>
-              <a:rPr lang="en-US" dirty="0" smtClean="0"/>
-              <a:t> </a:t>
-            </a:r>
-            <a:r>
-              <a:rPr lang="en-US" dirty="0" err="1" smtClean="0"/>
-              <a:t>Routen</a:t>
-            </a:r>
-            <a:r>
-              <a:rPr lang="en-US" dirty="0" smtClean="0"/>
-              <a:t> </a:t>
-            </a:r>
-            <a:r>
-              <a:rPr lang="en-US" dirty="0" err="1" smtClean="0"/>
-              <a:t>benötigt</a:t>
-            </a:r>
-            <a:endParaRPr lang="en-US" dirty="0" smtClean="0"/>
-          </a:p>
-          <a:p>
-            <a:pPr lvl="1"/>
-            <a:r>
-              <a:rPr lang="en-US" dirty="0" smtClean="0">
-                <a:solidFill>
-                  <a:schemeClr val="accent3"/>
-                </a:solidFill>
-              </a:rPr>
-              <a:t>Convention based </a:t>
-            </a:r>
-            <a:r>
-              <a:rPr lang="en-US" dirty="0" smtClean="0">
-                <a:solidFill>
-                  <a:schemeClr val="accent3"/>
-                </a:solidFill>
-              </a:rPr>
-              <a:t>Routing / </a:t>
-            </a:r>
-            <a:r>
-              <a:rPr lang="en-US" dirty="0" err="1" smtClean="0">
-                <a:solidFill>
-                  <a:schemeClr val="accent3"/>
-                </a:solidFill>
-              </a:rPr>
-              <a:t>WebApiConfig</a:t>
-            </a:r>
-            <a:endParaRPr lang="en-US" dirty="0" smtClean="0">
-              <a:solidFill>
-                <a:schemeClr val="accent3"/>
-              </a:solidFill>
-            </a:endParaRPr>
-          </a:p>
-          <a:p>
-            <a:pPr lvl="1"/>
-            <a:r>
-              <a:rPr lang="en-US" dirty="0" smtClean="0">
-                <a:solidFill>
-                  <a:schemeClr val="accent3"/>
-                </a:solidFill>
-              </a:rPr>
-              <a:t>Attribute based </a:t>
-            </a:r>
-            <a:r>
-              <a:rPr lang="en-US" dirty="0" smtClean="0">
-                <a:solidFill>
-                  <a:schemeClr val="accent3"/>
-                </a:solidFill>
-              </a:rPr>
-              <a:t>Routing</a:t>
-            </a:r>
-            <a:endParaRPr lang="en-US" dirty="0">
-              <a:solidFill>
-                <a:schemeClr val="accent3"/>
-              </a:solidFill>
-            </a:endParaRPr>
-          </a:p>
-        </p:txBody>
-      </p:sp>
-      <p:sp>
-        <p:nvSpPr>
-          <p:cNvPr id="5" name="Rechteck 4"/>
-          <p:cNvSpPr/>
-          <p:nvPr/>
-        </p:nvSpPr>
-        <p:spPr>
-          <a:xfrm>
-            <a:off x="7010400" y="1700557"/>
-            <a:ext cx="5180013" cy="1569660"/>
+            <a:off x="587297" y="1545612"/>
+            <a:ext cx="5410731" cy="3840653"/>
           </a:xfrm>
           <a:prstGeom prst="rect">
             <a:avLst/>
           </a:prstGeom>
         </p:spPr>
-        <p:txBody>
-          <a:bodyPr wrap="square">
+      </p:pic>
+      <p:sp>
+        <p:nvSpPr>
+          <p:cNvPr id="5" name="Textfeld 4"/>
+          <p:cNvSpPr txBox="1"/>
+          <p:nvPr/>
+        </p:nvSpPr>
+        <p:spPr>
+          <a:xfrm>
+            <a:off x="3589564" y="4291534"/>
+            <a:ext cx="4816928" cy="1600438"/>
+          </a:xfrm>
+          <a:prstGeom prst="rect">
+            <a:avLst/>
+          </a:prstGeom>
+          <a:noFill/>
+        </p:spPr>
+        <p:txBody>
+          <a:bodyPr wrap="square" rtlCol="0">
             <a:spAutoFit/>
           </a:bodyPr>
           <a:lstStyle/>
           <a:p>
             <a:r>
-              <a:rPr lang="de-DE" sz="1200" dirty="0" err="1">
+              <a:rPr lang="en-US" sz="1400" dirty="0">
+                <a:solidFill>
+                  <a:srgbClr val="000000"/>
+                </a:solidFill>
+                <a:latin typeface="Consolas" panose="020B0609020204030204" pitchFamily="49" charset="0"/>
+              </a:rPr>
+              <a:t> </a:t>
+            </a:r>
+            <a:r>
+              <a:rPr lang="en-US" sz="1400" dirty="0">
                 <a:solidFill>
                   <a:srgbClr val="0000FF"/>
                 </a:solidFill>
@@ -9623,7 +10565,7 @@
               <a:t>public</a:t>
             </a:r>
             <a:r>
-              <a:rPr lang="de-DE" sz="1200" dirty="0">
+              <a:rPr lang="en-US" sz="1400" dirty="0">
                 <a:solidFill>
                   <a:srgbClr val="000000"/>
                 </a:solidFill>
@@ -9632,16 +10574,16 @@
               <a:t> </a:t>
             </a:r>
             <a:r>
-              <a:rPr lang="de-DE" sz="1200" dirty="0" err="1">
+              <a:rPr lang="en-US" sz="1400" dirty="0">
                 <a:solidFill>
                   <a:srgbClr val="0000FF"/>
                 </a:solidFill>
                 <a:latin typeface="Consolas" panose="020B0609020204030204" pitchFamily="49" charset="0"/>
               </a:rPr>
-              <a:t>class</a:t>
-            </a:r>
-            <a:r>
-              <a:rPr lang="de-DE" sz="1200" dirty="0">
+              <a:t>static</a:t>
+            </a:r>
+            <a:r>
+              <a:rPr lang="en-US" sz="1400" dirty="0">
                 <a:solidFill>
                   <a:srgbClr val="000000"/>
                 </a:solidFill>
@@ -9650,33 +10592,33 @@
               <a:t> </a:t>
             </a:r>
             <a:r>
-              <a:rPr lang="de-DE" sz="1200" dirty="0" err="1">
+              <a:rPr lang="en-US" sz="1400" dirty="0" err="1" smtClean="0">
                 <a:solidFill>
                   <a:srgbClr val="2B91AF"/>
                 </a:solidFill>
                 <a:latin typeface="Consolas" panose="020B0609020204030204" pitchFamily="49" charset="0"/>
               </a:rPr>
-              <a:t>PostsController</a:t>
-            </a:r>
-            <a:r>
-              <a:rPr lang="de-DE" sz="1200" dirty="0">
+              <a:t>UserDto</a:t>
+            </a:r>
+            <a:r>
+              <a:rPr lang="en-US" sz="1400" dirty="0" smtClean="0">
                 <a:solidFill>
                   <a:srgbClr val="000000"/>
                 </a:solidFill>
                 <a:latin typeface="Consolas" panose="020B0609020204030204" pitchFamily="49" charset="0"/>
               </a:rPr>
-              <a:t> : </a:t>
-            </a:r>
-            <a:r>
-              <a:rPr lang="de-DE" sz="1200" dirty="0" err="1" smtClean="0">
+              <a:t> Map(User user) </a:t>
+            </a:r>
+            <a:r>
+              <a:rPr lang="de-DE" sz="1400" dirty="0" smtClean="0">
                 <a:solidFill>
                   <a:srgbClr val="000000"/>
                 </a:solidFill>
                 <a:latin typeface="Consolas" panose="020B0609020204030204" pitchFamily="49" charset="0"/>
               </a:rPr>
-              <a:t>ApiController</a:t>
-            </a:r>
-            <a:endParaRPr lang="de-DE" sz="1200" dirty="0">
+              <a:t>{</a:t>
+            </a:r>
+            <a:endParaRPr lang="de-DE" sz="1400" dirty="0">
               <a:solidFill>
                 <a:srgbClr val="000000"/>
               </a:solidFill>
@@ -9685,34 +10627,25 @@
           </a:p>
           <a:p>
             <a:r>
-              <a:rPr lang="de-DE" sz="1200" dirty="0" smtClean="0">
+              <a:rPr lang="de-DE" sz="1400" dirty="0">
                 <a:solidFill>
                   <a:srgbClr val="000000"/>
                 </a:solidFill>
                 <a:latin typeface="Consolas" panose="020B0609020204030204" pitchFamily="49" charset="0"/>
               </a:rPr>
-              <a:t>{</a:t>
-            </a:r>
-            <a:endParaRPr lang="de-DE" sz="1200" dirty="0" smtClean="0">
-              <a:solidFill>
-                <a:srgbClr val="0000FF"/>
-              </a:solidFill>
-              <a:latin typeface="Consolas" panose="020B0609020204030204" pitchFamily="49" charset="0"/>
-            </a:endParaRPr>
-          </a:p>
-          <a:p>
-            <a:pPr lvl="1"/>
-            <a:r>
-              <a:rPr lang="de-DE" sz="1200" dirty="0" err="1" smtClean="0">
+              <a:t>            </a:t>
+            </a:r>
+            <a:r>
+              <a:rPr lang="de-DE" sz="1400" dirty="0" err="1">
                 <a:solidFill>
                   <a:srgbClr val="0000FF"/>
                 </a:solidFill>
                 <a:latin typeface="Consolas" panose="020B0609020204030204" pitchFamily="49" charset="0"/>
               </a:rPr>
-              <a:t>public</a:t>
-            </a:r>
-            <a:r>
-              <a:rPr lang="de-DE" sz="1200" dirty="0" smtClean="0">
+              <a:t>return</a:t>
+            </a:r>
+            <a:r>
+              <a:rPr lang="de-DE" sz="1400" dirty="0">
                 <a:solidFill>
                   <a:srgbClr val="000000"/>
                 </a:solidFill>
@@ -9721,120 +10654,42 @@
               <a:t> </a:t>
             </a:r>
             <a:r>
-              <a:rPr lang="de-DE" sz="1200" dirty="0" err="1">
+              <a:rPr lang="de-DE" sz="1400" dirty="0" err="1">
+                <a:solidFill>
+                  <a:srgbClr val="0000FF"/>
+                </a:solidFill>
+                <a:latin typeface="Consolas" panose="020B0609020204030204" pitchFamily="49" charset="0"/>
+              </a:rPr>
+              <a:t>new</a:t>
+            </a:r>
+            <a:r>
+              <a:rPr lang="de-DE" sz="1400" dirty="0">
+                <a:solidFill>
+                  <a:srgbClr val="000000"/>
+                </a:solidFill>
+                <a:latin typeface="Consolas" panose="020B0609020204030204" pitchFamily="49" charset="0"/>
+              </a:rPr>
+              <a:t> </a:t>
+            </a:r>
+            <a:r>
+              <a:rPr lang="de-DE" sz="1400" dirty="0" err="1" smtClean="0">
                 <a:solidFill>
                   <a:srgbClr val="2B91AF"/>
                 </a:solidFill>
                 <a:latin typeface="Consolas" panose="020B0609020204030204" pitchFamily="49" charset="0"/>
               </a:rPr>
-              <a:t>IEnumerable</a:t>
-            </a:r>
-            <a:r>
-              <a:rPr lang="de-DE" sz="1200" dirty="0">
+              <a:t>UserDto</a:t>
+            </a:r>
+            <a:r>
+              <a:rPr lang="de-DE" sz="1400" dirty="0" smtClean="0">
                 <a:solidFill>
                   <a:srgbClr val="000000"/>
                 </a:solidFill>
                 <a:latin typeface="Consolas" panose="020B0609020204030204" pitchFamily="49" charset="0"/>
               </a:rPr>
-              <a:t>&lt;</a:t>
-            </a:r>
-            <a:r>
-              <a:rPr lang="de-DE" sz="1200" dirty="0" err="1">
-                <a:solidFill>
-                  <a:srgbClr val="2B91AF"/>
-                </a:solidFill>
-                <a:latin typeface="Consolas" panose="020B0609020204030204" pitchFamily="49" charset="0"/>
-              </a:rPr>
-              <a:t>PostDto</a:t>
-            </a:r>
-            <a:r>
-              <a:rPr lang="de-DE" sz="1200" dirty="0">
-                <a:solidFill>
-                  <a:srgbClr val="000000"/>
-                </a:solidFill>
-                <a:latin typeface="Consolas" panose="020B0609020204030204" pitchFamily="49" charset="0"/>
-              </a:rPr>
-              <a:t>&gt; </a:t>
-            </a:r>
-            <a:r>
-              <a:rPr lang="de-DE" sz="1200" dirty="0" err="1">
-                <a:solidFill>
-                  <a:srgbClr val="000000"/>
-                </a:solidFill>
-                <a:latin typeface="Consolas" panose="020B0609020204030204" pitchFamily="49" charset="0"/>
-              </a:rPr>
-              <a:t>Get</a:t>
-            </a:r>
-            <a:r>
-              <a:rPr lang="de-DE" sz="1200" dirty="0">
-                <a:solidFill>
-                  <a:srgbClr val="000000"/>
-                </a:solidFill>
-                <a:latin typeface="Consolas" panose="020B0609020204030204" pitchFamily="49" charset="0"/>
-              </a:rPr>
-              <a:t>()</a:t>
-            </a:r>
-          </a:p>
-          <a:p>
-            <a:pPr lvl="1"/>
-            <a:r>
-              <a:rPr lang="de-DE" sz="1200" dirty="0">
-                <a:solidFill>
-                  <a:srgbClr val="000000"/>
-                </a:solidFill>
-                <a:latin typeface="Consolas" panose="020B0609020204030204" pitchFamily="49" charset="0"/>
-              </a:rPr>
-              <a:t>{</a:t>
-            </a:r>
-          </a:p>
-          <a:p>
-            <a:pPr lvl="1"/>
-            <a:r>
-              <a:rPr lang="de-DE" sz="1200" dirty="0">
-                <a:solidFill>
-                  <a:srgbClr val="000000"/>
-                </a:solidFill>
-                <a:latin typeface="Consolas" panose="020B0609020204030204" pitchFamily="49" charset="0"/>
-              </a:rPr>
-              <a:t>    </a:t>
-            </a:r>
-            <a:r>
-              <a:rPr lang="de-DE" sz="1200" dirty="0" err="1">
-                <a:solidFill>
-                  <a:srgbClr val="0000FF"/>
-                </a:solidFill>
-                <a:latin typeface="Consolas" panose="020B0609020204030204" pitchFamily="49" charset="0"/>
-              </a:rPr>
-              <a:t>return</a:t>
-            </a:r>
-            <a:r>
-              <a:rPr lang="de-DE" sz="1200" dirty="0">
-                <a:solidFill>
-                  <a:srgbClr val="000000"/>
-                </a:solidFill>
-                <a:latin typeface="Consolas" panose="020B0609020204030204" pitchFamily="49" charset="0"/>
-              </a:rPr>
-              <a:t> </a:t>
-            </a:r>
-            <a:r>
-              <a:rPr lang="de-DE" sz="1200" dirty="0" err="1" smtClean="0">
-                <a:solidFill>
-                  <a:srgbClr val="0000FF"/>
-                </a:solidFill>
-                <a:latin typeface="Consolas" panose="020B0609020204030204" pitchFamily="49" charset="0"/>
-              </a:rPr>
-              <a:t>this</a:t>
-            </a:r>
-            <a:r>
-              <a:rPr lang="de-DE" sz="1200" dirty="0" err="1" smtClean="0">
-                <a:solidFill>
-                  <a:srgbClr val="000000"/>
-                </a:solidFill>
-                <a:latin typeface="Consolas" panose="020B0609020204030204" pitchFamily="49" charset="0"/>
-              </a:rPr>
-              <a:t>.db.Posts</a:t>
-            </a:r>
-            <a:endParaRPr lang="de-DE" sz="1200" dirty="0" smtClean="0">
+              <a:t> {</a:t>
+            </a:r>
+            <a:endParaRPr lang="de-DE" sz="1400" dirty="0">
               <a:solidFill>
                 <a:srgbClr val="000000"/>
               </a:solidFill>
@@ -9842,48 +10697,71 @@
             </a:endParaRPr>
           </a:p>
           <a:p>
-            <a:pPr lvl="1"/>
-            <a:r>
-              <a:rPr lang="de-DE" sz="1200" dirty="0">
+            <a:r>
+              <a:rPr lang="de-DE" sz="1400" dirty="0">
                 <a:solidFill>
                   <a:srgbClr val="000000"/>
                 </a:solidFill>
                 <a:latin typeface="Consolas" panose="020B0609020204030204" pitchFamily="49" charset="0"/>
               </a:rPr>
+              <a:t>            </a:t>
+            </a:r>
+            <a:r>
+              <a:rPr lang="de-DE" sz="1400" dirty="0" smtClean="0">
+                <a:solidFill>
+                  <a:srgbClr val="000000"/>
+                </a:solidFill>
+                <a:latin typeface="Consolas" panose="020B0609020204030204" pitchFamily="49" charset="0"/>
+              </a:rPr>
+              <a:t>	</a:t>
+            </a:r>
+            <a:r>
+              <a:rPr lang="de-DE" sz="1400" dirty="0" err="1" smtClean="0">
+                <a:solidFill>
+                  <a:srgbClr val="000000"/>
+                </a:solidFill>
+                <a:latin typeface="Consolas" panose="020B0609020204030204" pitchFamily="49" charset="0"/>
+              </a:rPr>
+              <a:t>Id</a:t>
+            </a:r>
+            <a:r>
+              <a:rPr lang="de-DE" sz="1400" dirty="0" smtClean="0">
+                <a:solidFill>
+                  <a:srgbClr val="000000"/>
+                </a:solidFill>
+                <a:latin typeface="Consolas" panose="020B0609020204030204" pitchFamily="49" charset="0"/>
+              </a:rPr>
               <a:t> </a:t>
             </a:r>
             <a:r>
-              <a:rPr lang="de-DE" sz="1200" dirty="0" smtClean="0">
+              <a:rPr lang="de-DE" sz="1400" dirty="0">
                 <a:solidFill>
                   <a:srgbClr val="000000"/>
                 </a:solidFill>
                 <a:latin typeface="Consolas" panose="020B0609020204030204" pitchFamily="49" charset="0"/>
               </a:rPr>
-              <a:t>                 .</a:t>
-            </a:r>
-            <a:r>
-              <a:rPr lang="de-DE" sz="1200" dirty="0" err="1">
+              <a:t>= </a:t>
+            </a:r>
+            <a:r>
+              <a:rPr lang="de-DE" sz="1400" dirty="0" err="1" smtClean="0">
                 <a:solidFill>
                   <a:srgbClr val="000000"/>
                 </a:solidFill>
                 <a:latin typeface="Consolas" panose="020B0609020204030204" pitchFamily="49" charset="0"/>
               </a:rPr>
-              <a:t>ToList</a:t>
-            </a:r>
-            <a:r>
-              <a:rPr lang="de-DE" sz="1200" dirty="0" smtClean="0">
+              <a:t>user.Id</a:t>
+            </a:r>
+            <a:r>
+              <a:rPr lang="de-DE" sz="1400" dirty="0" smtClean="0">
                 <a:solidFill>
                   <a:srgbClr val="000000"/>
                 </a:solidFill>
                 <a:latin typeface="Consolas" panose="020B0609020204030204" pitchFamily="49" charset="0"/>
               </a:rPr>
-              <a:t>()</a:t>
-            </a:r>
-          </a:p>
-          <a:p>
-            <a:pPr lvl="1"/>
-            <a:r>
-              <a:rPr lang="de-DE" sz="1200" dirty="0">
+              <a:t>,</a:t>
+            </a:r>
+            <a:r>
+              <a:rPr lang="de-DE" sz="1400" dirty="0">
                 <a:solidFill>
                   <a:srgbClr val="000000"/>
                 </a:solidFill>
@@ -9891,324 +10769,7 @@
               </a:rPr>
               <a:t> </a:t>
             </a:r>
-            <a:r>
-              <a:rPr lang="de-DE" sz="1200" dirty="0" smtClean="0">
-                <a:solidFill>
-                  <a:srgbClr val="000000"/>
-                </a:solidFill>
-                <a:latin typeface="Consolas" panose="020B0609020204030204" pitchFamily="49" charset="0"/>
-              </a:rPr>
-              <a:t>                 .</a:t>
-            </a:r>
-            <a:r>
-              <a:rPr lang="de-DE" sz="1200" dirty="0">
-                <a:solidFill>
-                  <a:srgbClr val="000000"/>
-                </a:solidFill>
-                <a:latin typeface="Consolas" panose="020B0609020204030204" pitchFamily="49" charset="0"/>
-              </a:rPr>
-              <a:t>Select(p =&gt; </a:t>
-            </a:r>
-            <a:r>
-              <a:rPr lang="de-DE" sz="1200" dirty="0" err="1">
-                <a:solidFill>
-                  <a:srgbClr val="2B91AF"/>
-                </a:solidFill>
-                <a:latin typeface="Consolas" panose="020B0609020204030204" pitchFamily="49" charset="0"/>
-              </a:rPr>
-              <a:t>PostDto</a:t>
-            </a:r>
-            <a:r>
-              <a:rPr lang="de-DE" sz="1200" dirty="0" err="1">
-                <a:solidFill>
-                  <a:srgbClr val="000000"/>
-                </a:solidFill>
-                <a:latin typeface="Consolas" panose="020B0609020204030204" pitchFamily="49" charset="0"/>
-              </a:rPr>
-              <a:t>.Map</a:t>
-            </a:r>
-            <a:r>
-              <a:rPr lang="de-DE" sz="1200" dirty="0">
-                <a:solidFill>
-                  <a:srgbClr val="000000"/>
-                </a:solidFill>
-                <a:latin typeface="Consolas" panose="020B0609020204030204" pitchFamily="49" charset="0"/>
-              </a:rPr>
-              <a:t>(p));</a:t>
-            </a:r>
-          </a:p>
-          <a:p>
-            <a:pPr lvl="1"/>
-            <a:r>
-              <a:rPr lang="de-DE" sz="1200" dirty="0">
-                <a:solidFill>
-                  <a:srgbClr val="000000"/>
-                </a:solidFill>
-                <a:latin typeface="Consolas" panose="020B0609020204030204" pitchFamily="49" charset="0"/>
-              </a:rPr>
-              <a:t>}</a:t>
-            </a:r>
-            <a:endParaRPr lang="de-DE" sz="1200" dirty="0"/>
-          </a:p>
-        </p:txBody>
-      </p:sp>
-      <p:sp>
-        <p:nvSpPr>
-          <p:cNvPr id="9" name="Rechteck 8"/>
-          <p:cNvSpPr/>
-          <p:nvPr/>
-        </p:nvSpPr>
-        <p:spPr>
-          <a:xfrm>
-            <a:off x="7010400" y="3249523"/>
-            <a:ext cx="6477675" cy="1754326"/>
-          </a:xfrm>
-          <a:prstGeom prst="rect">
-            <a:avLst/>
-          </a:prstGeom>
-        </p:spPr>
-        <p:txBody>
-          <a:bodyPr wrap="square">
-            <a:spAutoFit/>
-          </a:bodyPr>
-          <a:lstStyle/>
-          <a:p>
-            <a:pPr lvl="1"/>
-            <a:r>
-              <a:rPr lang="de-DE" sz="1200" dirty="0">
-                <a:solidFill>
-                  <a:srgbClr val="000000"/>
-                </a:solidFill>
-                <a:latin typeface="Consolas" panose="020B0609020204030204" pitchFamily="49" charset="0"/>
-              </a:rPr>
-              <a:t>[</a:t>
-            </a:r>
-            <a:r>
-              <a:rPr lang="de-DE" sz="1200" dirty="0">
-                <a:solidFill>
-                  <a:srgbClr val="2B91AF"/>
-                </a:solidFill>
-                <a:latin typeface="Consolas" panose="020B0609020204030204" pitchFamily="49" charset="0"/>
-              </a:rPr>
-              <a:t>Route</a:t>
-            </a:r>
-            <a:r>
-              <a:rPr lang="de-DE" sz="1200" dirty="0">
-                <a:solidFill>
-                  <a:srgbClr val="000000"/>
-                </a:solidFill>
-                <a:latin typeface="Consolas" panose="020B0609020204030204" pitchFamily="49" charset="0"/>
-              </a:rPr>
-              <a:t>(</a:t>
-            </a:r>
-            <a:r>
-              <a:rPr lang="de-DE" sz="1200" dirty="0">
-                <a:solidFill>
-                  <a:srgbClr val="A31515"/>
-                </a:solidFill>
-                <a:latin typeface="Consolas" panose="020B0609020204030204" pitchFamily="49" charset="0"/>
-              </a:rPr>
-              <a:t>"</a:t>
-            </a:r>
-            <a:r>
-              <a:rPr lang="de-DE" sz="1200" dirty="0" err="1">
-                <a:solidFill>
-                  <a:srgbClr val="A31515"/>
-                </a:solidFill>
-                <a:latin typeface="Consolas" panose="020B0609020204030204" pitchFamily="49" charset="0"/>
-              </a:rPr>
-              <a:t>api</a:t>
-            </a:r>
-            <a:r>
-              <a:rPr lang="de-DE" sz="1200" dirty="0">
-                <a:solidFill>
-                  <a:srgbClr val="A31515"/>
-                </a:solidFill>
-                <a:latin typeface="Consolas" panose="020B0609020204030204" pitchFamily="49" charset="0"/>
-              </a:rPr>
-              <a:t>/</a:t>
-            </a:r>
-            <a:r>
-              <a:rPr lang="de-DE" sz="1200" dirty="0" err="1">
-                <a:solidFill>
-                  <a:srgbClr val="A31515"/>
-                </a:solidFill>
-                <a:latin typeface="Consolas" panose="020B0609020204030204" pitchFamily="49" charset="0"/>
-              </a:rPr>
-              <a:t>posts</a:t>
-            </a:r>
-            <a:r>
-              <a:rPr lang="de-DE" sz="1200" dirty="0">
-                <a:solidFill>
-                  <a:srgbClr val="A31515"/>
-                </a:solidFill>
-                <a:latin typeface="Consolas" panose="020B0609020204030204" pitchFamily="49" charset="0"/>
-              </a:rPr>
-              <a:t>/</a:t>
-            </a:r>
-            <a:r>
-              <a:rPr lang="de-DE" sz="1200" dirty="0" err="1">
-                <a:solidFill>
-                  <a:srgbClr val="A31515"/>
-                </a:solidFill>
-                <a:latin typeface="Consolas" panose="020B0609020204030204" pitchFamily="49" charset="0"/>
-              </a:rPr>
-              <a:t>latest</a:t>
-            </a:r>
-            <a:r>
-              <a:rPr lang="de-DE" sz="1200" dirty="0">
-                <a:solidFill>
-                  <a:srgbClr val="A31515"/>
-                </a:solidFill>
-                <a:latin typeface="Consolas" panose="020B0609020204030204" pitchFamily="49" charset="0"/>
-              </a:rPr>
-              <a:t>"</a:t>
-            </a:r>
-            <a:r>
-              <a:rPr lang="de-DE" sz="1200" dirty="0">
-                <a:solidFill>
-                  <a:srgbClr val="000000"/>
-                </a:solidFill>
-                <a:latin typeface="Consolas" panose="020B0609020204030204" pitchFamily="49" charset="0"/>
-              </a:rPr>
-              <a:t>)]</a:t>
-            </a:r>
-          </a:p>
-          <a:p>
-            <a:pPr lvl="1"/>
-            <a:r>
-              <a:rPr lang="de-DE" sz="1200" dirty="0" err="1">
-                <a:solidFill>
-                  <a:srgbClr val="0000FF"/>
-                </a:solidFill>
-                <a:latin typeface="Consolas" panose="020B0609020204030204" pitchFamily="49" charset="0"/>
-              </a:rPr>
-              <a:t>public</a:t>
-            </a:r>
-            <a:r>
-              <a:rPr lang="de-DE" sz="1200" dirty="0">
-                <a:solidFill>
-                  <a:srgbClr val="000000"/>
-                </a:solidFill>
-                <a:latin typeface="Consolas" panose="020B0609020204030204" pitchFamily="49" charset="0"/>
-              </a:rPr>
-              <a:t> </a:t>
-            </a:r>
-            <a:r>
-              <a:rPr lang="de-DE" sz="1200" dirty="0" err="1">
-                <a:solidFill>
-                  <a:srgbClr val="2B91AF"/>
-                </a:solidFill>
-                <a:latin typeface="Consolas" panose="020B0609020204030204" pitchFamily="49" charset="0"/>
-              </a:rPr>
-              <a:t>IEnumerable</a:t>
-            </a:r>
-            <a:r>
-              <a:rPr lang="de-DE" sz="1200" dirty="0">
-                <a:solidFill>
-                  <a:srgbClr val="000000"/>
-                </a:solidFill>
-                <a:latin typeface="Consolas" panose="020B0609020204030204" pitchFamily="49" charset="0"/>
-              </a:rPr>
-              <a:t>&lt;</a:t>
-            </a:r>
-            <a:r>
-              <a:rPr lang="de-DE" sz="1200" dirty="0" err="1">
-                <a:solidFill>
-                  <a:srgbClr val="2B91AF"/>
-                </a:solidFill>
-                <a:latin typeface="Consolas" panose="020B0609020204030204" pitchFamily="49" charset="0"/>
-              </a:rPr>
-              <a:t>PostDto</a:t>
-            </a:r>
-            <a:r>
-              <a:rPr lang="de-DE" sz="1200" dirty="0">
-                <a:solidFill>
-                  <a:srgbClr val="000000"/>
-                </a:solidFill>
-                <a:latin typeface="Consolas" panose="020B0609020204030204" pitchFamily="49" charset="0"/>
-              </a:rPr>
-              <a:t>&gt; </a:t>
-            </a:r>
-            <a:r>
-              <a:rPr lang="de-DE" sz="1200" dirty="0" err="1">
-                <a:solidFill>
-                  <a:srgbClr val="000000"/>
-                </a:solidFill>
-                <a:latin typeface="Consolas" panose="020B0609020204030204" pitchFamily="49" charset="0"/>
-              </a:rPr>
-              <a:t>GetLatest</a:t>
-            </a:r>
-            <a:r>
-              <a:rPr lang="de-DE" sz="1200" dirty="0">
-                <a:solidFill>
-                  <a:srgbClr val="000000"/>
-                </a:solidFill>
-                <a:latin typeface="Consolas" panose="020B0609020204030204" pitchFamily="49" charset="0"/>
-              </a:rPr>
-              <a:t>()</a:t>
-            </a:r>
-          </a:p>
-          <a:p>
-            <a:pPr lvl="1"/>
-            <a:r>
-              <a:rPr lang="de-DE" sz="1200" dirty="0">
-                <a:solidFill>
-                  <a:srgbClr val="000000"/>
-                </a:solidFill>
-                <a:latin typeface="Consolas" panose="020B0609020204030204" pitchFamily="49" charset="0"/>
-              </a:rPr>
-              <a:t>{</a:t>
-            </a:r>
-          </a:p>
-          <a:p>
-            <a:pPr lvl="1"/>
-            <a:r>
-              <a:rPr lang="de-DE" sz="1200" dirty="0">
-                <a:solidFill>
-                  <a:srgbClr val="000000"/>
-                </a:solidFill>
-                <a:latin typeface="Consolas" panose="020B0609020204030204" pitchFamily="49" charset="0"/>
-              </a:rPr>
-              <a:t>    </a:t>
-            </a:r>
-            <a:r>
-              <a:rPr lang="de-DE" sz="1200" dirty="0" err="1">
-                <a:solidFill>
-                  <a:srgbClr val="0000FF"/>
-                </a:solidFill>
-                <a:latin typeface="Consolas" panose="020B0609020204030204" pitchFamily="49" charset="0"/>
-              </a:rPr>
-              <a:t>return</a:t>
-            </a:r>
-            <a:r>
-              <a:rPr lang="de-DE" sz="1200" dirty="0">
-                <a:solidFill>
-                  <a:srgbClr val="000000"/>
-                </a:solidFill>
-                <a:latin typeface="Consolas" panose="020B0609020204030204" pitchFamily="49" charset="0"/>
-              </a:rPr>
-              <a:t> </a:t>
-            </a:r>
-            <a:r>
-              <a:rPr lang="de-DE" sz="1200" dirty="0" err="1" smtClean="0">
-                <a:solidFill>
-                  <a:srgbClr val="0000FF"/>
-                </a:solidFill>
-                <a:latin typeface="Consolas" panose="020B0609020204030204" pitchFamily="49" charset="0"/>
-              </a:rPr>
-              <a:t>this</a:t>
-            </a:r>
-            <a:r>
-              <a:rPr lang="de-DE" sz="1200" dirty="0" err="1" smtClean="0">
-                <a:solidFill>
-                  <a:srgbClr val="000000"/>
-                </a:solidFill>
-                <a:latin typeface="Consolas" panose="020B0609020204030204" pitchFamily="49" charset="0"/>
-              </a:rPr>
-              <a:t>.db.Posts</a:t>
-            </a:r>
-            <a:endParaRPr lang="de-DE" sz="1200" dirty="0" smtClean="0">
+            <a:endParaRPr lang="de-DE" sz="1400" dirty="0" smtClean="0">
               <a:solidFill>
                 <a:srgbClr val="000000"/>
               </a:solidFill>
@@ -10216,193 +10777,169 @@
             </a:endParaRPr>
           </a:p>
           <a:p>
-            <a:pPr lvl="1"/>
-            <a:r>
-              <a:rPr lang="de-DE" sz="1200" dirty="0">
+            <a:r>
+              <a:rPr lang="de-DE" sz="1400" dirty="0">
                 <a:solidFill>
                   <a:srgbClr val="000000"/>
                 </a:solidFill>
                 <a:latin typeface="Consolas" panose="020B0609020204030204" pitchFamily="49" charset="0"/>
               </a:rPr>
+              <a:t>	</a:t>
+            </a:r>
+            <a:r>
+              <a:rPr lang="de-DE" sz="1400" dirty="0" smtClean="0">
+                <a:solidFill>
+                  <a:srgbClr val="000000"/>
+                </a:solidFill>
+                <a:latin typeface="Consolas" panose="020B0609020204030204" pitchFamily="49" charset="0"/>
+              </a:rPr>
+              <a:t>	Status </a:t>
+            </a:r>
+            <a:r>
+              <a:rPr lang="de-DE" sz="1400" dirty="0">
+                <a:solidFill>
+                  <a:srgbClr val="000000"/>
+                </a:solidFill>
+                <a:latin typeface="Consolas" panose="020B0609020204030204" pitchFamily="49" charset="0"/>
+              </a:rPr>
+              <a:t>= </a:t>
+            </a:r>
+            <a:r>
+              <a:rPr lang="de-DE" sz="1400" dirty="0" err="1" smtClean="0">
+                <a:solidFill>
+                  <a:srgbClr val="000000"/>
+                </a:solidFill>
+                <a:latin typeface="Consolas" panose="020B0609020204030204" pitchFamily="49" charset="0"/>
+              </a:rPr>
+              <a:t>user.Status</a:t>
+            </a:r>
+            <a:endParaRPr lang="de-DE" sz="1400" dirty="0" smtClean="0">
+              <a:solidFill>
+                <a:srgbClr val="000000"/>
+              </a:solidFill>
+              <a:latin typeface="Consolas" panose="020B0609020204030204" pitchFamily="49" charset="0"/>
+            </a:endParaRPr>
+          </a:p>
+          <a:p>
+            <a:r>
+              <a:rPr lang="de-DE" sz="1400" dirty="0" smtClean="0">
+                <a:solidFill>
+                  <a:srgbClr val="000000"/>
+                </a:solidFill>
+                <a:latin typeface="Consolas" panose="020B0609020204030204" pitchFamily="49" charset="0"/>
+              </a:rPr>
               <a:t> </a:t>
             </a:r>
             <a:r>
-              <a:rPr lang="de-DE" sz="1200" dirty="0" smtClean="0">
+              <a:rPr lang="de-DE" sz="1400" dirty="0">
                 <a:solidFill>
                   <a:srgbClr val="000000"/>
                 </a:solidFill>
                 <a:latin typeface="Consolas" panose="020B0609020204030204" pitchFamily="49" charset="0"/>
               </a:rPr>
-              <a:t>                 .</a:t>
-            </a:r>
-            <a:r>
-              <a:rPr lang="de-DE" sz="1200" dirty="0" err="1" smtClean="0">
+              <a:t>	</a:t>
+            </a:r>
+            <a:r>
+              <a:rPr lang="de-DE" sz="1400" dirty="0" smtClean="0">
                 <a:solidFill>
                   <a:srgbClr val="000000"/>
                 </a:solidFill>
                 <a:latin typeface="Consolas" panose="020B0609020204030204" pitchFamily="49" charset="0"/>
               </a:rPr>
-              <a:t>OrderByDescending</a:t>
-            </a:r>
-            <a:r>
-              <a:rPr lang="de-DE" sz="1200" dirty="0" smtClean="0">
+              <a:t>	Name </a:t>
+            </a:r>
+            <a:r>
+              <a:rPr lang="de-DE" sz="1400" dirty="0">
                 <a:solidFill>
                   <a:srgbClr val="000000"/>
                 </a:solidFill>
                 <a:latin typeface="Consolas" panose="020B0609020204030204" pitchFamily="49" charset="0"/>
               </a:rPr>
-              <a:t>(o </a:t>
-            </a:r>
-            <a:r>
-              <a:rPr lang="de-DE" sz="1200" dirty="0">
+              <a:t>= </a:t>
+            </a:r>
+            <a:r>
+              <a:rPr lang="de-DE" sz="1400" dirty="0" err="1" smtClean="0">
                 <a:solidFill>
                   <a:srgbClr val="000000"/>
                 </a:solidFill>
                 <a:latin typeface="Consolas" panose="020B0609020204030204" pitchFamily="49" charset="0"/>
               </a:rPr>
-              <a:t>=&gt; </a:t>
-            </a:r>
-            <a:r>
-              <a:rPr lang="de-DE" sz="1200" dirty="0" err="1">
+              <a:t>user.Name</a:t>
+            </a:r>
+            <a:r>
+              <a:rPr lang="de-DE" sz="1400" dirty="0">
                 <a:solidFill>
                   <a:srgbClr val="000000"/>
                 </a:solidFill>
                 <a:latin typeface="Consolas" panose="020B0609020204030204" pitchFamily="49" charset="0"/>
               </a:rPr>
-              <a:t>o.Created</a:t>
-            </a:r>
-            <a:r>
-              <a:rPr lang="de-DE" sz="1200" dirty="0" smtClean="0">
+              <a:t>,</a:t>
+            </a:r>
+          </a:p>
+          <a:p>
+            <a:r>
+              <a:rPr lang="de-DE" sz="1400" dirty="0">
                 <a:solidFill>
                   <a:srgbClr val="000000"/>
                 </a:solidFill>
                 <a:latin typeface="Consolas" panose="020B0609020204030204" pitchFamily="49" charset="0"/>
               </a:rPr>
-              <a:t>)</a:t>
-            </a:r>
-          </a:p>
-          <a:p>
-            <a:pPr lvl="1"/>
-            <a:r>
-              <a:rPr lang="de-DE" sz="1200" dirty="0" smtClean="0">
+              <a:t>             </a:t>
+            </a:r>
+            <a:r>
+              <a:rPr lang="de-DE" sz="1400" dirty="0" smtClean="0">
                 <a:solidFill>
                   <a:srgbClr val="000000"/>
                 </a:solidFill>
                 <a:latin typeface="Consolas" panose="020B0609020204030204" pitchFamily="49" charset="0"/>
               </a:rPr>
-              <a:t>                  .</a:t>
-            </a:r>
-            <a:r>
-              <a:rPr lang="de-DE" sz="1200" dirty="0" err="1">
+              <a:t>	};</a:t>
+            </a:r>
+          </a:p>
+          <a:p>
+            <a:r>
+              <a:rPr lang="de-DE" sz="1400" dirty="0">
                 <a:solidFill>
                   <a:srgbClr val="000000"/>
                 </a:solidFill>
                 <a:latin typeface="Consolas" panose="020B0609020204030204" pitchFamily="49" charset="0"/>
               </a:rPr>
-              <a:t>ToList</a:t>
-            </a:r>
-            <a:r>
-              <a:rPr lang="de-DE" sz="1200" dirty="0" smtClean="0">
+              <a:t> </a:t>
+            </a:r>
+            <a:r>
+              <a:rPr lang="de-DE" sz="1400" dirty="0" smtClean="0">
                 <a:solidFill>
                   <a:srgbClr val="000000"/>
                 </a:solidFill>
                 <a:latin typeface="Consolas" panose="020B0609020204030204" pitchFamily="49" charset="0"/>
               </a:rPr>
-              <a:t>()</a:t>
-            </a:r>
-          </a:p>
-          <a:p>
-            <a:pPr lvl="1"/>
-            <a:r>
-              <a:rPr lang="de-DE" sz="1200" dirty="0">
-                <a:solidFill>
-                  <a:srgbClr val="000000"/>
-                </a:solidFill>
-                <a:latin typeface="Consolas" panose="020B0609020204030204" pitchFamily="49" charset="0"/>
-              </a:rPr>
-              <a:t> </a:t>
-            </a:r>
-            <a:r>
-              <a:rPr lang="de-DE" sz="1200" dirty="0" smtClean="0">
-                <a:solidFill>
-                  <a:srgbClr val="000000"/>
-                </a:solidFill>
-                <a:latin typeface="Consolas" panose="020B0609020204030204" pitchFamily="49" charset="0"/>
-              </a:rPr>
-              <a:t>                 .</a:t>
-            </a:r>
-            <a:r>
-              <a:rPr lang="de-DE" sz="1200" dirty="0">
-                <a:solidFill>
-                  <a:srgbClr val="000000"/>
-                </a:solidFill>
-                <a:latin typeface="Consolas" panose="020B0609020204030204" pitchFamily="49" charset="0"/>
-              </a:rPr>
-              <a:t>Select(p =&gt; </a:t>
-            </a:r>
-            <a:r>
-              <a:rPr lang="de-DE" sz="1200" dirty="0" err="1">
-                <a:solidFill>
-                  <a:srgbClr val="2B91AF"/>
-                </a:solidFill>
-                <a:latin typeface="Consolas" panose="020B0609020204030204" pitchFamily="49" charset="0"/>
-              </a:rPr>
-              <a:t>PostDto</a:t>
-            </a:r>
-            <a:r>
-              <a:rPr lang="de-DE" sz="1200" dirty="0" err="1">
-                <a:solidFill>
-                  <a:srgbClr val="000000"/>
-                </a:solidFill>
-                <a:latin typeface="Consolas" panose="020B0609020204030204" pitchFamily="49" charset="0"/>
-              </a:rPr>
-              <a:t>.Map</a:t>
-            </a:r>
-            <a:r>
-              <a:rPr lang="de-DE" sz="1200" dirty="0">
-                <a:solidFill>
-                  <a:srgbClr val="000000"/>
-                </a:solidFill>
-                <a:latin typeface="Consolas" panose="020B0609020204030204" pitchFamily="49" charset="0"/>
-              </a:rPr>
-              <a:t>(p));</a:t>
-            </a:r>
-          </a:p>
-          <a:p>
-            <a:pPr lvl="1"/>
-            <a:r>
-              <a:rPr lang="de-DE" sz="1200" dirty="0" smtClean="0">
-                <a:solidFill>
-                  <a:srgbClr val="000000"/>
-                </a:solidFill>
-                <a:latin typeface="Consolas" panose="020B0609020204030204" pitchFamily="49" charset="0"/>
-              </a:rPr>
               <a:t>}</a:t>
             </a:r>
-          </a:p>
-          <a:p>
-            <a:r>
-              <a:rPr lang="de-DE" sz="1200" dirty="0" smtClean="0">
-                <a:solidFill>
-                  <a:srgbClr val="000000"/>
-                </a:solidFill>
-                <a:latin typeface="Consolas" panose="020B0609020204030204" pitchFamily="49" charset="0"/>
-              </a:rPr>
-              <a:t>}	</a:t>
-            </a:r>
+            <a:endParaRPr lang="de-DE" sz="1400" dirty="0" smtClean="0">
+              <a:solidFill>
+                <a:schemeClr val="accent3"/>
+              </a:solidFill>
+            </a:endParaRPr>
           </a:p>
         </p:txBody>
       </p:sp>
     </p:spTree>
     <p:extLst>
       <p:ext uri="{BB962C8B-B14F-4D97-AF65-F5344CB8AC3E}">
-        <p14:creationId xmlns:p14="http://schemas.microsoft.com/office/powerpoint/2010/main" val="200086261"/>
+        <p14:creationId xmlns:p14="http://schemas.microsoft.com/office/powerpoint/2010/main" val="3825199068"/>
       </p:ext>
     </p:extLst>
   </p:cSld>
   <p:clrMapOvr>
     <a:masterClrMapping/>
   </p:clrMapOvr>
+  <p:timing>
+    <p:tnLst>
+      <p:par>
+        <p:cTn id="1" dur="indefinite" restart="never" nodeType="tmRoot"/>
+      </p:par>
+    </p:tnLst>
+  </p:timing>
 </p:sld>
 </file>
 
